--- a/세미나 자료/C++ 세미나 세 번째.pptx
+++ b/세미나 자료/C++ 세미나 세 번째.pptx
@@ -5,7 +5,7 @@
     <p:sldMasterId id="2147483648" r:id="rId1"/>
   </p:sldMasterIdLst>
   <p:notesMasterIdLst>
-    <p:notesMasterId r:id="rId9"/>
+    <p:notesMasterId r:id="rId12"/>
   </p:notesMasterIdLst>
   <p:sldIdLst>
     <p:sldId id="256" r:id="rId2"/>
@@ -15,6 +15,9 @@
     <p:sldId id="260" r:id="rId6"/>
     <p:sldId id="261" r:id="rId7"/>
     <p:sldId id="262" r:id="rId8"/>
+    <p:sldId id="263" r:id="rId9"/>
+    <p:sldId id="264" r:id="rId10"/>
+    <p:sldId id="265" r:id="rId11"/>
   </p:sldIdLst>
   <p:sldSz cx="12192000" cy="6858000"/>
   <p:notesSz cx="6858000" cy="9144000"/>
@@ -203,7 +206,7 @@
           <a:p>
             <a:fld id="{C5FD5ABF-119A-4B9A-A3F7-B2F31820663F}" type="datetimeFigureOut">
               <a:rPr lang="ko-KR" altLang="en-US" smtClean="0"/>
-              <a:t>2024-06-18</a:t>
+              <a:t>2024-06-19</a:t>
             </a:fld>
             <a:endParaRPr lang="ko-KR" altLang="en-US"/>
           </a:p>
@@ -1217,7 +1220,7 @@
             <a:fld id="{B61BEF0D-F0BB-DE4B-95CE-6DB70DBA9567}" type="datetimeFigureOut">
               <a:rPr lang="en-US" dirty="0"/>
               <a:pPr/>
-              <a:t>6/18/2024</a:t>
+              <a:t>6/19/2024</a:t>
             </a:fld>
             <a:endParaRPr lang="en-US" dirty="0"/>
           </a:p>
@@ -1465,7 +1468,7 @@
             <a:fld id="{B61BEF0D-F0BB-DE4B-95CE-6DB70DBA9567}" type="datetimeFigureOut">
               <a:rPr lang="en-US" dirty="0"/>
               <a:pPr/>
-              <a:t>6/18/2024</a:t>
+              <a:t>6/19/2024</a:t>
             </a:fld>
             <a:endParaRPr lang="en-US" dirty="0"/>
           </a:p>
@@ -1776,7 +1779,7 @@
             <a:fld id="{B61BEF0D-F0BB-DE4B-95CE-6DB70DBA9567}" type="datetimeFigureOut">
               <a:rPr lang="en-US" dirty="0"/>
               <a:pPr/>
-              <a:t>6/18/2024</a:t>
+              <a:t>6/19/2024</a:t>
             </a:fld>
             <a:endParaRPr lang="en-US" dirty="0"/>
           </a:p>
@@ -2106,7 +2109,7 @@
             <a:fld id="{B61BEF0D-F0BB-DE4B-95CE-6DB70DBA9567}" type="datetimeFigureOut">
               <a:rPr lang="en-US" dirty="0"/>
               <a:pPr/>
-              <a:t>6/18/2024</a:t>
+              <a:t>6/19/2024</a:t>
             </a:fld>
             <a:endParaRPr lang="en-US" dirty="0"/>
           </a:p>
@@ -2417,7 +2420,7 @@
             <a:fld id="{B61BEF0D-F0BB-DE4B-95CE-6DB70DBA9567}" type="datetimeFigureOut">
               <a:rPr lang="en-US" dirty="0"/>
               <a:pPr/>
-              <a:t>6/18/2024</a:t>
+              <a:t>6/19/2024</a:t>
             </a:fld>
             <a:endParaRPr lang="en-US" dirty="0"/>
           </a:p>
@@ -2807,7 +2810,7 @@
             <a:fld id="{B61BEF0D-F0BB-DE4B-95CE-6DB70DBA9567}" type="datetimeFigureOut">
               <a:rPr lang="en-US" dirty="0"/>
               <a:pPr/>
-              <a:t>6/18/2024</a:t>
+              <a:t>6/19/2024</a:t>
             </a:fld>
             <a:endParaRPr lang="en-US" dirty="0"/>
           </a:p>
@@ -2973,7 +2976,7 @@
           <a:p>
             <a:fld id="{55C6B4A9-1611-4792-9094-5F34BCA07E0B}" type="datetimeFigureOut">
               <a:rPr lang="en-US" dirty="0"/>
-              <a:t>6/18/2024</a:t>
+              <a:t>6/19/2024</a:t>
             </a:fld>
             <a:endParaRPr lang="en-US" dirty="0"/>
           </a:p>
@@ -3149,7 +3152,7 @@
             <a:fld id="{B61BEF0D-F0BB-DE4B-95CE-6DB70DBA9567}" type="datetimeFigureOut">
               <a:rPr lang="en-US" dirty="0"/>
               <a:pPr/>
-              <a:t>6/18/2024</a:t>
+              <a:t>6/19/2024</a:t>
             </a:fld>
             <a:endParaRPr lang="en-US" dirty="0"/>
           </a:p>
@@ -3315,7 +3318,7 @@
           <a:p>
             <a:fld id="{42A54C80-263E-416B-A8E0-580EDEADCBDC}" type="datetimeFigureOut">
               <a:rPr lang="en-US" dirty="0"/>
-              <a:t>6/18/2024</a:t>
+              <a:t>6/19/2024</a:t>
             </a:fld>
             <a:endParaRPr lang="en-US" dirty="0"/>
           </a:p>
@@ -3558,7 +3561,7 @@
             <a:fld id="{B61BEF0D-F0BB-DE4B-95CE-6DB70DBA9567}" type="datetimeFigureOut">
               <a:rPr lang="en-US" dirty="0"/>
               <a:pPr/>
-              <a:t>6/18/2024</a:t>
+              <a:t>6/19/2024</a:t>
             </a:fld>
             <a:endParaRPr lang="en-US" dirty="0"/>
           </a:p>
@@ -3786,7 +3789,7 @@
           <a:p>
             <a:fld id="{42A54C80-263E-416B-A8E0-580EDEADCBDC}" type="datetimeFigureOut">
               <a:rPr lang="en-US" dirty="0"/>
-              <a:t>6/18/2024</a:t>
+              <a:t>6/19/2024</a:t>
             </a:fld>
             <a:endParaRPr lang="en-US" dirty="0"/>
           </a:p>
@@ -4156,7 +4159,7 @@
             <a:fld id="{B61BEF0D-F0BB-DE4B-95CE-6DB70DBA9567}" type="datetimeFigureOut">
               <a:rPr lang="en-US" dirty="0"/>
               <a:pPr/>
-              <a:t>6/18/2024</a:t>
+              <a:t>6/19/2024</a:t>
             </a:fld>
             <a:endParaRPr lang="en-US" dirty="0"/>
           </a:p>
@@ -4276,7 +4279,7 @@
             <a:fld id="{B61BEF0D-F0BB-DE4B-95CE-6DB70DBA9567}" type="datetimeFigureOut">
               <a:rPr lang="en-US" dirty="0"/>
               <a:pPr/>
-              <a:t>6/18/2024</a:t>
+              <a:t>6/19/2024</a:t>
             </a:fld>
             <a:endParaRPr lang="en-US" dirty="0"/>
           </a:p>
@@ -4368,7 +4371,7 @@
             <a:fld id="{B61BEF0D-F0BB-DE4B-95CE-6DB70DBA9567}" type="datetimeFigureOut">
               <a:rPr lang="en-US" dirty="0"/>
               <a:pPr/>
-              <a:t>6/18/2024</a:t>
+              <a:t>6/19/2024</a:t>
             </a:fld>
             <a:endParaRPr lang="en-US" dirty="0"/>
           </a:p>
@@ -4619,7 +4622,7 @@
           <a:p>
             <a:fld id="{42A54C80-263E-416B-A8E0-580EDEADCBDC}" type="datetimeFigureOut">
               <a:rPr lang="en-US" dirty="0"/>
-              <a:t>6/18/2024</a:t>
+              <a:t>6/19/2024</a:t>
             </a:fld>
             <a:endParaRPr lang="en-US" dirty="0"/>
           </a:p>
@@ -4921,7 +4924,7 @@
             <a:fld id="{B61BEF0D-F0BB-DE4B-95CE-6DB70DBA9567}" type="datetimeFigureOut">
               <a:rPr lang="en-US" dirty="0"/>
               <a:pPr/>
-              <a:t>6/18/2024</a:t>
+              <a:t>6/19/2024</a:t>
             </a:fld>
             <a:endParaRPr lang="en-US" dirty="0"/>
           </a:p>
@@ -5619,7 +5622,7 @@
             <a:fld id="{B61BEF0D-F0BB-DE4B-95CE-6DB70DBA9567}" type="datetimeFigureOut">
               <a:rPr lang="en-US" dirty="0"/>
               <a:pPr/>
-              <a:t>6/18/2024</a:t>
+              <a:t>6/19/2024</a:t>
             </a:fld>
             <a:endParaRPr lang="en-US" dirty="0"/>
           </a:p>
@@ -6210,6 +6213,1102 @@
 </p:sld>
 </file>
 
+<file path=ppt/slides/slide10.xml><?xml version="1.0" encoding="utf-8"?>
+<p:sld xmlns:a="http://schemas.openxmlformats.org/drawingml/2006/main" xmlns:r="http://schemas.openxmlformats.org/officeDocument/2006/relationships" xmlns:p="http://schemas.openxmlformats.org/presentationml/2006/main">
+  <p:cSld>
+    <p:spTree>
+      <p:nvGrpSpPr>
+        <p:cNvPr id="1" name=""/>
+        <p:cNvGrpSpPr/>
+        <p:nvPr/>
+      </p:nvGrpSpPr>
+      <p:grpSpPr>
+        <a:xfrm>
+          <a:off x="0" y="0"/>
+          <a:ext cx="0" cy="0"/>
+          <a:chOff x="0" y="0"/>
+          <a:chExt cx="0" cy="0"/>
+        </a:xfrm>
+      </p:grpSpPr>
+      <p:sp>
+        <p:nvSpPr>
+          <p:cNvPr id="3" name="제목 1"/>
+          <p:cNvSpPr txBox="1">
+            <a:spLocks/>
+          </p:cNvSpPr>
+          <p:nvPr/>
+        </p:nvSpPr>
+        <p:spPr>
+          <a:xfrm>
+            <a:off x="941371" y="150454"/>
+            <a:ext cx="4015984" cy="656854"/>
+          </a:xfrm>
+          <a:prstGeom prst="rect">
+            <a:avLst/>
+          </a:prstGeom>
+        </p:spPr>
+        <p:txBody>
+          <a:bodyPr rtlCol="0" anchor="ctr"/>
+          <a:lstStyle>
+            <a:lvl1pPr algn="l" defTabSz="914400" rtl="0" eaLnBrk="1" latinLnBrk="1" hangingPunct="1">
+              <a:spcBef>
+                <a:spcPct val="0"/>
+              </a:spcBef>
+              <a:buNone/>
+              <a:defRPr sz="2400" b="1" kern="1200">
+                <a:solidFill>
+                  <a:schemeClr val="bg1"/>
+                </a:solidFill>
+                <a:latin typeface="Calibri" pitchFamily="34" charset="0"/>
+                <a:ea typeface="LG스마트체 Bold" panose="020B0600000101010101" pitchFamily="50" charset="-127"/>
+                <a:cs typeface="+mj-cs"/>
+              </a:defRPr>
+            </a:lvl1pPr>
+          </a:lstStyle>
+          <a:p>
+            <a:r>
+              <a:rPr lang="en-US" altLang="ko-KR" sz="2200" dirty="0" smtClean="0">
+                <a:solidFill>
+                  <a:schemeClr val="tx1"/>
+                </a:solidFill>
+                <a:latin typeface="LG Smart UI Regular" panose="020B0500000101010101" pitchFamily="50" charset="-127"/>
+                <a:ea typeface="LG Smart UI Regular" panose="020B0500000101010101" pitchFamily="50" charset="-127"/>
+                <a:cs typeface="KoPubWorld바탕체 Bold" panose="00000800000000000000" pitchFamily="2" charset="-127"/>
+              </a:rPr>
+              <a:t>118 ~ 119 friend </a:t>
+            </a:r>
+            <a:r>
+              <a:rPr lang="ko-KR" altLang="en-US" sz="2200" dirty="0" smtClean="0">
+                <a:solidFill>
+                  <a:schemeClr val="tx1"/>
+                </a:solidFill>
+                <a:latin typeface="LG Smart UI Regular" panose="020B0500000101010101" pitchFamily="50" charset="-127"/>
+                <a:ea typeface="LG Smart UI Regular" panose="020B0500000101010101" pitchFamily="50" charset="-127"/>
+                <a:cs typeface="KoPubWorld바탕체 Bold" panose="00000800000000000000" pitchFamily="2" charset="-127"/>
+              </a:rPr>
+              <a:t>함수 및 클래스</a:t>
+            </a:r>
+            <a:endParaRPr lang="en-US" altLang="ko-KR" sz="2200" dirty="0" smtClean="0">
+              <a:solidFill>
+                <a:schemeClr val="tx1"/>
+              </a:solidFill>
+              <a:latin typeface="LG Smart UI Regular" panose="020B0500000101010101" pitchFamily="50" charset="-127"/>
+              <a:ea typeface="LG Smart UI Regular" panose="020B0500000101010101" pitchFamily="50" charset="-127"/>
+              <a:cs typeface="KoPubWorld바탕체 Bold" panose="00000800000000000000" pitchFamily="2" charset="-127"/>
+            </a:endParaRPr>
+          </a:p>
+        </p:txBody>
+      </p:sp>
+      <p:sp>
+        <p:nvSpPr>
+          <p:cNvPr id="5" name="제목 1"/>
+          <p:cNvSpPr txBox="1">
+            <a:spLocks/>
+          </p:cNvSpPr>
+          <p:nvPr/>
+        </p:nvSpPr>
+        <p:spPr>
+          <a:xfrm>
+            <a:off x="1584293" y="1214846"/>
+            <a:ext cx="6207700" cy="4898571"/>
+          </a:xfrm>
+          <a:prstGeom prst="rect">
+            <a:avLst/>
+          </a:prstGeom>
+        </p:spPr>
+        <p:txBody>
+          <a:bodyPr rtlCol="0" anchor="ctr"/>
+          <a:lstStyle>
+            <a:lvl1pPr algn="l" defTabSz="914400" rtl="0" eaLnBrk="1" latinLnBrk="1" hangingPunct="1">
+              <a:spcBef>
+                <a:spcPct val="0"/>
+              </a:spcBef>
+              <a:buNone/>
+              <a:defRPr sz="2400" b="1" kern="1200">
+                <a:solidFill>
+                  <a:schemeClr val="bg1"/>
+                </a:solidFill>
+                <a:latin typeface="Calibri" pitchFamily="34" charset="0"/>
+                <a:ea typeface="LG스마트체 Bold" panose="020B0600000101010101" pitchFamily="50" charset="-127"/>
+                <a:cs typeface="+mj-cs"/>
+              </a:defRPr>
+            </a:lvl1pPr>
+          </a:lstStyle>
+          <a:p>
+            <a:r>
+              <a:rPr lang="en-US" altLang="ko-KR" sz="1230" b="0" dirty="0" smtClean="0">
+                <a:solidFill>
+                  <a:schemeClr val="tx1"/>
+                </a:solidFill>
+                <a:latin typeface="LG Smart UI Regular" panose="020B0500000101010101" pitchFamily="50" charset="-127"/>
+                <a:ea typeface="LG Smart UI Regular" panose="020B0500000101010101" pitchFamily="50" charset="-127"/>
+                <a:cs typeface="KoPubWorld바탕체 Bold" panose="00000800000000000000" pitchFamily="2" charset="-127"/>
+              </a:rPr>
+              <a:t>class Class1{</a:t>
+            </a:r>
+            <a:endParaRPr lang="en-US" altLang="ko-KR" sz="1230" b="0" dirty="0" smtClean="0">
+              <a:solidFill>
+                <a:schemeClr val="tx1"/>
+              </a:solidFill>
+              <a:latin typeface="LG Smart UI Regular" panose="020B0500000101010101" pitchFamily="50" charset="-127"/>
+              <a:ea typeface="LG Smart UI Regular" panose="020B0500000101010101" pitchFamily="50" charset="-127"/>
+              <a:cs typeface="KoPubWorld바탕체 Bold" panose="00000800000000000000" pitchFamily="2" charset="-127"/>
+            </a:endParaRPr>
+          </a:p>
+          <a:p>
+            <a:r>
+              <a:rPr lang="en-US" altLang="ko-KR" sz="1230" b="0" dirty="0" smtClean="0">
+                <a:solidFill>
+                  <a:schemeClr val="tx1"/>
+                </a:solidFill>
+                <a:latin typeface="LG Smart UI Regular" panose="020B0500000101010101" pitchFamily="50" charset="-127"/>
+                <a:ea typeface="LG Smart UI Regular" panose="020B0500000101010101" pitchFamily="50" charset="-127"/>
+                <a:cs typeface="KoPubWorld바탕체 Bold" panose="00000800000000000000" pitchFamily="2" charset="-127"/>
+              </a:rPr>
+              <a:t>public:</a:t>
+            </a:r>
+          </a:p>
+          <a:p>
+            <a:r>
+              <a:rPr lang="en-US" altLang="ko-KR" sz="1230" b="0" dirty="0" smtClean="0">
+                <a:solidFill>
+                  <a:schemeClr val="tx1"/>
+                </a:solidFill>
+                <a:latin typeface="LG Smart UI Regular" panose="020B0500000101010101" pitchFamily="50" charset="-127"/>
+                <a:ea typeface="LG Smart UI Regular" panose="020B0500000101010101" pitchFamily="50" charset="-127"/>
+                <a:cs typeface="KoPubWorld바탕체 Bold" panose="00000800000000000000" pitchFamily="2" charset="-127"/>
+              </a:rPr>
+              <a:t>	friend class Class1; </a:t>
+            </a:r>
+            <a:r>
+              <a:rPr lang="en-US" altLang="ko-KR" sz="1230" dirty="0" smtClean="0">
+                <a:solidFill>
+                  <a:schemeClr val="tx1"/>
+                </a:solidFill>
+                <a:latin typeface="LG Smart UI Regular" panose="020B0500000101010101" pitchFamily="50" charset="-127"/>
+                <a:ea typeface="LG Smart UI Regular" panose="020B0500000101010101" pitchFamily="50" charset="-127"/>
+                <a:cs typeface="KoPubWorld바탕체 Bold" panose="00000800000000000000" pitchFamily="2" charset="-127"/>
+              </a:rPr>
+              <a:t>// friend</a:t>
+            </a:r>
+            <a:r>
+              <a:rPr lang="ko-KR" altLang="en-US" sz="1230" dirty="0" smtClean="0">
+                <a:solidFill>
+                  <a:schemeClr val="tx1"/>
+                </a:solidFill>
+                <a:latin typeface="LG Smart UI Regular" panose="020B0500000101010101" pitchFamily="50" charset="-127"/>
+                <a:ea typeface="LG Smart UI Regular" panose="020B0500000101010101" pitchFamily="50" charset="-127"/>
+                <a:cs typeface="KoPubWorld바탕체 Bold" panose="00000800000000000000" pitchFamily="2" charset="-127"/>
+              </a:rPr>
+              <a:t>로 선언된 클래스는 </a:t>
+            </a:r>
+            <a:r>
+              <a:rPr lang="en-US" altLang="ko-KR" sz="1230" dirty="0" smtClean="0">
+                <a:solidFill>
+                  <a:schemeClr val="tx1"/>
+                </a:solidFill>
+                <a:latin typeface="LG Smart UI Regular" panose="020B0500000101010101" pitchFamily="50" charset="-127"/>
+                <a:ea typeface="LG Smart UI Regular" panose="020B0500000101010101" pitchFamily="50" charset="-127"/>
+                <a:cs typeface="KoPubWorld바탕체 Bold" panose="00000800000000000000" pitchFamily="2" charset="-127"/>
+              </a:rPr>
+              <a:t>private</a:t>
+            </a:r>
+            <a:r>
+              <a:rPr lang="ko-KR" altLang="en-US" sz="1230" dirty="0" smtClean="0">
+                <a:solidFill>
+                  <a:schemeClr val="tx1"/>
+                </a:solidFill>
+                <a:latin typeface="LG Smart UI Regular" panose="020B0500000101010101" pitchFamily="50" charset="-127"/>
+                <a:ea typeface="LG Smart UI Regular" panose="020B0500000101010101" pitchFamily="50" charset="-127"/>
+                <a:cs typeface="KoPubWorld바탕체 Bold" panose="00000800000000000000" pitchFamily="2" charset="-127"/>
+              </a:rPr>
+              <a:t>에 접근이 가능</a:t>
+            </a:r>
+            <a:endParaRPr lang="en-US" altLang="ko-KR" sz="1230" dirty="0" smtClean="0">
+              <a:solidFill>
+                <a:schemeClr val="tx1"/>
+              </a:solidFill>
+              <a:latin typeface="LG Smart UI Regular" panose="020B0500000101010101" pitchFamily="50" charset="-127"/>
+              <a:ea typeface="LG Smart UI Regular" panose="020B0500000101010101" pitchFamily="50" charset="-127"/>
+              <a:cs typeface="KoPubWorld바탕체 Bold" panose="00000800000000000000" pitchFamily="2" charset="-127"/>
+            </a:endParaRPr>
+          </a:p>
+          <a:p>
+            <a:endParaRPr lang="en-US" altLang="ko-KR" sz="1230" b="0" dirty="0" smtClean="0">
+              <a:solidFill>
+                <a:schemeClr val="tx1"/>
+              </a:solidFill>
+              <a:latin typeface="LG Smart UI Regular" panose="020B0500000101010101" pitchFamily="50" charset="-127"/>
+              <a:ea typeface="LG Smart UI Regular" panose="020B0500000101010101" pitchFamily="50" charset="-127"/>
+              <a:cs typeface="KoPubWorld바탕체 Bold" panose="00000800000000000000" pitchFamily="2" charset="-127"/>
+            </a:endParaRPr>
+          </a:p>
+          <a:p>
+            <a:r>
+              <a:rPr lang="en-US" altLang="ko-KR" sz="1230" b="0" dirty="0">
+                <a:solidFill>
+                  <a:schemeClr val="tx1"/>
+                </a:solidFill>
+                <a:latin typeface="LG Smart UI Regular" panose="020B0500000101010101" pitchFamily="50" charset="-127"/>
+                <a:ea typeface="LG Smart UI Regular" panose="020B0500000101010101" pitchFamily="50" charset="-127"/>
+                <a:cs typeface="KoPubWorld바탕체 Bold" panose="00000800000000000000" pitchFamily="2" charset="-127"/>
+              </a:rPr>
+              <a:t>	</a:t>
+            </a:r>
+            <a:r>
+              <a:rPr lang="en-US" altLang="ko-KR" sz="1230" b="0" dirty="0" smtClean="0">
+                <a:solidFill>
+                  <a:schemeClr val="tx1"/>
+                </a:solidFill>
+                <a:latin typeface="LG Smart UI Regular" panose="020B0500000101010101" pitchFamily="50" charset="-127"/>
+                <a:ea typeface="LG Smart UI Regular" panose="020B0500000101010101" pitchFamily="50" charset="-127"/>
+                <a:cs typeface="KoPubWorld바탕체 Bold" panose="00000800000000000000" pitchFamily="2" charset="-127"/>
+              </a:rPr>
+              <a:t>friend void Get(Class1 c1){ </a:t>
+            </a:r>
+            <a:r>
+              <a:rPr lang="en-US" altLang="ko-KR" sz="1230" dirty="0" smtClean="0">
+                <a:solidFill>
+                  <a:schemeClr val="tx1"/>
+                </a:solidFill>
+                <a:latin typeface="LG Smart UI Regular" panose="020B0500000101010101" pitchFamily="50" charset="-127"/>
+                <a:ea typeface="LG Smart UI Regular" panose="020B0500000101010101" pitchFamily="50" charset="-127"/>
+                <a:cs typeface="KoPubWorld바탕체 Bold" panose="00000800000000000000" pitchFamily="2" charset="-127"/>
+              </a:rPr>
+              <a:t>// </a:t>
+            </a:r>
+            <a:r>
+              <a:rPr lang="en-US" altLang="ko-KR" sz="1230" dirty="0" err="1" smtClean="0">
+                <a:solidFill>
+                  <a:schemeClr val="tx1"/>
+                </a:solidFill>
+                <a:latin typeface="LG Smart UI Regular" panose="020B0500000101010101" pitchFamily="50" charset="-127"/>
+                <a:ea typeface="LG Smart UI Regular" panose="020B0500000101010101" pitchFamily="50" charset="-127"/>
+                <a:cs typeface="KoPubWorld바탕체 Bold" panose="00000800000000000000" pitchFamily="2" charset="-127"/>
+              </a:rPr>
+              <a:t>frined</a:t>
+            </a:r>
+            <a:r>
+              <a:rPr lang="en-US" altLang="ko-KR" sz="1230" dirty="0" smtClean="0">
+                <a:solidFill>
+                  <a:schemeClr val="tx1"/>
+                </a:solidFill>
+                <a:latin typeface="LG Smart UI Regular" panose="020B0500000101010101" pitchFamily="50" charset="-127"/>
+                <a:ea typeface="LG Smart UI Regular" panose="020B0500000101010101" pitchFamily="50" charset="-127"/>
+                <a:cs typeface="KoPubWorld바탕체 Bold" panose="00000800000000000000" pitchFamily="2" charset="-127"/>
+              </a:rPr>
+              <a:t> </a:t>
+            </a:r>
+            <a:r>
+              <a:rPr lang="ko-KR" altLang="en-US" sz="1230" dirty="0" smtClean="0">
+                <a:solidFill>
+                  <a:schemeClr val="tx1"/>
+                </a:solidFill>
+                <a:latin typeface="LG Smart UI Regular" panose="020B0500000101010101" pitchFamily="50" charset="-127"/>
+                <a:ea typeface="LG Smart UI Regular" panose="020B0500000101010101" pitchFamily="50" charset="-127"/>
+                <a:cs typeface="KoPubWorld바탕체 Bold" panose="00000800000000000000" pitchFamily="2" charset="-127"/>
+              </a:rPr>
+              <a:t>함수 </a:t>
+            </a:r>
+            <a:r>
+              <a:rPr lang="en-US" altLang="ko-KR" sz="1230" dirty="0" smtClean="0">
+                <a:solidFill>
+                  <a:schemeClr val="tx1"/>
+                </a:solidFill>
+                <a:latin typeface="LG Smart UI Regular" panose="020B0500000101010101" pitchFamily="50" charset="-127"/>
+                <a:ea typeface="LG Smart UI Regular" panose="020B0500000101010101" pitchFamily="50" charset="-127"/>
+                <a:cs typeface="KoPubWorld바탕체 Bold" panose="00000800000000000000" pitchFamily="2" charset="-127"/>
+              </a:rPr>
+              <a:t>Get</a:t>
+            </a:r>
+            <a:r>
+              <a:rPr lang="ko-KR" altLang="en-US" sz="1230" dirty="0" smtClean="0">
+                <a:solidFill>
+                  <a:schemeClr val="tx1"/>
+                </a:solidFill>
+                <a:latin typeface="LG Smart UI Regular" panose="020B0500000101010101" pitchFamily="50" charset="-127"/>
+                <a:ea typeface="LG Smart UI Regular" panose="020B0500000101010101" pitchFamily="50" charset="-127"/>
+                <a:cs typeface="KoPubWorld바탕체 Bold" panose="00000800000000000000" pitchFamily="2" charset="-127"/>
+              </a:rPr>
+              <a:t>은 </a:t>
+            </a:r>
+            <a:r>
+              <a:rPr lang="en-US" altLang="ko-KR" sz="1230" dirty="0" smtClean="0">
+                <a:solidFill>
+                  <a:schemeClr val="tx1"/>
+                </a:solidFill>
+                <a:latin typeface="LG Smart UI Regular" panose="020B0500000101010101" pitchFamily="50" charset="-127"/>
+                <a:ea typeface="LG Smart UI Regular" panose="020B0500000101010101" pitchFamily="50" charset="-127"/>
+                <a:cs typeface="KoPubWorld바탕체 Bold" panose="00000800000000000000" pitchFamily="2" charset="-127"/>
+              </a:rPr>
+              <a:t>Class1</a:t>
+            </a:r>
+            <a:r>
+              <a:rPr lang="ko-KR" altLang="en-US" sz="1230" dirty="0">
+                <a:solidFill>
+                  <a:schemeClr val="tx1"/>
+                </a:solidFill>
+                <a:latin typeface="LG Smart UI Regular" panose="020B0500000101010101" pitchFamily="50" charset="-127"/>
+                <a:ea typeface="LG Smart UI Regular" panose="020B0500000101010101" pitchFamily="50" charset="-127"/>
+                <a:cs typeface="KoPubWorld바탕체 Bold" panose="00000800000000000000" pitchFamily="2" charset="-127"/>
+              </a:rPr>
+              <a:t> </a:t>
+            </a:r>
+            <a:r>
+              <a:rPr lang="ko-KR" altLang="en-US" sz="1230" dirty="0" smtClean="0">
+                <a:solidFill>
+                  <a:schemeClr val="tx1"/>
+                </a:solidFill>
+                <a:latin typeface="LG Smart UI Regular" panose="020B0500000101010101" pitchFamily="50" charset="-127"/>
+                <a:ea typeface="LG Smart UI Regular" panose="020B0500000101010101" pitchFamily="50" charset="-127"/>
+                <a:cs typeface="KoPubWorld바탕체 Bold" panose="00000800000000000000" pitchFamily="2" charset="-127"/>
+              </a:rPr>
+              <a:t>객체의 </a:t>
+            </a:r>
+            <a:r>
+              <a:rPr lang="en-US" altLang="ko-KR" sz="1230" dirty="0" smtClean="0">
+                <a:solidFill>
+                  <a:schemeClr val="tx1"/>
+                </a:solidFill>
+                <a:latin typeface="LG Smart UI Regular" panose="020B0500000101010101" pitchFamily="50" charset="-127"/>
+                <a:ea typeface="LG Smart UI Regular" panose="020B0500000101010101" pitchFamily="50" charset="-127"/>
+                <a:cs typeface="KoPubWorld바탕체 Bold" panose="00000800000000000000" pitchFamily="2" charset="-127"/>
+              </a:rPr>
+              <a:t>private </a:t>
+            </a:r>
+            <a:r>
+              <a:rPr lang="ko-KR" altLang="en-US" sz="1230" dirty="0" smtClean="0">
+                <a:solidFill>
+                  <a:schemeClr val="tx1"/>
+                </a:solidFill>
+                <a:latin typeface="LG Smart UI Regular" panose="020B0500000101010101" pitchFamily="50" charset="-127"/>
+                <a:ea typeface="LG Smart UI Regular" panose="020B0500000101010101" pitchFamily="50" charset="-127"/>
+                <a:cs typeface="KoPubWorld바탕체 Bold" panose="00000800000000000000" pitchFamily="2" charset="-127"/>
+              </a:rPr>
+              <a:t>멤버에 직접 접근이 가능하게 된다</a:t>
+            </a:r>
+            <a:r>
+              <a:rPr lang="en-US" altLang="ko-KR" sz="1230" dirty="0" smtClean="0">
+                <a:solidFill>
+                  <a:schemeClr val="tx1"/>
+                </a:solidFill>
+                <a:latin typeface="LG Smart UI Regular" panose="020B0500000101010101" pitchFamily="50" charset="-127"/>
+                <a:ea typeface="LG Smart UI Regular" panose="020B0500000101010101" pitchFamily="50" charset="-127"/>
+                <a:cs typeface="KoPubWorld바탕체 Bold" panose="00000800000000000000" pitchFamily="2" charset="-127"/>
+              </a:rPr>
+              <a:t>.</a:t>
+            </a:r>
+            <a:endParaRPr lang="en-US" altLang="ko-KR" sz="1230" dirty="0">
+              <a:solidFill>
+                <a:schemeClr val="tx1"/>
+              </a:solidFill>
+              <a:latin typeface="LG Smart UI Regular" panose="020B0500000101010101" pitchFamily="50" charset="-127"/>
+              <a:ea typeface="LG Smart UI Regular" panose="020B0500000101010101" pitchFamily="50" charset="-127"/>
+              <a:cs typeface="KoPubWorld바탕체 Bold" panose="00000800000000000000" pitchFamily="2" charset="-127"/>
+            </a:endParaRPr>
+          </a:p>
+          <a:p>
+            <a:r>
+              <a:rPr lang="en-US" altLang="ko-KR" sz="1230" b="0" dirty="0" smtClean="0">
+                <a:solidFill>
+                  <a:schemeClr val="tx1"/>
+                </a:solidFill>
+                <a:latin typeface="LG Smart UI Regular" panose="020B0500000101010101" pitchFamily="50" charset="-127"/>
+                <a:ea typeface="LG Smart UI Regular" panose="020B0500000101010101" pitchFamily="50" charset="-127"/>
+                <a:cs typeface="KoPubWorld바탕체 Bold" panose="00000800000000000000" pitchFamily="2" charset="-127"/>
+              </a:rPr>
+              <a:t>	}</a:t>
+            </a:r>
+          </a:p>
+          <a:p>
+            <a:endParaRPr lang="en-US" altLang="ko-KR" sz="1230" b="0" dirty="0">
+              <a:solidFill>
+                <a:schemeClr val="tx1"/>
+              </a:solidFill>
+              <a:latin typeface="LG Smart UI Regular" panose="020B0500000101010101" pitchFamily="50" charset="-127"/>
+              <a:ea typeface="LG Smart UI Regular" panose="020B0500000101010101" pitchFamily="50" charset="-127"/>
+              <a:cs typeface="KoPubWorld바탕체 Bold" panose="00000800000000000000" pitchFamily="2" charset="-127"/>
+            </a:endParaRPr>
+          </a:p>
+          <a:p>
+            <a:r>
+              <a:rPr lang="en-US" altLang="ko-KR" sz="1230" b="0" dirty="0" smtClean="0">
+                <a:solidFill>
+                  <a:schemeClr val="tx1"/>
+                </a:solidFill>
+                <a:latin typeface="LG Smart UI Regular" panose="020B0500000101010101" pitchFamily="50" charset="-127"/>
+                <a:ea typeface="LG Smart UI Regular" panose="020B0500000101010101" pitchFamily="50" charset="-127"/>
+                <a:cs typeface="KoPubWorld바탕체 Bold" panose="00000800000000000000" pitchFamily="2" charset="-127"/>
+              </a:rPr>
+              <a:t>	void Set(</a:t>
+            </a:r>
+            <a:r>
+              <a:rPr lang="en-US" altLang="ko-KR" sz="1230" b="0" dirty="0" err="1" smtClean="0">
+                <a:solidFill>
+                  <a:schemeClr val="tx1"/>
+                </a:solidFill>
+                <a:latin typeface="LG Smart UI Regular" panose="020B0500000101010101" pitchFamily="50" charset="-127"/>
+                <a:ea typeface="LG Smart UI Regular" panose="020B0500000101010101" pitchFamily="50" charset="-127"/>
+                <a:cs typeface="KoPubWorld바탕체 Bold" panose="00000800000000000000" pitchFamily="2" charset="-127"/>
+              </a:rPr>
+              <a:t>int</a:t>
+            </a:r>
+            <a:r>
+              <a:rPr lang="en-US" altLang="ko-KR" sz="1230" b="0" dirty="0" smtClean="0">
+                <a:solidFill>
+                  <a:schemeClr val="tx1"/>
+                </a:solidFill>
+                <a:latin typeface="LG Smart UI Regular" panose="020B0500000101010101" pitchFamily="50" charset="-127"/>
+                <a:ea typeface="LG Smart UI Regular" panose="020B0500000101010101" pitchFamily="50" charset="-127"/>
+                <a:cs typeface="KoPubWorld바탕체 Bold" panose="00000800000000000000" pitchFamily="2" charset="-127"/>
+              </a:rPr>
+              <a:t> n){</a:t>
+            </a:r>
+          </a:p>
+          <a:p>
+            <a:r>
+              <a:rPr lang="en-US" altLang="ko-KR" sz="1230" b="0" dirty="0">
+                <a:solidFill>
+                  <a:schemeClr val="tx1"/>
+                </a:solidFill>
+                <a:latin typeface="LG Smart UI Regular" panose="020B0500000101010101" pitchFamily="50" charset="-127"/>
+                <a:ea typeface="LG Smart UI Regular" panose="020B0500000101010101" pitchFamily="50" charset="-127"/>
+                <a:cs typeface="KoPubWorld바탕체 Bold" panose="00000800000000000000" pitchFamily="2" charset="-127"/>
+              </a:rPr>
+              <a:t>	</a:t>
+            </a:r>
+            <a:r>
+              <a:rPr lang="en-US" altLang="ko-KR" sz="1230" b="0" dirty="0" smtClean="0">
+                <a:solidFill>
+                  <a:schemeClr val="tx1"/>
+                </a:solidFill>
+                <a:latin typeface="LG Smart UI Regular" panose="020B0500000101010101" pitchFamily="50" charset="-127"/>
+                <a:ea typeface="LG Smart UI Regular" panose="020B0500000101010101" pitchFamily="50" charset="-127"/>
+                <a:cs typeface="KoPubWorld바탕체 Bold" panose="00000800000000000000" pitchFamily="2" charset="-127"/>
+              </a:rPr>
+              <a:t>	a = n;</a:t>
+            </a:r>
+          </a:p>
+          <a:p>
+            <a:r>
+              <a:rPr lang="en-US" altLang="ko-KR" sz="1230" b="0" dirty="0">
+                <a:solidFill>
+                  <a:schemeClr val="tx1"/>
+                </a:solidFill>
+                <a:latin typeface="LG Smart UI Regular" panose="020B0500000101010101" pitchFamily="50" charset="-127"/>
+                <a:ea typeface="LG Smart UI Regular" panose="020B0500000101010101" pitchFamily="50" charset="-127"/>
+                <a:cs typeface="KoPubWorld바탕체 Bold" panose="00000800000000000000" pitchFamily="2" charset="-127"/>
+              </a:rPr>
+              <a:t>	</a:t>
+            </a:r>
+            <a:r>
+              <a:rPr lang="en-US" altLang="ko-KR" sz="1230" b="0" dirty="0" smtClean="0">
+                <a:solidFill>
+                  <a:schemeClr val="tx1"/>
+                </a:solidFill>
+                <a:latin typeface="LG Smart UI Regular" panose="020B0500000101010101" pitchFamily="50" charset="-127"/>
+                <a:ea typeface="LG Smart UI Regular" panose="020B0500000101010101" pitchFamily="50" charset="-127"/>
+                <a:cs typeface="KoPubWorld바탕체 Bold" panose="00000800000000000000" pitchFamily="2" charset="-127"/>
+              </a:rPr>
+              <a:t>}</a:t>
+            </a:r>
+          </a:p>
+          <a:p>
+            <a:r>
+              <a:rPr lang="en-US" altLang="ko-KR" sz="1230" b="0" dirty="0" smtClean="0">
+                <a:solidFill>
+                  <a:schemeClr val="tx1"/>
+                </a:solidFill>
+                <a:latin typeface="LG Smart UI Regular" panose="020B0500000101010101" pitchFamily="50" charset="-127"/>
+                <a:ea typeface="LG Smart UI Regular" panose="020B0500000101010101" pitchFamily="50" charset="-127"/>
+                <a:cs typeface="KoPubWorld바탕체 Bold" panose="00000800000000000000" pitchFamily="2" charset="-127"/>
+              </a:rPr>
+              <a:t>private:</a:t>
+            </a:r>
+          </a:p>
+          <a:p>
+            <a:r>
+              <a:rPr lang="en-US" altLang="ko-KR" sz="1230" b="0" dirty="0">
+                <a:solidFill>
+                  <a:schemeClr val="tx1"/>
+                </a:solidFill>
+                <a:latin typeface="LG Smart UI Regular" panose="020B0500000101010101" pitchFamily="50" charset="-127"/>
+                <a:ea typeface="LG Smart UI Regular" panose="020B0500000101010101" pitchFamily="50" charset="-127"/>
+                <a:cs typeface="KoPubWorld바탕체 Bold" panose="00000800000000000000" pitchFamily="2" charset="-127"/>
+              </a:rPr>
+              <a:t>	</a:t>
+            </a:r>
+            <a:r>
+              <a:rPr lang="en-US" altLang="ko-KR" sz="1230" b="0" dirty="0" err="1" smtClean="0">
+                <a:solidFill>
+                  <a:schemeClr val="tx1"/>
+                </a:solidFill>
+                <a:latin typeface="LG Smart UI Regular" panose="020B0500000101010101" pitchFamily="50" charset="-127"/>
+                <a:ea typeface="LG Smart UI Regular" panose="020B0500000101010101" pitchFamily="50" charset="-127"/>
+                <a:cs typeface="KoPubWorld바탕체 Bold" panose="00000800000000000000" pitchFamily="2" charset="-127"/>
+              </a:rPr>
+              <a:t>int</a:t>
+            </a:r>
+            <a:r>
+              <a:rPr lang="en-US" altLang="ko-KR" sz="1230" b="0" dirty="0" smtClean="0">
+                <a:solidFill>
+                  <a:schemeClr val="tx1"/>
+                </a:solidFill>
+                <a:latin typeface="LG Smart UI Regular" panose="020B0500000101010101" pitchFamily="50" charset="-127"/>
+                <a:ea typeface="LG Smart UI Regular" panose="020B0500000101010101" pitchFamily="50" charset="-127"/>
+                <a:cs typeface="KoPubWorld바탕체 Bold" panose="00000800000000000000" pitchFamily="2" charset="-127"/>
+              </a:rPr>
+              <a:t> a;</a:t>
+            </a:r>
+            <a:endParaRPr lang="en-US" altLang="ko-KR" sz="1230" b="0" dirty="0">
+              <a:solidFill>
+                <a:schemeClr val="tx1"/>
+              </a:solidFill>
+              <a:latin typeface="LG Smart UI Regular" panose="020B0500000101010101" pitchFamily="50" charset="-127"/>
+              <a:ea typeface="LG Smart UI Regular" panose="020B0500000101010101" pitchFamily="50" charset="-127"/>
+              <a:cs typeface="KoPubWorld바탕체 Bold" panose="00000800000000000000" pitchFamily="2" charset="-127"/>
+            </a:endParaRPr>
+          </a:p>
+          <a:p>
+            <a:r>
+              <a:rPr lang="en-US" altLang="ko-KR" sz="1230" b="0" dirty="0" smtClean="0">
+                <a:solidFill>
+                  <a:schemeClr val="tx1"/>
+                </a:solidFill>
+                <a:latin typeface="LG Smart UI Regular" panose="020B0500000101010101" pitchFamily="50" charset="-127"/>
+                <a:ea typeface="LG Smart UI Regular" panose="020B0500000101010101" pitchFamily="50" charset="-127"/>
+                <a:cs typeface="KoPubWorld바탕체 Bold" panose="00000800000000000000" pitchFamily="2" charset="-127"/>
+              </a:rPr>
+              <a:t>};</a:t>
+            </a:r>
+          </a:p>
+          <a:p>
+            <a:endParaRPr lang="en-US" altLang="ko-KR" sz="1230" b="0" dirty="0">
+              <a:solidFill>
+                <a:schemeClr val="tx1"/>
+              </a:solidFill>
+              <a:latin typeface="LG Smart UI Regular" panose="020B0500000101010101" pitchFamily="50" charset="-127"/>
+              <a:ea typeface="LG Smart UI Regular" panose="020B0500000101010101" pitchFamily="50" charset="-127"/>
+              <a:cs typeface="KoPubWorld바탕체 Bold" panose="00000800000000000000" pitchFamily="2" charset="-127"/>
+            </a:endParaRPr>
+          </a:p>
+          <a:p>
+            <a:r>
+              <a:rPr lang="en-US" altLang="ko-KR" sz="1230" b="0" dirty="0" smtClean="0">
+                <a:solidFill>
+                  <a:schemeClr val="tx1"/>
+                </a:solidFill>
+                <a:latin typeface="LG Smart UI Regular" panose="020B0500000101010101" pitchFamily="50" charset="-127"/>
+                <a:ea typeface="LG Smart UI Regular" panose="020B0500000101010101" pitchFamily="50" charset="-127"/>
+                <a:cs typeface="KoPubWorld바탕체 Bold" panose="00000800000000000000" pitchFamily="2" charset="-127"/>
+              </a:rPr>
+              <a:t>class Class2 : public Class1{ </a:t>
+            </a:r>
+            <a:r>
+              <a:rPr lang="en-US" altLang="ko-KR" sz="1230" dirty="0" smtClean="0">
+                <a:solidFill>
+                  <a:schemeClr val="tx1"/>
+                </a:solidFill>
+                <a:latin typeface="LG Smart UI Regular" panose="020B0500000101010101" pitchFamily="50" charset="-127"/>
+                <a:ea typeface="LG Smart UI Regular" panose="020B0500000101010101" pitchFamily="50" charset="-127"/>
+                <a:cs typeface="KoPubWorld바탕체 Bold" panose="00000800000000000000" pitchFamily="2" charset="-127"/>
+              </a:rPr>
+              <a:t>// Class1</a:t>
+            </a:r>
+            <a:r>
+              <a:rPr lang="ko-KR" altLang="en-US" sz="1230" dirty="0" smtClean="0">
+                <a:solidFill>
+                  <a:schemeClr val="tx1"/>
+                </a:solidFill>
+                <a:latin typeface="LG Smart UI Regular" panose="020B0500000101010101" pitchFamily="50" charset="-127"/>
+                <a:ea typeface="LG Smart UI Regular" panose="020B0500000101010101" pitchFamily="50" charset="-127"/>
+                <a:cs typeface="KoPubWorld바탕체 Bold" panose="00000800000000000000" pitchFamily="2" charset="-127"/>
+              </a:rPr>
+              <a:t>에 대한 상속을 받음</a:t>
+            </a:r>
+            <a:r>
+              <a:rPr lang="en-US" altLang="ko-KR" sz="1230" dirty="0" smtClean="0">
+                <a:solidFill>
+                  <a:schemeClr val="tx1"/>
+                </a:solidFill>
+                <a:latin typeface="LG Smart UI Regular" panose="020B0500000101010101" pitchFamily="50" charset="-127"/>
+                <a:ea typeface="LG Smart UI Regular" panose="020B0500000101010101" pitchFamily="50" charset="-127"/>
+                <a:cs typeface="KoPubWorld바탕체 Bold" panose="00000800000000000000" pitchFamily="2" charset="-127"/>
+              </a:rPr>
+              <a:t>. </a:t>
+            </a:r>
+            <a:r>
+              <a:rPr lang="ko-KR" altLang="en-US" sz="1230" dirty="0" smtClean="0">
+                <a:solidFill>
+                  <a:schemeClr val="tx1"/>
+                </a:solidFill>
+                <a:latin typeface="LG Smart UI Regular" panose="020B0500000101010101" pitchFamily="50" charset="-127"/>
+                <a:ea typeface="LG Smart UI Regular" panose="020B0500000101010101" pitchFamily="50" charset="-127"/>
+                <a:cs typeface="KoPubWorld바탕체 Bold" panose="00000800000000000000" pitchFamily="2" charset="-127"/>
+              </a:rPr>
+              <a:t>원래라면 </a:t>
+            </a:r>
+            <a:r>
+              <a:rPr lang="en-US" altLang="ko-KR" sz="1230" dirty="0" smtClean="0">
+                <a:solidFill>
+                  <a:schemeClr val="tx1"/>
+                </a:solidFill>
+                <a:latin typeface="LG Smart UI Regular" panose="020B0500000101010101" pitchFamily="50" charset="-127"/>
+                <a:ea typeface="LG Smart UI Regular" panose="020B0500000101010101" pitchFamily="50" charset="-127"/>
+                <a:cs typeface="KoPubWorld바탕체 Bold" panose="00000800000000000000" pitchFamily="2" charset="-127"/>
+              </a:rPr>
+              <a:t>private</a:t>
+            </a:r>
+            <a:r>
+              <a:rPr lang="ko-KR" altLang="en-US" sz="1230" dirty="0" smtClean="0">
+                <a:solidFill>
+                  <a:schemeClr val="tx1"/>
+                </a:solidFill>
+                <a:latin typeface="LG Smart UI Regular" panose="020B0500000101010101" pitchFamily="50" charset="-127"/>
+                <a:ea typeface="LG Smart UI Regular" panose="020B0500000101010101" pitchFamily="50" charset="-127"/>
+                <a:cs typeface="KoPubWorld바탕체 Bold" panose="00000800000000000000" pitchFamily="2" charset="-127"/>
+              </a:rPr>
+              <a:t>에는 직접 접근이 불가능하지만</a:t>
+            </a:r>
+            <a:r>
+              <a:rPr lang="en-US" altLang="ko-KR" sz="1230" dirty="0" smtClean="0">
+                <a:solidFill>
+                  <a:schemeClr val="tx1"/>
+                </a:solidFill>
+                <a:latin typeface="LG Smart UI Regular" panose="020B0500000101010101" pitchFamily="50" charset="-127"/>
+                <a:ea typeface="LG Smart UI Regular" panose="020B0500000101010101" pitchFamily="50" charset="-127"/>
+                <a:cs typeface="KoPubWorld바탕체 Bold" panose="00000800000000000000" pitchFamily="2" charset="-127"/>
+              </a:rPr>
+              <a:t>, Class1</a:t>
+            </a:r>
+            <a:r>
+              <a:rPr lang="ko-KR" altLang="en-US" sz="1230" dirty="0" smtClean="0">
+                <a:solidFill>
+                  <a:schemeClr val="tx1"/>
+                </a:solidFill>
+                <a:latin typeface="LG Smart UI Regular" panose="020B0500000101010101" pitchFamily="50" charset="-127"/>
+                <a:ea typeface="LG Smart UI Regular" panose="020B0500000101010101" pitchFamily="50" charset="-127"/>
+                <a:cs typeface="KoPubWorld바탕체 Bold" panose="00000800000000000000" pitchFamily="2" charset="-127"/>
+              </a:rPr>
+              <a:t>에서 </a:t>
+            </a:r>
+            <a:r>
+              <a:rPr lang="en-US" altLang="ko-KR" sz="1230" dirty="0" smtClean="0">
+                <a:solidFill>
+                  <a:schemeClr val="tx1"/>
+                </a:solidFill>
+                <a:latin typeface="LG Smart UI Regular" panose="020B0500000101010101" pitchFamily="50" charset="-127"/>
+                <a:ea typeface="LG Smart UI Regular" panose="020B0500000101010101" pitchFamily="50" charset="-127"/>
+                <a:cs typeface="KoPubWorld바탕체 Bold" panose="00000800000000000000" pitchFamily="2" charset="-127"/>
+              </a:rPr>
+              <a:t>Class2</a:t>
+            </a:r>
+            <a:r>
+              <a:rPr lang="ko-KR" altLang="en-US" sz="1230" dirty="0" smtClean="0">
+                <a:solidFill>
+                  <a:schemeClr val="tx1"/>
+                </a:solidFill>
+                <a:latin typeface="LG Smart UI Regular" panose="020B0500000101010101" pitchFamily="50" charset="-127"/>
+                <a:ea typeface="LG Smart UI Regular" panose="020B0500000101010101" pitchFamily="50" charset="-127"/>
+                <a:cs typeface="KoPubWorld바탕체 Bold" panose="00000800000000000000" pitchFamily="2" charset="-127"/>
+              </a:rPr>
+              <a:t>를 </a:t>
+            </a:r>
+            <a:r>
+              <a:rPr lang="en-US" altLang="ko-KR" sz="1230" dirty="0" smtClean="0">
+                <a:solidFill>
+                  <a:schemeClr val="tx1"/>
+                </a:solidFill>
+                <a:latin typeface="LG Smart UI Regular" panose="020B0500000101010101" pitchFamily="50" charset="-127"/>
+                <a:ea typeface="LG Smart UI Regular" panose="020B0500000101010101" pitchFamily="50" charset="-127"/>
+                <a:cs typeface="KoPubWorld바탕체 Bold" panose="00000800000000000000" pitchFamily="2" charset="-127"/>
+              </a:rPr>
+              <a:t>friend class</a:t>
+            </a:r>
+            <a:r>
+              <a:rPr lang="ko-KR" altLang="en-US" sz="1230" dirty="0" smtClean="0">
+                <a:solidFill>
+                  <a:schemeClr val="tx1"/>
+                </a:solidFill>
+                <a:latin typeface="LG Smart UI Regular" panose="020B0500000101010101" pitchFamily="50" charset="-127"/>
+                <a:ea typeface="LG Smart UI Regular" panose="020B0500000101010101" pitchFamily="50" charset="-127"/>
+                <a:cs typeface="KoPubWorld바탕체 Bold" panose="00000800000000000000" pitchFamily="2" charset="-127"/>
+              </a:rPr>
+              <a:t>로 선언을 했기 때문에 직접 접근이 가능</a:t>
+            </a:r>
+            <a:endParaRPr lang="en-US" altLang="ko-KR" sz="1230" dirty="0" smtClean="0">
+              <a:solidFill>
+                <a:schemeClr val="tx1"/>
+              </a:solidFill>
+              <a:latin typeface="LG Smart UI Regular" panose="020B0500000101010101" pitchFamily="50" charset="-127"/>
+              <a:ea typeface="LG Smart UI Regular" panose="020B0500000101010101" pitchFamily="50" charset="-127"/>
+              <a:cs typeface="KoPubWorld바탕체 Bold" panose="00000800000000000000" pitchFamily="2" charset="-127"/>
+            </a:endParaRPr>
+          </a:p>
+          <a:p>
+            <a:r>
+              <a:rPr lang="en-US" altLang="ko-KR" sz="1230" b="0" dirty="0" smtClean="0">
+                <a:solidFill>
+                  <a:schemeClr val="tx1"/>
+                </a:solidFill>
+                <a:latin typeface="LG Smart UI Regular" panose="020B0500000101010101" pitchFamily="50" charset="-127"/>
+                <a:ea typeface="LG Smart UI Regular" panose="020B0500000101010101" pitchFamily="50" charset="-127"/>
+                <a:cs typeface="KoPubWorld바탕체 Bold" panose="00000800000000000000" pitchFamily="2" charset="-127"/>
+              </a:rPr>
+              <a:t>public:</a:t>
+            </a:r>
+          </a:p>
+          <a:p>
+            <a:r>
+              <a:rPr lang="en-US" altLang="ko-KR" sz="1230" b="0" dirty="0">
+                <a:solidFill>
+                  <a:schemeClr val="tx1"/>
+                </a:solidFill>
+                <a:latin typeface="LG Smart UI Regular" panose="020B0500000101010101" pitchFamily="50" charset="-127"/>
+                <a:ea typeface="LG Smart UI Regular" panose="020B0500000101010101" pitchFamily="50" charset="-127"/>
+                <a:cs typeface="KoPubWorld바탕체 Bold" panose="00000800000000000000" pitchFamily="2" charset="-127"/>
+              </a:rPr>
+              <a:t>	</a:t>
+            </a:r>
+            <a:r>
+              <a:rPr lang="en-US" altLang="ko-KR" sz="1230" dirty="0" smtClean="0">
+                <a:solidFill>
+                  <a:schemeClr val="tx1"/>
+                </a:solidFill>
+                <a:latin typeface="LG Smart UI Regular" panose="020B0500000101010101" pitchFamily="50" charset="-127"/>
+                <a:ea typeface="LG Smart UI Regular" panose="020B0500000101010101" pitchFamily="50" charset="-127"/>
+                <a:cs typeface="KoPubWorld바탕체 Bold" panose="00000800000000000000" pitchFamily="2" charset="-127"/>
+              </a:rPr>
+              <a:t>//Class1</a:t>
+            </a:r>
+            <a:r>
+              <a:rPr lang="ko-KR" altLang="en-US" sz="1230" dirty="0" smtClean="0">
+                <a:solidFill>
+                  <a:schemeClr val="tx1"/>
+                </a:solidFill>
+                <a:latin typeface="LG Smart UI Regular" panose="020B0500000101010101" pitchFamily="50" charset="-127"/>
+                <a:ea typeface="LG Smart UI Regular" panose="020B0500000101010101" pitchFamily="50" charset="-127"/>
+                <a:cs typeface="KoPubWorld바탕체 Bold" panose="00000800000000000000" pitchFamily="2" charset="-127"/>
+              </a:rPr>
+              <a:t>의 </a:t>
+            </a:r>
+            <a:r>
+              <a:rPr lang="en-US" altLang="ko-KR" sz="1230" dirty="0" smtClean="0">
+                <a:solidFill>
+                  <a:schemeClr val="tx1"/>
+                </a:solidFill>
+                <a:latin typeface="LG Smart UI Regular" panose="020B0500000101010101" pitchFamily="50" charset="-127"/>
+                <a:ea typeface="LG Smart UI Regular" panose="020B0500000101010101" pitchFamily="50" charset="-127"/>
+                <a:cs typeface="KoPubWorld바탕체 Bold" panose="00000800000000000000" pitchFamily="2" charset="-127"/>
+              </a:rPr>
+              <a:t>private </a:t>
+            </a:r>
+            <a:r>
+              <a:rPr lang="ko-KR" altLang="en-US" sz="1230" dirty="0" err="1" smtClean="0">
+                <a:solidFill>
+                  <a:schemeClr val="tx1"/>
+                </a:solidFill>
+                <a:latin typeface="LG Smart UI Regular" panose="020B0500000101010101" pitchFamily="50" charset="-127"/>
+                <a:ea typeface="LG Smart UI Regular" panose="020B0500000101010101" pitchFamily="50" charset="-127"/>
+                <a:cs typeface="KoPubWorld바탕체 Bold" panose="00000800000000000000" pitchFamily="2" charset="-127"/>
+              </a:rPr>
+              <a:t>접근제한자</a:t>
+            </a:r>
+            <a:r>
+              <a:rPr lang="ko-KR" altLang="en-US" sz="1230" dirty="0" smtClean="0">
+                <a:solidFill>
+                  <a:schemeClr val="tx1"/>
+                </a:solidFill>
+                <a:latin typeface="LG Smart UI Regular" panose="020B0500000101010101" pitchFamily="50" charset="-127"/>
+                <a:ea typeface="LG Smart UI Regular" panose="020B0500000101010101" pitchFamily="50" charset="-127"/>
+                <a:cs typeface="KoPubWorld바탕체 Bold" panose="00000800000000000000" pitchFamily="2" charset="-127"/>
+              </a:rPr>
+              <a:t> 에 접근이 가능</a:t>
+            </a:r>
+            <a:endParaRPr lang="en-US" altLang="ko-KR" sz="1230" dirty="0">
+              <a:solidFill>
+                <a:schemeClr val="tx1"/>
+              </a:solidFill>
+              <a:latin typeface="LG Smart UI Regular" panose="020B0500000101010101" pitchFamily="50" charset="-127"/>
+              <a:ea typeface="LG Smart UI Regular" panose="020B0500000101010101" pitchFamily="50" charset="-127"/>
+              <a:cs typeface="KoPubWorld바탕체 Bold" panose="00000800000000000000" pitchFamily="2" charset="-127"/>
+            </a:endParaRPr>
+          </a:p>
+          <a:p>
+            <a:r>
+              <a:rPr lang="en-US" altLang="ko-KR" sz="1230" b="0" dirty="0" smtClean="0">
+                <a:solidFill>
+                  <a:schemeClr val="tx1"/>
+                </a:solidFill>
+                <a:latin typeface="LG Smart UI Regular" panose="020B0500000101010101" pitchFamily="50" charset="-127"/>
+                <a:ea typeface="LG Smart UI Regular" panose="020B0500000101010101" pitchFamily="50" charset="-127"/>
+                <a:cs typeface="KoPubWorld바탕체 Bold" panose="00000800000000000000" pitchFamily="2" charset="-127"/>
+              </a:rPr>
+              <a:t>};</a:t>
+            </a:r>
+          </a:p>
+          <a:p>
+            <a:endParaRPr lang="en-US" altLang="ko-KR" sz="1230" b="0" dirty="0">
+              <a:solidFill>
+                <a:schemeClr val="tx1"/>
+              </a:solidFill>
+              <a:latin typeface="LG Smart UI Regular" panose="020B0500000101010101" pitchFamily="50" charset="-127"/>
+              <a:ea typeface="LG Smart UI Regular" panose="020B0500000101010101" pitchFamily="50" charset="-127"/>
+              <a:cs typeface="KoPubWorld바탕체 Bold" panose="00000800000000000000" pitchFamily="2" charset="-127"/>
+            </a:endParaRPr>
+          </a:p>
+          <a:p>
+            <a:r>
+              <a:rPr lang="en-US" altLang="ko-KR" sz="1230" b="0" dirty="0" err="1" smtClean="0">
+                <a:solidFill>
+                  <a:schemeClr val="tx1"/>
+                </a:solidFill>
+                <a:latin typeface="LG Smart UI Regular" panose="020B0500000101010101" pitchFamily="50" charset="-127"/>
+                <a:ea typeface="LG Smart UI Regular" panose="020B0500000101010101" pitchFamily="50" charset="-127"/>
+                <a:cs typeface="KoPubWorld바탕체 Bold" panose="00000800000000000000" pitchFamily="2" charset="-127"/>
+              </a:rPr>
+              <a:t>Int</a:t>
+            </a:r>
+            <a:r>
+              <a:rPr lang="en-US" altLang="ko-KR" sz="1230" b="0" dirty="0" smtClean="0">
+                <a:solidFill>
+                  <a:schemeClr val="tx1"/>
+                </a:solidFill>
+                <a:latin typeface="LG Smart UI Regular" panose="020B0500000101010101" pitchFamily="50" charset="-127"/>
+                <a:ea typeface="LG Smart UI Regular" panose="020B0500000101010101" pitchFamily="50" charset="-127"/>
+                <a:cs typeface="KoPubWorld바탕체 Bold" panose="00000800000000000000" pitchFamily="2" charset="-127"/>
+              </a:rPr>
+              <a:t> main(){</a:t>
+            </a:r>
+          </a:p>
+          <a:p>
+            <a:r>
+              <a:rPr lang="en-US" altLang="ko-KR" sz="1230" b="0" dirty="0" smtClean="0">
+                <a:solidFill>
+                  <a:schemeClr val="tx1"/>
+                </a:solidFill>
+                <a:latin typeface="LG Smart UI Regular" panose="020B0500000101010101" pitchFamily="50" charset="-127"/>
+                <a:ea typeface="LG Smart UI Regular" panose="020B0500000101010101" pitchFamily="50" charset="-127"/>
+                <a:cs typeface="KoPubWorld바탕체 Bold" panose="00000800000000000000" pitchFamily="2" charset="-127"/>
+              </a:rPr>
+              <a:t>	Class c1(50); </a:t>
+            </a:r>
+            <a:r>
+              <a:rPr lang="en-US" altLang="ko-KR" sz="1230" dirty="0" smtClean="0">
+                <a:solidFill>
+                  <a:schemeClr val="tx1"/>
+                </a:solidFill>
+                <a:latin typeface="LG Smart UI Regular" panose="020B0500000101010101" pitchFamily="50" charset="-127"/>
+                <a:ea typeface="LG Smart UI Regular" panose="020B0500000101010101" pitchFamily="50" charset="-127"/>
+                <a:cs typeface="KoPubWorld바탕체 Bold" panose="00000800000000000000" pitchFamily="2" charset="-127"/>
+              </a:rPr>
+              <a:t>// Class1</a:t>
+            </a:r>
+            <a:r>
+              <a:rPr lang="ko-KR" altLang="en-US" sz="1230" dirty="0" smtClean="0">
+                <a:solidFill>
+                  <a:schemeClr val="tx1"/>
+                </a:solidFill>
+                <a:latin typeface="LG Smart UI Regular" panose="020B0500000101010101" pitchFamily="50" charset="-127"/>
+                <a:ea typeface="LG Smart UI Regular" panose="020B0500000101010101" pitchFamily="50" charset="-127"/>
+                <a:cs typeface="KoPubWorld바탕체 Bold" panose="00000800000000000000" pitchFamily="2" charset="-127"/>
+              </a:rPr>
+              <a:t>에 대한 </a:t>
+            </a:r>
+            <a:r>
+              <a:rPr lang="en-US" altLang="ko-KR" sz="1230" dirty="0" smtClean="0">
+                <a:solidFill>
+                  <a:schemeClr val="tx1"/>
+                </a:solidFill>
+                <a:latin typeface="LG Smart UI Regular" panose="020B0500000101010101" pitchFamily="50" charset="-127"/>
+                <a:ea typeface="LG Smart UI Regular" panose="020B0500000101010101" pitchFamily="50" charset="-127"/>
+                <a:cs typeface="KoPubWorld바탕체 Bold" panose="00000800000000000000" pitchFamily="2" charset="-127"/>
+              </a:rPr>
+              <a:t>private </a:t>
+            </a:r>
+            <a:r>
+              <a:rPr lang="ko-KR" altLang="en-US" sz="1230" dirty="0" smtClean="0">
+                <a:solidFill>
+                  <a:schemeClr val="tx1"/>
+                </a:solidFill>
+                <a:latin typeface="LG Smart UI Regular" panose="020B0500000101010101" pitchFamily="50" charset="-127"/>
+                <a:ea typeface="LG Smart UI Regular" panose="020B0500000101010101" pitchFamily="50" charset="-127"/>
+                <a:cs typeface="KoPubWorld바탕체 Bold" panose="00000800000000000000" pitchFamily="2" charset="-127"/>
+              </a:rPr>
+              <a:t>변수 </a:t>
+            </a:r>
+            <a:r>
+              <a:rPr lang="en-US" altLang="ko-KR" sz="1230" dirty="0" smtClean="0">
+                <a:solidFill>
+                  <a:schemeClr val="tx1"/>
+                </a:solidFill>
+                <a:latin typeface="LG Smart UI Regular" panose="020B0500000101010101" pitchFamily="50" charset="-127"/>
+                <a:ea typeface="LG Smart UI Regular" panose="020B0500000101010101" pitchFamily="50" charset="-127"/>
+                <a:cs typeface="KoPubWorld바탕체 Bold" panose="00000800000000000000" pitchFamily="2" charset="-127"/>
+              </a:rPr>
+              <a:t>a</a:t>
+            </a:r>
+            <a:r>
+              <a:rPr lang="ko-KR" altLang="en-US" sz="1230" dirty="0" smtClean="0">
+                <a:solidFill>
+                  <a:schemeClr val="tx1"/>
+                </a:solidFill>
+                <a:latin typeface="LG Smart UI Regular" panose="020B0500000101010101" pitchFamily="50" charset="-127"/>
+                <a:ea typeface="LG Smart UI Regular" panose="020B0500000101010101" pitchFamily="50" charset="-127"/>
+                <a:cs typeface="KoPubWorld바탕체 Bold" panose="00000800000000000000" pitchFamily="2" charset="-127"/>
+              </a:rPr>
+              <a:t>에 대해 직접 접근</a:t>
+            </a:r>
+            <a:endParaRPr lang="en-US" altLang="ko-KR" sz="1230" dirty="0" smtClean="0">
+              <a:solidFill>
+                <a:schemeClr val="tx1"/>
+              </a:solidFill>
+              <a:latin typeface="LG Smart UI Regular" panose="020B0500000101010101" pitchFamily="50" charset="-127"/>
+              <a:ea typeface="LG Smart UI Regular" panose="020B0500000101010101" pitchFamily="50" charset="-127"/>
+              <a:cs typeface="KoPubWorld바탕체 Bold" panose="00000800000000000000" pitchFamily="2" charset="-127"/>
+            </a:endParaRPr>
+          </a:p>
+          <a:p>
+            <a:endParaRPr lang="en-US" altLang="ko-KR" sz="1230" b="0" dirty="0" smtClean="0">
+              <a:solidFill>
+                <a:schemeClr val="tx1"/>
+              </a:solidFill>
+              <a:latin typeface="LG Smart UI Regular" panose="020B0500000101010101" pitchFamily="50" charset="-127"/>
+              <a:ea typeface="LG Smart UI Regular" panose="020B0500000101010101" pitchFamily="50" charset="-127"/>
+              <a:cs typeface="KoPubWorld바탕체 Bold" panose="00000800000000000000" pitchFamily="2" charset="-127"/>
+            </a:endParaRPr>
+          </a:p>
+          <a:p>
+            <a:r>
+              <a:rPr lang="en-US" altLang="ko-KR" sz="1230" b="0" dirty="0" smtClean="0">
+                <a:solidFill>
+                  <a:schemeClr val="tx1"/>
+                </a:solidFill>
+                <a:latin typeface="LG Smart UI Regular" panose="020B0500000101010101" pitchFamily="50" charset="-127"/>
+                <a:ea typeface="LG Smart UI Regular" panose="020B0500000101010101" pitchFamily="50" charset="-127"/>
+                <a:cs typeface="KoPubWorld바탕체 Bold" panose="00000800000000000000" pitchFamily="2" charset="-127"/>
+              </a:rPr>
+              <a:t>	return 0;</a:t>
+            </a:r>
+            <a:endParaRPr lang="en-US" altLang="ko-KR" sz="1230" b="0" dirty="0">
+              <a:solidFill>
+                <a:schemeClr val="tx1"/>
+              </a:solidFill>
+              <a:latin typeface="LG Smart UI Regular" panose="020B0500000101010101" pitchFamily="50" charset="-127"/>
+              <a:ea typeface="LG Smart UI Regular" panose="020B0500000101010101" pitchFamily="50" charset="-127"/>
+              <a:cs typeface="KoPubWorld바탕체 Bold" panose="00000800000000000000" pitchFamily="2" charset="-127"/>
+            </a:endParaRPr>
+          </a:p>
+          <a:p>
+            <a:r>
+              <a:rPr lang="en-US" altLang="ko-KR" sz="1230" b="0" dirty="0" smtClean="0">
+                <a:solidFill>
+                  <a:schemeClr val="tx1"/>
+                </a:solidFill>
+                <a:latin typeface="LG Smart UI Regular" panose="020B0500000101010101" pitchFamily="50" charset="-127"/>
+                <a:ea typeface="LG Smart UI Regular" panose="020B0500000101010101" pitchFamily="50" charset="-127"/>
+                <a:cs typeface="KoPubWorld바탕체 Bold" panose="00000800000000000000" pitchFamily="2" charset="-127"/>
+              </a:rPr>
+              <a:t>}</a:t>
+            </a:r>
+          </a:p>
+          <a:p>
+            <a:endParaRPr lang="en-US" altLang="ko-KR" sz="1230" b="0" dirty="0">
+              <a:solidFill>
+                <a:schemeClr val="tx1"/>
+              </a:solidFill>
+              <a:latin typeface="LG Smart UI Regular" panose="020B0500000101010101" pitchFamily="50" charset="-127"/>
+              <a:ea typeface="LG Smart UI Regular" panose="020B0500000101010101" pitchFamily="50" charset="-127"/>
+              <a:cs typeface="KoPubWorld바탕체 Bold" panose="00000800000000000000" pitchFamily="2" charset="-127"/>
+            </a:endParaRPr>
+          </a:p>
+          <a:p>
+            <a:r>
+              <a:rPr lang="en-US" altLang="ko-KR" sz="1230" dirty="0" smtClean="0">
+                <a:solidFill>
+                  <a:schemeClr val="tx1"/>
+                </a:solidFill>
+                <a:latin typeface="LG Smart UI Regular" panose="020B0500000101010101" pitchFamily="50" charset="-127"/>
+                <a:ea typeface="LG Smart UI Regular" panose="020B0500000101010101" pitchFamily="50" charset="-127"/>
+                <a:cs typeface="KoPubWorld바탕체 Bold" panose="00000800000000000000" pitchFamily="2" charset="-127"/>
+              </a:rPr>
+              <a:t>friend </a:t>
+            </a:r>
+            <a:r>
+              <a:rPr lang="ko-KR" altLang="en-US" sz="1230" dirty="0" smtClean="0">
+                <a:solidFill>
+                  <a:schemeClr val="tx1"/>
+                </a:solidFill>
+                <a:latin typeface="LG Smart UI Regular" panose="020B0500000101010101" pitchFamily="50" charset="-127"/>
+                <a:ea typeface="LG Smart UI Regular" panose="020B0500000101010101" pitchFamily="50" charset="-127"/>
+                <a:cs typeface="KoPubWorld바탕체 Bold" panose="00000800000000000000" pitchFamily="2" charset="-127"/>
+              </a:rPr>
+              <a:t>함수는 </a:t>
+            </a:r>
+            <a:r>
+              <a:rPr lang="en-US" altLang="ko-KR" sz="1230" dirty="0" smtClean="0">
+                <a:solidFill>
+                  <a:schemeClr val="tx1"/>
+                </a:solidFill>
+                <a:latin typeface="LG Smart UI Regular" panose="020B0500000101010101" pitchFamily="50" charset="-127"/>
+                <a:ea typeface="LG Smart UI Regular" panose="020B0500000101010101" pitchFamily="50" charset="-127"/>
+                <a:cs typeface="KoPubWorld바탕체 Bold" panose="00000800000000000000" pitchFamily="2" charset="-127"/>
+              </a:rPr>
+              <a:t>private </a:t>
+            </a:r>
+            <a:r>
+              <a:rPr lang="ko-KR" altLang="en-US" sz="1230" dirty="0" smtClean="0">
+                <a:solidFill>
+                  <a:schemeClr val="tx1"/>
+                </a:solidFill>
+                <a:latin typeface="LG Smart UI Regular" panose="020B0500000101010101" pitchFamily="50" charset="-127"/>
+                <a:ea typeface="LG Smart UI Regular" panose="020B0500000101010101" pitchFamily="50" charset="-127"/>
+                <a:cs typeface="KoPubWorld바탕체 Bold" panose="00000800000000000000" pitchFamily="2" charset="-127"/>
+              </a:rPr>
+              <a:t>변수에 대해 직접 접근하는 방식이기 때문에 정보 은닉을 깨트리기 때문에 가급적이면 사용을 하지 않는다</a:t>
+            </a:r>
+            <a:r>
+              <a:rPr lang="en-US" altLang="ko-KR" sz="1230" dirty="0" smtClean="0">
+                <a:solidFill>
+                  <a:schemeClr val="tx1"/>
+                </a:solidFill>
+                <a:latin typeface="LG Smart UI Regular" panose="020B0500000101010101" pitchFamily="50" charset="-127"/>
+                <a:ea typeface="LG Smart UI Regular" panose="020B0500000101010101" pitchFamily="50" charset="-127"/>
+                <a:cs typeface="KoPubWorld바탕체 Bold" panose="00000800000000000000" pitchFamily="2" charset="-127"/>
+              </a:rPr>
+              <a:t>.</a:t>
+            </a:r>
+            <a:endParaRPr lang="en-US" altLang="ko-KR" sz="1230" dirty="0">
+              <a:solidFill>
+                <a:schemeClr val="tx1"/>
+              </a:solidFill>
+              <a:latin typeface="LG Smart UI Regular" panose="020B0500000101010101" pitchFamily="50" charset="-127"/>
+              <a:ea typeface="LG Smart UI Regular" panose="020B0500000101010101" pitchFamily="50" charset="-127"/>
+              <a:cs typeface="KoPubWorld바탕체 Bold" panose="00000800000000000000" pitchFamily="2" charset="-127"/>
+            </a:endParaRPr>
+          </a:p>
+        </p:txBody>
+      </p:sp>
+    </p:spTree>
+    <p:extLst>
+      <p:ext uri="{BB962C8B-B14F-4D97-AF65-F5344CB8AC3E}">
+        <p14:creationId xmlns:p14="http://schemas.microsoft.com/office/powerpoint/2010/main" val="2295963897"/>
+      </p:ext>
+    </p:extLst>
+  </p:cSld>
+  <p:clrMapOvr>
+    <a:masterClrMapping/>
+  </p:clrMapOvr>
+  <p:timing>
+    <p:tnLst>
+      <p:par>
+        <p:cTn id="1" dur="indefinite" restart="never" nodeType="tmRoot"/>
+      </p:par>
+    </p:tnLst>
+  </p:timing>
+</p:sld>
+</file>
+
 <file path=ppt/slides/slide2.xml><?xml version="1.0" encoding="utf-8"?>
 <p:sld xmlns:a="http://schemas.openxmlformats.org/drawingml/2006/main" xmlns:r="http://schemas.openxmlformats.org/officeDocument/2006/relationships" xmlns:p="http://schemas.openxmlformats.org/presentationml/2006/main">
   <p:cSld>
@@ -8656,12 +9755,12 @@
                     <a:p>
                       <a:pPr algn="ctr" fontAlgn="ctr"/>
                       <a:r>
-                        <a:rPr lang="ko-KR" altLang="en-US" sz="1100" u="none" strike="noStrike">
+                        <a:rPr lang="ko-KR" altLang="en-US" sz="1100" u="none" strike="noStrike" dirty="0">
                           <a:effectLst/>
                         </a:rPr>
                         <a:t>클래스 내부</a:t>
                       </a:r>
-                      <a:endParaRPr lang="ko-KR" altLang="en-US" sz="1100" b="0" i="0" u="none" strike="noStrike">
+                      <a:endParaRPr lang="ko-KR" altLang="en-US" sz="1100" b="0" i="0" u="none" strike="noStrike" dirty="0">
                         <a:solidFill>
                           <a:srgbClr val="000000"/>
                         </a:solidFill>
@@ -8778,12 +9877,12 @@
                     <a:p>
                       <a:pPr algn="ctr" fontAlgn="ctr"/>
                       <a:r>
-                        <a:rPr lang="en-US" sz="1100" u="none" strike="noStrike">
+                        <a:rPr lang="en-US" sz="1100" u="none" strike="noStrike" dirty="0">
                           <a:effectLst/>
                         </a:rPr>
                         <a:t>O</a:t>
                       </a:r>
-                      <a:endParaRPr lang="en-US" sz="1100" b="0" i="0" u="none" strike="noStrike">
+                      <a:endParaRPr lang="en-US" sz="1100" b="0" i="0" u="none" strike="noStrike" dirty="0">
                         <a:solidFill>
                           <a:srgbClr val="000000"/>
                         </a:solidFill>
@@ -8924,12 +10023,12 @@
                     <a:p>
                       <a:pPr algn="ctr" fontAlgn="ctr"/>
                       <a:r>
-                        <a:rPr lang="en-US" sz="1100" u="none" strike="noStrike">
+                        <a:rPr lang="en-US" sz="1100" u="none" strike="noStrike" dirty="0">
                           <a:effectLst/>
                         </a:rPr>
                         <a:t>O</a:t>
                       </a:r>
-                      <a:endParaRPr lang="en-US" sz="1100" b="0" i="0" u="none" strike="noStrike">
+                      <a:endParaRPr lang="en-US" sz="1100" b="0" i="0" u="none" strike="noStrike" dirty="0">
                         <a:solidFill>
                           <a:srgbClr val="000000"/>
                         </a:solidFill>
@@ -9070,12 +10169,12 @@
                     <a:p>
                       <a:pPr algn="ctr" fontAlgn="ctr"/>
                       <a:r>
-                        <a:rPr lang="en-US" sz="1100" u="none" strike="noStrike">
+                        <a:rPr lang="en-US" sz="1100" u="none" strike="noStrike" dirty="0">
                           <a:effectLst/>
                         </a:rPr>
                         <a:t>X</a:t>
                       </a:r>
-                      <a:endParaRPr lang="en-US" sz="1100" b="0" i="0" u="none" strike="noStrike">
+                      <a:endParaRPr lang="en-US" sz="1100" b="0" i="0" u="none" strike="noStrike" dirty="0">
                         <a:solidFill>
                           <a:srgbClr val="000000"/>
                         </a:solidFill>
@@ -12061,7 +13160,7 @@
                 <a:ea typeface="LG Smart UI Regular" panose="020B0500000101010101" pitchFamily="50" charset="-127"/>
                 <a:cs typeface="KoPubWorld바탕체 Bold" panose="00000800000000000000" pitchFamily="2" charset="-127"/>
               </a:rPr>
-              <a:t>않을때에는</a:t>
+              <a:t>않을때</a:t>
             </a:r>
             <a:r>
               <a:rPr lang="ko-KR" altLang="en-US" sz="1230" b="0" dirty="0" smtClean="0">
@@ -12072,7 +13171,18 @@
                 <a:ea typeface="LG Smart UI Regular" panose="020B0500000101010101" pitchFamily="50" charset="-127"/>
                 <a:cs typeface="KoPubWorld바탕체 Bold" panose="00000800000000000000" pitchFamily="2" charset="-127"/>
               </a:rPr>
-              <a:t> 해제 할 수 있도록 하는 유연한 메모리 관리 방식이다</a:t>
+              <a:t> 에는 </a:t>
+            </a:r>
+            <a:r>
+              <a:rPr lang="ko-KR" altLang="en-US" sz="1230" b="0" dirty="0" smtClean="0">
+                <a:solidFill>
+                  <a:schemeClr val="tx1"/>
+                </a:solidFill>
+                <a:latin typeface="LG Smart UI Regular" panose="020B0500000101010101" pitchFamily="50" charset="-127"/>
+                <a:ea typeface="LG Smart UI Regular" panose="020B0500000101010101" pitchFamily="50" charset="-127"/>
+                <a:cs typeface="KoPubWorld바탕체 Bold" panose="00000800000000000000" pitchFamily="2" charset="-127"/>
+              </a:rPr>
+              <a:t>해제 할 수 있도록 하는 유연한 메모리 관리 방식이다</a:t>
             </a:r>
             <a:r>
               <a:rPr lang="en-US" altLang="ko-KR" sz="1230" b="0" dirty="0" smtClean="0">
@@ -12255,27 +13365,8 @@
                 <a:ea typeface="LG Smart UI Regular" panose="020B0500000101010101" pitchFamily="50" charset="-127"/>
                 <a:cs typeface="KoPubWorld바탕체 Bold" panose="00000800000000000000" pitchFamily="2" charset="-127"/>
               </a:rPr>
-              <a:t>111 . </a:t>
-            </a:r>
-            <a:r>
-              <a:rPr lang="en-US" altLang="ko-KR" sz="2200" dirty="0" smtClean="0">
-                <a:solidFill>
-                  <a:schemeClr val="tx1"/>
-                </a:solidFill>
-                <a:latin typeface="LG Smart UI Regular" panose="020B0500000101010101" pitchFamily="50" charset="-127"/>
-                <a:ea typeface="LG Smart UI Regular" panose="020B0500000101010101" pitchFamily="50" charset="-127"/>
-                <a:cs typeface="KoPubWorld바탕체 Bold" panose="00000800000000000000" pitchFamily="2" charset="-127"/>
-              </a:rPr>
-              <a:t>static Class</a:t>
-            </a:r>
-            <a:endParaRPr lang="en-US" altLang="ko-KR" sz="2200" dirty="0" smtClean="0">
-              <a:solidFill>
-                <a:schemeClr val="tx1"/>
-              </a:solidFill>
-              <a:latin typeface="LG Smart UI Regular" panose="020B0500000101010101" pitchFamily="50" charset="-127"/>
-              <a:ea typeface="LG Smart UI Regular" panose="020B0500000101010101" pitchFamily="50" charset="-127"/>
-              <a:cs typeface="KoPubWorld바탕체 Bold" panose="00000800000000000000" pitchFamily="2" charset="-127"/>
-            </a:endParaRPr>
+              <a:t>111 . static Class</a:t>
+            </a:r>
           </a:p>
         </p:txBody>
       </p:sp>
@@ -12368,18 +13459,7 @@
                 <a:ea typeface="LG Smart UI Regular" panose="020B0500000101010101" pitchFamily="50" charset="-127"/>
                 <a:cs typeface="KoPubWorld바탕체 Bold" panose="00000800000000000000" pitchFamily="2" charset="-127"/>
               </a:rPr>
-              <a:t>클래스는</a:t>
-            </a:r>
-            <a:r>
-              <a:rPr lang="ko-KR" altLang="en-US" sz="1230" dirty="0" smtClean="0">
-                <a:solidFill>
-                  <a:schemeClr val="tx1"/>
-                </a:solidFill>
-                <a:latin typeface="LG Smart UI Regular" panose="020B0500000101010101" pitchFamily="50" charset="-127"/>
-                <a:ea typeface="LG Smart UI Regular" panose="020B0500000101010101" pitchFamily="50" charset="-127"/>
-                <a:cs typeface="KoPubWorld바탕체 Bold" panose="00000800000000000000" pitchFamily="2" charset="-127"/>
-              </a:rPr>
-              <a:t> 초기화를 한 번</a:t>
+              <a:t>클래스는 초기화를 한 번</a:t>
             </a:r>
             <a:r>
               <a:rPr lang="en-US" altLang="ko-KR" sz="1230" dirty="0" smtClean="0">
@@ -12549,6 +13629,2013 @@
     <p:extLst>
       <p:ext uri="{BB962C8B-B14F-4D97-AF65-F5344CB8AC3E}">
         <p14:creationId xmlns:p14="http://schemas.microsoft.com/office/powerpoint/2010/main" val="3463161687"/>
+      </p:ext>
+    </p:extLst>
+  </p:cSld>
+  <p:clrMapOvr>
+    <a:masterClrMapping/>
+  </p:clrMapOvr>
+  <p:timing>
+    <p:tnLst>
+      <p:par>
+        <p:cTn id="1" dur="indefinite" restart="never" nodeType="tmRoot"/>
+      </p:par>
+    </p:tnLst>
+  </p:timing>
+</p:sld>
+</file>
+
+<file path=ppt/slides/slide8.xml><?xml version="1.0" encoding="utf-8"?>
+<p:sld xmlns:a="http://schemas.openxmlformats.org/drawingml/2006/main" xmlns:r="http://schemas.openxmlformats.org/officeDocument/2006/relationships" xmlns:p="http://schemas.openxmlformats.org/presentationml/2006/main">
+  <p:cSld>
+    <p:spTree>
+      <p:nvGrpSpPr>
+        <p:cNvPr id="1" name=""/>
+        <p:cNvGrpSpPr/>
+        <p:nvPr/>
+      </p:nvGrpSpPr>
+      <p:grpSpPr>
+        <a:xfrm>
+          <a:off x="0" y="0"/>
+          <a:ext cx="0" cy="0"/>
+          <a:chOff x="0" y="0"/>
+          <a:chExt cx="0" cy="0"/>
+        </a:xfrm>
+      </p:grpSpPr>
+      <p:sp>
+        <p:nvSpPr>
+          <p:cNvPr id="3" name="제목 1"/>
+          <p:cNvSpPr txBox="1">
+            <a:spLocks/>
+          </p:cNvSpPr>
+          <p:nvPr/>
+        </p:nvSpPr>
+        <p:spPr>
+          <a:xfrm>
+            <a:off x="941371" y="150454"/>
+            <a:ext cx="5484142" cy="656854"/>
+          </a:xfrm>
+          <a:prstGeom prst="rect">
+            <a:avLst/>
+          </a:prstGeom>
+        </p:spPr>
+        <p:txBody>
+          <a:bodyPr rtlCol="0" anchor="ctr"/>
+          <a:lstStyle>
+            <a:lvl1pPr algn="l" defTabSz="914400" rtl="0" eaLnBrk="1" latinLnBrk="1" hangingPunct="1">
+              <a:spcBef>
+                <a:spcPct val="0"/>
+              </a:spcBef>
+              <a:buNone/>
+              <a:defRPr sz="2400" b="1" kern="1200">
+                <a:solidFill>
+                  <a:schemeClr val="bg1"/>
+                </a:solidFill>
+                <a:latin typeface="Calibri" pitchFamily="34" charset="0"/>
+                <a:ea typeface="LG스마트체 Bold" panose="020B0600000101010101" pitchFamily="50" charset="-127"/>
+                <a:cs typeface="+mj-cs"/>
+              </a:defRPr>
+            </a:lvl1pPr>
+          </a:lstStyle>
+          <a:p>
+            <a:r>
+              <a:rPr lang="en-US" altLang="ko-KR" sz="2200" dirty="0" smtClean="0">
+                <a:solidFill>
+                  <a:schemeClr val="tx1"/>
+                </a:solidFill>
+                <a:latin typeface="LG Smart UI Regular" panose="020B0500000101010101" pitchFamily="50" charset="-127"/>
+                <a:ea typeface="LG Smart UI Regular" panose="020B0500000101010101" pitchFamily="50" charset="-127"/>
+                <a:cs typeface="KoPubWorld바탕체 Bold" panose="00000800000000000000" pitchFamily="2" charset="-127"/>
+              </a:rPr>
+              <a:t>112 ~ 113 </a:t>
+            </a:r>
+            <a:r>
+              <a:rPr lang="ko-KR" altLang="en-US" sz="2200" dirty="0" smtClean="0">
+                <a:solidFill>
+                  <a:schemeClr val="tx1"/>
+                </a:solidFill>
+                <a:latin typeface="LG Smart UI Regular" panose="020B0500000101010101" pitchFamily="50" charset="-127"/>
+                <a:ea typeface="LG Smart UI Regular" panose="020B0500000101010101" pitchFamily="50" charset="-127"/>
+                <a:cs typeface="KoPubWorld바탕체 Bold" panose="00000800000000000000" pitchFamily="2" charset="-127"/>
+              </a:rPr>
+              <a:t>객체지향 정보 은닉 및 캡슐화</a:t>
+            </a:r>
+            <a:endParaRPr lang="en-US" altLang="ko-KR" sz="2200" dirty="0" smtClean="0">
+              <a:solidFill>
+                <a:schemeClr val="tx1"/>
+              </a:solidFill>
+              <a:latin typeface="LG Smart UI Regular" panose="020B0500000101010101" pitchFamily="50" charset="-127"/>
+              <a:ea typeface="LG Smart UI Regular" panose="020B0500000101010101" pitchFamily="50" charset="-127"/>
+              <a:cs typeface="KoPubWorld바탕체 Bold" panose="00000800000000000000" pitchFamily="2" charset="-127"/>
+            </a:endParaRPr>
+          </a:p>
+        </p:txBody>
+      </p:sp>
+      <p:sp>
+        <p:nvSpPr>
+          <p:cNvPr id="5" name="제목 1"/>
+          <p:cNvSpPr txBox="1">
+            <a:spLocks/>
+          </p:cNvSpPr>
+          <p:nvPr/>
+        </p:nvSpPr>
+        <p:spPr>
+          <a:xfrm>
+            <a:off x="2578405" y="939642"/>
+            <a:ext cx="5006349" cy="3492843"/>
+          </a:xfrm>
+          <a:prstGeom prst="rect">
+            <a:avLst/>
+          </a:prstGeom>
+        </p:spPr>
+        <p:txBody>
+          <a:bodyPr rtlCol="0" anchor="ctr"/>
+          <a:lstStyle>
+            <a:lvl1pPr algn="l" defTabSz="914400" rtl="0" eaLnBrk="1" latinLnBrk="1" hangingPunct="1">
+              <a:spcBef>
+                <a:spcPct val="0"/>
+              </a:spcBef>
+              <a:buNone/>
+              <a:defRPr sz="2400" b="1" kern="1200">
+                <a:solidFill>
+                  <a:schemeClr val="bg1"/>
+                </a:solidFill>
+                <a:latin typeface="Calibri" pitchFamily="34" charset="0"/>
+                <a:ea typeface="LG스마트체 Bold" panose="020B0600000101010101" pitchFamily="50" charset="-127"/>
+                <a:cs typeface="+mj-cs"/>
+              </a:defRPr>
+            </a:lvl1pPr>
+          </a:lstStyle>
+          <a:p>
+            <a:r>
+              <a:rPr lang="en-US" altLang="ko-KR" sz="1230" b="0" dirty="0">
+                <a:solidFill>
+                  <a:schemeClr val="tx1"/>
+                </a:solidFill>
+                <a:latin typeface="LG Smart UI Regular" panose="020B0500000101010101" pitchFamily="50" charset="-127"/>
+                <a:ea typeface="LG Smart UI Regular" panose="020B0500000101010101" pitchFamily="50" charset="-127"/>
+                <a:cs typeface="KoPubWorld바탕체 Bold" panose="00000800000000000000" pitchFamily="2" charset="-127"/>
+              </a:rPr>
+              <a:t>c</a:t>
+            </a:r>
+            <a:r>
+              <a:rPr lang="en-US" altLang="ko-KR" sz="1230" b="0" dirty="0" smtClean="0">
+                <a:solidFill>
+                  <a:schemeClr val="tx1"/>
+                </a:solidFill>
+                <a:latin typeface="LG Smart UI Regular" panose="020B0500000101010101" pitchFamily="50" charset="-127"/>
+                <a:ea typeface="LG Smart UI Regular" panose="020B0500000101010101" pitchFamily="50" charset="-127"/>
+                <a:cs typeface="KoPubWorld바탕체 Bold" panose="00000800000000000000" pitchFamily="2" charset="-127"/>
+              </a:rPr>
+              <a:t>lass Class{</a:t>
+            </a:r>
+          </a:p>
+          <a:p>
+            <a:r>
+              <a:rPr lang="en-US" altLang="ko-KR" sz="1230" b="0" dirty="0" smtClean="0">
+                <a:solidFill>
+                  <a:schemeClr val="tx1"/>
+                </a:solidFill>
+                <a:latin typeface="LG Smart UI Regular" panose="020B0500000101010101" pitchFamily="50" charset="-127"/>
+                <a:ea typeface="LG Smart UI Regular" panose="020B0500000101010101" pitchFamily="50" charset="-127"/>
+                <a:cs typeface="KoPubWorld바탕체 Bold" panose="00000800000000000000" pitchFamily="2" charset="-127"/>
+              </a:rPr>
+              <a:t>public:</a:t>
+            </a:r>
+            <a:br>
+              <a:rPr lang="en-US" altLang="ko-KR" sz="1230" b="0" dirty="0" smtClean="0">
+                <a:solidFill>
+                  <a:schemeClr val="tx1"/>
+                </a:solidFill>
+                <a:latin typeface="LG Smart UI Regular" panose="020B0500000101010101" pitchFamily="50" charset="-127"/>
+                <a:ea typeface="LG Smart UI Regular" panose="020B0500000101010101" pitchFamily="50" charset="-127"/>
+                <a:cs typeface="KoPubWorld바탕체 Bold" panose="00000800000000000000" pitchFamily="2" charset="-127"/>
+              </a:rPr>
+            </a:br>
+            <a:r>
+              <a:rPr lang="en-US" altLang="ko-KR" sz="1230" b="0" dirty="0" smtClean="0">
+                <a:solidFill>
+                  <a:schemeClr val="tx1"/>
+                </a:solidFill>
+                <a:latin typeface="LG Smart UI Regular" panose="020B0500000101010101" pitchFamily="50" charset="-127"/>
+                <a:ea typeface="LG Smart UI Regular" panose="020B0500000101010101" pitchFamily="50" charset="-127"/>
+                <a:cs typeface="KoPubWorld바탕체 Bold" panose="00000800000000000000" pitchFamily="2" charset="-127"/>
+              </a:rPr>
+              <a:t>	void set(</a:t>
+            </a:r>
+            <a:r>
+              <a:rPr lang="ko-KR" altLang="en-US" sz="1230" b="0" dirty="0" smtClean="0">
+                <a:solidFill>
+                  <a:schemeClr val="tx1"/>
+                </a:solidFill>
+                <a:latin typeface="LG Smart UI Regular" panose="020B0500000101010101" pitchFamily="50" charset="-127"/>
+                <a:ea typeface="LG Smart UI Regular" panose="020B0500000101010101" pitchFamily="50" charset="-127"/>
+                <a:cs typeface="KoPubWorld바탕체 Bold" panose="00000800000000000000" pitchFamily="2" charset="-127"/>
+              </a:rPr>
+              <a:t>매개변수</a:t>
+            </a:r>
+            <a:r>
+              <a:rPr lang="en-US" altLang="ko-KR" sz="1230" b="0" dirty="0" smtClean="0">
+                <a:solidFill>
+                  <a:schemeClr val="tx1"/>
+                </a:solidFill>
+                <a:latin typeface="LG Smart UI Regular" panose="020B0500000101010101" pitchFamily="50" charset="-127"/>
+                <a:ea typeface="LG Smart UI Regular" panose="020B0500000101010101" pitchFamily="50" charset="-127"/>
+                <a:cs typeface="KoPubWorld바탕체 Bold" panose="00000800000000000000" pitchFamily="2" charset="-127"/>
+              </a:rPr>
+              <a:t>1, </a:t>
+            </a:r>
+            <a:r>
+              <a:rPr lang="ko-KR" altLang="en-US" sz="1230" b="0" dirty="0" smtClean="0">
+                <a:solidFill>
+                  <a:schemeClr val="tx1"/>
+                </a:solidFill>
+                <a:latin typeface="LG Smart UI Regular" panose="020B0500000101010101" pitchFamily="50" charset="-127"/>
+                <a:ea typeface="LG Smart UI Regular" panose="020B0500000101010101" pitchFamily="50" charset="-127"/>
+                <a:cs typeface="KoPubWorld바탕체 Bold" panose="00000800000000000000" pitchFamily="2" charset="-127"/>
+              </a:rPr>
+              <a:t>매개변수</a:t>
+            </a:r>
+            <a:r>
+              <a:rPr lang="en-US" altLang="ko-KR" sz="1230" b="0" dirty="0" smtClean="0">
+                <a:solidFill>
+                  <a:schemeClr val="tx1"/>
+                </a:solidFill>
+                <a:latin typeface="LG Smart UI Regular" panose="020B0500000101010101" pitchFamily="50" charset="-127"/>
+                <a:ea typeface="LG Smart UI Regular" panose="020B0500000101010101" pitchFamily="50" charset="-127"/>
+                <a:cs typeface="KoPubWorld바탕체 Bold" panose="00000800000000000000" pitchFamily="2" charset="-127"/>
+              </a:rPr>
+              <a:t>2){</a:t>
+            </a:r>
+          </a:p>
+          <a:p>
+            <a:r>
+              <a:rPr lang="en-US" altLang="ko-KR" sz="1230" b="0" dirty="0">
+                <a:solidFill>
+                  <a:schemeClr val="tx1"/>
+                </a:solidFill>
+                <a:latin typeface="LG Smart UI Regular" panose="020B0500000101010101" pitchFamily="50" charset="-127"/>
+                <a:ea typeface="LG Smart UI Regular" panose="020B0500000101010101" pitchFamily="50" charset="-127"/>
+                <a:cs typeface="KoPubWorld바탕체 Bold" panose="00000800000000000000" pitchFamily="2" charset="-127"/>
+              </a:rPr>
+              <a:t>	</a:t>
+            </a:r>
+            <a:r>
+              <a:rPr lang="en-US" altLang="ko-KR" sz="1230" b="0" dirty="0" smtClean="0">
+                <a:solidFill>
+                  <a:schemeClr val="tx1"/>
+                </a:solidFill>
+                <a:latin typeface="LG Smart UI Regular" panose="020B0500000101010101" pitchFamily="50" charset="-127"/>
+                <a:ea typeface="LG Smart UI Regular" panose="020B0500000101010101" pitchFamily="50" charset="-127"/>
+                <a:cs typeface="KoPubWorld바탕체 Bold" panose="00000800000000000000" pitchFamily="2" charset="-127"/>
+              </a:rPr>
+              <a:t>// </a:t>
+            </a:r>
+            <a:r>
+              <a:rPr lang="ko-KR" altLang="en-US" sz="1230" b="0" dirty="0" smtClean="0">
+                <a:solidFill>
+                  <a:schemeClr val="tx1"/>
+                </a:solidFill>
+                <a:latin typeface="LG Smart UI Regular" panose="020B0500000101010101" pitchFamily="50" charset="-127"/>
+                <a:ea typeface="LG Smart UI Regular" panose="020B0500000101010101" pitchFamily="50" charset="-127"/>
+                <a:cs typeface="KoPubWorld바탕체 Bold" panose="00000800000000000000" pitchFamily="2" charset="-127"/>
+              </a:rPr>
+              <a:t>변수</a:t>
+            </a:r>
+            <a:r>
+              <a:rPr lang="en-US" altLang="ko-KR" sz="1230" b="0" dirty="0" smtClean="0">
+                <a:solidFill>
+                  <a:schemeClr val="tx1"/>
+                </a:solidFill>
+                <a:latin typeface="LG Smart UI Regular" panose="020B0500000101010101" pitchFamily="50" charset="-127"/>
+                <a:ea typeface="LG Smart UI Regular" panose="020B0500000101010101" pitchFamily="50" charset="-127"/>
+                <a:cs typeface="KoPubWorld바탕체 Bold" panose="00000800000000000000" pitchFamily="2" charset="-127"/>
+              </a:rPr>
+              <a:t>1 = </a:t>
+            </a:r>
+            <a:r>
+              <a:rPr lang="ko-KR" altLang="en-US" sz="1230" b="0" dirty="0" smtClean="0">
+                <a:solidFill>
+                  <a:schemeClr val="tx1"/>
+                </a:solidFill>
+                <a:latin typeface="LG Smart UI Regular" panose="020B0500000101010101" pitchFamily="50" charset="-127"/>
+                <a:ea typeface="LG Smart UI Regular" panose="020B0500000101010101" pitchFamily="50" charset="-127"/>
+                <a:cs typeface="KoPubWorld바탕체 Bold" panose="00000800000000000000" pitchFamily="2" charset="-127"/>
+              </a:rPr>
+              <a:t>매개변수</a:t>
+            </a:r>
+            <a:r>
+              <a:rPr lang="en-US" altLang="ko-KR" sz="1230" b="0" dirty="0" smtClean="0">
+                <a:solidFill>
+                  <a:schemeClr val="tx1"/>
+                </a:solidFill>
+                <a:latin typeface="LG Smart UI Regular" panose="020B0500000101010101" pitchFamily="50" charset="-127"/>
+                <a:ea typeface="LG Smart UI Regular" panose="020B0500000101010101" pitchFamily="50" charset="-127"/>
+                <a:cs typeface="KoPubWorld바탕체 Bold" panose="00000800000000000000" pitchFamily="2" charset="-127"/>
+              </a:rPr>
+              <a:t>1;</a:t>
+            </a:r>
+          </a:p>
+          <a:p>
+            <a:r>
+              <a:rPr lang="en-US" altLang="ko-KR" sz="1230" b="0" dirty="0">
+                <a:solidFill>
+                  <a:schemeClr val="tx1"/>
+                </a:solidFill>
+                <a:latin typeface="LG Smart UI Regular" panose="020B0500000101010101" pitchFamily="50" charset="-127"/>
+                <a:ea typeface="LG Smart UI Regular" panose="020B0500000101010101" pitchFamily="50" charset="-127"/>
+                <a:cs typeface="KoPubWorld바탕체 Bold" panose="00000800000000000000" pitchFamily="2" charset="-127"/>
+              </a:rPr>
+              <a:t>	</a:t>
+            </a:r>
+            <a:r>
+              <a:rPr lang="en-US" altLang="ko-KR" sz="1230" b="0" dirty="0" smtClean="0">
+                <a:solidFill>
+                  <a:schemeClr val="tx1"/>
+                </a:solidFill>
+                <a:latin typeface="LG Smart UI Regular" panose="020B0500000101010101" pitchFamily="50" charset="-127"/>
+                <a:ea typeface="LG Smart UI Regular" panose="020B0500000101010101" pitchFamily="50" charset="-127"/>
+                <a:cs typeface="KoPubWorld바탕체 Bold" panose="00000800000000000000" pitchFamily="2" charset="-127"/>
+              </a:rPr>
+              <a:t>// </a:t>
+            </a:r>
+            <a:r>
+              <a:rPr lang="ko-KR" altLang="en-US" sz="1230" b="0" dirty="0" smtClean="0">
+                <a:solidFill>
+                  <a:schemeClr val="tx1"/>
+                </a:solidFill>
+                <a:latin typeface="LG Smart UI Regular" panose="020B0500000101010101" pitchFamily="50" charset="-127"/>
+                <a:ea typeface="LG Smart UI Regular" panose="020B0500000101010101" pitchFamily="50" charset="-127"/>
+                <a:cs typeface="KoPubWorld바탕체 Bold" panose="00000800000000000000" pitchFamily="2" charset="-127"/>
+              </a:rPr>
+              <a:t>변수</a:t>
+            </a:r>
+            <a:r>
+              <a:rPr lang="en-US" altLang="ko-KR" sz="1230" b="0" dirty="0" smtClean="0">
+                <a:solidFill>
+                  <a:schemeClr val="tx1"/>
+                </a:solidFill>
+                <a:latin typeface="LG Smart UI Regular" panose="020B0500000101010101" pitchFamily="50" charset="-127"/>
+                <a:ea typeface="LG Smart UI Regular" panose="020B0500000101010101" pitchFamily="50" charset="-127"/>
+                <a:cs typeface="KoPubWorld바탕체 Bold" panose="00000800000000000000" pitchFamily="2" charset="-127"/>
+              </a:rPr>
+              <a:t>2 = </a:t>
+            </a:r>
+            <a:r>
+              <a:rPr lang="ko-KR" altLang="en-US" sz="1230" b="0" dirty="0" smtClean="0">
+                <a:solidFill>
+                  <a:schemeClr val="tx1"/>
+                </a:solidFill>
+                <a:latin typeface="LG Smart UI Regular" panose="020B0500000101010101" pitchFamily="50" charset="-127"/>
+                <a:ea typeface="LG Smart UI Regular" panose="020B0500000101010101" pitchFamily="50" charset="-127"/>
+                <a:cs typeface="KoPubWorld바탕체 Bold" panose="00000800000000000000" pitchFamily="2" charset="-127"/>
+              </a:rPr>
+              <a:t>매개변수</a:t>
+            </a:r>
+            <a:r>
+              <a:rPr lang="en-US" altLang="ko-KR" sz="1230" b="0" dirty="0" smtClean="0">
+                <a:solidFill>
+                  <a:schemeClr val="tx1"/>
+                </a:solidFill>
+                <a:latin typeface="LG Smart UI Regular" panose="020B0500000101010101" pitchFamily="50" charset="-127"/>
+                <a:ea typeface="LG Smart UI Regular" panose="020B0500000101010101" pitchFamily="50" charset="-127"/>
+                <a:cs typeface="KoPubWorld바탕체 Bold" panose="00000800000000000000" pitchFamily="2" charset="-127"/>
+              </a:rPr>
+              <a:t>2;</a:t>
+            </a:r>
+            <a:endParaRPr lang="en-US" altLang="ko-KR" sz="1230" b="0" dirty="0" smtClean="0">
+              <a:solidFill>
+                <a:schemeClr val="tx1"/>
+              </a:solidFill>
+              <a:latin typeface="LG Smart UI Regular" panose="020B0500000101010101" pitchFamily="50" charset="-127"/>
+              <a:ea typeface="LG Smart UI Regular" panose="020B0500000101010101" pitchFamily="50" charset="-127"/>
+              <a:cs typeface="KoPubWorld바탕체 Bold" panose="00000800000000000000" pitchFamily="2" charset="-127"/>
+            </a:endParaRPr>
+          </a:p>
+          <a:p>
+            <a:r>
+              <a:rPr lang="en-US" altLang="ko-KR" sz="1230" b="0" dirty="0">
+                <a:solidFill>
+                  <a:schemeClr val="tx1"/>
+                </a:solidFill>
+                <a:latin typeface="LG Smart UI Regular" panose="020B0500000101010101" pitchFamily="50" charset="-127"/>
+                <a:ea typeface="LG Smart UI Regular" panose="020B0500000101010101" pitchFamily="50" charset="-127"/>
+                <a:cs typeface="KoPubWorld바탕체 Bold" panose="00000800000000000000" pitchFamily="2" charset="-127"/>
+              </a:rPr>
+              <a:t>	</a:t>
+            </a:r>
+            <a:r>
+              <a:rPr lang="en-US" altLang="ko-KR" sz="1230" b="0" dirty="0" smtClean="0">
+                <a:solidFill>
+                  <a:schemeClr val="tx1"/>
+                </a:solidFill>
+                <a:latin typeface="LG Smart UI Regular" panose="020B0500000101010101" pitchFamily="50" charset="-127"/>
+                <a:ea typeface="LG Smart UI Regular" panose="020B0500000101010101" pitchFamily="50" charset="-127"/>
+                <a:cs typeface="KoPubWorld바탕체 Bold" panose="00000800000000000000" pitchFamily="2" charset="-127"/>
+              </a:rPr>
+              <a:t>}</a:t>
+            </a:r>
+          </a:p>
+          <a:p>
+            <a:r>
+              <a:rPr lang="en-US" altLang="ko-KR" sz="1230" b="0" dirty="0">
+                <a:solidFill>
+                  <a:schemeClr val="tx1"/>
+                </a:solidFill>
+                <a:latin typeface="LG Smart UI Regular" panose="020B0500000101010101" pitchFamily="50" charset="-127"/>
+                <a:ea typeface="LG Smart UI Regular" panose="020B0500000101010101" pitchFamily="50" charset="-127"/>
+                <a:cs typeface="KoPubWorld바탕체 Bold" panose="00000800000000000000" pitchFamily="2" charset="-127"/>
+              </a:rPr>
+              <a:t>	</a:t>
+            </a:r>
+            <a:r>
+              <a:rPr lang="en-US" altLang="ko-KR" sz="1230" b="0" dirty="0" smtClean="0">
+                <a:solidFill>
+                  <a:schemeClr val="tx1"/>
+                </a:solidFill>
+                <a:latin typeface="LG Smart UI Regular" panose="020B0500000101010101" pitchFamily="50" charset="-127"/>
+                <a:ea typeface="LG Smart UI Regular" panose="020B0500000101010101" pitchFamily="50" charset="-127"/>
+                <a:cs typeface="KoPubWorld바탕체 Bold" panose="00000800000000000000" pitchFamily="2" charset="-127"/>
+              </a:rPr>
+              <a:t>string get(){</a:t>
+            </a:r>
+          </a:p>
+          <a:p>
+            <a:r>
+              <a:rPr lang="en-US" altLang="ko-KR" sz="1230" b="0" dirty="0">
+                <a:solidFill>
+                  <a:schemeClr val="tx1"/>
+                </a:solidFill>
+                <a:latin typeface="LG Smart UI Regular" panose="020B0500000101010101" pitchFamily="50" charset="-127"/>
+                <a:ea typeface="LG Smart UI Regular" panose="020B0500000101010101" pitchFamily="50" charset="-127"/>
+                <a:cs typeface="KoPubWorld바탕체 Bold" panose="00000800000000000000" pitchFamily="2" charset="-127"/>
+              </a:rPr>
+              <a:t>	</a:t>
+            </a:r>
+            <a:r>
+              <a:rPr lang="en-US" altLang="ko-KR" sz="1230" b="0" dirty="0" smtClean="0">
+                <a:solidFill>
+                  <a:schemeClr val="tx1"/>
+                </a:solidFill>
+                <a:latin typeface="LG Smart UI Regular" panose="020B0500000101010101" pitchFamily="50" charset="-127"/>
+                <a:ea typeface="LG Smart UI Regular" panose="020B0500000101010101" pitchFamily="50" charset="-127"/>
+                <a:cs typeface="KoPubWorld바탕체 Bold" panose="00000800000000000000" pitchFamily="2" charset="-127"/>
+              </a:rPr>
+              <a:t>// return </a:t>
+            </a:r>
+            <a:r>
+              <a:rPr lang="ko-KR" altLang="en-US" sz="1230" b="0" dirty="0" smtClean="0">
+                <a:solidFill>
+                  <a:schemeClr val="tx1"/>
+                </a:solidFill>
+                <a:latin typeface="LG Smart UI Regular" panose="020B0500000101010101" pitchFamily="50" charset="-127"/>
+                <a:ea typeface="LG Smart UI Regular" panose="020B0500000101010101" pitchFamily="50" charset="-127"/>
+                <a:cs typeface="KoPubWorld바탕체 Bold" panose="00000800000000000000" pitchFamily="2" charset="-127"/>
+              </a:rPr>
+              <a:t>변수</a:t>
+            </a:r>
+            <a:r>
+              <a:rPr lang="en-US" altLang="ko-KR" sz="1230" b="0" dirty="0" smtClean="0">
+                <a:solidFill>
+                  <a:schemeClr val="tx1"/>
+                </a:solidFill>
+                <a:latin typeface="LG Smart UI Regular" panose="020B0500000101010101" pitchFamily="50" charset="-127"/>
+                <a:ea typeface="LG Smart UI Regular" panose="020B0500000101010101" pitchFamily="50" charset="-127"/>
+                <a:cs typeface="KoPubWorld바탕체 Bold" panose="00000800000000000000" pitchFamily="2" charset="-127"/>
+              </a:rPr>
+              <a:t>1 or </a:t>
+            </a:r>
+            <a:r>
+              <a:rPr lang="ko-KR" altLang="en-US" sz="1230" b="0" dirty="0" smtClean="0">
+                <a:solidFill>
+                  <a:schemeClr val="tx1"/>
+                </a:solidFill>
+                <a:latin typeface="LG Smart UI Regular" panose="020B0500000101010101" pitchFamily="50" charset="-127"/>
+                <a:ea typeface="LG Smart UI Regular" panose="020B0500000101010101" pitchFamily="50" charset="-127"/>
+                <a:cs typeface="KoPubWorld바탕체 Bold" panose="00000800000000000000" pitchFamily="2" charset="-127"/>
+              </a:rPr>
+              <a:t>변수</a:t>
+            </a:r>
+            <a:r>
+              <a:rPr lang="en-US" altLang="ko-KR" sz="1230" b="0" dirty="0" smtClean="0">
+                <a:solidFill>
+                  <a:schemeClr val="tx1"/>
+                </a:solidFill>
+                <a:latin typeface="LG Smart UI Regular" panose="020B0500000101010101" pitchFamily="50" charset="-127"/>
+                <a:ea typeface="LG Smart UI Regular" panose="020B0500000101010101" pitchFamily="50" charset="-127"/>
+                <a:cs typeface="KoPubWorld바탕체 Bold" panose="00000800000000000000" pitchFamily="2" charset="-127"/>
+              </a:rPr>
+              <a:t>2;</a:t>
+            </a:r>
+            <a:endParaRPr lang="en-US" altLang="ko-KR" sz="1230" b="0" dirty="0">
+              <a:solidFill>
+                <a:schemeClr val="tx1"/>
+              </a:solidFill>
+              <a:latin typeface="LG Smart UI Regular" panose="020B0500000101010101" pitchFamily="50" charset="-127"/>
+              <a:ea typeface="LG Smart UI Regular" panose="020B0500000101010101" pitchFamily="50" charset="-127"/>
+              <a:cs typeface="KoPubWorld바탕체 Bold" panose="00000800000000000000" pitchFamily="2" charset="-127"/>
+            </a:endParaRPr>
+          </a:p>
+          <a:p>
+            <a:r>
+              <a:rPr lang="en-US" altLang="ko-KR" sz="1230" b="0" dirty="0">
+                <a:solidFill>
+                  <a:schemeClr val="tx1"/>
+                </a:solidFill>
+                <a:latin typeface="LG Smart UI Regular" panose="020B0500000101010101" pitchFamily="50" charset="-127"/>
+                <a:ea typeface="LG Smart UI Regular" panose="020B0500000101010101" pitchFamily="50" charset="-127"/>
+                <a:cs typeface="KoPubWorld바탕체 Bold" panose="00000800000000000000" pitchFamily="2" charset="-127"/>
+              </a:rPr>
+              <a:t>	</a:t>
+            </a:r>
+            <a:r>
+              <a:rPr lang="en-US" altLang="ko-KR" sz="1230" b="0" dirty="0" smtClean="0">
+                <a:solidFill>
+                  <a:schemeClr val="tx1"/>
+                </a:solidFill>
+                <a:latin typeface="LG Smart UI Regular" panose="020B0500000101010101" pitchFamily="50" charset="-127"/>
+                <a:ea typeface="LG Smart UI Regular" panose="020B0500000101010101" pitchFamily="50" charset="-127"/>
+                <a:cs typeface="KoPubWorld바탕체 Bold" panose="00000800000000000000" pitchFamily="2" charset="-127"/>
+              </a:rPr>
+              <a:t>}</a:t>
+            </a:r>
+          </a:p>
+          <a:p>
+            <a:r>
+              <a:rPr lang="en-US" altLang="ko-KR" sz="1230" b="0" dirty="0" smtClean="0">
+                <a:solidFill>
+                  <a:schemeClr val="tx1"/>
+                </a:solidFill>
+                <a:latin typeface="LG Smart UI Regular" panose="020B0500000101010101" pitchFamily="50" charset="-127"/>
+                <a:ea typeface="LG Smart UI Regular" panose="020B0500000101010101" pitchFamily="50" charset="-127"/>
+                <a:cs typeface="KoPubWorld바탕체 Bold" panose="00000800000000000000" pitchFamily="2" charset="-127"/>
+              </a:rPr>
+              <a:t>private:</a:t>
+            </a:r>
+          </a:p>
+          <a:p>
+            <a:r>
+              <a:rPr lang="en-US" altLang="ko-KR" sz="1230" b="0" dirty="0">
+                <a:solidFill>
+                  <a:schemeClr val="tx1"/>
+                </a:solidFill>
+                <a:latin typeface="LG Smart UI Regular" panose="020B0500000101010101" pitchFamily="50" charset="-127"/>
+                <a:ea typeface="LG Smart UI Regular" panose="020B0500000101010101" pitchFamily="50" charset="-127"/>
+                <a:cs typeface="KoPubWorld바탕체 Bold" panose="00000800000000000000" pitchFamily="2" charset="-127"/>
+              </a:rPr>
+              <a:t>	</a:t>
+            </a:r>
+            <a:r>
+              <a:rPr lang="en-US" altLang="ko-KR" sz="1230" b="0" dirty="0" smtClean="0">
+                <a:solidFill>
+                  <a:schemeClr val="tx1"/>
+                </a:solidFill>
+                <a:latin typeface="LG Smart UI Regular" panose="020B0500000101010101" pitchFamily="50" charset="-127"/>
+                <a:ea typeface="LG Smart UI Regular" panose="020B0500000101010101" pitchFamily="50" charset="-127"/>
+                <a:cs typeface="KoPubWorld바탕체 Bold" panose="00000800000000000000" pitchFamily="2" charset="-127"/>
+              </a:rPr>
+              <a:t>// </a:t>
+            </a:r>
+            <a:r>
+              <a:rPr lang="ko-KR" altLang="en-US" sz="1230" b="0" dirty="0" smtClean="0">
+                <a:solidFill>
+                  <a:schemeClr val="tx1"/>
+                </a:solidFill>
+                <a:latin typeface="LG Smart UI Regular" panose="020B0500000101010101" pitchFamily="50" charset="-127"/>
+                <a:ea typeface="LG Smart UI Regular" panose="020B0500000101010101" pitchFamily="50" charset="-127"/>
+                <a:cs typeface="KoPubWorld바탕체 Bold" panose="00000800000000000000" pitchFamily="2" charset="-127"/>
+              </a:rPr>
+              <a:t>변수</a:t>
+            </a:r>
+            <a:r>
+              <a:rPr lang="en-US" altLang="ko-KR" sz="1230" b="0" dirty="0" smtClean="0">
+                <a:solidFill>
+                  <a:schemeClr val="tx1"/>
+                </a:solidFill>
+                <a:latin typeface="LG Smart UI Regular" panose="020B0500000101010101" pitchFamily="50" charset="-127"/>
+                <a:ea typeface="LG Smart UI Regular" panose="020B0500000101010101" pitchFamily="50" charset="-127"/>
+                <a:cs typeface="KoPubWorld바탕체 Bold" panose="00000800000000000000" pitchFamily="2" charset="-127"/>
+              </a:rPr>
+              <a:t>1, </a:t>
+            </a:r>
+            <a:r>
+              <a:rPr lang="ko-KR" altLang="en-US" sz="1230" b="0" dirty="0" smtClean="0">
+                <a:solidFill>
+                  <a:schemeClr val="tx1"/>
+                </a:solidFill>
+                <a:latin typeface="LG Smart UI Regular" panose="020B0500000101010101" pitchFamily="50" charset="-127"/>
+                <a:ea typeface="LG Smart UI Regular" panose="020B0500000101010101" pitchFamily="50" charset="-127"/>
+                <a:cs typeface="KoPubWorld바탕체 Bold" panose="00000800000000000000" pitchFamily="2" charset="-127"/>
+              </a:rPr>
+              <a:t>변수</a:t>
+            </a:r>
+            <a:r>
+              <a:rPr lang="en-US" altLang="ko-KR" sz="1230" b="0" dirty="0" smtClean="0">
+                <a:solidFill>
+                  <a:schemeClr val="tx1"/>
+                </a:solidFill>
+                <a:latin typeface="LG Smart UI Regular" panose="020B0500000101010101" pitchFamily="50" charset="-127"/>
+                <a:ea typeface="LG Smart UI Regular" panose="020B0500000101010101" pitchFamily="50" charset="-127"/>
+                <a:cs typeface="KoPubWorld바탕체 Bold" panose="00000800000000000000" pitchFamily="2" charset="-127"/>
+              </a:rPr>
+              <a:t>2 </a:t>
+            </a:r>
+            <a:r>
+              <a:rPr lang="ko-KR" altLang="en-US" sz="1230" b="0" dirty="0" smtClean="0">
+                <a:solidFill>
+                  <a:schemeClr val="tx1"/>
+                </a:solidFill>
+                <a:latin typeface="LG Smart UI Regular" panose="020B0500000101010101" pitchFamily="50" charset="-127"/>
+                <a:ea typeface="LG Smart UI Regular" panose="020B0500000101010101" pitchFamily="50" charset="-127"/>
+                <a:cs typeface="KoPubWorld바탕체 Bold" panose="00000800000000000000" pitchFamily="2" charset="-127"/>
+              </a:rPr>
+              <a:t>정의</a:t>
+            </a:r>
+            <a:endParaRPr lang="en-US" altLang="ko-KR" sz="1230" b="0" dirty="0">
+              <a:solidFill>
+                <a:schemeClr val="tx1"/>
+              </a:solidFill>
+              <a:latin typeface="LG Smart UI Regular" panose="020B0500000101010101" pitchFamily="50" charset="-127"/>
+              <a:ea typeface="LG Smart UI Regular" panose="020B0500000101010101" pitchFamily="50" charset="-127"/>
+              <a:cs typeface="KoPubWorld바탕체 Bold" panose="00000800000000000000" pitchFamily="2" charset="-127"/>
+            </a:endParaRPr>
+          </a:p>
+          <a:p>
+            <a:r>
+              <a:rPr lang="en-US" altLang="ko-KR" sz="1230" b="0" dirty="0" smtClean="0">
+                <a:solidFill>
+                  <a:schemeClr val="tx1"/>
+                </a:solidFill>
+                <a:latin typeface="LG Smart UI Regular" panose="020B0500000101010101" pitchFamily="50" charset="-127"/>
+                <a:ea typeface="LG Smart UI Regular" panose="020B0500000101010101" pitchFamily="50" charset="-127"/>
+                <a:cs typeface="KoPubWorld바탕체 Bold" panose="00000800000000000000" pitchFamily="2" charset="-127"/>
+              </a:rPr>
+              <a:t>};</a:t>
+            </a:r>
+            <a:endParaRPr lang="en-US" altLang="ko-KR" sz="1230" b="0" dirty="0">
+              <a:solidFill>
+                <a:schemeClr val="tx1"/>
+              </a:solidFill>
+              <a:latin typeface="LG Smart UI Regular" panose="020B0500000101010101" pitchFamily="50" charset="-127"/>
+              <a:ea typeface="LG Smart UI Regular" panose="020B0500000101010101" pitchFamily="50" charset="-127"/>
+              <a:cs typeface="KoPubWorld바탕체 Bold" panose="00000800000000000000" pitchFamily="2" charset="-127"/>
+            </a:endParaRPr>
+          </a:p>
+        </p:txBody>
+      </p:sp>
+      <p:sp>
+        <p:nvSpPr>
+          <p:cNvPr id="4" name="제목 1"/>
+          <p:cNvSpPr txBox="1">
+            <a:spLocks/>
+          </p:cNvSpPr>
+          <p:nvPr/>
+        </p:nvSpPr>
+        <p:spPr>
+          <a:xfrm>
+            <a:off x="2578405" y="3977639"/>
+            <a:ext cx="4907494" cy="1864047"/>
+          </a:xfrm>
+          <a:prstGeom prst="rect">
+            <a:avLst/>
+          </a:prstGeom>
+        </p:spPr>
+        <p:txBody>
+          <a:bodyPr rtlCol="0" anchor="ctr"/>
+          <a:lstStyle>
+            <a:lvl1pPr algn="l" defTabSz="914400" rtl="0" eaLnBrk="1" latinLnBrk="1" hangingPunct="1">
+              <a:spcBef>
+                <a:spcPct val="0"/>
+              </a:spcBef>
+              <a:buNone/>
+              <a:defRPr sz="2400" b="1" kern="1200">
+                <a:solidFill>
+                  <a:schemeClr val="bg1"/>
+                </a:solidFill>
+                <a:latin typeface="Calibri" pitchFamily="34" charset="0"/>
+                <a:ea typeface="LG스마트체 Bold" panose="020B0600000101010101" pitchFamily="50" charset="-127"/>
+                <a:cs typeface="+mj-cs"/>
+              </a:defRPr>
+            </a:lvl1pPr>
+          </a:lstStyle>
+          <a:p>
+            <a:r>
+              <a:rPr lang="ko-KR" altLang="en-US" sz="1230" b="0" dirty="0" smtClean="0">
+                <a:solidFill>
+                  <a:schemeClr val="tx1"/>
+                </a:solidFill>
+                <a:latin typeface="LG Smart UI Regular" panose="020B0500000101010101" pitchFamily="50" charset="-127"/>
+                <a:ea typeface="LG Smart UI Regular" panose="020B0500000101010101" pitchFamily="50" charset="-127"/>
+                <a:cs typeface="KoPubWorld바탕체 Bold" panose="00000800000000000000" pitchFamily="2" charset="-127"/>
+              </a:rPr>
+              <a:t>외부에서 접근하지 못하도록 변수</a:t>
+            </a:r>
+            <a:r>
+              <a:rPr lang="en-US" altLang="ko-KR" sz="1230" b="0" dirty="0" smtClean="0">
+                <a:solidFill>
+                  <a:schemeClr val="tx1"/>
+                </a:solidFill>
+                <a:latin typeface="LG Smart UI Regular" panose="020B0500000101010101" pitchFamily="50" charset="-127"/>
+                <a:ea typeface="LG Smart UI Regular" panose="020B0500000101010101" pitchFamily="50" charset="-127"/>
+                <a:cs typeface="KoPubWorld바탕체 Bold" panose="00000800000000000000" pitchFamily="2" charset="-127"/>
+              </a:rPr>
+              <a:t>1, </a:t>
+            </a:r>
+            <a:r>
+              <a:rPr lang="ko-KR" altLang="en-US" sz="1230" b="0" dirty="0" smtClean="0">
+                <a:solidFill>
+                  <a:schemeClr val="tx1"/>
+                </a:solidFill>
+                <a:latin typeface="LG Smart UI Regular" panose="020B0500000101010101" pitchFamily="50" charset="-127"/>
+                <a:ea typeface="LG Smart UI Regular" panose="020B0500000101010101" pitchFamily="50" charset="-127"/>
+                <a:cs typeface="KoPubWorld바탕체 Bold" panose="00000800000000000000" pitchFamily="2" charset="-127"/>
+              </a:rPr>
+              <a:t>변수</a:t>
+            </a:r>
+            <a:r>
+              <a:rPr lang="en-US" altLang="ko-KR" sz="1230" b="0" dirty="0" smtClean="0">
+                <a:solidFill>
+                  <a:schemeClr val="tx1"/>
+                </a:solidFill>
+                <a:latin typeface="LG Smart UI Regular" panose="020B0500000101010101" pitchFamily="50" charset="-127"/>
+                <a:ea typeface="LG Smart UI Regular" panose="020B0500000101010101" pitchFamily="50" charset="-127"/>
+                <a:cs typeface="KoPubWorld바탕체 Bold" panose="00000800000000000000" pitchFamily="2" charset="-127"/>
+              </a:rPr>
+              <a:t>2</a:t>
+            </a:r>
+            <a:r>
+              <a:rPr lang="ko-KR" altLang="en-US" sz="1230" b="0" dirty="0" smtClean="0">
+                <a:solidFill>
+                  <a:schemeClr val="tx1"/>
+                </a:solidFill>
+                <a:latin typeface="LG Smart UI Regular" panose="020B0500000101010101" pitchFamily="50" charset="-127"/>
+                <a:ea typeface="LG Smart UI Regular" panose="020B0500000101010101" pitchFamily="50" charset="-127"/>
+                <a:cs typeface="KoPubWorld바탕체 Bold" panose="00000800000000000000" pitchFamily="2" charset="-127"/>
+              </a:rPr>
+              <a:t>를 </a:t>
+            </a:r>
+            <a:r>
+              <a:rPr lang="en-US" altLang="ko-KR" sz="1230" b="0" dirty="0" smtClean="0">
+                <a:solidFill>
+                  <a:schemeClr val="tx1"/>
+                </a:solidFill>
+                <a:latin typeface="LG Smart UI Regular" panose="020B0500000101010101" pitchFamily="50" charset="-127"/>
+                <a:ea typeface="LG Smart UI Regular" panose="020B0500000101010101" pitchFamily="50" charset="-127"/>
+                <a:cs typeface="KoPubWorld바탕체 Bold" panose="00000800000000000000" pitchFamily="2" charset="-127"/>
+              </a:rPr>
+              <a:t>private</a:t>
+            </a:r>
+            <a:r>
+              <a:rPr lang="ko-KR" altLang="en-US" sz="1230" b="0" dirty="0" smtClean="0">
+                <a:solidFill>
+                  <a:schemeClr val="tx1"/>
+                </a:solidFill>
+                <a:latin typeface="LG Smart UI Regular" panose="020B0500000101010101" pitchFamily="50" charset="-127"/>
+                <a:ea typeface="LG Smart UI Regular" panose="020B0500000101010101" pitchFamily="50" charset="-127"/>
+                <a:cs typeface="KoPubWorld바탕체 Bold" panose="00000800000000000000" pitchFamily="2" charset="-127"/>
+              </a:rPr>
+              <a:t>으로 선언한다</a:t>
+            </a:r>
+            <a:r>
+              <a:rPr lang="en-US" altLang="ko-KR" sz="1230" b="0" dirty="0" smtClean="0">
+                <a:solidFill>
+                  <a:schemeClr val="tx1"/>
+                </a:solidFill>
+                <a:latin typeface="LG Smart UI Regular" panose="020B0500000101010101" pitchFamily="50" charset="-127"/>
+                <a:ea typeface="LG Smart UI Regular" panose="020B0500000101010101" pitchFamily="50" charset="-127"/>
+                <a:cs typeface="KoPubWorld바탕체 Bold" panose="00000800000000000000" pitchFamily="2" charset="-127"/>
+              </a:rPr>
+              <a:t>.</a:t>
+            </a:r>
+          </a:p>
+          <a:p>
+            <a:r>
+              <a:rPr lang="ko-KR" altLang="en-US" sz="1230" b="0" dirty="0" smtClean="0">
+                <a:solidFill>
+                  <a:schemeClr val="tx1"/>
+                </a:solidFill>
+                <a:latin typeface="LG Smart UI Regular" panose="020B0500000101010101" pitchFamily="50" charset="-127"/>
+                <a:ea typeface="LG Smart UI Regular" panose="020B0500000101010101" pitchFamily="50" charset="-127"/>
+                <a:cs typeface="KoPubWorld바탕체 Bold" panose="00000800000000000000" pitchFamily="2" charset="-127"/>
+              </a:rPr>
+              <a:t>이후 </a:t>
+            </a:r>
+            <a:r>
+              <a:rPr lang="en-US" altLang="ko-KR" sz="1230" b="0" dirty="0" smtClean="0">
+                <a:solidFill>
+                  <a:schemeClr val="tx1"/>
+                </a:solidFill>
+                <a:latin typeface="LG Smart UI Regular" panose="020B0500000101010101" pitchFamily="50" charset="-127"/>
+                <a:ea typeface="LG Smart UI Regular" panose="020B0500000101010101" pitchFamily="50" charset="-127"/>
+                <a:cs typeface="KoPubWorld바탕체 Bold" panose="00000800000000000000" pitchFamily="2" charset="-127"/>
+              </a:rPr>
+              <a:t>public </a:t>
+            </a:r>
+            <a:r>
+              <a:rPr lang="ko-KR" altLang="en-US" sz="1230" b="0" dirty="0" err="1" smtClean="0">
+                <a:solidFill>
+                  <a:schemeClr val="tx1"/>
+                </a:solidFill>
+                <a:latin typeface="LG Smart UI Regular" panose="020B0500000101010101" pitchFamily="50" charset="-127"/>
+                <a:ea typeface="LG Smart UI Regular" panose="020B0500000101010101" pitchFamily="50" charset="-127"/>
+                <a:cs typeface="KoPubWorld바탕체 Bold" panose="00000800000000000000" pitchFamily="2" charset="-127"/>
+              </a:rPr>
+              <a:t>메서드인</a:t>
+            </a:r>
+            <a:r>
+              <a:rPr lang="ko-KR" altLang="en-US" sz="1230" b="0" dirty="0" smtClean="0">
+                <a:solidFill>
+                  <a:schemeClr val="tx1"/>
+                </a:solidFill>
+                <a:latin typeface="LG Smart UI Regular" panose="020B0500000101010101" pitchFamily="50" charset="-127"/>
+                <a:ea typeface="LG Smart UI Regular" panose="020B0500000101010101" pitchFamily="50" charset="-127"/>
+                <a:cs typeface="KoPubWorld바탕체 Bold" panose="00000800000000000000" pitchFamily="2" charset="-127"/>
+              </a:rPr>
+              <a:t> </a:t>
+            </a:r>
+            <a:r>
+              <a:rPr lang="en-US" altLang="ko-KR" sz="1230" b="0" dirty="0" smtClean="0">
+                <a:solidFill>
+                  <a:schemeClr val="tx1"/>
+                </a:solidFill>
+                <a:latin typeface="LG Smart UI Regular" panose="020B0500000101010101" pitchFamily="50" charset="-127"/>
+                <a:ea typeface="LG Smart UI Regular" panose="020B0500000101010101" pitchFamily="50" charset="-127"/>
+                <a:cs typeface="KoPubWorld바탕체 Bold" panose="00000800000000000000" pitchFamily="2" charset="-127"/>
+              </a:rPr>
+              <a:t>set()</a:t>
+            </a:r>
+            <a:r>
+              <a:rPr lang="ko-KR" altLang="en-US" sz="1230" b="0" dirty="0" smtClean="0">
+                <a:solidFill>
+                  <a:schemeClr val="tx1"/>
+                </a:solidFill>
+                <a:latin typeface="LG Smart UI Regular" panose="020B0500000101010101" pitchFamily="50" charset="-127"/>
+                <a:ea typeface="LG Smart UI Regular" panose="020B0500000101010101" pitchFamily="50" charset="-127"/>
+                <a:cs typeface="KoPubWorld바탕체 Bold" panose="00000800000000000000" pitchFamily="2" charset="-127"/>
+              </a:rPr>
+              <a:t>과 </a:t>
+            </a:r>
+            <a:r>
+              <a:rPr lang="en-US" altLang="ko-KR" sz="1230" b="0" dirty="0" smtClean="0">
+                <a:solidFill>
+                  <a:schemeClr val="tx1"/>
+                </a:solidFill>
+                <a:latin typeface="LG Smart UI Regular" panose="020B0500000101010101" pitchFamily="50" charset="-127"/>
+                <a:ea typeface="LG Smart UI Regular" panose="020B0500000101010101" pitchFamily="50" charset="-127"/>
+                <a:cs typeface="KoPubWorld바탕체 Bold" panose="00000800000000000000" pitchFamily="2" charset="-127"/>
+              </a:rPr>
+              <a:t>get()</a:t>
+            </a:r>
+            <a:r>
+              <a:rPr lang="ko-KR" altLang="en-US" sz="1230" b="0" dirty="0" smtClean="0">
+                <a:solidFill>
+                  <a:schemeClr val="tx1"/>
+                </a:solidFill>
+                <a:latin typeface="LG Smart UI Regular" panose="020B0500000101010101" pitchFamily="50" charset="-127"/>
+                <a:ea typeface="LG Smart UI Regular" panose="020B0500000101010101" pitchFamily="50" charset="-127"/>
+                <a:cs typeface="KoPubWorld바탕체 Bold" panose="00000800000000000000" pitchFamily="2" charset="-127"/>
+              </a:rPr>
+              <a:t>을 제공함으로써 객체의 내부 상태를 외부로부터 숨기는 캡슐화가 구현된다</a:t>
+            </a:r>
+            <a:r>
+              <a:rPr lang="en-US" altLang="ko-KR" sz="1230" b="0" dirty="0" smtClean="0">
+                <a:solidFill>
+                  <a:schemeClr val="tx1"/>
+                </a:solidFill>
+                <a:latin typeface="LG Smart UI Regular" panose="020B0500000101010101" pitchFamily="50" charset="-127"/>
+                <a:ea typeface="LG Smart UI Regular" panose="020B0500000101010101" pitchFamily="50" charset="-127"/>
+                <a:cs typeface="KoPubWorld바탕체 Bold" panose="00000800000000000000" pitchFamily="2" charset="-127"/>
+              </a:rPr>
+              <a:t>.</a:t>
+            </a:r>
+          </a:p>
+          <a:p>
+            <a:r>
+              <a:rPr lang="ko-KR" altLang="en-US" sz="1230" b="0" dirty="0" smtClean="0">
+                <a:solidFill>
+                  <a:schemeClr val="tx1"/>
+                </a:solidFill>
+                <a:latin typeface="LG Smart UI Regular" panose="020B0500000101010101" pitchFamily="50" charset="-127"/>
+                <a:ea typeface="LG Smart UI Regular" panose="020B0500000101010101" pitchFamily="50" charset="-127"/>
+                <a:cs typeface="KoPubWorld바탕체 Bold" panose="00000800000000000000" pitchFamily="2" charset="-127"/>
+              </a:rPr>
+              <a:t>은닉은 캡슐화의 일부분이며</a:t>
+            </a:r>
+            <a:r>
+              <a:rPr lang="en-US" altLang="ko-KR" sz="1230" b="0" dirty="0" smtClean="0">
+                <a:solidFill>
+                  <a:schemeClr val="tx1"/>
+                </a:solidFill>
+                <a:latin typeface="LG Smart UI Regular" panose="020B0500000101010101" pitchFamily="50" charset="-127"/>
+                <a:ea typeface="LG Smart UI Regular" panose="020B0500000101010101" pitchFamily="50" charset="-127"/>
+                <a:cs typeface="KoPubWorld바탕체 Bold" panose="00000800000000000000" pitchFamily="2" charset="-127"/>
+              </a:rPr>
+              <a:t>, </a:t>
+            </a:r>
+            <a:r>
+              <a:rPr lang="ko-KR" altLang="en-US" sz="1230" b="0" dirty="0" smtClean="0">
+                <a:solidFill>
+                  <a:schemeClr val="tx1"/>
+                </a:solidFill>
+                <a:latin typeface="LG Smart UI Regular" panose="020B0500000101010101" pitchFamily="50" charset="-127"/>
+                <a:ea typeface="LG Smart UI Regular" panose="020B0500000101010101" pitchFamily="50" charset="-127"/>
+                <a:cs typeface="KoPubWorld바탕체 Bold" panose="00000800000000000000" pitchFamily="2" charset="-127"/>
+              </a:rPr>
+              <a:t>객체 내부 구현을 숨기고 외부에는 필요한 정보와 기능만을 제공한다</a:t>
+            </a:r>
+            <a:r>
+              <a:rPr lang="en-US" altLang="ko-KR" sz="1230" b="0" dirty="0" smtClean="0">
+                <a:solidFill>
+                  <a:schemeClr val="tx1"/>
+                </a:solidFill>
+                <a:latin typeface="LG Smart UI Regular" panose="020B0500000101010101" pitchFamily="50" charset="-127"/>
+                <a:ea typeface="LG Smart UI Regular" panose="020B0500000101010101" pitchFamily="50" charset="-127"/>
+                <a:cs typeface="KoPubWorld바탕체 Bold" panose="00000800000000000000" pitchFamily="2" charset="-127"/>
+              </a:rPr>
+              <a:t>.</a:t>
+            </a:r>
+            <a:endParaRPr lang="en-US" altLang="ko-KR" sz="1230" b="0" dirty="0" smtClean="0">
+              <a:solidFill>
+                <a:schemeClr val="tx1"/>
+              </a:solidFill>
+              <a:latin typeface="LG Smart UI Regular" panose="020B0500000101010101" pitchFamily="50" charset="-127"/>
+              <a:ea typeface="LG Smart UI Regular" panose="020B0500000101010101" pitchFamily="50" charset="-127"/>
+              <a:cs typeface="KoPubWorld바탕체 Bold" panose="00000800000000000000" pitchFamily="2" charset="-127"/>
+            </a:endParaRPr>
+          </a:p>
+        </p:txBody>
+      </p:sp>
+    </p:spTree>
+    <p:extLst>
+      <p:ext uri="{BB962C8B-B14F-4D97-AF65-F5344CB8AC3E}">
+        <p14:creationId xmlns:p14="http://schemas.microsoft.com/office/powerpoint/2010/main" val="1209039346"/>
+      </p:ext>
+    </p:extLst>
+  </p:cSld>
+  <p:clrMapOvr>
+    <a:masterClrMapping/>
+  </p:clrMapOvr>
+  <p:timing>
+    <p:tnLst>
+      <p:par>
+        <p:cTn id="1" dur="indefinite" restart="never" nodeType="tmRoot"/>
+      </p:par>
+    </p:tnLst>
+  </p:timing>
+</p:sld>
+</file>
+
+<file path=ppt/slides/slide9.xml><?xml version="1.0" encoding="utf-8"?>
+<p:sld xmlns:a="http://schemas.openxmlformats.org/drawingml/2006/main" xmlns:r="http://schemas.openxmlformats.org/officeDocument/2006/relationships" xmlns:p="http://schemas.openxmlformats.org/presentationml/2006/main">
+  <p:cSld>
+    <p:spTree>
+      <p:nvGrpSpPr>
+        <p:cNvPr id="1" name=""/>
+        <p:cNvGrpSpPr/>
+        <p:nvPr/>
+      </p:nvGrpSpPr>
+      <p:grpSpPr>
+        <a:xfrm>
+          <a:off x="0" y="0"/>
+          <a:ext cx="0" cy="0"/>
+          <a:chOff x="0" y="0"/>
+          <a:chExt cx="0" cy="0"/>
+        </a:xfrm>
+      </p:grpSpPr>
+      <p:sp>
+        <p:nvSpPr>
+          <p:cNvPr id="3" name="제목 1"/>
+          <p:cNvSpPr txBox="1">
+            <a:spLocks/>
+          </p:cNvSpPr>
+          <p:nvPr/>
+        </p:nvSpPr>
+        <p:spPr>
+          <a:xfrm>
+            <a:off x="941370" y="150454"/>
+            <a:ext cx="4682189" cy="656854"/>
+          </a:xfrm>
+          <a:prstGeom prst="rect">
+            <a:avLst/>
+          </a:prstGeom>
+        </p:spPr>
+        <p:txBody>
+          <a:bodyPr rtlCol="0" anchor="ctr"/>
+          <a:lstStyle>
+            <a:lvl1pPr algn="l" defTabSz="914400" rtl="0" eaLnBrk="1" latinLnBrk="1" hangingPunct="1">
+              <a:spcBef>
+                <a:spcPct val="0"/>
+              </a:spcBef>
+              <a:buNone/>
+              <a:defRPr sz="2400" b="1" kern="1200">
+                <a:solidFill>
+                  <a:schemeClr val="bg1"/>
+                </a:solidFill>
+                <a:latin typeface="Calibri" pitchFamily="34" charset="0"/>
+                <a:ea typeface="LG스마트체 Bold" panose="020B0600000101010101" pitchFamily="50" charset="-127"/>
+                <a:cs typeface="+mj-cs"/>
+              </a:defRPr>
+            </a:lvl1pPr>
+          </a:lstStyle>
+          <a:p>
+            <a:r>
+              <a:rPr lang="en-US" altLang="ko-KR" sz="2200" dirty="0" smtClean="0">
+                <a:solidFill>
+                  <a:schemeClr val="tx1"/>
+                </a:solidFill>
+                <a:latin typeface="LG Smart UI Regular" panose="020B0500000101010101" pitchFamily="50" charset="-127"/>
+                <a:ea typeface="LG Smart UI Regular" panose="020B0500000101010101" pitchFamily="50" charset="-127"/>
+                <a:cs typeface="KoPubWorld바탕체 Bold" panose="00000800000000000000" pitchFamily="2" charset="-127"/>
+              </a:rPr>
+              <a:t>114 ~ 117 </a:t>
+            </a:r>
+            <a:r>
+              <a:rPr lang="ko-KR" altLang="en-US" sz="2200" dirty="0" smtClean="0">
+                <a:solidFill>
+                  <a:schemeClr val="tx1"/>
+                </a:solidFill>
+                <a:latin typeface="LG Smart UI Regular" panose="020B0500000101010101" pitchFamily="50" charset="-127"/>
+                <a:ea typeface="LG Smart UI Regular" panose="020B0500000101010101" pitchFamily="50" charset="-127"/>
+                <a:cs typeface="KoPubWorld바탕체 Bold" panose="00000800000000000000" pitchFamily="2" charset="-127"/>
+              </a:rPr>
+              <a:t>객체지향의 상속 </a:t>
+            </a:r>
+            <a:r>
+              <a:rPr lang="en-US" altLang="ko-KR" sz="2200" dirty="0" smtClean="0">
+                <a:solidFill>
+                  <a:schemeClr val="tx1"/>
+                </a:solidFill>
+                <a:latin typeface="LG Smart UI Regular" panose="020B0500000101010101" pitchFamily="50" charset="-127"/>
+                <a:ea typeface="LG Smart UI Regular" panose="020B0500000101010101" pitchFamily="50" charset="-127"/>
+                <a:cs typeface="KoPubWorld바탕체 Bold" panose="00000800000000000000" pitchFamily="2" charset="-127"/>
+              </a:rPr>
+              <a:t>(inheritance)</a:t>
+            </a:r>
+            <a:r>
+              <a:rPr lang="ko-KR" altLang="en-US" sz="2200" dirty="0" smtClean="0">
+                <a:solidFill>
+                  <a:schemeClr val="tx1"/>
+                </a:solidFill>
+                <a:latin typeface="LG Smart UI Regular" panose="020B0500000101010101" pitchFamily="50" charset="-127"/>
+                <a:ea typeface="LG Smart UI Regular" panose="020B0500000101010101" pitchFamily="50" charset="-127"/>
+                <a:cs typeface="KoPubWorld바탕체 Bold" panose="00000800000000000000" pitchFamily="2" charset="-127"/>
+              </a:rPr>
+              <a:t> </a:t>
+            </a:r>
+            <a:endParaRPr lang="en-US" altLang="ko-KR" sz="2200" dirty="0" smtClean="0">
+              <a:solidFill>
+                <a:schemeClr val="tx1"/>
+              </a:solidFill>
+              <a:latin typeface="LG Smart UI Regular" panose="020B0500000101010101" pitchFamily="50" charset="-127"/>
+              <a:ea typeface="LG Smart UI Regular" panose="020B0500000101010101" pitchFamily="50" charset="-127"/>
+              <a:cs typeface="KoPubWorld바탕체 Bold" panose="00000800000000000000" pitchFamily="2" charset="-127"/>
+            </a:endParaRPr>
+          </a:p>
+        </p:txBody>
+      </p:sp>
+      <p:sp>
+        <p:nvSpPr>
+          <p:cNvPr id="5" name="제목 1"/>
+          <p:cNvSpPr txBox="1">
+            <a:spLocks/>
+          </p:cNvSpPr>
+          <p:nvPr/>
+        </p:nvSpPr>
+        <p:spPr>
+          <a:xfrm>
+            <a:off x="884675" y="1525765"/>
+            <a:ext cx="4795578" cy="1864046"/>
+          </a:xfrm>
+          <a:prstGeom prst="rect">
+            <a:avLst/>
+          </a:prstGeom>
+        </p:spPr>
+        <p:txBody>
+          <a:bodyPr rtlCol="0" anchor="ctr"/>
+          <a:lstStyle>
+            <a:lvl1pPr algn="l" defTabSz="914400" rtl="0" eaLnBrk="1" latinLnBrk="1" hangingPunct="1">
+              <a:spcBef>
+                <a:spcPct val="0"/>
+              </a:spcBef>
+              <a:buNone/>
+              <a:defRPr sz="2400" b="1" kern="1200">
+                <a:solidFill>
+                  <a:schemeClr val="bg1"/>
+                </a:solidFill>
+                <a:latin typeface="Calibri" pitchFamily="34" charset="0"/>
+                <a:ea typeface="LG스마트체 Bold" panose="020B0600000101010101" pitchFamily="50" charset="-127"/>
+                <a:cs typeface="+mj-cs"/>
+              </a:defRPr>
+            </a:lvl1pPr>
+          </a:lstStyle>
+          <a:p>
+            <a:r>
+              <a:rPr lang="en-US" altLang="ko-KR" sz="1230" b="0" dirty="0" smtClean="0">
+                <a:solidFill>
+                  <a:schemeClr val="tx1"/>
+                </a:solidFill>
+                <a:latin typeface="LG Smart UI Regular" panose="020B0500000101010101" pitchFamily="50" charset="-127"/>
+                <a:ea typeface="LG Smart UI Regular" panose="020B0500000101010101" pitchFamily="50" charset="-127"/>
+                <a:cs typeface="KoPubWorld바탕체 Bold" panose="00000800000000000000" pitchFamily="2" charset="-127"/>
+              </a:rPr>
+              <a:t>class Class1{</a:t>
+            </a:r>
+          </a:p>
+          <a:p>
+            <a:r>
+              <a:rPr lang="en-US" altLang="ko-KR" sz="1230" b="0" dirty="0" smtClean="0">
+                <a:solidFill>
+                  <a:schemeClr val="tx1"/>
+                </a:solidFill>
+                <a:latin typeface="LG Smart UI Regular" panose="020B0500000101010101" pitchFamily="50" charset="-127"/>
+                <a:ea typeface="LG Smart UI Regular" panose="020B0500000101010101" pitchFamily="50" charset="-127"/>
+                <a:cs typeface="KoPubWorld바탕체 Bold" panose="00000800000000000000" pitchFamily="2" charset="-127"/>
+              </a:rPr>
+              <a:t>public: // </a:t>
+            </a:r>
+            <a:r>
+              <a:rPr lang="ko-KR" altLang="en-US" sz="1230" b="0" dirty="0" smtClean="0">
+                <a:solidFill>
+                  <a:schemeClr val="tx1"/>
+                </a:solidFill>
+                <a:latin typeface="LG Smart UI Regular" panose="020B0500000101010101" pitchFamily="50" charset="-127"/>
+                <a:ea typeface="LG Smart UI Regular" panose="020B0500000101010101" pitchFamily="50" charset="-127"/>
+                <a:cs typeface="KoPubWorld바탕체 Bold" panose="00000800000000000000" pitchFamily="2" charset="-127"/>
+              </a:rPr>
+              <a:t>내용</a:t>
+            </a:r>
+            <a:endParaRPr lang="en-US" altLang="ko-KR" sz="1230" b="0" dirty="0" smtClean="0">
+              <a:solidFill>
+                <a:schemeClr val="tx1"/>
+              </a:solidFill>
+              <a:latin typeface="LG Smart UI Regular" panose="020B0500000101010101" pitchFamily="50" charset="-127"/>
+              <a:ea typeface="LG Smart UI Regular" panose="020B0500000101010101" pitchFamily="50" charset="-127"/>
+              <a:cs typeface="KoPubWorld바탕체 Bold" panose="00000800000000000000" pitchFamily="2" charset="-127"/>
+            </a:endParaRPr>
+          </a:p>
+          <a:p>
+            <a:endParaRPr lang="en-US" altLang="ko-KR" sz="1230" b="0" dirty="0" smtClean="0">
+              <a:solidFill>
+                <a:schemeClr val="tx1"/>
+              </a:solidFill>
+              <a:latin typeface="LG Smart UI Regular" panose="020B0500000101010101" pitchFamily="50" charset="-127"/>
+              <a:ea typeface="LG Smart UI Regular" panose="020B0500000101010101" pitchFamily="50" charset="-127"/>
+              <a:cs typeface="KoPubWorld바탕체 Bold" panose="00000800000000000000" pitchFamily="2" charset="-127"/>
+            </a:endParaRPr>
+          </a:p>
+          <a:p>
+            <a:r>
+              <a:rPr lang="en-US" altLang="ko-KR" sz="1230" b="0" dirty="0" smtClean="0">
+                <a:solidFill>
+                  <a:schemeClr val="tx1"/>
+                </a:solidFill>
+                <a:latin typeface="LG Smart UI Regular" panose="020B0500000101010101" pitchFamily="50" charset="-127"/>
+                <a:ea typeface="LG Smart UI Regular" panose="020B0500000101010101" pitchFamily="50" charset="-127"/>
+                <a:cs typeface="KoPubWorld바탕체 Bold" panose="00000800000000000000" pitchFamily="2" charset="-127"/>
+              </a:rPr>
+              <a:t>private:</a:t>
+            </a:r>
+            <a:endParaRPr lang="en-US" altLang="ko-KR" sz="1230" b="0" dirty="0">
+              <a:solidFill>
+                <a:schemeClr val="tx1"/>
+              </a:solidFill>
+              <a:latin typeface="LG Smart UI Regular" panose="020B0500000101010101" pitchFamily="50" charset="-127"/>
+              <a:ea typeface="LG Smart UI Regular" panose="020B0500000101010101" pitchFamily="50" charset="-127"/>
+              <a:cs typeface="KoPubWorld바탕체 Bold" panose="00000800000000000000" pitchFamily="2" charset="-127"/>
+            </a:endParaRPr>
+          </a:p>
+          <a:p>
+            <a:r>
+              <a:rPr lang="en-US" altLang="ko-KR" sz="1230" b="0" dirty="0" smtClean="0">
+                <a:solidFill>
+                  <a:schemeClr val="tx1"/>
+                </a:solidFill>
+                <a:latin typeface="LG Smart UI Regular" panose="020B0500000101010101" pitchFamily="50" charset="-127"/>
+                <a:ea typeface="LG Smart UI Regular" panose="020B0500000101010101" pitchFamily="50" charset="-127"/>
+                <a:cs typeface="KoPubWorld바탕체 Bold" panose="00000800000000000000" pitchFamily="2" charset="-127"/>
+              </a:rPr>
+              <a:t>};</a:t>
+            </a:r>
+          </a:p>
+          <a:p>
+            <a:endParaRPr lang="en-US" altLang="ko-KR" sz="1230" b="0" dirty="0">
+              <a:solidFill>
+                <a:schemeClr val="tx1"/>
+              </a:solidFill>
+              <a:latin typeface="LG Smart UI Regular" panose="020B0500000101010101" pitchFamily="50" charset="-127"/>
+              <a:ea typeface="LG Smart UI Regular" panose="020B0500000101010101" pitchFamily="50" charset="-127"/>
+              <a:cs typeface="KoPubWorld바탕체 Bold" panose="00000800000000000000" pitchFamily="2" charset="-127"/>
+            </a:endParaRPr>
+          </a:p>
+          <a:p>
+            <a:r>
+              <a:rPr lang="en-US" altLang="ko-KR" sz="1230" b="0" dirty="0" smtClean="0">
+                <a:solidFill>
+                  <a:schemeClr val="tx1"/>
+                </a:solidFill>
+                <a:latin typeface="LG Smart UI Regular" panose="020B0500000101010101" pitchFamily="50" charset="-127"/>
+                <a:ea typeface="LG Smart UI Regular" panose="020B0500000101010101" pitchFamily="50" charset="-127"/>
+                <a:cs typeface="KoPubWorld바탕체 Bold" panose="00000800000000000000" pitchFamily="2" charset="-127"/>
+              </a:rPr>
+              <a:t>class Class2 : public Class1{ // Class2</a:t>
+            </a:r>
+            <a:r>
+              <a:rPr lang="ko-KR" altLang="en-US" sz="1230" b="0" dirty="0" smtClean="0">
+                <a:solidFill>
+                  <a:schemeClr val="tx1"/>
+                </a:solidFill>
+                <a:latin typeface="LG Smart UI Regular" panose="020B0500000101010101" pitchFamily="50" charset="-127"/>
+                <a:ea typeface="LG Smart UI Regular" panose="020B0500000101010101" pitchFamily="50" charset="-127"/>
+                <a:cs typeface="KoPubWorld바탕체 Bold" panose="00000800000000000000" pitchFamily="2" charset="-127"/>
+              </a:rPr>
+              <a:t>는 </a:t>
+            </a:r>
+            <a:r>
+              <a:rPr lang="en-US" altLang="ko-KR" sz="1230" b="0" dirty="0" smtClean="0">
+                <a:solidFill>
+                  <a:schemeClr val="tx1"/>
+                </a:solidFill>
+                <a:latin typeface="LG Smart UI Regular" panose="020B0500000101010101" pitchFamily="50" charset="-127"/>
+                <a:ea typeface="LG Smart UI Regular" panose="020B0500000101010101" pitchFamily="50" charset="-127"/>
+                <a:cs typeface="KoPubWorld바탕체 Bold" panose="00000800000000000000" pitchFamily="2" charset="-127"/>
+              </a:rPr>
+              <a:t>Class1</a:t>
+            </a:r>
+            <a:r>
+              <a:rPr lang="ko-KR" altLang="en-US" sz="1230" b="0" dirty="0" smtClean="0">
+                <a:solidFill>
+                  <a:schemeClr val="tx1"/>
+                </a:solidFill>
+                <a:latin typeface="LG Smart UI Regular" panose="020B0500000101010101" pitchFamily="50" charset="-127"/>
+                <a:ea typeface="LG Smart UI Regular" panose="020B0500000101010101" pitchFamily="50" charset="-127"/>
+                <a:cs typeface="KoPubWorld바탕체 Bold" panose="00000800000000000000" pitchFamily="2" charset="-127"/>
+              </a:rPr>
+              <a:t>을 </a:t>
+            </a:r>
+            <a:r>
+              <a:rPr lang="ko-KR" altLang="en-US" sz="1230" b="0" dirty="0" err="1" smtClean="0">
+                <a:solidFill>
+                  <a:schemeClr val="tx1"/>
+                </a:solidFill>
+                <a:latin typeface="LG Smart UI Regular" panose="020B0500000101010101" pitchFamily="50" charset="-127"/>
+                <a:ea typeface="LG Smart UI Regular" panose="020B0500000101010101" pitchFamily="50" charset="-127"/>
+                <a:cs typeface="KoPubWorld바탕체 Bold" panose="00000800000000000000" pitchFamily="2" charset="-127"/>
+              </a:rPr>
+              <a:t>갖고있다</a:t>
+            </a:r>
+            <a:r>
+              <a:rPr lang="en-US" altLang="ko-KR" sz="1230" b="0" dirty="0" smtClean="0">
+                <a:solidFill>
+                  <a:schemeClr val="tx1"/>
+                </a:solidFill>
+                <a:latin typeface="LG Smart UI Regular" panose="020B0500000101010101" pitchFamily="50" charset="-127"/>
+                <a:ea typeface="LG Smart UI Regular" panose="020B0500000101010101" pitchFamily="50" charset="-127"/>
+                <a:cs typeface="KoPubWorld바탕체 Bold" panose="00000800000000000000" pitchFamily="2" charset="-127"/>
+              </a:rPr>
+              <a:t>. Has-A</a:t>
+            </a:r>
+            <a:endParaRPr lang="en-US" altLang="ko-KR" sz="1230" b="0" dirty="0">
+              <a:solidFill>
+                <a:schemeClr val="tx1"/>
+              </a:solidFill>
+              <a:latin typeface="LG Smart UI Regular" panose="020B0500000101010101" pitchFamily="50" charset="-127"/>
+              <a:ea typeface="LG Smart UI Regular" panose="020B0500000101010101" pitchFamily="50" charset="-127"/>
+              <a:cs typeface="KoPubWorld바탕체 Bold" panose="00000800000000000000" pitchFamily="2" charset="-127"/>
+            </a:endParaRPr>
+          </a:p>
+          <a:p>
+            <a:r>
+              <a:rPr lang="en-US" altLang="ko-KR" sz="1230" b="0" dirty="0" smtClean="0">
+                <a:solidFill>
+                  <a:schemeClr val="tx1"/>
+                </a:solidFill>
+                <a:latin typeface="LG Smart UI Regular" panose="020B0500000101010101" pitchFamily="50" charset="-127"/>
+                <a:ea typeface="LG Smart UI Regular" panose="020B0500000101010101" pitchFamily="50" charset="-127"/>
+                <a:cs typeface="KoPubWorld바탕체 Bold" panose="00000800000000000000" pitchFamily="2" charset="-127"/>
+              </a:rPr>
+              <a:t>};</a:t>
+            </a:r>
+            <a:endParaRPr lang="en-US" altLang="ko-KR" sz="1230" b="0" dirty="0">
+              <a:solidFill>
+                <a:schemeClr val="tx1"/>
+              </a:solidFill>
+              <a:latin typeface="LG Smart UI Regular" panose="020B0500000101010101" pitchFamily="50" charset="-127"/>
+              <a:ea typeface="LG Smart UI Regular" panose="020B0500000101010101" pitchFamily="50" charset="-127"/>
+              <a:cs typeface="KoPubWorld바탕체 Bold" panose="00000800000000000000" pitchFamily="2" charset="-127"/>
+            </a:endParaRPr>
+          </a:p>
+        </p:txBody>
+      </p:sp>
+      <p:sp>
+        <p:nvSpPr>
+          <p:cNvPr id="6" name="제목 1"/>
+          <p:cNvSpPr txBox="1">
+            <a:spLocks/>
+          </p:cNvSpPr>
+          <p:nvPr/>
+        </p:nvSpPr>
+        <p:spPr>
+          <a:xfrm>
+            <a:off x="5623559" y="1525765"/>
+            <a:ext cx="3966668" cy="1864046"/>
+          </a:xfrm>
+          <a:prstGeom prst="rect">
+            <a:avLst/>
+          </a:prstGeom>
+        </p:spPr>
+        <p:txBody>
+          <a:bodyPr rtlCol="0" anchor="ctr"/>
+          <a:lstStyle>
+            <a:lvl1pPr algn="l" defTabSz="914400" rtl="0" eaLnBrk="1" latinLnBrk="1" hangingPunct="1">
+              <a:spcBef>
+                <a:spcPct val="0"/>
+              </a:spcBef>
+              <a:buNone/>
+              <a:defRPr sz="2400" b="1" kern="1200">
+                <a:solidFill>
+                  <a:schemeClr val="bg1"/>
+                </a:solidFill>
+                <a:latin typeface="Calibri" pitchFamily="34" charset="0"/>
+                <a:ea typeface="LG스마트체 Bold" panose="020B0600000101010101" pitchFamily="50" charset="-127"/>
+                <a:cs typeface="+mj-cs"/>
+              </a:defRPr>
+            </a:lvl1pPr>
+          </a:lstStyle>
+          <a:p>
+            <a:r>
+              <a:rPr lang="en-US" altLang="ko-KR" sz="1230" b="0" dirty="0" smtClean="0">
+                <a:solidFill>
+                  <a:schemeClr val="tx1"/>
+                </a:solidFill>
+                <a:latin typeface="LG Smart UI Regular" panose="020B0500000101010101" pitchFamily="50" charset="-127"/>
+                <a:ea typeface="LG Smart UI Regular" panose="020B0500000101010101" pitchFamily="50" charset="-127"/>
+                <a:cs typeface="KoPubWorld바탕체 Bold" panose="00000800000000000000" pitchFamily="2" charset="-127"/>
+              </a:rPr>
+              <a:t>class Class1{</a:t>
+            </a:r>
+          </a:p>
+          <a:p>
+            <a:r>
+              <a:rPr lang="en-US" altLang="ko-KR" sz="1230" b="0" dirty="0" smtClean="0">
+                <a:solidFill>
+                  <a:schemeClr val="tx1"/>
+                </a:solidFill>
+                <a:latin typeface="LG Smart UI Regular" panose="020B0500000101010101" pitchFamily="50" charset="-127"/>
+                <a:ea typeface="LG Smart UI Regular" panose="020B0500000101010101" pitchFamily="50" charset="-127"/>
+                <a:cs typeface="KoPubWorld바탕체 Bold" panose="00000800000000000000" pitchFamily="2" charset="-127"/>
+              </a:rPr>
+              <a:t>public: // </a:t>
+            </a:r>
+            <a:r>
+              <a:rPr lang="ko-KR" altLang="en-US" sz="1230" b="0" dirty="0" smtClean="0">
+                <a:solidFill>
+                  <a:schemeClr val="tx1"/>
+                </a:solidFill>
+                <a:latin typeface="LG Smart UI Regular" panose="020B0500000101010101" pitchFamily="50" charset="-127"/>
+                <a:ea typeface="LG Smart UI Regular" panose="020B0500000101010101" pitchFamily="50" charset="-127"/>
+                <a:cs typeface="KoPubWorld바탕체 Bold" panose="00000800000000000000" pitchFamily="2" charset="-127"/>
+              </a:rPr>
+              <a:t>내용</a:t>
+            </a:r>
+            <a:endParaRPr lang="en-US" altLang="ko-KR" sz="1230" b="0" dirty="0" smtClean="0">
+              <a:solidFill>
+                <a:schemeClr val="tx1"/>
+              </a:solidFill>
+              <a:latin typeface="LG Smart UI Regular" panose="020B0500000101010101" pitchFamily="50" charset="-127"/>
+              <a:ea typeface="LG Smart UI Regular" panose="020B0500000101010101" pitchFamily="50" charset="-127"/>
+              <a:cs typeface="KoPubWorld바탕체 Bold" panose="00000800000000000000" pitchFamily="2" charset="-127"/>
+            </a:endParaRPr>
+          </a:p>
+          <a:p>
+            <a:endParaRPr lang="en-US" altLang="ko-KR" sz="1230" b="0" dirty="0" smtClean="0">
+              <a:solidFill>
+                <a:schemeClr val="tx1"/>
+              </a:solidFill>
+              <a:latin typeface="LG Smart UI Regular" panose="020B0500000101010101" pitchFamily="50" charset="-127"/>
+              <a:ea typeface="LG Smart UI Regular" panose="020B0500000101010101" pitchFamily="50" charset="-127"/>
+              <a:cs typeface="KoPubWorld바탕체 Bold" panose="00000800000000000000" pitchFamily="2" charset="-127"/>
+            </a:endParaRPr>
+          </a:p>
+          <a:p>
+            <a:r>
+              <a:rPr lang="en-US" altLang="ko-KR" sz="1230" b="0" dirty="0" smtClean="0">
+                <a:solidFill>
+                  <a:schemeClr val="tx1"/>
+                </a:solidFill>
+                <a:latin typeface="LG Smart UI Regular" panose="020B0500000101010101" pitchFamily="50" charset="-127"/>
+                <a:ea typeface="LG Smart UI Regular" panose="020B0500000101010101" pitchFamily="50" charset="-127"/>
+                <a:cs typeface="KoPubWorld바탕체 Bold" panose="00000800000000000000" pitchFamily="2" charset="-127"/>
+              </a:rPr>
+              <a:t>private:</a:t>
+            </a:r>
+            <a:endParaRPr lang="en-US" altLang="ko-KR" sz="1230" b="0" dirty="0">
+              <a:solidFill>
+                <a:schemeClr val="tx1"/>
+              </a:solidFill>
+              <a:latin typeface="LG Smart UI Regular" panose="020B0500000101010101" pitchFamily="50" charset="-127"/>
+              <a:ea typeface="LG Smart UI Regular" panose="020B0500000101010101" pitchFamily="50" charset="-127"/>
+              <a:cs typeface="KoPubWorld바탕체 Bold" panose="00000800000000000000" pitchFamily="2" charset="-127"/>
+            </a:endParaRPr>
+          </a:p>
+          <a:p>
+            <a:r>
+              <a:rPr lang="en-US" altLang="ko-KR" sz="1230" b="0" dirty="0" smtClean="0">
+                <a:solidFill>
+                  <a:schemeClr val="tx1"/>
+                </a:solidFill>
+                <a:latin typeface="LG Smart UI Regular" panose="020B0500000101010101" pitchFamily="50" charset="-127"/>
+                <a:ea typeface="LG Smart UI Regular" panose="020B0500000101010101" pitchFamily="50" charset="-127"/>
+                <a:cs typeface="KoPubWorld바탕체 Bold" panose="00000800000000000000" pitchFamily="2" charset="-127"/>
+              </a:rPr>
+              <a:t>};</a:t>
+            </a:r>
+          </a:p>
+          <a:p>
+            <a:endParaRPr lang="en-US" altLang="ko-KR" sz="1230" b="0" dirty="0">
+              <a:solidFill>
+                <a:schemeClr val="tx1"/>
+              </a:solidFill>
+              <a:latin typeface="LG Smart UI Regular" panose="020B0500000101010101" pitchFamily="50" charset="-127"/>
+              <a:ea typeface="LG Smart UI Regular" panose="020B0500000101010101" pitchFamily="50" charset="-127"/>
+              <a:cs typeface="KoPubWorld바탕체 Bold" panose="00000800000000000000" pitchFamily="2" charset="-127"/>
+            </a:endParaRPr>
+          </a:p>
+          <a:p>
+            <a:r>
+              <a:rPr lang="en-US" altLang="ko-KR" sz="1230" b="0" dirty="0" smtClean="0">
+                <a:solidFill>
+                  <a:schemeClr val="tx1"/>
+                </a:solidFill>
+                <a:latin typeface="LG Smart UI Regular" panose="020B0500000101010101" pitchFamily="50" charset="-127"/>
+                <a:ea typeface="LG Smart UI Regular" panose="020B0500000101010101" pitchFamily="50" charset="-127"/>
+                <a:cs typeface="KoPubWorld바탕체 Bold" panose="00000800000000000000" pitchFamily="2" charset="-127"/>
+              </a:rPr>
+              <a:t>class Class2 : protected Class1{ // Class2</a:t>
+            </a:r>
+            <a:r>
+              <a:rPr lang="ko-KR" altLang="en-US" sz="1230" b="0" dirty="0" smtClean="0">
+                <a:solidFill>
+                  <a:schemeClr val="tx1"/>
+                </a:solidFill>
+                <a:latin typeface="LG Smart UI Regular" panose="020B0500000101010101" pitchFamily="50" charset="-127"/>
+                <a:ea typeface="LG Smart UI Regular" panose="020B0500000101010101" pitchFamily="50" charset="-127"/>
+                <a:cs typeface="KoPubWorld바탕체 Bold" panose="00000800000000000000" pitchFamily="2" charset="-127"/>
+              </a:rPr>
+              <a:t>는 </a:t>
+            </a:r>
+            <a:r>
+              <a:rPr lang="en-US" altLang="ko-KR" sz="1230" b="0" dirty="0" smtClean="0">
+                <a:solidFill>
+                  <a:schemeClr val="tx1"/>
+                </a:solidFill>
+                <a:latin typeface="LG Smart UI Regular" panose="020B0500000101010101" pitchFamily="50" charset="-127"/>
+                <a:ea typeface="LG Smart UI Regular" panose="020B0500000101010101" pitchFamily="50" charset="-127"/>
+                <a:cs typeface="KoPubWorld바탕체 Bold" panose="00000800000000000000" pitchFamily="2" charset="-127"/>
+              </a:rPr>
+              <a:t>Class1</a:t>
+            </a:r>
+            <a:r>
+              <a:rPr lang="ko-KR" altLang="en-US" sz="1230" b="0" dirty="0" smtClean="0">
+                <a:solidFill>
+                  <a:schemeClr val="tx1"/>
+                </a:solidFill>
+                <a:latin typeface="LG Smart UI Regular" panose="020B0500000101010101" pitchFamily="50" charset="-127"/>
+                <a:ea typeface="LG Smart UI Regular" panose="020B0500000101010101" pitchFamily="50" charset="-127"/>
+                <a:cs typeface="KoPubWorld바탕체 Bold" panose="00000800000000000000" pitchFamily="2" charset="-127"/>
+              </a:rPr>
+              <a:t>을</a:t>
+            </a:r>
+            <a:r>
+              <a:rPr lang="en-US" altLang="ko-KR" sz="1230" b="0" dirty="0" smtClean="0">
+                <a:solidFill>
+                  <a:schemeClr val="tx1"/>
+                </a:solidFill>
+                <a:latin typeface="LG Smart UI Regular" panose="020B0500000101010101" pitchFamily="50" charset="-127"/>
+                <a:ea typeface="LG Smart UI Regular" panose="020B0500000101010101" pitchFamily="50" charset="-127"/>
+                <a:cs typeface="KoPubWorld바탕체 Bold" panose="00000800000000000000" pitchFamily="2" charset="-127"/>
+              </a:rPr>
+              <a:t> </a:t>
+            </a:r>
+            <a:r>
+              <a:rPr lang="ko-KR" altLang="en-US" sz="1230" b="0" dirty="0" smtClean="0">
+                <a:solidFill>
+                  <a:schemeClr val="tx1"/>
+                </a:solidFill>
+                <a:latin typeface="LG Smart UI Regular" panose="020B0500000101010101" pitchFamily="50" charset="-127"/>
+                <a:ea typeface="LG Smart UI Regular" panose="020B0500000101010101" pitchFamily="50" charset="-127"/>
+                <a:cs typeface="KoPubWorld바탕체 Bold" panose="00000800000000000000" pitchFamily="2" charset="-127"/>
+              </a:rPr>
+              <a:t>상속 받아 그 클래스의 특성을 확장시켜 사용 하는 것</a:t>
+            </a:r>
+            <a:endParaRPr lang="en-US" altLang="ko-KR" sz="1230" b="0" dirty="0" smtClean="0">
+              <a:solidFill>
+                <a:schemeClr val="tx1"/>
+              </a:solidFill>
+              <a:latin typeface="LG Smart UI Regular" panose="020B0500000101010101" pitchFamily="50" charset="-127"/>
+              <a:ea typeface="LG Smart UI Regular" panose="020B0500000101010101" pitchFamily="50" charset="-127"/>
+              <a:cs typeface="KoPubWorld바탕체 Bold" panose="00000800000000000000" pitchFamily="2" charset="-127"/>
+            </a:endParaRPr>
+          </a:p>
+          <a:p>
+            <a:r>
+              <a:rPr lang="en-US" altLang="ko-KR" sz="1230" b="0" dirty="0" smtClean="0">
+                <a:solidFill>
+                  <a:schemeClr val="tx1"/>
+                </a:solidFill>
+                <a:latin typeface="LG Smart UI Regular" panose="020B0500000101010101" pitchFamily="50" charset="-127"/>
+                <a:ea typeface="LG Smart UI Regular" panose="020B0500000101010101" pitchFamily="50" charset="-127"/>
+                <a:cs typeface="KoPubWorld바탕체 Bold" panose="00000800000000000000" pitchFamily="2" charset="-127"/>
+              </a:rPr>
+              <a:t>}; // Is - A</a:t>
+            </a:r>
+            <a:endParaRPr lang="en-US" altLang="ko-KR" sz="1230" b="0" dirty="0">
+              <a:solidFill>
+                <a:schemeClr val="tx1"/>
+              </a:solidFill>
+              <a:latin typeface="LG Smart UI Regular" panose="020B0500000101010101" pitchFamily="50" charset="-127"/>
+              <a:ea typeface="LG Smart UI Regular" panose="020B0500000101010101" pitchFamily="50" charset="-127"/>
+              <a:cs typeface="KoPubWorld바탕체 Bold" panose="00000800000000000000" pitchFamily="2" charset="-127"/>
+            </a:endParaRPr>
+          </a:p>
+        </p:txBody>
+      </p:sp>
+      <p:sp>
+        <p:nvSpPr>
+          <p:cNvPr id="7" name="제목 1"/>
+          <p:cNvSpPr txBox="1">
+            <a:spLocks/>
+          </p:cNvSpPr>
+          <p:nvPr/>
+        </p:nvSpPr>
+        <p:spPr>
+          <a:xfrm>
+            <a:off x="3989192" y="4003766"/>
+            <a:ext cx="4795578" cy="2523720"/>
+          </a:xfrm>
+          <a:prstGeom prst="rect">
+            <a:avLst/>
+          </a:prstGeom>
+        </p:spPr>
+        <p:txBody>
+          <a:bodyPr rtlCol="0" anchor="ctr"/>
+          <a:lstStyle>
+            <a:lvl1pPr algn="l" defTabSz="914400" rtl="0" eaLnBrk="1" latinLnBrk="1" hangingPunct="1">
+              <a:spcBef>
+                <a:spcPct val="0"/>
+              </a:spcBef>
+              <a:buNone/>
+              <a:defRPr sz="2400" b="1" kern="1200">
+                <a:solidFill>
+                  <a:schemeClr val="bg1"/>
+                </a:solidFill>
+                <a:latin typeface="Calibri" pitchFamily="34" charset="0"/>
+                <a:ea typeface="LG스마트체 Bold" panose="020B0600000101010101" pitchFamily="50" charset="-127"/>
+                <a:cs typeface="+mj-cs"/>
+              </a:defRPr>
+            </a:lvl1pPr>
+          </a:lstStyle>
+          <a:p>
+            <a:r>
+              <a:rPr lang="en-US" altLang="ko-KR" sz="1230" b="0" dirty="0" smtClean="0">
+                <a:solidFill>
+                  <a:schemeClr val="tx1"/>
+                </a:solidFill>
+                <a:latin typeface="LG Smart UI Regular" panose="020B0500000101010101" pitchFamily="50" charset="-127"/>
+                <a:ea typeface="LG Smart UI Regular" panose="020B0500000101010101" pitchFamily="50" charset="-127"/>
+                <a:cs typeface="KoPubWorld바탕체 Bold" panose="00000800000000000000" pitchFamily="2" charset="-127"/>
+              </a:rPr>
+              <a:t>class Class1{</a:t>
+            </a:r>
+          </a:p>
+          <a:p>
+            <a:r>
+              <a:rPr lang="en-US" altLang="ko-KR" sz="1230" b="0" dirty="0" smtClean="0">
+                <a:solidFill>
+                  <a:schemeClr val="tx1"/>
+                </a:solidFill>
+                <a:latin typeface="LG Smart UI Regular" panose="020B0500000101010101" pitchFamily="50" charset="-127"/>
+                <a:ea typeface="LG Smart UI Regular" panose="020B0500000101010101" pitchFamily="50" charset="-127"/>
+                <a:cs typeface="KoPubWorld바탕체 Bold" panose="00000800000000000000" pitchFamily="2" charset="-127"/>
+              </a:rPr>
+              <a:t>public: // </a:t>
+            </a:r>
+            <a:r>
+              <a:rPr lang="ko-KR" altLang="en-US" sz="1230" b="0" dirty="0" smtClean="0">
+                <a:solidFill>
+                  <a:schemeClr val="tx1"/>
+                </a:solidFill>
+                <a:latin typeface="LG Smart UI Regular" panose="020B0500000101010101" pitchFamily="50" charset="-127"/>
+                <a:ea typeface="LG Smart UI Regular" panose="020B0500000101010101" pitchFamily="50" charset="-127"/>
+                <a:cs typeface="KoPubWorld바탕체 Bold" panose="00000800000000000000" pitchFamily="2" charset="-127"/>
+              </a:rPr>
+              <a:t>동물에 대한 내용</a:t>
+            </a:r>
+            <a:endParaRPr lang="en-US" altLang="ko-KR" sz="1230" b="0" dirty="0" smtClean="0">
+              <a:solidFill>
+                <a:schemeClr val="tx1"/>
+              </a:solidFill>
+              <a:latin typeface="LG Smart UI Regular" panose="020B0500000101010101" pitchFamily="50" charset="-127"/>
+              <a:ea typeface="LG Smart UI Regular" panose="020B0500000101010101" pitchFamily="50" charset="-127"/>
+              <a:cs typeface="KoPubWorld바탕체 Bold" panose="00000800000000000000" pitchFamily="2" charset="-127"/>
+            </a:endParaRPr>
+          </a:p>
+          <a:p>
+            <a:endParaRPr lang="en-US" altLang="ko-KR" sz="1230" b="0" dirty="0" smtClean="0">
+              <a:solidFill>
+                <a:schemeClr val="tx1"/>
+              </a:solidFill>
+              <a:latin typeface="LG Smart UI Regular" panose="020B0500000101010101" pitchFamily="50" charset="-127"/>
+              <a:ea typeface="LG Smart UI Regular" panose="020B0500000101010101" pitchFamily="50" charset="-127"/>
+              <a:cs typeface="KoPubWorld바탕체 Bold" panose="00000800000000000000" pitchFamily="2" charset="-127"/>
+            </a:endParaRPr>
+          </a:p>
+          <a:p>
+            <a:r>
+              <a:rPr lang="en-US" altLang="ko-KR" sz="1230" b="0" dirty="0" smtClean="0">
+                <a:solidFill>
+                  <a:schemeClr val="tx1"/>
+                </a:solidFill>
+                <a:latin typeface="LG Smart UI Regular" panose="020B0500000101010101" pitchFamily="50" charset="-127"/>
+                <a:ea typeface="LG Smart UI Regular" panose="020B0500000101010101" pitchFamily="50" charset="-127"/>
+                <a:cs typeface="KoPubWorld바탕체 Bold" panose="00000800000000000000" pitchFamily="2" charset="-127"/>
+              </a:rPr>
+              <a:t>Private:</a:t>
+            </a:r>
+            <a:endParaRPr lang="en-US" altLang="ko-KR" sz="1230" b="0" dirty="0">
+              <a:solidFill>
+                <a:schemeClr val="tx1"/>
+              </a:solidFill>
+              <a:latin typeface="LG Smart UI Regular" panose="020B0500000101010101" pitchFamily="50" charset="-127"/>
+              <a:ea typeface="LG Smart UI Regular" panose="020B0500000101010101" pitchFamily="50" charset="-127"/>
+              <a:cs typeface="KoPubWorld바탕체 Bold" panose="00000800000000000000" pitchFamily="2" charset="-127"/>
+            </a:endParaRPr>
+          </a:p>
+          <a:p>
+            <a:r>
+              <a:rPr lang="en-US" altLang="ko-KR" sz="1230" b="0" dirty="0" smtClean="0">
+                <a:solidFill>
+                  <a:schemeClr val="tx1"/>
+                </a:solidFill>
+                <a:latin typeface="LG Smart UI Regular" panose="020B0500000101010101" pitchFamily="50" charset="-127"/>
+                <a:ea typeface="LG Smart UI Regular" panose="020B0500000101010101" pitchFamily="50" charset="-127"/>
+                <a:cs typeface="KoPubWorld바탕체 Bold" panose="00000800000000000000" pitchFamily="2" charset="-127"/>
+              </a:rPr>
+              <a:t>};</a:t>
+            </a:r>
+          </a:p>
+          <a:p>
+            <a:endParaRPr lang="en-US" altLang="ko-KR" sz="1230" b="0" dirty="0">
+              <a:solidFill>
+                <a:schemeClr val="tx1"/>
+              </a:solidFill>
+              <a:latin typeface="LG Smart UI Regular" panose="020B0500000101010101" pitchFamily="50" charset="-127"/>
+              <a:ea typeface="LG Smart UI Regular" panose="020B0500000101010101" pitchFamily="50" charset="-127"/>
+              <a:cs typeface="KoPubWorld바탕체 Bold" panose="00000800000000000000" pitchFamily="2" charset="-127"/>
+            </a:endParaRPr>
+          </a:p>
+          <a:p>
+            <a:r>
+              <a:rPr lang="en-US" altLang="ko-KR" sz="1230" b="0" dirty="0" smtClean="0">
+                <a:solidFill>
+                  <a:schemeClr val="tx1"/>
+                </a:solidFill>
+                <a:latin typeface="LG Smart UI Regular" panose="020B0500000101010101" pitchFamily="50" charset="-127"/>
+                <a:ea typeface="LG Smart UI Regular" panose="020B0500000101010101" pitchFamily="50" charset="-127"/>
+                <a:cs typeface="KoPubWorld바탕체 Bold" panose="00000800000000000000" pitchFamily="2" charset="-127"/>
+              </a:rPr>
+              <a:t>class </a:t>
+            </a:r>
+            <a:r>
+              <a:rPr lang="en-US" altLang="ko-KR" sz="1230" b="0" dirty="0" smtClean="0">
+                <a:solidFill>
+                  <a:schemeClr val="tx1"/>
+                </a:solidFill>
+                <a:latin typeface="LG Smart UI Regular" panose="020B0500000101010101" pitchFamily="50" charset="-127"/>
+                <a:ea typeface="LG Smart UI Regular" panose="020B0500000101010101" pitchFamily="50" charset="-127"/>
+                <a:cs typeface="KoPubWorld바탕체 Bold" panose="00000800000000000000" pitchFamily="2" charset="-127"/>
+              </a:rPr>
+              <a:t>Class2{</a:t>
+            </a:r>
+          </a:p>
+          <a:p>
+            <a:r>
+              <a:rPr lang="en-US" altLang="ko-KR" sz="1230" b="0" dirty="0" smtClean="0">
+                <a:solidFill>
+                  <a:schemeClr val="tx1"/>
+                </a:solidFill>
+                <a:latin typeface="LG Smart UI Regular" panose="020B0500000101010101" pitchFamily="50" charset="-127"/>
+                <a:ea typeface="LG Smart UI Regular" panose="020B0500000101010101" pitchFamily="50" charset="-127"/>
+                <a:cs typeface="KoPubWorld바탕체 Bold" panose="00000800000000000000" pitchFamily="2" charset="-127"/>
+              </a:rPr>
+              <a:t>public: // </a:t>
+            </a:r>
+            <a:r>
+              <a:rPr lang="ko-KR" altLang="en-US" sz="1230" b="0" dirty="0" smtClean="0">
+                <a:solidFill>
+                  <a:schemeClr val="tx1"/>
+                </a:solidFill>
+                <a:latin typeface="LG Smart UI Regular" panose="020B0500000101010101" pitchFamily="50" charset="-127"/>
+                <a:ea typeface="LG Smart UI Regular" panose="020B0500000101010101" pitchFamily="50" charset="-127"/>
+                <a:cs typeface="KoPubWorld바탕체 Bold" panose="00000800000000000000" pitchFamily="2" charset="-127"/>
+              </a:rPr>
+              <a:t>식물에 대한 내용</a:t>
+            </a:r>
+            <a:endParaRPr lang="en-US" altLang="ko-KR" sz="1230" b="0" dirty="0" smtClean="0">
+              <a:solidFill>
+                <a:schemeClr val="tx1"/>
+              </a:solidFill>
+              <a:latin typeface="LG Smart UI Regular" panose="020B0500000101010101" pitchFamily="50" charset="-127"/>
+              <a:ea typeface="LG Smart UI Regular" panose="020B0500000101010101" pitchFamily="50" charset="-127"/>
+              <a:cs typeface="KoPubWorld바탕체 Bold" panose="00000800000000000000" pitchFamily="2" charset="-127"/>
+            </a:endParaRPr>
+          </a:p>
+          <a:p>
+            <a:endParaRPr lang="en-US" altLang="ko-KR" sz="1230" b="0" dirty="0">
+              <a:solidFill>
+                <a:schemeClr val="tx1"/>
+              </a:solidFill>
+              <a:latin typeface="LG Smart UI Regular" panose="020B0500000101010101" pitchFamily="50" charset="-127"/>
+              <a:ea typeface="LG Smart UI Regular" panose="020B0500000101010101" pitchFamily="50" charset="-127"/>
+              <a:cs typeface="KoPubWorld바탕체 Bold" panose="00000800000000000000" pitchFamily="2" charset="-127"/>
+            </a:endParaRPr>
+          </a:p>
+          <a:p>
+            <a:r>
+              <a:rPr lang="en-US" altLang="ko-KR" sz="1230" b="0" dirty="0" smtClean="0">
+                <a:solidFill>
+                  <a:schemeClr val="tx1"/>
+                </a:solidFill>
+                <a:latin typeface="LG Smart UI Regular" panose="020B0500000101010101" pitchFamily="50" charset="-127"/>
+                <a:ea typeface="LG Smart UI Regular" panose="020B0500000101010101" pitchFamily="50" charset="-127"/>
+                <a:cs typeface="KoPubWorld바탕체 Bold" panose="00000800000000000000" pitchFamily="2" charset="-127"/>
+              </a:rPr>
+              <a:t>private:</a:t>
+            </a:r>
+            <a:endParaRPr lang="en-US" altLang="ko-KR" sz="1230" b="0" dirty="0">
+              <a:solidFill>
+                <a:schemeClr val="tx1"/>
+              </a:solidFill>
+              <a:latin typeface="LG Smart UI Regular" panose="020B0500000101010101" pitchFamily="50" charset="-127"/>
+              <a:ea typeface="LG Smart UI Regular" panose="020B0500000101010101" pitchFamily="50" charset="-127"/>
+              <a:cs typeface="KoPubWorld바탕체 Bold" panose="00000800000000000000" pitchFamily="2" charset="-127"/>
+            </a:endParaRPr>
+          </a:p>
+          <a:p>
+            <a:r>
+              <a:rPr lang="en-US" altLang="ko-KR" sz="1230" b="0" dirty="0" smtClean="0">
+                <a:solidFill>
+                  <a:schemeClr val="tx1"/>
+                </a:solidFill>
+                <a:latin typeface="LG Smart UI Regular" panose="020B0500000101010101" pitchFamily="50" charset="-127"/>
+                <a:ea typeface="LG Smart UI Regular" panose="020B0500000101010101" pitchFamily="50" charset="-127"/>
+                <a:cs typeface="KoPubWorld바탕체 Bold" panose="00000800000000000000" pitchFamily="2" charset="-127"/>
+              </a:rPr>
+              <a:t>}; // Not - A</a:t>
+            </a:r>
+            <a:endParaRPr lang="en-US" altLang="ko-KR" sz="1230" b="0" dirty="0">
+              <a:solidFill>
+                <a:schemeClr val="tx1"/>
+              </a:solidFill>
+              <a:latin typeface="LG Smart UI Regular" panose="020B0500000101010101" pitchFamily="50" charset="-127"/>
+              <a:ea typeface="LG Smart UI Regular" panose="020B0500000101010101" pitchFamily="50" charset="-127"/>
+              <a:cs typeface="KoPubWorld바탕체 Bold" panose="00000800000000000000" pitchFamily="2" charset="-127"/>
+            </a:endParaRPr>
+          </a:p>
+        </p:txBody>
+      </p:sp>
+      <p:sp>
+        <p:nvSpPr>
+          <p:cNvPr id="8" name="제목 1"/>
+          <p:cNvSpPr txBox="1">
+            <a:spLocks/>
+          </p:cNvSpPr>
+          <p:nvPr/>
+        </p:nvSpPr>
+        <p:spPr>
+          <a:xfrm>
+            <a:off x="884675" y="979946"/>
+            <a:ext cx="2237348" cy="656854"/>
+          </a:xfrm>
+          <a:prstGeom prst="rect">
+            <a:avLst/>
+          </a:prstGeom>
+        </p:spPr>
+        <p:txBody>
+          <a:bodyPr rtlCol="0" anchor="ctr"/>
+          <a:lstStyle>
+            <a:lvl1pPr algn="l" defTabSz="914400" rtl="0" eaLnBrk="1" latinLnBrk="1" hangingPunct="1">
+              <a:spcBef>
+                <a:spcPct val="0"/>
+              </a:spcBef>
+              <a:buNone/>
+              <a:defRPr sz="2400" b="1" kern="1200">
+                <a:solidFill>
+                  <a:schemeClr val="bg1"/>
+                </a:solidFill>
+                <a:latin typeface="Calibri" pitchFamily="34" charset="0"/>
+                <a:ea typeface="LG스마트체 Bold" panose="020B0600000101010101" pitchFamily="50" charset="-127"/>
+                <a:cs typeface="+mj-cs"/>
+              </a:defRPr>
+            </a:lvl1pPr>
+          </a:lstStyle>
+          <a:p>
+            <a:r>
+              <a:rPr lang="en-US" altLang="ko-KR" sz="2200" dirty="0" smtClean="0">
+                <a:solidFill>
+                  <a:schemeClr val="tx1"/>
+                </a:solidFill>
+                <a:latin typeface="LG Smart UI Regular" panose="020B0500000101010101" pitchFamily="50" charset="-127"/>
+                <a:ea typeface="LG Smart UI Regular" panose="020B0500000101010101" pitchFamily="50" charset="-127"/>
+                <a:cs typeface="KoPubWorld바탕체 Bold" panose="00000800000000000000" pitchFamily="2" charset="-127"/>
+              </a:rPr>
+              <a:t>111 . </a:t>
+            </a:r>
+            <a:r>
+              <a:rPr lang="en-US" altLang="ko-KR" sz="2200" dirty="0" smtClean="0">
+                <a:solidFill>
+                  <a:schemeClr val="tx1"/>
+                </a:solidFill>
+                <a:latin typeface="LG Smart UI Regular" panose="020B0500000101010101" pitchFamily="50" charset="-127"/>
+                <a:ea typeface="LG Smart UI Regular" panose="020B0500000101010101" pitchFamily="50" charset="-127"/>
+                <a:cs typeface="KoPubWorld바탕체 Bold" panose="00000800000000000000" pitchFamily="2" charset="-127"/>
+              </a:rPr>
+              <a:t>Has - A</a:t>
+            </a:r>
+            <a:endParaRPr lang="en-US" altLang="ko-KR" sz="2200" dirty="0" smtClean="0">
+              <a:solidFill>
+                <a:schemeClr val="tx1"/>
+              </a:solidFill>
+              <a:latin typeface="LG Smart UI Regular" panose="020B0500000101010101" pitchFamily="50" charset="-127"/>
+              <a:ea typeface="LG Smart UI Regular" panose="020B0500000101010101" pitchFamily="50" charset="-127"/>
+              <a:cs typeface="KoPubWorld바탕체 Bold" panose="00000800000000000000" pitchFamily="2" charset="-127"/>
+            </a:endParaRPr>
+          </a:p>
+        </p:txBody>
+      </p:sp>
+      <p:sp>
+        <p:nvSpPr>
+          <p:cNvPr id="9" name="제목 1"/>
+          <p:cNvSpPr txBox="1">
+            <a:spLocks/>
+          </p:cNvSpPr>
+          <p:nvPr/>
+        </p:nvSpPr>
+        <p:spPr>
+          <a:xfrm>
+            <a:off x="5680253" y="868911"/>
+            <a:ext cx="2237348" cy="656854"/>
+          </a:xfrm>
+          <a:prstGeom prst="rect">
+            <a:avLst/>
+          </a:prstGeom>
+        </p:spPr>
+        <p:txBody>
+          <a:bodyPr rtlCol="0" anchor="ctr"/>
+          <a:lstStyle>
+            <a:lvl1pPr algn="l" defTabSz="914400" rtl="0" eaLnBrk="1" latinLnBrk="1" hangingPunct="1">
+              <a:spcBef>
+                <a:spcPct val="0"/>
+              </a:spcBef>
+              <a:buNone/>
+              <a:defRPr sz="2400" b="1" kern="1200">
+                <a:solidFill>
+                  <a:schemeClr val="bg1"/>
+                </a:solidFill>
+                <a:latin typeface="Calibri" pitchFamily="34" charset="0"/>
+                <a:ea typeface="LG스마트체 Bold" panose="020B0600000101010101" pitchFamily="50" charset="-127"/>
+                <a:cs typeface="+mj-cs"/>
+              </a:defRPr>
+            </a:lvl1pPr>
+          </a:lstStyle>
+          <a:p>
+            <a:r>
+              <a:rPr lang="en-US" altLang="ko-KR" sz="2200" dirty="0" smtClean="0">
+                <a:solidFill>
+                  <a:schemeClr val="tx1"/>
+                </a:solidFill>
+                <a:latin typeface="LG Smart UI Regular" panose="020B0500000101010101" pitchFamily="50" charset="-127"/>
+                <a:ea typeface="LG Smart UI Regular" panose="020B0500000101010101" pitchFamily="50" charset="-127"/>
+                <a:cs typeface="KoPubWorld바탕체 Bold" panose="00000800000000000000" pitchFamily="2" charset="-127"/>
+              </a:rPr>
+              <a:t>111 . </a:t>
+            </a:r>
+            <a:r>
+              <a:rPr lang="en-US" altLang="ko-KR" sz="2200" dirty="0">
+                <a:solidFill>
+                  <a:schemeClr val="tx1"/>
+                </a:solidFill>
+                <a:latin typeface="LG Smart UI Regular" panose="020B0500000101010101" pitchFamily="50" charset="-127"/>
+                <a:ea typeface="LG Smart UI Regular" panose="020B0500000101010101" pitchFamily="50" charset="-127"/>
+                <a:cs typeface="KoPubWorld바탕체 Bold" panose="00000800000000000000" pitchFamily="2" charset="-127"/>
+              </a:rPr>
+              <a:t>I</a:t>
+            </a:r>
+            <a:r>
+              <a:rPr lang="en-US" altLang="ko-KR" sz="2200" dirty="0" smtClean="0">
+                <a:solidFill>
+                  <a:schemeClr val="tx1"/>
+                </a:solidFill>
+                <a:latin typeface="LG Smart UI Regular" panose="020B0500000101010101" pitchFamily="50" charset="-127"/>
+                <a:ea typeface="LG Smart UI Regular" panose="020B0500000101010101" pitchFamily="50" charset="-127"/>
+                <a:cs typeface="KoPubWorld바탕체 Bold" panose="00000800000000000000" pitchFamily="2" charset="-127"/>
+              </a:rPr>
+              <a:t>s - A</a:t>
+            </a:r>
+            <a:endParaRPr lang="en-US" altLang="ko-KR" sz="2200" dirty="0" smtClean="0">
+              <a:solidFill>
+                <a:schemeClr val="tx1"/>
+              </a:solidFill>
+              <a:latin typeface="LG Smart UI Regular" panose="020B0500000101010101" pitchFamily="50" charset="-127"/>
+              <a:ea typeface="LG Smart UI Regular" panose="020B0500000101010101" pitchFamily="50" charset="-127"/>
+              <a:cs typeface="KoPubWorld바탕체 Bold" panose="00000800000000000000" pitchFamily="2" charset="-127"/>
+            </a:endParaRPr>
+          </a:p>
+        </p:txBody>
+      </p:sp>
+      <p:sp>
+        <p:nvSpPr>
+          <p:cNvPr id="10" name="제목 1"/>
+          <p:cNvSpPr txBox="1">
+            <a:spLocks/>
+          </p:cNvSpPr>
+          <p:nvPr/>
+        </p:nvSpPr>
+        <p:spPr>
+          <a:xfrm>
+            <a:off x="3989192" y="3451414"/>
+            <a:ext cx="2237348" cy="656854"/>
+          </a:xfrm>
+          <a:prstGeom prst="rect">
+            <a:avLst/>
+          </a:prstGeom>
+        </p:spPr>
+        <p:txBody>
+          <a:bodyPr rtlCol="0" anchor="ctr"/>
+          <a:lstStyle>
+            <a:lvl1pPr algn="l" defTabSz="914400" rtl="0" eaLnBrk="1" latinLnBrk="1" hangingPunct="1">
+              <a:spcBef>
+                <a:spcPct val="0"/>
+              </a:spcBef>
+              <a:buNone/>
+              <a:defRPr sz="2400" b="1" kern="1200">
+                <a:solidFill>
+                  <a:schemeClr val="bg1"/>
+                </a:solidFill>
+                <a:latin typeface="Calibri" pitchFamily="34" charset="0"/>
+                <a:ea typeface="LG스마트체 Bold" panose="020B0600000101010101" pitchFamily="50" charset="-127"/>
+                <a:cs typeface="+mj-cs"/>
+              </a:defRPr>
+            </a:lvl1pPr>
+          </a:lstStyle>
+          <a:p>
+            <a:r>
+              <a:rPr lang="en-US" altLang="ko-KR" sz="2200" dirty="0" smtClean="0">
+                <a:solidFill>
+                  <a:schemeClr val="tx1"/>
+                </a:solidFill>
+                <a:latin typeface="LG Smart UI Regular" panose="020B0500000101010101" pitchFamily="50" charset="-127"/>
+                <a:ea typeface="LG Smart UI Regular" panose="020B0500000101010101" pitchFamily="50" charset="-127"/>
+                <a:cs typeface="KoPubWorld바탕체 Bold" panose="00000800000000000000" pitchFamily="2" charset="-127"/>
+              </a:rPr>
+              <a:t>111 . </a:t>
+            </a:r>
+            <a:r>
+              <a:rPr lang="en-US" altLang="ko-KR" sz="2200" dirty="0" smtClean="0">
+                <a:solidFill>
+                  <a:schemeClr val="tx1"/>
+                </a:solidFill>
+                <a:latin typeface="LG Smart UI Regular" panose="020B0500000101010101" pitchFamily="50" charset="-127"/>
+                <a:ea typeface="LG Smart UI Regular" panose="020B0500000101010101" pitchFamily="50" charset="-127"/>
+                <a:cs typeface="KoPubWorld바탕체 Bold" panose="00000800000000000000" pitchFamily="2" charset="-127"/>
+              </a:rPr>
+              <a:t>Not</a:t>
+            </a:r>
+            <a:r>
+              <a:rPr lang="en-US" altLang="ko-KR" sz="2200" dirty="0" smtClean="0">
+                <a:solidFill>
+                  <a:schemeClr val="tx1"/>
+                </a:solidFill>
+                <a:latin typeface="LG Smart UI Regular" panose="020B0500000101010101" pitchFamily="50" charset="-127"/>
+                <a:ea typeface="LG Smart UI Regular" panose="020B0500000101010101" pitchFamily="50" charset="-127"/>
+                <a:cs typeface="KoPubWorld바탕체 Bold" panose="00000800000000000000" pitchFamily="2" charset="-127"/>
+              </a:rPr>
+              <a:t> - A</a:t>
+            </a:r>
+            <a:endParaRPr lang="en-US" altLang="ko-KR" sz="2200" dirty="0" smtClean="0">
+              <a:solidFill>
+                <a:schemeClr val="tx1"/>
+              </a:solidFill>
+              <a:latin typeface="LG Smart UI Regular" panose="020B0500000101010101" pitchFamily="50" charset="-127"/>
+              <a:ea typeface="LG Smart UI Regular" panose="020B0500000101010101" pitchFamily="50" charset="-127"/>
+              <a:cs typeface="KoPubWorld바탕체 Bold" panose="00000800000000000000" pitchFamily="2" charset="-127"/>
+            </a:endParaRPr>
+          </a:p>
+        </p:txBody>
+      </p:sp>
+    </p:spTree>
+    <p:extLst>
+      <p:ext uri="{BB962C8B-B14F-4D97-AF65-F5344CB8AC3E}">
+        <p14:creationId xmlns:p14="http://schemas.microsoft.com/office/powerpoint/2010/main" val="1243772375"/>
       </p:ext>
     </p:extLst>
   </p:cSld>

--- a/세미나 자료/C++ 세미나 세 번째.pptx
+++ b/세미나 자료/C++ 세미나 세 번째.pptx
@@ -5,7 +5,7 @@
     <p:sldMasterId id="2147483648" r:id="rId1"/>
   </p:sldMasterIdLst>
   <p:notesMasterIdLst>
-    <p:notesMasterId r:id="rId12"/>
+    <p:notesMasterId r:id="rId15"/>
   </p:notesMasterIdLst>
   <p:sldIdLst>
     <p:sldId id="256" r:id="rId2"/>
@@ -18,6 +18,9 @@
     <p:sldId id="263" r:id="rId9"/>
     <p:sldId id="264" r:id="rId10"/>
     <p:sldId id="265" r:id="rId11"/>
+    <p:sldId id="266" r:id="rId12"/>
+    <p:sldId id="267" r:id="rId13"/>
+    <p:sldId id="268" r:id="rId14"/>
   </p:sldIdLst>
   <p:sldSz cx="12192000" cy="6858000"/>
   <p:notesSz cx="6858000" cy="9144000"/>
@@ -206,7 +209,7 @@
           <a:p>
             <a:fld id="{C5FD5ABF-119A-4B9A-A3F7-B2F31820663F}" type="datetimeFigureOut">
               <a:rPr lang="ko-KR" altLang="en-US" smtClean="0"/>
-              <a:t>2024-06-19</a:t>
+              <a:t>2024-06-20</a:t>
             </a:fld>
             <a:endParaRPr lang="ko-KR" altLang="en-US"/>
           </a:p>
@@ -1220,7 +1223,7 @@
             <a:fld id="{B61BEF0D-F0BB-DE4B-95CE-6DB70DBA9567}" type="datetimeFigureOut">
               <a:rPr lang="en-US" dirty="0"/>
               <a:pPr/>
-              <a:t>6/19/2024</a:t>
+              <a:t>6/20/2024</a:t>
             </a:fld>
             <a:endParaRPr lang="en-US" dirty="0"/>
           </a:p>
@@ -1468,7 +1471,7 @@
             <a:fld id="{B61BEF0D-F0BB-DE4B-95CE-6DB70DBA9567}" type="datetimeFigureOut">
               <a:rPr lang="en-US" dirty="0"/>
               <a:pPr/>
-              <a:t>6/19/2024</a:t>
+              <a:t>6/20/2024</a:t>
             </a:fld>
             <a:endParaRPr lang="en-US" dirty="0"/>
           </a:p>
@@ -1779,7 +1782,7 @@
             <a:fld id="{B61BEF0D-F0BB-DE4B-95CE-6DB70DBA9567}" type="datetimeFigureOut">
               <a:rPr lang="en-US" dirty="0"/>
               <a:pPr/>
-              <a:t>6/19/2024</a:t>
+              <a:t>6/20/2024</a:t>
             </a:fld>
             <a:endParaRPr lang="en-US" dirty="0"/>
           </a:p>
@@ -2109,7 +2112,7 @@
             <a:fld id="{B61BEF0D-F0BB-DE4B-95CE-6DB70DBA9567}" type="datetimeFigureOut">
               <a:rPr lang="en-US" dirty="0"/>
               <a:pPr/>
-              <a:t>6/19/2024</a:t>
+              <a:t>6/20/2024</a:t>
             </a:fld>
             <a:endParaRPr lang="en-US" dirty="0"/>
           </a:p>
@@ -2420,7 +2423,7 @@
             <a:fld id="{B61BEF0D-F0BB-DE4B-95CE-6DB70DBA9567}" type="datetimeFigureOut">
               <a:rPr lang="en-US" dirty="0"/>
               <a:pPr/>
-              <a:t>6/19/2024</a:t>
+              <a:t>6/20/2024</a:t>
             </a:fld>
             <a:endParaRPr lang="en-US" dirty="0"/>
           </a:p>
@@ -2810,7 +2813,7 @@
             <a:fld id="{B61BEF0D-F0BB-DE4B-95CE-6DB70DBA9567}" type="datetimeFigureOut">
               <a:rPr lang="en-US" dirty="0"/>
               <a:pPr/>
-              <a:t>6/19/2024</a:t>
+              <a:t>6/20/2024</a:t>
             </a:fld>
             <a:endParaRPr lang="en-US" dirty="0"/>
           </a:p>
@@ -2976,7 +2979,7 @@
           <a:p>
             <a:fld id="{55C6B4A9-1611-4792-9094-5F34BCA07E0B}" type="datetimeFigureOut">
               <a:rPr lang="en-US" dirty="0"/>
-              <a:t>6/19/2024</a:t>
+              <a:t>6/20/2024</a:t>
             </a:fld>
             <a:endParaRPr lang="en-US" dirty="0"/>
           </a:p>
@@ -3152,7 +3155,7 @@
             <a:fld id="{B61BEF0D-F0BB-DE4B-95CE-6DB70DBA9567}" type="datetimeFigureOut">
               <a:rPr lang="en-US" dirty="0"/>
               <a:pPr/>
-              <a:t>6/19/2024</a:t>
+              <a:t>6/20/2024</a:t>
             </a:fld>
             <a:endParaRPr lang="en-US" dirty="0"/>
           </a:p>
@@ -3318,7 +3321,7 @@
           <a:p>
             <a:fld id="{42A54C80-263E-416B-A8E0-580EDEADCBDC}" type="datetimeFigureOut">
               <a:rPr lang="en-US" dirty="0"/>
-              <a:t>6/19/2024</a:t>
+              <a:t>6/20/2024</a:t>
             </a:fld>
             <a:endParaRPr lang="en-US" dirty="0"/>
           </a:p>
@@ -3561,7 +3564,7 @@
             <a:fld id="{B61BEF0D-F0BB-DE4B-95CE-6DB70DBA9567}" type="datetimeFigureOut">
               <a:rPr lang="en-US" dirty="0"/>
               <a:pPr/>
-              <a:t>6/19/2024</a:t>
+              <a:t>6/20/2024</a:t>
             </a:fld>
             <a:endParaRPr lang="en-US" dirty="0"/>
           </a:p>
@@ -3789,7 +3792,7 @@
           <a:p>
             <a:fld id="{42A54C80-263E-416B-A8E0-580EDEADCBDC}" type="datetimeFigureOut">
               <a:rPr lang="en-US" dirty="0"/>
-              <a:t>6/19/2024</a:t>
+              <a:t>6/20/2024</a:t>
             </a:fld>
             <a:endParaRPr lang="en-US" dirty="0"/>
           </a:p>
@@ -4159,7 +4162,7 @@
             <a:fld id="{B61BEF0D-F0BB-DE4B-95CE-6DB70DBA9567}" type="datetimeFigureOut">
               <a:rPr lang="en-US" dirty="0"/>
               <a:pPr/>
-              <a:t>6/19/2024</a:t>
+              <a:t>6/20/2024</a:t>
             </a:fld>
             <a:endParaRPr lang="en-US" dirty="0"/>
           </a:p>
@@ -4279,7 +4282,7 @@
             <a:fld id="{B61BEF0D-F0BB-DE4B-95CE-6DB70DBA9567}" type="datetimeFigureOut">
               <a:rPr lang="en-US" dirty="0"/>
               <a:pPr/>
-              <a:t>6/19/2024</a:t>
+              <a:t>6/20/2024</a:t>
             </a:fld>
             <a:endParaRPr lang="en-US" dirty="0"/>
           </a:p>
@@ -4371,7 +4374,7 @@
             <a:fld id="{B61BEF0D-F0BB-DE4B-95CE-6DB70DBA9567}" type="datetimeFigureOut">
               <a:rPr lang="en-US" dirty="0"/>
               <a:pPr/>
-              <a:t>6/19/2024</a:t>
+              <a:t>6/20/2024</a:t>
             </a:fld>
             <a:endParaRPr lang="en-US" dirty="0"/>
           </a:p>
@@ -4622,7 +4625,7 @@
           <a:p>
             <a:fld id="{42A54C80-263E-416B-A8E0-580EDEADCBDC}" type="datetimeFigureOut">
               <a:rPr lang="en-US" dirty="0"/>
-              <a:t>6/19/2024</a:t>
+              <a:t>6/20/2024</a:t>
             </a:fld>
             <a:endParaRPr lang="en-US" dirty="0"/>
           </a:p>
@@ -4924,7 +4927,7 @@
             <a:fld id="{B61BEF0D-F0BB-DE4B-95CE-6DB70DBA9567}" type="datetimeFigureOut">
               <a:rPr lang="en-US" dirty="0"/>
               <a:pPr/>
-              <a:t>6/19/2024</a:t>
+              <a:t>6/20/2024</a:t>
             </a:fld>
             <a:endParaRPr lang="en-US" dirty="0"/>
           </a:p>
@@ -5622,7 +5625,7 @@
             <a:fld id="{B61BEF0D-F0BB-DE4B-95CE-6DB70DBA9567}" type="datetimeFigureOut">
               <a:rPr lang="en-US" dirty="0"/>
               <a:pPr/>
-              <a:t>6/19/2024</a:t>
+              <a:t>6/20/2024</a:t>
             </a:fld>
             <a:endParaRPr lang="en-US" dirty="0"/>
           </a:p>
@@ -6346,6 +6349,86 @@
               </a:rPr>
               <a:t>class Class1{</a:t>
             </a:r>
+          </a:p>
+          <a:p>
+            <a:r>
+              <a:rPr lang="en-US" altLang="ko-KR" sz="1230" b="0" dirty="0" smtClean="0">
+                <a:solidFill>
+                  <a:schemeClr val="tx1"/>
+                </a:solidFill>
+                <a:latin typeface="LG Smart UI Regular" panose="020B0500000101010101" pitchFamily="50" charset="-127"/>
+                <a:ea typeface="LG Smart UI Regular" panose="020B0500000101010101" pitchFamily="50" charset="-127"/>
+                <a:cs typeface="KoPubWorld바탕체 Bold" panose="00000800000000000000" pitchFamily="2" charset="-127"/>
+              </a:rPr>
+              <a:t>public:</a:t>
+            </a:r>
+          </a:p>
+          <a:p>
+            <a:r>
+              <a:rPr lang="en-US" altLang="ko-KR" sz="1230" b="0" dirty="0" smtClean="0">
+                <a:solidFill>
+                  <a:schemeClr val="tx1"/>
+                </a:solidFill>
+                <a:latin typeface="LG Smart UI Regular" panose="020B0500000101010101" pitchFamily="50" charset="-127"/>
+                <a:ea typeface="LG Smart UI Regular" panose="020B0500000101010101" pitchFamily="50" charset="-127"/>
+                <a:cs typeface="KoPubWorld바탕체 Bold" panose="00000800000000000000" pitchFamily="2" charset="-127"/>
+              </a:rPr>
+              <a:t>	friend class Class1; </a:t>
+            </a:r>
+            <a:r>
+              <a:rPr lang="en-US" altLang="ko-KR" sz="1230" dirty="0" smtClean="0">
+                <a:solidFill>
+                  <a:schemeClr val="tx1"/>
+                </a:solidFill>
+                <a:latin typeface="LG Smart UI Regular" panose="020B0500000101010101" pitchFamily="50" charset="-127"/>
+                <a:ea typeface="LG Smart UI Regular" panose="020B0500000101010101" pitchFamily="50" charset="-127"/>
+                <a:cs typeface="KoPubWorld바탕체 Bold" panose="00000800000000000000" pitchFamily="2" charset="-127"/>
+              </a:rPr>
+              <a:t>// friend</a:t>
+            </a:r>
+            <a:r>
+              <a:rPr lang="ko-KR" altLang="en-US" sz="1230" dirty="0" smtClean="0">
+                <a:solidFill>
+                  <a:schemeClr val="tx1"/>
+                </a:solidFill>
+                <a:latin typeface="LG Smart UI Regular" panose="020B0500000101010101" pitchFamily="50" charset="-127"/>
+                <a:ea typeface="LG Smart UI Regular" panose="020B0500000101010101" pitchFamily="50" charset="-127"/>
+                <a:cs typeface="KoPubWorld바탕체 Bold" panose="00000800000000000000" pitchFamily="2" charset="-127"/>
+              </a:rPr>
+              <a:t>로 선언된 클래스는 </a:t>
+            </a:r>
+            <a:r>
+              <a:rPr lang="en-US" altLang="ko-KR" sz="1230" dirty="0" smtClean="0">
+                <a:solidFill>
+                  <a:schemeClr val="tx1"/>
+                </a:solidFill>
+                <a:latin typeface="LG Smart UI Regular" panose="020B0500000101010101" pitchFamily="50" charset="-127"/>
+                <a:ea typeface="LG Smart UI Regular" panose="020B0500000101010101" pitchFamily="50" charset="-127"/>
+                <a:cs typeface="KoPubWorld바탕체 Bold" panose="00000800000000000000" pitchFamily="2" charset="-127"/>
+              </a:rPr>
+              <a:t>private</a:t>
+            </a:r>
+            <a:r>
+              <a:rPr lang="ko-KR" altLang="en-US" sz="1230" dirty="0" smtClean="0">
+                <a:solidFill>
+                  <a:schemeClr val="tx1"/>
+                </a:solidFill>
+                <a:latin typeface="LG Smart UI Regular" panose="020B0500000101010101" pitchFamily="50" charset="-127"/>
+                <a:ea typeface="LG Smart UI Regular" panose="020B0500000101010101" pitchFamily="50" charset="-127"/>
+                <a:cs typeface="KoPubWorld바탕체 Bold" panose="00000800000000000000" pitchFamily="2" charset="-127"/>
+              </a:rPr>
+              <a:t>에 접근이 가능</a:t>
+            </a:r>
+            <a:endParaRPr lang="en-US" altLang="ko-KR" sz="1230" dirty="0" smtClean="0">
+              <a:solidFill>
+                <a:schemeClr val="tx1"/>
+              </a:solidFill>
+              <a:latin typeface="LG Smart UI Regular" panose="020B0500000101010101" pitchFamily="50" charset="-127"/>
+              <a:ea typeface="LG Smart UI Regular" panose="020B0500000101010101" pitchFamily="50" charset="-127"/>
+              <a:cs typeface="KoPubWorld바탕체 Bold" panose="00000800000000000000" pitchFamily="2" charset="-127"/>
+            </a:endParaRPr>
+          </a:p>
+          <a:p>
             <a:endParaRPr lang="en-US" altLang="ko-KR" sz="1230" b="0" dirty="0" smtClean="0">
               <a:solidFill>
                 <a:schemeClr val="tx1"/>
@@ -6357,28 +6440,26 @@
           </a:p>
           <a:p>
             <a:r>
-              <a:rPr lang="en-US" altLang="ko-KR" sz="1230" b="0" dirty="0" smtClean="0">
-                <a:solidFill>
-                  <a:schemeClr val="tx1"/>
-                </a:solidFill>
-                <a:latin typeface="LG Smart UI Regular" panose="020B0500000101010101" pitchFamily="50" charset="-127"/>
-                <a:ea typeface="LG Smart UI Regular" panose="020B0500000101010101" pitchFamily="50" charset="-127"/>
-                <a:cs typeface="KoPubWorld바탕체 Bold" panose="00000800000000000000" pitchFamily="2" charset="-127"/>
-              </a:rPr>
-              <a:t>public:</a:t>
-            </a:r>
-          </a:p>
-          <a:p>
-            <a:r>
-              <a:rPr lang="en-US" altLang="ko-KR" sz="1230" b="0" dirty="0" smtClean="0">
-                <a:solidFill>
-                  <a:schemeClr val="tx1"/>
-                </a:solidFill>
-                <a:latin typeface="LG Smart UI Regular" panose="020B0500000101010101" pitchFamily="50" charset="-127"/>
-                <a:ea typeface="LG Smart UI Regular" panose="020B0500000101010101" pitchFamily="50" charset="-127"/>
-                <a:cs typeface="KoPubWorld바탕체 Bold" panose="00000800000000000000" pitchFamily="2" charset="-127"/>
-              </a:rPr>
-              <a:t>	friend class Class1; </a:t>
+              <a:rPr lang="en-US" altLang="ko-KR" sz="1230" b="0" dirty="0">
+                <a:solidFill>
+                  <a:schemeClr val="tx1"/>
+                </a:solidFill>
+                <a:latin typeface="LG Smart UI Regular" panose="020B0500000101010101" pitchFamily="50" charset="-127"/>
+                <a:ea typeface="LG Smart UI Regular" panose="020B0500000101010101" pitchFamily="50" charset="-127"/>
+                <a:cs typeface="KoPubWorld바탕체 Bold" panose="00000800000000000000" pitchFamily="2" charset="-127"/>
+              </a:rPr>
+              <a:t>	</a:t>
+            </a:r>
+            <a:r>
+              <a:rPr lang="en-US" altLang="ko-KR" sz="1230" b="0" dirty="0" smtClean="0">
+                <a:solidFill>
+                  <a:schemeClr val="tx1"/>
+                </a:solidFill>
+                <a:latin typeface="LG Smart UI Regular" panose="020B0500000101010101" pitchFamily="50" charset="-127"/>
+                <a:ea typeface="LG Smart UI Regular" panose="020B0500000101010101" pitchFamily="50" charset="-127"/>
+                <a:cs typeface="KoPubWorld바탕체 Bold" panose="00000800000000000000" pitchFamily="2" charset="-127"/>
+              </a:rPr>
+              <a:t>friend void Get(Class1 c1){ </a:t>
             </a:r>
             <a:r>
               <a:rPr lang="en-US" altLang="ko-KR" sz="1230" dirty="0" smtClean="0">
@@ -6389,7 +6470,29 @@
                 <a:ea typeface="LG Smart UI Regular" panose="020B0500000101010101" pitchFamily="50" charset="-127"/>
                 <a:cs typeface="KoPubWorld바탕체 Bold" panose="00000800000000000000" pitchFamily="2" charset="-127"/>
               </a:rPr>
-              <a:t>// friend</a:t>
+              <a:t>// </a:t>
+            </a:r>
+            <a:r>
+              <a:rPr lang="en-US" altLang="ko-KR" sz="1230" dirty="0" err="1" smtClean="0">
+                <a:solidFill>
+                  <a:schemeClr val="tx1"/>
+                </a:solidFill>
+                <a:latin typeface="LG Smart UI Regular" panose="020B0500000101010101" pitchFamily="50" charset="-127"/>
+                <a:ea typeface="LG Smart UI Regular" panose="020B0500000101010101" pitchFamily="50" charset="-127"/>
+                <a:cs typeface="KoPubWorld바탕체 Bold" panose="00000800000000000000" pitchFamily="2" charset="-127"/>
+              </a:rPr>
+              <a:t>frined</a:t>
+            </a:r>
+            <a:r>
+              <a:rPr lang="en-US" altLang="ko-KR" sz="1230" dirty="0" smtClean="0">
+                <a:solidFill>
+                  <a:schemeClr val="tx1"/>
+                </a:solidFill>
+                <a:latin typeface="LG Smart UI Regular" panose="020B0500000101010101" pitchFamily="50" charset="-127"/>
+                <a:ea typeface="LG Smart UI Regular" panose="020B0500000101010101" pitchFamily="50" charset="-127"/>
+                <a:cs typeface="KoPubWorld바탕체 Bold" panose="00000800000000000000" pitchFamily="2" charset="-127"/>
+              </a:rPr>
+              <a:t> </a:t>
             </a:r>
             <a:r>
               <a:rPr lang="ko-KR" altLang="en-US" sz="1230" dirty="0" smtClean="0">
@@ -6400,7 +6503,7 @@
                 <a:ea typeface="LG Smart UI Regular" panose="020B0500000101010101" pitchFamily="50" charset="-127"/>
                 <a:cs typeface="KoPubWorld바탕체 Bold" panose="00000800000000000000" pitchFamily="2" charset="-127"/>
               </a:rPr>
-              <a:t>로 선언된 클래스는 </a:t>
+              <a:t>함수 </a:t>
             </a:r>
             <a:r>
               <a:rPr lang="en-US" altLang="ko-KR" sz="1230" dirty="0" smtClean="0">
@@ -6411,6 +6514,344 @@
                 <a:ea typeface="LG Smart UI Regular" panose="020B0500000101010101" pitchFamily="50" charset="-127"/>
                 <a:cs typeface="KoPubWorld바탕체 Bold" panose="00000800000000000000" pitchFamily="2" charset="-127"/>
               </a:rPr>
+              <a:t>Get</a:t>
+            </a:r>
+            <a:r>
+              <a:rPr lang="ko-KR" altLang="en-US" sz="1230" dirty="0" smtClean="0">
+                <a:solidFill>
+                  <a:schemeClr val="tx1"/>
+                </a:solidFill>
+                <a:latin typeface="LG Smart UI Regular" panose="020B0500000101010101" pitchFamily="50" charset="-127"/>
+                <a:ea typeface="LG Smart UI Regular" panose="020B0500000101010101" pitchFamily="50" charset="-127"/>
+                <a:cs typeface="KoPubWorld바탕체 Bold" panose="00000800000000000000" pitchFamily="2" charset="-127"/>
+              </a:rPr>
+              <a:t>은 </a:t>
+            </a:r>
+            <a:r>
+              <a:rPr lang="en-US" altLang="ko-KR" sz="1230" dirty="0" smtClean="0">
+                <a:solidFill>
+                  <a:schemeClr val="tx1"/>
+                </a:solidFill>
+                <a:latin typeface="LG Smart UI Regular" panose="020B0500000101010101" pitchFamily="50" charset="-127"/>
+                <a:ea typeface="LG Smart UI Regular" panose="020B0500000101010101" pitchFamily="50" charset="-127"/>
+                <a:cs typeface="KoPubWorld바탕체 Bold" panose="00000800000000000000" pitchFamily="2" charset="-127"/>
+              </a:rPr>
+              <a:t>Class1</a:t>
+            </a:r>
+            <a:r>
+              <a:rPr lang="ko-KR" altLang="en-US" sz="1230" dirty="0">
+                <a:solidFill>
+                  <a:schemeClr val="tx1"/>
+                </a:solidFill>
+                <a:latin typeface="LG Smart UI Regular" panose="020B0500000101010101" pitchFamily="50" charset="-127"/>
+                <a:ea typeface="LG Smart UI Regular" panose="020B0500000101010101" pitchFamily="50" charset="-127"/>
+                <a:cs typeface="KoPubWorld바탕체 Bold" panose="00000800000000000000" pitchFamily="2" charset="-127"/>
+              </a:rPr>
+              <a:t> </a:t>
+            </a:r>
+            <a:r>
+              <a:rPr lang="ko-KR" altLang="en-US" sz="1230" dirty="0" smtClean="0">
+                <a:solidFill>
+                  <a:schemeClr val="tx1"/>
+                </a:solidFill>
+                <a:latin typeface="LG Smart UI Regular" panose="020B0500000101010101" pitchFamily="50" charset="-127"/>
+                <a:ea typeface="LG Smart UI Regular" panose="020B0500000101010101" pitchFamily="50" charset="-127"/>
+                <a:cs typeface="KoPubWorld바탕체 Bold" panose="00000800000000000000" pitchFamily="2" charset="-127"/>
+              </a:rPr>
+              <a:t>객체의 </a:t>
+            </a:r>
+            <a:r>
+              <a:rPr lang="en-US" altLang="ko-KR" sz="1230" dirty="0" smtClean="0">
+                <a:solidFill>
+                  <a:schemeClr val="tx1"/>
+                </a:solidFill>
+                <a:latin typeface="LG Smart UI Regular" panose="020B0500000101010101" pitchFamily="50" charset="-127"/>
+                <a:ea typeface="LG Smart UI Regular" panose="020B0500000101010101" pitchFamily="50" charset="-127"/>
+                <a:cs typeface="KoPubWorld바탕체 Bold" panose="00000800000000000000" pitchFamily="2" charset="-127"/>
+              </a:rPr>
+              <a:t>private </a:t>
+            </a:r>
+            <a:r>
+              <a:rPr lang="ko-KR" altLang="en-US" sz="1230" dirty="0" smtClean="0">
+                <a:solidFill>
+                  <a:schemeClr val="tx1"/>
+                </a:solidFill>
+                <a:latin typeface="LG Smart UI Regular" panose="020B0500000101010101" pitchFamily="50" charset="-127"/>
+                <a:ea typeface="LG Smart UI Regular" panose="020B0500000101010101" pitchFamily="50" charset="-127"/>
+                <a:cs typeface="KoPubWorld바탕체 Bold" panose="00000800000000000000" pitchFamily="2" charset="-127"/>
+              </a:rPr>
+              <a:t>멤버에 직접 접근이 가능하게 된다</a:t>
+            </a:r>
+            <a:r>
+              <a:rPr lang="en-US" altLang="ko-KR" sz="1230" dirty="0" smtClean="0">
+                <a:solidFill>
+                  <a:schemeClr val="tx1"/>
+                </a:solidFill>
+                <a:latin typeface="LG Smart UI Regular" panose="020B0500000101010101" pitchFamily="50" charset="-127"/>
+                <a:ea typeface="LG Smart UI Regular" panose="020B0500000101010101" pitchFamily="50" charset="-127"/>
+                <a:cs typeface="KoPubWorld바탕체 Bold" panose="00000800000000000000" pitchFamily="2" charset="-127"/>
+              </a:rPr>
+              <a:t>.</a:t>
+            </a:r>
+            <a:endParaRPr lang="en-US" altLang="ko-KR" sz="1230" dirty="0">
+              <a:solidFill>
+                <a:schemeClr val="tx1"/>
+              </a:solidFill>
+              <a:latin typeface="LG Smart UI Regular" panose="020B0500000101010101" pitchFamily="50" charset="-127"/>
+              <a:ea typeface="LG Smart UI Regular" panose="020B0500000101010101" pitchFamily="50" charset="-127"/>
+              <a:cs typeface="KoPubWorld바탕체 Bold" panose="00000800000000000000" pitchFamily="2" charset="-127"/>
+            </a:endParaRPr>
+          </a:p>
+          <a:p>
+            <a:r>
+              <a:rPr lang="en-US" altLang="ko-KR" sz="1230" b="0" dirty="0" smtClean="0">
+                <a:solidFill>
+                  <a:schemeClr val="tx1"/>
+                </a:solidFill>
+                <a:latin typeface="LG Smart UI Regular" panose="020B0500000101010101" pitchFamily="50" charset="-127"/>
+                <a:ea typeface="LG Smart UI Regular" panose="020B0500000101010101" pitchFamily="50" charset="-127"/>
+                <a:cs typeface="KoPubWorld바탕체 Bold" panose="00000800000000000000" pitchFamily="2" charset="-127"/>
+              </a:rPr>
+              <a:t>	}</a:t>
+            </a:r>
+          </a:p>
+          <a:p>
+            <a:endParaRPr lang="en-US" altLang="ko-KR" sz="1230" b="0" dirty="0">
+              <a:solidFill>
+                <a:schemeClr val="tx1"/>
+              </a:solidFill>
+              <a:latin typeface="LG Smart UI Regular" panose="020B0500000101010101" pitchFamily="50" charset="-127"/>
+              <a:ea typeface="LG Smart UI Regular" panose="020B0500000101010101" pitchFamily="50" charset="-127"/>
+              <a:cs typeface="KoPubWorld바탕체 Bold" panose="00000800000000000000" pitchFamily="2" charset="-127"/>
+            </a:endParaRPr>
+          </a:p>
+          <a:p>
+            <a:r>
+              <a:rPr lang="en-US" altLang="ko-KR" sz="1230" b="0" dirty="0" smtClean="0">
+                <a:solidFill>
+                  <a:schemeClr val="tx1"/>
+                </a:solidFill>
+                <a:latin typeface="LG Smart UI Regular" panose="020B0500000101010101" pitchFamily="50" charset="-127"/>
+                <a:ea typeface="LG Smart UI Regular" panose="020B0500000101010101" pitchFamily="50" charset="-127"/>
+                <a:cs typeface="KoPubWorld바탕체 Bold" panose="00000800000000000000" pitchFamily="2" charset="-127"/>
+              </a:rPr>
+              <a:t>	void Set(</a:t>
+            </a:r>
+            <a:r>
+              <a:rPr lang="en-US" altLang="ko-KR" sz="1230" b="0" dirty="0" err="1" smtClean="0">
+                <a:solidFill>
+                  <a:schemeClr val="tx1"/>
+                </a:solidFill>
+                <a:latin typeface="LG Smart UI Regular" panose="020B0500000101010101" pitchFamily="50" charset="-127"/>
+                <a:ea typeface="LG Smart UI Regular" panose="020B0500000101010101" pitchFamily="50" charset="-127"/>
+                <a:cs typeface="KoPubWorld바탕체 Bold" panose="00000800000000000000" pitchFamily="2" charset="-127"/>
+              </a:rPr>
+              <a:t>int</a:t>
+            </a:r>
+            <a:r>
+              <a:rPr lang="en-US" altLang="ko-KR" sz="1230" b="0" dirty="0" smtClean="0">
+                <a:solidFill>
+                  <a:schemeClr val="tx1"/>
+                </a:solidFill>
+                <a:latin typeface="LG Smart UI Regular" panose="020B0500000101010101" pitchFamily="50" charset="-127"/>
+                <a:ea typeface="LG Smart UI Regular" panose="020B0500000101010101" pitchFamily="50" charset="-127"/>
+                <a:cs typeface="KoPubWorld바탕체 Bold" panose="00000800000000000000" pitchFamily="2" charset="-127"/>
+              </a:rPr>
+              <a:t> n){</a:t>
+            </a:r>
+          </a:p>
+          <a:p>
+            <a:r>
+              <a:rPr lang="en-US" altLang="ko-KR" sz="1230" b="0" dirty="0">
+                <a:solidFill>
+                  <a:schemeClr val="tx1"/>
+                </a:solidFill>
+                <a:latin typeface="LG Smart UI Regular" panose="020B0500000101010101" pitchFamily="50" charset="-127"/>
+                <a:ea typeface="LG Smart UI Regular" panose="020B0500000101010101" pitchFamily="50" charset="-127"/>
+                <a:cs typeface="KoPubWorld바탕체 Bold" panose="00000800000000000000" pitchFamily="2" charset="-127"/>
+              </a:rPr>
+              <a:t>	</a:t>
+            </a:r>
+            <a:r>
+              <a:rPr lang="en-US" altLang="ko-KR" sz="1230" b="0" dirty="0" smtClean="0">
+                <a:solidFill>
+                  <a:schemeClr val="tx1"/>
+                </a:solidFill>
+                <a:latin typeface="LG Smart UI Regular" panose="020B0500000101010101" pitchFamily="50" charset="-127"/>
+                <a:ea typeface="LG Smart UI Regular" panose="020B0500000101010101" pitchFamily="50" charset="-127"/>
+                <a:cs typeface="KoPubWorld바탕체 Bold" panose="00000800000000000000" pitchFamily="2" charset="-127"/>
+              </a:rPr>
+              <a:t>	a = n;</a:t>
+            </a:r>
+          </a:p>
+          <a:p>
+            <a:r>
+              <a:rPr lang="en-US" altLang="ko-KR" sz="1230" b="0" dirty="0">
+                <a:solidFill>
+                  <a:schemeClr val="tx1"/>
+                </a:solidFill>
+                <a:latin typeface="LG Smart UI Regular" panose="020B0500000101010101" pitchFamily="50" charset="-127"/>
+                <a:ea typeface="LG Smart UI Regular" panose="020B0500000101010101" pitchFamily="50" charset="-127"/>
+                <a:cs typeface="KoPubWorld바탕체 Bold" panose="00000800000000000000" pitchFamily="2" charset="-127"/>
+              </a:rPr>
+              <a:t>	</a:t>
+            </a:r>
+            <a:r>
+              <a:rPr lang="en-US" altLang="ko-KR" sz="1230" b="0" dirty="0" smtClean="0">
+                <a:solidFill>
+                  <a:schemeClr val="tx1"/>
+                </a:solidFill>
+                <a:latin typeface="LG Smart UI Regular" panose="020B0500000101010101" pitchFamily="50" charset="-127"/>
+                <a:ea typeface="LG Smart UI Regular" panose="020B0500000101010101" pitchFamily="50" charset="-127"/>
+                <a:cs typeface="KoPubWorld바탕체 Bold" panose="00000800000000000000" pitchFamily="2" charset="-127"/>
+              </a:rPr>
+              <a:t>}</a:t>
+            </a:r>
+          </a:p>
+          <a:p>
+            <a:r>
+              <a:rPr lang="en-US" altLang="ko-KR" sz="1230" b="0" dirty="0" smtClean="0">
+                <a:solidFill>
+                  <a:schemeClr val="tx1"/>
+                </a:solidFill>
+                <a:latin typeface="LG Smart UI Regular" panose="020B0500000101010101" pitchFamily="50" charset="-127"/>
+                <a:ea typeface="LG Smart UI Regular" panose="020B0500000101010101" pitchFamily="50" charset="-127"/>
+                <a:cs typeface="KoPubWorld바탕체 Bold" panose="00000800000000000000" pitchFamily="2" charset="-127"/>
+              </a:rPr>
+              <a:t>private:</a:t>
+            </a:r>
+          </a:p>
+          <a:p>
+            <a:r>
+              <a:rPr lang="en-US" altLang="ko-KR" sz="1230" b="0" dirty="0">
+                <a:solidFill>
+                  <a:schemeClr val="tx1"/>
+                </a:solidFill>
+                <a:latin typeface="LG Smart UI Regular" panose="020B0500000101010101" pitchFamily="50" charset="-127"/>
+                <a:ea typeface="LG Smart UI Regular" panose="020B0500000101010101" pitchFamily="50" charset="-127"/>
+                <a:cs typeface="KoPubWorld바탕체 Bold" panose="00000800000000000000" pitchFamily="2" charset="-127"/>
+              </a:rPr>
+              <a:t>	</a:t>
+            </a:r>
+            <a:r>
+              <a:rPr lang="en-US" altLang="ko-KR" sz="1230" b="0" dirty="0" err="1" smtClean="0">
+                <a:solidFill>
+                  <a:schemeClr val="tx1"/>
+                </a:solidFill>
+                <a:latin typeface="LG Smart UI Regular" panose="020B0500000101010101" pitchFamily="50" charset="-127"/>
+                <a:ea typeface="LG Smart UI Regular" panose="020B0500000101010101" pitchFamily="50" charset="-127"/>
+                <a:cs typeface="KoPubWorld바탕체 Bold" panose="00000800000000000000" pitchFamily="2" charset="-127"/>
+              </a:rPr>
+              <a:t>int</a:t>
+            </a:r>
+            <a:r>
+              <a:rPr lang="en-US" altLang="ko-KR" sz="1230" b="0" dirty="0" smtClean="0">
+                <a:solidFill>
+                  <a:schemeClr val="tx1"/>
+                </a:solidFill>
+                <a:latin typeface="LG Smart UI Regular" panose="020B0500000101010101" pitchFamily="50" charset="-127"/>
+                <a:ea typeface="LG Smart UI Regular" panose="020B0500000101010101" pitchFamily="50" charset="-127"/>
+                <a:cs typeface="KoPubWorld바탕체 Bold" panose="00000800000000000000" pitchFamily="2" charset="-127"/>
+              </a:rPr>
+              <a:t> a;</a:t>
+            </a:r>
+            <a:endParaRPr lang="en-US" altLang="ko-KR" sz="1230" b="0" dirty="0">
+              <a:solidFill>
+                <a:schemeClr val="tx1"/>
+              </a:solidFill>
+              <a:latin typeface="LG Smart UI Regular" panose="020B0500000101010101" pitchFamily="50" charset="-127"/>
+              <a:ea typeface="LG Smart UI Regular" panose="020B0500000101010101" pitchFamily="50" charset="-127"/>
+              <a:cs typeface="KoPubWorld바탕체 Bold" panose="00000800000000000000" pitchFamily="2" charset="-127"/>
+            </a:endParaRPr>
+          </a:p>
+          <a:p>
+            <a:r>
+              <a:rPr lang="en-US" altLang="ko-KR" sz="1230" b="0" dirty="0" smtClean="0">
+                <a:solidFill>
+                  <a:schemeClr val="tx1"/>
+                </a:solidFill>
+                <a:latin typeface="LG Smart UI Regular" panose="020B0500000101010101" pitchFamily="50" charset="-127"/>
+                <a:ea typeface="LG Smart UI Regular" panose="020B0500000101010101" pitchFamily="50" charset="-127"/>
+                <a:cs typeface="KoPubWorld바탕체 Bold" panose="00000800000000000000" pitchFamily="2" charset="-127"/>
+              </a:rPr>
+              <a:t>};</a:t>
+            </a:r>
+          </a:p>
+          <a:p>
+            <a:endParaRPr lang="en-US" altLang="ko-KR" sz="1230" b="0" dirty="0">
+              <a:solidFill>
+                <a:schemeClr val="tx1"/>
+              </a:solidFill>
+              <a:latin typeface="LG Smart UI Regular" panose="020B0500000101010101" pitchFamily="50" charset="-127"/>
+              <a:ea typeface="LG Smart UI Regular" panose="020B0500000101010101" pitchFamily="50" charset="-127"/>
+              <a:cs typeface="KoPubWorld바탕체 Bold" panose="00000800000000000000" pitchFamily="2" charset="-127"/>
+            </a:endParaRPr>
+          </a:p>
+          <a:p>
+            <a:r>
+              <a:rPr lang="en-US" altLang="ko-KR" sz="1230" b="0" dirty="0" smtClean="0">
+                <a:solidFill>
+                  <a:schemeClr val="tx1"/>
+                </a:solidFill>
+                <a:latin typeface="LG Smart UI Regular" panose="020B0500000101010101" pitchFamily="50" charset="-127"/>
+                <a:ea typeface="LG Smart UI Regular" panose="020B0500000101010101" pitchFamily="50" charset="-127"/>
+                <a:cs typeface="KoPubWorld바탕체 Bold" panose="00000800000000000000" pitchFamily="2" charset="-127"/>
+              </a:rPr>
+              <a:t>class Class2 : public Class1{ </a:t>
+            </a:r>
+            <a:r>
+              <a:rPr lang="en-US" altLang="ko-KR" sz="1230" dirty="0" smtClean="0">
+                <a:solidFill>
+                  <a:schemeClr val="tx1"/>
+                </a:solidFill>
+                <a:latin typeface="LG Smart UI Regular" panose="020B0500000101010101" pitchFamily="50" charset="-127"/>
+                <a:ea typeface="LG Smart UI Regular" panose="020B0500000101010101" pitchFamily="50" charset="-127"/>
+                <a:cs typeface="KoPubWorld바탕체 Bold" panose="00000800000000000000" pitchFamily="2" charset="-127"/>
+              </a:rPr>
+              <a:t>// Class1</a:t>
+            </a:r>
+            <a:r>
+              <a:rPr lang="ko-KR" altLang="en-US" sz="1230" dirty="0" smtClean="0">
+                <a:solidFill>
+                  <a:schemeClr val="tx1"/>
+                </a:solidFill>
+                <a:latin typeface="LG Smart UI Regular" panose="020B0500000101010101" pitchFamily="50" charset="-127"/>
+                <a:ea typeface="LG Smart UI Regular" panose="020B0500000101010101" pitchFamily="50" charset="-127"/>
+                <a:cs typeface="KoPubWorld바탕체 Bold" panose="00000800000000000000" pitchFamily="2" charset="-127"/>
+              </a:rPr>
+              <a:t>에 대한 상속을 받음</a:t>
+            </a:r>
+            <a:r>
+              <a:rPr lang="en-US" altLang="ko-KR" sz="1230" dirty="0" smtClean="0">
+                <a:solidFill>
+                  <a:schemeClr val="tx1"/>
+                </a:solidFill>
+                <a:latin typeface="LG Smart UI Regular" panose="020B0500000101010101" pitchFamily="50" charset="-127"/>
+                <a:ea typeface="LG Smart UI Regular" panose="020B0500000101010101" pitchFamily="50" charset="-127"/>
+                <a:cs typeface="KoPubWorld바탕체 Bold" panose="00000800000000000000" pitchFamily="2" charset="-127"/>
+              </a:rPr>
+              <a:t>. </a:t>
+            </a:r>
+            <a:r>
+              <a:rPr lang="ko-KR" altLang="en-US" sz="1230" dirty="0" smtClean="0">
+                <a:solidFill>
+                  <a:schemeClr val="tx1"/>
+                </a:solidFill>
+                <a:latin typeface="LG Smart UI Regular" panose="020B0500000101010101" pitchFamily="50" charset="-127"/>
+                <a:ea typeface="LG Smart UI Regular" panose="020B0500000101010101" pitchFamily="50" charset="-127"/>
+                <a:cs typeface="KoPubWorld바탕체 Bold" panose="00000800000000000000" pitchFamily="2" charset="-127"/>
+              </a:rPr>
+              <a:t>원래라면 </a:t>
+            </a:r>
+            <a:r>
+              <a:rPr lang="en-US" altLang="ko-KR" sz="1230" dirty="0" smtClean="0">
+                <a:solidFill>
+                  <a:schemeClr val="tx1"/>
+                </a:solidFill>
+                <a:latin typeface="LG Smart UI Regular" panose="020B0500000101010101" pitchFamily="50" charset="-127"/>
+                <a:ea typeface="LG Smart UI Regular" panose="020B0500000101010101" pitchFamily="50" charset="-127"/>
+                <a:cs typeface="KoPubWorld바탕체 Bold" panose="00000800000000000000" pitchFamily="2" charset="-127"/>
+              </a:rPr>
               <a:t>private</a:t>
             </a:r>
             <a:r>
@@ -6422,7 +6863,73 @@
                 <a:ea typeface="LG Smart UI Regular" panose="020B0500000101010101" pitchFamily="50" charset="-127"/>
                 <a:cs typeface="KoPubWorld바탕체 Bold" panose="00000800000000000000" pitchFamily="2" charset="-127"/>
               </a:rPr>
-              <a:t>에 접근이 가능</a:t>
+              <a:t>에는 직접 접근이 불가능하지만</a:t>
+            </a:r>
+            <a:r>
+              <a:rPr lang="en-US" altLang="ko-KR" sz="1230" dirty="0" smtClean="0">
+                <a:solidFill>
+                  <a:schemeClr val="tx1"/>
+                </a:solidFill>
+                <a:latin typeface="LG Smart UI Regular" panose="020B0500000101010101" pitchFamily="50" charset="-127"/>
+                <a:ea typeface="LG Smart UI Regular" panose="020B0500000101010101" pitchFamily="50" charset="-127"/>
+                <a:cs typeface="KoPubWorld바탕체 Bold" panose="00000800000000000000" pitchFamily="2" charset="-127"/>
+              </a:rPr>
+              <a:t>, Class1</a:t>
+            </a:r>
+            <a:r>
+              <a:rPr lang="ko-KR" altLang="en-US" sz="1230" dirty="0" smtClean="0">
+                <a:solidFill>
+                  <a:schemeClr val="tx1"/>
+                </a:solidFill>
+                <a:latin typeface="LG Smart UI Regular" panose="020B0500000101010101" pitchFamily="50" charset="-127"/>
+                <a:ea typeface="LG Smart UI Regular" panose="020B0500000101010101" pitchFamily="50" charset="-127"/>
+                <a:cs typeface="KoPubWorld바탕체 Bold" panose="00000800000000000000" pitchFamily="2" charset="-127"/>
+              </a:rPr>
+              <a:t>에서 </a:t>
+            </a:r>
+            <a:r>
+              <a:rPr lang="en-US" altLang="ko-KR" sz="1230" dirty="0" smtClean="0">
+                <a:solidFill>
+                  <a:schemeClr val="tx1"/>
+                </a:solidFill>
+                <a:latin typeface="LG Smart UI Regular" panose="020B0500000101010101" pitchFamily="50" charset="-127"/>
+                <a:ea typeface="LG Smart UI Regular" panose="020B0500000101010101" pitchFamily="50" charset="-127"/>
+                <a:cs typeface="KoPubWorld바탕체 Bold" panose="00000800000000000000" pitchFamily="2" charset="-127"/>
+              </a:rPr>
+              <a:t>Class2</a:t>
+            </a:r>
+            <a:r>
+              <a:rPr lang="ko-KR" altLang="en-US" sz="1230" dirty="0" smtClean="0">
+                <a:solidFill>
+                  <a:schemeClr val="tx1"/>
+                </a:solidFill>
+                <a:latin typeface="LG Smart UI Regular" panose="020B0500000101010101" pitchFamily="50" charset="-127"/>
+                <a:ea typeface="LG Smart UI Regular" panose="020B0500000101010101" pitchFamily="50" charset="-127"/>
+                <a:cs typeface="KoPubWorld바탕체 Bold" panose="00000800000000000000" pitchFamily="2" charset="-127"/>
+              </a:rPr>
+              <a:t>를 </a:t>
+            </a:r>
+            <a:r>
+              <a:rPr lang="en-US" altLang="ko-KR" sz="1230" dirty="0" smtClean="0">
+                <a:solidFill>
+                  <a:schemeClr val="tx1"/>
+                </a:solidFill>
+                <a:latin typeface="LG Smart UI Regular" panose="020B0500000101010101" pitchFamily="50" charset="-127"/>
+                <a:ea typeface="LG Smart UI Regular" panose="020B0500000101010101" pitchFamily="50" charset="-127"/>
+                <a:cs typeface="KoPubWorld바탕체 Bold" panose="00000800000000000000" pitchFamily="2" charset="-127"/>
+              </a:rPr>
+              <a:t>friend class</a:t>
+            </a:r>
+            <a:r>
+              <a:rPr lang="ko-KR" altLang="en-US" sz="1230" dirty="0" smtClean="0">
+                <a:solidFill>
+                  <a:schemeClr val="tx1"/>
+                </a:solidFill>
+                <a:latin typeface="LG Smart UI Regular" panose="020B0500000101010101" pitchFamily="50" charset="-127"/>
+                <a:ea typeface="LG Smart UI Regular" panose="020B0500000101010101" pitchFamily="50" charset="-127"/>
+                <a:cs typeface="KoPubWorld바탕체 Bold" panose="00000800000000000000" pitchFamily="2" charset="-127"/>
+              </a:rPr>
+              <a:t>로 선언을 했기 때문에 직접 접근이 가능</a:t>
             </a:r>
             <a:endParaRPr lang="en-US" altLang="ko-KR" sz="1230" dirty="0" smtClean="0">
               <a:solidFill>
@@ -6434,6 +6941,229 @@
             </a:endParaRPr>
           </a:p>
           <a:p>
+            <a:r>
+              <a:rPr lang="en-US" altLang="ko-KR" sz="1230" b="0" dirty="0" smtClean="0">
+                <a:solidFill>
+                  <a:schemeClr val="tx1"/>
+                </a:solidFill>
+                <a:latin typeface="LG Smart UI Regular" panose="020B0500000101010101" pitchFamily="50" charset="-127"/>
+                <a:ea typeface="LG Smart UI Regular" panose="020B0500000101010101" pitchFamily="50" charset="-127"/>
+                <a:cs typeface="KoPubWorld바탕체 Bold" panose="00000800000000000000" pitchFamily="2" charset="-127"/>
+              </a:rPr>
+              <a:t>public:</a:t>
+            </a:r>
+          </a:p>
+          <a:p>
+            <a:r>
+              <a:rPr lang="en-US" altLang="ko-KR" sz="1230" b="0" dirty="0">
+                <a:solidFill>
+                  <a:schemeClr val="tx1"/>
+                </a:solidFill>
+                <a:latin typeface="LG Smart UI Regular" panose="020B0500000101010101" pitchFamily="50" charset="-127"/>
+                <a:ea typeface="LG Smart UI Regular" panose="020B0500000101010101" pitchFamily="50" charset="-127"/>
+                <a:cs typeface="KoPubWorld바탕체 Bold" panose="00000800000000000000" pitchFamily="2" charset="-127"/>
+              </a:rPr>
+              <a:t>	</a:t>
+            </a:r>
+            <a:r>
+              <a:rPr lang="en-US" altLang="ko-KR" sz="1230" dirty="0" smtClean="0">
+                <a:solidFill>
+                  <a:schemeClr val="tx1"/>
+                </a:solidFill>
+                <a:latin typeface="LG Smart UI Regular" panose="020B0500000101010101" pitchFamily="50" charset="-127"/>
+                <a:ea typeface="LG Smart UI Regular" panose="020B0500000101010101" pitchFamily="50" charset="-127"/>
+                <a:cs typeface="KoPubWorld바탕체 Bold" panose="00000800000000000000" pitchFamily="2" charset="-127"/>
+              </a:rPr>
+              <a:t>//Class1</a:t>
+            </a:r>
+            <a:r>
+              <a:rPr lang="ko-KR" altLang="en-US" sz="1230" dirty="0" smtClean="0">
+                <a:solidFill>
+                  <a:schemeClr val="tx1"/>
+                </a:solidFill>
+                <a:latin typeface="LG Smart UI Regular" panose="020B0500000101010101" pitchFamily="50" charset="-127"/>
+                <a:ea typeface="LG Smart UI Regular" panose="020B0500000101010101" pitchFamily="50" charset="-127"/>
+                <a:cs typeface="KoPubWorld바탕체 Bold" panose="00000800000000000000" pitchFamily="2" charset="-127"/>
+              </a:rPr>
+              <a:t>의 </a:t>
+            </a:r>
+            <a:r>
+              <a:rPr lang="en-US" altLang="ko-KR" sz="1230" dirty="0" smtClean="0">
+                <a:solidFill>
+                  <a:schemeClr val="tx1"/>
+                </a:solidFill>
+                <a:latin typeface="LG Smart UI Regular" panose="020B0500000101010101" pitchFamily="50" charset="-127"/>
+                <a:ea typeface="LG Smart UI Regular" panose="020B0500000101010101" pitchFamily="50" charset="-127"/>
+                <a:cs typeface="KoPubWorld바탕체 Bold" panose="00000800000000000000" pitchFamily="2" charset="-127"/>
+              </a:rPr>
+              <a:t>private </a:t>
+            </a:r>
+            <a:r>
+              <a:rPr lang="ko-KR" altLang="en-US" sz="1230" dirty="0" err="1" smtClean="0">
+                <a:solidFill>
+                  <a:schemeClr val="tx1"/>
+                </a:solidFill>
+                <a:latin typeface="LG Smart UI Regular" panose="020B0500000101010101" pitchFamily="50" charset="-127"/>
+                <a:ea typeface="LG Smart UI Regular" panose="020B0500000101010101" pitchFamily="50" charset="-127"/>
+                <a:cs typeface="KoPubWorld바탕체 Bold" panose="00000800000000000000" pitchFamily="2" charset="-127"/>
+              </a:rPr>
+              <a:t>접근제한자</a:t>
+            </a:r>
+            <a:r>
+              <a:rPr lang="ko-KR" altLang="en-US" sz="1230" dirty="0" smtClean="0">
+                <a:solidFill>
+                  <a:schemeClr val="tx1"/>
+                </a:solidFill>
+                <a:latin typeface="LG Smart UI Regular" panose="020B0500000101010101" pitchFamily="50" charset="-127"/>
+                <a:ea typeface="LG Smart UI Regular" panose="020B0500000101010101" pitchFamily="50" charset="-127"/>
+                <a:cs typeface="KoPubWorld바탕체 Bold" panose="00000800000000000000" pitchFamily="2" charset="-127"/>
+              </a:rPr>
+              <a:t> 에 접근이 가능</a:t>
+            </a:r>
+            <a:endParaRPr lang="en-US" altLang="ko-KR" sz="1230" dirty="0">
+              <a:solidFill>
+                <a:schemeClr val="tx1"/>
+              </a:solidFill>
+              <a:latin typeface="LG Smart UI Regular" panose="020B0500000101010101" pitchFamily="50" charset="-127"/>
+              <a:ea typeface="LG Smart UI Regular" panose="020B0500000101010101" pitchFamily="50" charset="-127"/>
+              <a:cs typeface="KoPubWorld바탕체 Bold" panose="00000800000000000000" pitchFamily="2" charset="-127"/>
+            </a:endParaRPr>
+          </a:p>
+          <a:p>
+            <a:r>
+              <a:rPr lang="en-US" altLang="ko-KR" sz="1230" b="0" dirty="0" smtClean="0">
+                <a:solidFill>
+                  <a:schemeClr val="tx1"/>
+                </a:solidFill>
+                <a:latin typeface="LG Smart UI Regular" panose="020B0500000101010101" pitchFamily="50" charset="-127"/>
+                <a:ea typeface="LG Smart UI Regular" panose="020B0500000101010101" pitchFamily="50" charset="-127"/>
+                <a:cs typeface="KoPubWorld바탕체 Bold" panose="00000800000000000000" pitchFamily="2" charset="-127"/>
+              </a:rPr>
+              <a:t>};</a:t>
+            </a:r>
+          </a:p>
+          <a:p>
+            <a:endParaRPr lang="en-US" altLang="ko-KR" sz="1230" b="0" dirty="0">
+              <a:solidFill>
+                <a:schemeClr val="tx1"/>
+              </a:solidFill>
+              <a:latin typeface="LG Smart UI Regular" panose="020B0500000101010101" pitchFamily="50" charset="-127"/>
+              <a:ea typeface="LG Smart UI Regular" panose="020B0500000101010101" pitchFamily="50" charset="-127"/>
+              <a:cs typeface="KoPubWorld바탕체 Bold" panose="00000800000000000000" pitchFamily="2" charset="-127"/>
+            </a:endParaRPr>
+          </a:p>
+          <a:p>
+            <a:r>
+              <a:rPr lang="en-US" altLang="ko-KR" sz="1230" b="0" dirty="0" err="1" smtClean="0">
+                <a:solidFill>
+                  <a:schemeClr val="tx1"/>
+                </a:solidFill>
+                <a:latin typeface="LG Smart UI Regular" panose="020B0500000101010101" pitchFamily="50" charset="-127"/>
+                <a:ea typeface="LG Smart UI Regular" panose="020B0500000101010101" pitchFamily="50" charset="-127"/>
+                <a:cs typeface="KoPubWorld바탕체 Bold" panose="00000800000000000000" pitchFamily="2" charset="-127"/>
+              </a:rPr>
+              <a:t>Int</a:t>
+            </a:r>
+            <a:r>
+              <a:rPr lang="en-US" altLang="ko-KR" sz="1230" b="0" dirty="0" smtClean="0">
+                <a:solidFill>
+                  <a:schemeClr val="tx1"/>
+                </a:solidFill>
+                <a:latin typeface="LG Smart UI Regular" panose="020B0500000101010101" pitchFamily="50" charset="-127"/>
+                <a:ea typeface="LG Smart UI Regular" panose="020B0500000101010101" pitchFamily="50" charset="-127"/>
+                <a:cs typeface="KoPubWorld바탕체 Bold" panose="00000800000000000000" pitchFamily="2" charset="-127"/>
+              </a:rPr>
+              <a:t> main(){</a:t>
+            </a:r>
+          </a:p>
+          <a:p>
+            <a:r>
+              <a:rPr lang="en-US" altLang="ko-KR" sz="1230" b="0" dirty="0" smtClean="0">
+                <a:solidFill>
+                  <a:schemeClr val="tx1"/>
+                </a:solidFill>
+                <a:latin typeface="LG Smart UI Regular" panose="020B0500000101010101" pitchFamily="50" charset="-127"/>
+                <a:ea typeface="LG Smart UI Regular" panose="020B0500000101010101" pitchFamily="50" charset="-127"/>
+                <a:cs typeface="KoPubWorld바탕체 Bold" panose="00000800000000000000" pitchFamily="2" charset="-127"/>
+              </a:rPr>
+              <a:t>	Class c1(50); </a:t>
+            </a:r>
+            <a:r>
+              <a:rPr lang="en-US" altLang="ko-KR" sz="1230" dirty="0" smtClean="0">
+                <a:solidFill>
+                  <a:schemeClr val="tx1"/>
+                </a:solidFill>
+                <a:latin typeface="LG Smart UI Regular" panose="020B0500000101010101" pitchFamily="50" charset="-127"/>
+                <a:ea typeface="LG Smart UI Regular" panose="020B0500000101010101" pitchFamily="50" charset="-127"/>
+                <a:cs typeface="KoPubWorld바탕체 Bold" panose="00000800000000000000" pitchFamily="2" charset="-127"/>
+              </a:rPr>
+              <a:t>// Class1</a:t>
+            </a:r>
+            <a:r>
+              <a:rPr lang="ko-KR" altLang="en-US" sz="1230" dirty="0" smtClean="0">
+                <a:solidFill>
+                  <a:schemeClr val="tx1"/>
+                </a:solidFill>
+                <a:latin typeface="LG Smart UI Regular" panose="020B0500000101010101" pitchFamily="50" charset="-127"/>
+                <a:ea typeface="LG Smart UI Regular" panose="020B0500000101010101" pitchFamily="50" charset="-127"/>
+                <a:cs typeface="KoPubWorld바탕체 Bold" panose="00000800000000000000" pitchFamily="2" charset="-127"/>
+              </a:rPr>
+              <a:t>에 대한 </a:t>
+            </a:r>
+            <a:r>
+              <a:rPr lang="en-US" altLang="ko-KR" sz="1230" dirty="0" smtClean="0">
+                <a:solidFill>
+                  <a:schemeClr val="tx1"/>
+                </a:solidFill>
+                <a:latin typeface="LG Smart UI Regular" panose="020B0500000101010101" pitchFamily="50" charset="-127"/>
+                <a:ea typeface="LG Smart UI Regular" panose="020B0500000101010101" pitchFamily="50" charset="-127"/>
+                <a:cs typeface="KoPubWorld바탕체 Bold" panose="00000800000000000000" pitchFamily="2" charset="-127"/>
+              </a:rPr>
+              <a:t>private </a:t>
+            </a:r>
+            <a:r>
+              <a:rPr lang="ko-KR" altLang="en-US" sz="1230" dirty="0" smtClean="0">
+                <a:solidFill>
+                  <a:schemeClr val="tx1"/>
+                </a:solidFill>
+                <a:latin typeface="LG Smart UI Regular" panose="020B0500000101010101" pitchFamily="50" charset="-127"/>
+                <a:ea typeface="LG Smart UI Regular" panose="020B0500000101010101" pitchFamily="50" charset="-127"/>
+                <a:cs typeface="KoPubWorld바탕체 Bold" panose="00000800000000000000" pitchFamily="2" charset="-127"/>
+              </a:rPr>
+              <a:t>변수 </a:t>
+            </a:r>
+            <a:r>
+              <a:rPr lang="en-US" altLang="ko-KR" sz="1230" dirty="0" smtClean="0">
+                <a:solidFill>
+                  <a:schemeClr val="tx1"/>
+                </a:solidFill>
+                <a:latin typeface="LG Smart UI Regular" panose="020B0500000101010101" pitchFamily="50" charset="-127"/>
+                <a:ea typeface="LG Smart UI Regular" panose="020B0500000101010101" pitchFamily="50" charset="-127"/>
+                <a:cs typeface="KoPubWorld바탕체 Bold" panose="00000800000000000000" pitchFamily="2" charset="-127"/>
+              </a:rPr>
+              <a:t>a</a:t>
+            </a:r>
+            <a:r>
+              <a:rPr lang="ko-KR" altLang="en-US" sz="1230" dirty="0" smtClean="0">
+                <a:solidFill>
+                  <a:schemeClr val="tx1"/>
+                </a:solidFill>
+                <a:latin typeface="LG Smart UI Regular" panose="020B0500000101010101" pitchFamily="50" charset="-127"/>
+                <a:ea typeface="LG Smart UI Regular" panose="020B0500000101010101" pitchFamily="50" charset="-127"/>
+                <a:cs typeface="KoPubWorld바탕체 Bold" panose="00000800000000000000" pitchFamily="2" charset="-127"/>
+              </a:rPr>
+              <a:t>에 대해 직접 접근</a:t>
+            </a:r>
+            <a:endParaRPr lang="en-US" altLang="ko-KR" sz="1230" dirty="0" smtClean="0">
+              <a:solidFill>
+                <a:schemeClr val="tx1"/>
+              </a:solidFill>
+              <a:latin typeface="LG Smart UI Regular" panose="020B0500000101010101" pitchFamily="50" charset="-127"/>
+              <a:ea typeface="LG Smart UI Regular" panose="020B0500000101010101" pitchFamily="50" charset="-127"/>
+              <a:cs typeface="KoPubWorld바탕체 Bold" panose="00000800000000000000" pitchFamily="2" charset="-127"/>
+            </a:endParaRPr>
+          </a:p>
+          <a:p>
             <a:endParaRPr lang="en-US" altLang="ko-KR" sz="1230" b="0" dirty="0" smtClean="0">
               <a:solidFill>
                 <a:schemeClr val="tx1"/>
@@ -6445,27 +7175,49 @@
           </a:p>
           <a:p>
             <a:r>
-              <a:rPr lang="en-US" altLang="ko-KR" sz="1230" b="0" dirty="0">
-                <a:solidFill>
-                  <a:schemeClr val="tx1"/>
-                </a:solidFill>
-                <a:latin typeface="LG Smart UI Regular" panose="020B0500000101010101" pitchFamily="50" charset="-127"/>
-                <a:ea typeface="LG Smart UI Regular" panose="020B0500000101010101" pitchFamily="50" charset="-127"/>
-                <a:cs typeface="KoPubWorld바탕체 Bold" panose="00000800000000000000" pitchFamily="2" charset="-127"/>
-              </a:rPr>
-              <a:t>	</a:t>
-            </a:r>
-            <a:r>
-              <a:rPr lang="en-US" altLang="ko-KR" sz="1230" b="0" dirty="0" smtClean="0">
-                <a:solidFill>
-                  <a:schemeClr val="tx1"/>
-                </a:solidFill>
-                <a:latin typeface="LG Smart UI Regular" panose="020B0500000101010101" pitchFamily="50" charset="-127"/>
-                <a:ea typeface="LG Smart UI Regular" panose="020B0500000101010101" pitchFamily="50" charset="-127"/>
-                <a:cs typeface="KoPubWorld바탕체 Bold" panose="00000800000000000000" pitchFamily="2" charset="-127"/>
-              </a:rPr>
-              <a:t>friend void Get(Class1 c1){ </a:t>
-            </a:r>
+              <a:rPr lang="en-US" altLang="ko-KR" sz="1230" b="0" dirty="0" smtClean="0">
+                <a:solidFill>
+                  <a:schemeClr val="tx1"/>
+                </a:solidFill>
+                <a:latin typeface="LG Smart UI Regular" panose="020B0500000101010101" pitchFamily="50" charset="-127"/>
+                <a:ea typeface="LG Smart UI Regular" panose="020B0500000101010101" pitchFamily="50" charset="-127"/>
+                <a:cs typeface="KoPubWorld바탕체 Bold" panose="00000800000000000000" pitchFamily="2" charset="-127"/>
+              </a:rPr>
+              <a:t>	return 0;</a:t>
+            </a:r>
+            <a:endParaRPr lang="en-US" altLang="ko-KR" sz="1230" b="0" dirty="0">
+              <a:solidFill>
+                <a:schemeClr val="tx1"/>
+              </a:solidFill>
+              <a:latin typeface="LG Smart UI Regular" panose="020B0500000101010101" pitchFamily="50" charset="-127"/>
+              <a:ea typeface="LG Smart UI Regular" panose="020B0500000101010101" pitchFamily="50" charset="-127"/>
+              <a:cs typeface="KoPubWorld바탕체 Bold" panose="00000800000000000000" pitchFamily="2" charset="-127"/>
+            </a:endParaRPr>
+          </a:p>
+          <a:p>
+            <a:r>
+              <a:rPr lang="en-US" altLang="ko-KR" sz="1230" b="0" dirty="0" smtClean="0">
+                <a:solidFill>
+                  <a:schemeClr val="tx1"/>
+                </a:solidFill>
+                <a:latin typeface="LG Smart UI Regular" panose="020B0500000101010101" pitchFamily="50" charset="-127"/>
+                <a:ea typeface="LG Smart UI Regular" panose="020B0500000101010101" pitchFamily="50" charset="-127"/>
+                <a:cs typeface="KoPubWorld바탕체 Bold" panose="00000800000000000000" pitchFamily="2" charset="-127"/>
+              </a:rPr>
+              <a:t>}</a:t>
+            </a:r>
+          </a:p>
+          <a:p>
+            <a:endParaRPr lang="en-US" altLang="ko-KR" sz="1230" b="0" dirty="0">
+              <a:solidFill>
+                <a:schemeClr val="tx1"/>
+              </a:solidFill>
+              <a:latin typeface="LG Smart UI Regular" panose="020B0500000101010101" pitchFamily="50" charset="-127"/>
+              <a:ea typeface="LG Smart UI Regular" panose="020B0500000101010101" pitchFamily="50" charset="-127"/>
+              <a:cs typeface="KoPubWorld바탕체 Bold" panose="00000800000000000000" pitchFamily="2" charset="-127"/>
+            </a:endParaRPr>
+          </a:p>
+          <a:p>
             <a:r>
               <a:rPr lang="en-US" altLang="ko-KR" sz="1230" dirty="0" smtClean="0">
                 <a:solidFill>
@@ -6475,18 +7227,18 @@
                 <a:ea typeface="LG Smart UI Regular" panose="020B0500000101010101" pitchFamily="50" charset="-127"/>
                 <a:cs typeface="KoPubWorld바탕체 Bold" panose="00000800000000000000" pitchFamily="2" charset="-127"/>
               </a:rPr>
-              <a:t>// </a:t>
-            </a:r>
-            <a:r>
-              <a:rPr lang="en-US" altLang="ko-KR" sz="1230" dirty="0" err="1" smtClean="0">
-                <a:solidFill>
-                  <a:schemeClr val="tx1"/>
-                </a:solidFill>
-                <a:latin typeface="LG Smart UI Regular" panose="020B0500000101010101" pitchFamily="50" charset="-127"/>
-                <a:ea typeface="LG Smart UI Regular" panose="020B0500000101010101" pitchFamily="50" charset="-127"/>
-                <a:cs typeface="KoPubWorld바탕체 Bold" panose="00000800000000000000" pitchFamily="2" charset="-127"/>
-              </a:rPr>
-              <a:t>frined</a:t>
+              <a:t>friend </a:t>
+            </a:r>
+            <a:r>
+              <a:rPr lang="ko-KR" altLang="en-US" sz="1230" dirty="0" smtClean="0">
+                <a:solidFill>
+                  <a:schemeClr val="tx1"/>
+                </a:solidFill>
+                <a:latin typeface="LG Smart UI Regular" panose="020B0500000101010101" pitchFamily="50" charset="-127"/>
+                <a:ea typeface="LG Smart UI Regular" panose="020B0500000101010101" pitchFamily="50" charset="-127"/>
+                <a:cs typeface="KoPubWorld바탕체 Bold" panose="00000800000000000000" pitchFamily="2" charset="-127"/>
+              </a:rPr>
+              <a:t>함수는 </a:t>
             </a:r>
             <a:r>
               <a:rPr lang="en-US" altLang="ko-KR" sz="1230" dirty="0" smtClean="0">
@@ -6497,7 +7249,7 @@
                 <a:ea typeface="LG Smart UI Regular" panose="020B0500000101010101" pitchFamily="50" charset="-127"/>
                 <a:cs typeface="KoPubWorld바탕체 Bold" panose="00000800000000000000" pitchFamily="2" charset="-127"/>
               </a:rPr>
-              <a:t> </a:t>
+              <a:t>private </a:t>
             </a:r>
             <a:r>
               <a:rPr lang="ko-KR" altLang="en-US" sz="1230" dirty="0" smtClean="0">
@@ -6508,84 +7260,7 @@
                 <a:ea typeface="LG Smart UI Regular" panose="020B0500000101010101" pitchFamily="50" charset="-127"/>
                 <a:cs typeface="KoPubWorld바탕체 Bold" panose="00000800000000000000" pitchFamily="2" charset="-127"/>
               </a:rPr>
-              <a:t>함수 </a:t>
-            </a:r>
-            <a:r>
-              <a:rPr lang="en-US" altLang="ko-KR" sz="1230" dirty="0" smtClean="0">
-                <a:solidFill>
-                  <a:schemeClr val="tx1"/>
-                </a:solidFill>
-                <a:latin typeface="LG Smart UI Regular" panose="020B0500000101010101" pitchFamily="50" charset="-127"/>
-                <a:ea typeface="LG Smart UI Regular" panose="020B0500000101010101" pitchFamily="50" charset="-127"/>
-                <a:cs typeface="KoPubWorld바탕체 Bold" panose="00000800000000000000" pitchFamily="2" charset="-127"/>
-              </a:rPr>
-              <a:t>Get</a:t>
-            </a:r>
-            <a:r>
-              <a:rPr lang="ko-KR" altLang="en-US" sz="1230" dirty="0" smtClean="0">
-                <a:solidFill>
-                  <a:schemeClr val="tx1"/>
-                </a:solidFill>
-                <a:latin typeface="LG Smart UI Regular" panose="020B0500000101010101" pitchFamily="50" charset="-127"/>
-                <a:ea typeface="LG Smart UI Regular" panose="020B0500000101010101" pitchFamily="50" charset="-127"/>
-                <a:cs typeface="KoPubWorld바탕체 Bold" panose="00000800000000000000" pitchFamily="2" charset="-127"/>
-              </a:rPr>
-              <a:t>은 </a:t>
-            </a:r>
-            <a:r>
-              <a:rPr lang="en-US" altLang="ko-KR" sz="1230" dirty="0" smtClean="0">
-                <a:solidFill>
-                  <a:schemeClr val="tx1"/>
-                </a:solidFill>
-                <a:latin typeface="LG Smart UI Regular" panose="020B0500000101010101" pitchFamily="50" charset="-127"/>
-                <a:ea typeface="LG Smart UI Regular" panose="020B0500000101010101" pitchFamily="50" charset="-127"/>
-                <a:cs typeface="KoPubWorld바탕체 Bold" panose="00000800000000000000" pitchFamily="2" charset="-127"/>
-              </a:rPr>
-              <a:t>Class1</a:t>
-            </a:r>
-            <a:r>
-              <a:rPr lang="ko-KR" altLang="en-US" sz="1230" dirty="0">
-                <a:solidFill>
-                  <a:schemeClr val="tx1"/>
-                </a:solidFill>
-                <a:latin typeface="LG Smart UI Regular" panose="020B0500000101010101" pitchFamily="50" charset="-127"/>
-                <a:ea typeface="LG Smart UI Regular" panose="020B0500000101010101" pitchFamily="50" charset="-127"/>
-                <a:cs typeface="KoPubWorld바탕체 Bold" panose="00000800000000000000" pitchFamily="2" charset="-127"/>
-              </a:rPr>
-              <a:t> </a:t>
-            </a:r>
-            <a:r>
-              <a:rPr lang="ko-KR" altLang="en-US" sz="1230" dirty="0" smtClean="0">
-                <a:solidFill>
-                  <a:schemeClr val="tx1"/>
-                </a:solidFill>
-                <a:latin typeface="LG Smart UI Regular" panose="020B0500000101010101" pitchFamily="50" charset="-127"/>
-                <a:ea typeface="LG Smart UI Regular" panose="020B0500000101010101" pitchFamily="50" charset="-127"/>
-                <a:cs typeface="KoPubWorld바탕체 Bold" panose="00000800000000000000" pitchFamily="2" charset="-127"/>
-              </a:rPr>
-              <a:t>객체의 </a:t>
-            </a:r>
-            <a:r>
-              <a:rPr lang="en-US" altLang="ko-KR" sz="1230" dirty="0" smtClean="0">
-                <a:solidFill>
-                  <a:schemeClr val="tx1"/>
-                </a:solidFill>
-                <a:latin typeface="LG Smart UI Regular" panose="020B0500000101010101" pitchFamily="50" charset="-127"/>
-                <a:ea typeface="LG Smart UI Regular" panose="020B0500000101010101" pitchFamily="50" charset="-127"/>
-                <a:cs typeface="KoPubWorld바탕체 Bold" panose="00000800000000000000" pitchFamily="2" charset="-127"/>
-              </a:rPr>
-              <a:t>private </a:t>
-            </a:r>
-            <a:r>
-              <a:rPr lang="ko-KR" altLang="en-US" sz="1230" dirty="0" smtClean="0">
-                <a:solidFill>
-                  <a:schemeClr val="tx1"/>
-                </a:solidFill>
-                <a:latin typeface="LG Smart UI Regular" panose="020B0500000101010101" pitchFamily="50" charset="-127"/>
-                <a:ea typeface="LG Smart UI Regular" panose="020B0500000101010101" pitchFamily="50" charset="-127"/>
-                <a:cs typeface="KoPubWorld바탕체 Bold" panose="00000800000000000000" pitchFamily="2" charset="-127"/>
-              </a:rPr>
-              <a:t>멤버에 직접 접근이 가능하게 된다</a:t>
+              <a:t>변수에 대해 직접 접근하는 방식이기 때문에 정보 은닉을 깨트리기 때문에 가급적이면 사용을 하지 않는다</a:t>
             </a:r>
             <a:r>
               <a:rPr lang="en-US" altLang="ko-KR" sz="1230" dirty="0" smtClean="0">
@@ -6607,20 +7282,298 @@
               <a:cs typeface="KoPubWorld바탕체 Bold" panose="00000800000000000000" pitchFamily="2" charset="-127"/>
             </a:endParaRPr>
           </a:p>
-          <a:p>
-            <a:r>
-              <a:rPr lang="en-US" altLang="ko-KR" sz="1230" b="0" dirty="0" smtClean="0">
-                <a:solidFill>
-                  <a:schemeClr val="tx1"/>
-                </a:solidFill>
-                <a:latin typeface="LG Smart UI Regular" panose="020B0500000101010101" pitchFamily="50" charset="-127"/>
-                <a:ea typeface="LG Smart UI Regular" panose="020B0500000101010101" pitchFamily="50" charset="-127"/>
-                <a:cs typeface="KoPubWorld바탕체 Bold" panose="00000800000000000000" pitchFamily="2" charset="-127"/>
-              </a:rPr>
-              <a:t>	}</a:t>
-            </a:r>
-          </a:p>
-          <a:p>
+        </p:txBody>
+      </p:sp>
+    </p:spTree>
+    <p:extLst>
+      <p:ext uri="{BB962C8B-B14F-4D97-AF65-F5344CB8AC3E}">
+        <p14:creationId xmlns:p14="http://schemas.microsoft.com/office/powerpoint/2010/main" val="2295963897"/>
+      </p:ext>
+    </p:extLst>
+  </p:cSld>
+  <p:clrMapOvr>
+    <a:masterClrMapping/>
+  </p:clrMapOvr>
+  <p:timing>
+    <p:tnLst>
+      <p:par>
+        <p:cTn id="1" dur="indefinite" restart="never" nodeType="tmRoot"/>
+      </p:par>
+    </p:tnLst>
+  </p:timing>
+</p:sld>
+</file>
+
+<file path=ppt/slides/slide11.xml><?xml version="1.0" encoding="utf-8"?>
+<p:sld xmlns:a="http://schemas.openxmlformats.org/drawingml/2006/main" xmlns:r="http://schemas.openxmlformats.org/officeDocument/2006/relationships" xmlns:p="http://schemas.openxmlformats.org/presentationml/2006/main">
+  <p:cSld>
+    <p:spTree>
+      <p:nvGrpSpPr>
+        <p:cNvPr id="1" name=""/>
+        <p:cNvGrpSpPr/>
+        <p:nvPr/>
+      </p:nvGrpSpPr>
+      <p:grpSpPr>
+        <a:xfrm>
+          <a:off x="0" y="0"/>
+          <a:ext cx="0" cy="0"/>
+          <a:chOff x="0" y="0"/>
+          <a:chExt cx="0" cy="0"/>
+        </a:xfrm>
+      </p:grpSpPr>
+      <p:sp>
+        <p:nvSpPr>
+          <p:cNvPr id="3" name="제목 1"/>
+          <p:cNvSpPr txBox="1">
+            <a:spLocks/>
+          </p:cNvSpPr>
+          <p:nvPr/>
+        </p:nvSpPr>
+        <p:spPr>
+          <a:xfrm>
+            <a:off x="941370" y="150454"/>
+            <a:ext cx="4446175" cy="656854"/>
+          </a:xfrm>
+          <a:prstGeom prst="rect">
+            <a:avLst/>
+          </a:prstGeom>
+        </p:spPr>
+        <p:txBody>
+          <a:bodyPr rtlCol="0" anchor="ctr"/>
+          <a:lstStyle>
+            <a:lvl1pPr algn="l" defTabSz="914400" rtl="0" eaLnBrk="1" latinLnBrk="1" hangingPunct="1">
+              <a:spcBef>
+                <a:spcPct val="0"/>
+              </a:spcBef>
+              <a:buNone/>
+              <a:defRPr sz="2400" b="1" kern="1200">
+                <a:solidFill>
+                  <a:schemeClr val="bg1"/>
+                </a:solidFill>
+                <a:latin typeface="Calibri" pitchFamily="34" charset="0"/>
+                <a:ea typeface="LG스마트체 Bold" panose="020B0600000101010101" pitchFamily="50" charset="-127"/>
+                <a:cs typeface="+mj-cs"/>
+              </a:defRPr>
+            </a:lvl1pPr>
+          </a:lstStyle>
+          <a:p>
+            <a:r>
+              <a:rPr lang="en-US" altLang="ko-KR" sz="2200" dirty="0" smtClean="0">
+                <a:solidFill>
+                  <a:schemeClr val="tx1"/>
+                </a:solidFill>
+                <a:latin typeface="LG Smart UI Regular" panose="020B0500000101010101" pitchFamily="50" charset="-127"/>
+                <a:ea typeface="LG Smart UI Regular" panose="020B0500000101010101" pitchFamily="50" charset="-127"/>
+                <a:cs typeface="KoPubWorld바탕체 Bold" panose="00000800000000000000" pitchFamily="2" charset="-127"/>
+              </a:rPr>
+              <a:t>120 ~ 121 </a:t>
+            </a:r>
+            <a:r>
+              <a:rPr lang="ko-KR" altLang="en-US" sz="2200" dirty="0" smtClean="0">
+                <a:solidFill>
+                  <a:schemeClr val="tx1"/>
+                </a:solidFill>
+                <a:latin typeface="LG Smart UI Regular" panose="020B0500000101010101" pitchFamily="50" charset="-127"/>
+                <a:ea typeface="LG Smart UI Regular" panose="020B0500000101010101" pitchFamily="50" charset="-127"/>
+                <a:cs typeface="KoPubWorld바탕체 Bold" panose="00000800000000000000" pitchFamily="2" charset="-127"/>
+              </a:rPr>
+              <a:t>함수 오버로딩 및 </a:t>
+            </a:r>
+            <a:r>
+              <a:rPr lang="ko-KR" altLang="en-US" sz="2200" dirty="0" err="1" smtClean="0">
+                <a:solidFill>
+                  <a:schemeClr val="tx1"/>
+                </a:solidFill>
+                <a:latin typeface="LG Smart UI Regular" panose="020B0500000101010101" pitchFamily="50" charset="-127"/>
+                <a:ea typeface="LG Smart UI Regular" panose="020B0500000101010101" pitchFamily="50" charset="-127"/>
+                <a:cs typeface="KoPubWorld바탕체 Bold" panose="00000800000000000000" pitchFamily="2" charset="-127"/>
+              </a:rPr>
+              <a:t>오버라이딩</a:t>
+            </a:r>
+            <a:endParaRPr lang="en-US" altLang="ko-KR" sz="2200" dirty="0" smtClean="0">
+              <a:solidFill>
+                <a:schemeClr val="tx1"/>
+              </a:solidFill>
+              <a:latin typeface="LG Smart UI Regular" panose="020B0500000101010101" pitchFamily="50" charset="-127"/>
+              <a:ea typeface="LG Smart UI Regular" panose="020B0500000101010101" pitchFamily="50" charset="-127"/>
+              <a:cs typeface="KoPubWorld바탕체 Bold" panose="00000800000000000000" pitchFamily="2" charset="-127"/>
+            </a:endParaRPr>
+          </a:p>
+        </p:txBody>
+      </p:sp>
+      <p:sp>
+        <p:nvSpPr>
+          <p:cNvPr id="5" name="제목 1"/>
+          <p:cNvSpPr txBox="1">
+            <a:spLocks/>
+          </p:cNvSpPr>
+          <p:nvPr/>
+        </p:nvSpPr>
+        <p:spPr>
+          <a:xfrm>
+            <a:off x="5568778" y="2257168"/>
+            <a:ext cx="3926821" cy="2653526"/>
+          </a:xfrm>
+          <a:prstGeom prst="rect">
+            <a:avLst/>
+          </a:prstGeom>
+        </p:spPr>
+        <p:txBody>
+          <a:bodyPr rtlCol="0" anchor="ctr"/>
+          <a:lstStyle>
+            <a:lvl1pPr algn="l" defTabSz="914400" rtl="0" eaLnBrk="1" latinLnBrk="1" hangingPunct="1">
+              <a:spcBef>
+                <a:spcPct val="0"/>
+              </a:spcBef>
+              <a:buNone/>
+              <a:defRPr sz="2400" b="1" kern="1200">
+                <a:solidFill>
+                  <a:schemeClr val="bg1"/>
+                </a:solidFill>
+                <a:latin typeface="Calibri" pitchFamily="34" charset="0"/>
+                <a:ea typeface="LG스마트체 Bold" panose="020B0600000101010101" pitchFamily="50" charset="-127"/>
+                <a:cs typeface="+mj-cs"/>
+              </a:defRPr>
+            </a:lvl1pPr>
+          </a:lstStyle>
+          <a:p>
+            <a:r>
+              <a:rPr lang="en-US" altLang="ko-KR" sz="1230" b="0" dirty="0" smtClean="0">
+                <a:solidFill>
+                  <a:schemeClr val="tx1"/>
+                </a:solidFill>
+                <a:latin typeface="LG Smart UI Regular" panose="020B0500000101010101" pitchFamily="50" charset="-127"/>
+                <a:ea typeface="LG Smart UI Regular" panose="020B0500000101010101" pitchFamily="50" charset="-127"/>
+                <a:cs typeface="KoPubWorld바탕체 Bold" panose="00000800000000000000" pitchFamily="2" charset="-127"/>
+              </a:rPr>
+              <a:t>class Class1{</a:t>
+            </a:r>
+          </a:p>
+          <a:p>
+            <a:r>
+              <a:rPr lang="en-US" altLang="ko-KR" sz="1230" b="0" dirty="0" smtClean="0">
+                <a:solidFill>
+                  <a:schemeClr val="tx1"/>
+                </a:solidFill>
+                <a:latin typeface="LG Smart UI Regular" panose="020B0500000101010101" pitchFamily="50" charset="-127"/>
+                <a:ea typeface="LG Smart UI Regular" panose="020B0500000101010101" pitchFamily="50" charset="-127"/>
+                <a:cs typeface="KoPubWorld바탕체 Bold" panose="00000800000000000000" pitchFamily="2" charset="-127"/>
+              </a:rPr>
+              <a:t>public:</a:t>
+            </a:r>
+          </a:p>
+          <a:p>
+            <a:r>
+              <a:rPr lang="en-US" altLang="ko-KR" sz="1230" b="0" dirty="0">
+                <a:solidFill>
+                  <a:schemeClr val="tx1"/>
+                </a:solidFill>
+                <a:latin typeface="LG Smart UI Regular" panose="020B0500000101010101" pitchFamily="50" charset="-127"/>
+                <a:ea typeface="LG Smart UI Regular" panose="020B0500000101010101" pitchFamily="50" charset="-127"/>
+                <a:cs typeface="KoPubWorld바탕체 Bold" panose="00000800000000000000" pitchFamily="2" charset="-127"/>
+              </a:rPr>
+              <a:t>	</a:t>
+            </a:r>
+            <a:r>
+              <a:rPr lang="en-US" altLang="ko-KR" sz="1230" b="0" dirty="0" err="1" smtClean="0">
+                <a:solidFill>
+                  <a:schemeClr val="tx1"/>
+                </a:solidFill>
+                <a:latin typeface="LG Smart UI Regular" panose="020B0500000101010101" pitchFamily="50" charset="-127"/>
+                <a:ea typeface="LG Smart UI Regular" panose="020B0500000101010101" pitchFamily="50" charset="-127"/>
+                <a:cs typeface="KoPubWorld바탕체 Bold" panose="00000800000000000000" pitchFamily="2" charset="-127"/>
+              </a:rPr>
+              <a:t>func</a:t>
+            </a:r>
+            <a:r>
+              <a:rPr lang="en-US" altLang="ko-KR" sz="1230" b="0" dirty="0" smtClean="0">
+                <a:solidFill>
+                  <a:schemeClr val="tx1"/>
+                </a:solidFill>
+                <a:latin typeface="LG Smart UI Regular" panose="020B0500000101010101" pitchFamily="50" charset="-127"/>
+                <a:ea typeface="LG Smart UI Regular" panose="020B0500000101010101" pitchFamily="50" charset="-127"/>
+                <a:cs typeface="KoPubWorld바탕체 Bold" panose="00000800000000000000" pitchFamily="2" charset="-127"/>
+              </a:rPr>
+              <a:t>(){</a:t>
+            </a:r>
+          </a:p>
+          <a:p>
+            <a:r>
+              <a:rPr lang="en-US" altLang="ko-KR" sz="1230" b="0" dirty="0">
+                <a:solidFill>
+                  <a:schemeClr val="tx1"/>
+                </a:solidFill>
+                <a:latin typeface="LG Smart UI Regular" panose="020B0500000101010101" pitchFamily="50" charset="-127"/>
+                <a:ea typeface="LG Smart UI Regular" panose="020B0500000101010101" pitchFamily="50" charset="-127"/>
+                <a:cs typeface="KoPubWorld바탕체 Bold" panose="00000800000000000000" pitchFamily="2" charset="-127"/>
+              </a:rPr>
+              <a:t>	</a:t>
+            </a:r>
+            <a:r>
+              <a:rPr lang="en-US" altLang="ko-KR" sz="1230" b="0" dirty="0" smtClean="0">
+                <a:solidFill>
+                  <a:schemeClr val="tx1"/>
+                </a:solidFill>
+                <a:latin typeface="LG Smart UI Regular" panose="020B0500000101010101" pitchFamily="50" charset="-127"/>
+                <a:ea typeface="LG Smart UI Regular" panose="020B0500000101010101" pitchFamily="50" charset="-127"/>
+                <a:cs typeface="KoPubWorld바탕체 Bold" panose="00000800000000000000" pitchFamily="2" charset="-127"/>
+              </a:rPr>
+              <a:t>	</a:t>
+            </a:r>
+            <a:r>
+              <a:rPr lang="en-US" altLang="ko-KR" sz="1230" dirty="0" smtClean="0">
+                <a:solidFill>
+                  <a:schemeClr val="tx1"/>
+                </a:solidFill>
+                <a:latin typeface="LG Smart UI Regular" panose="020B0500000101010101" pitchFamily="50" charset="-127"/>
+                <a:ea typeface="LG Smart UI Regular" panose="020B0500000101010101" pitchFamily="50" charset="-127"/>
+                <a:cs typeface="KoPubWorld바탕체 Bold" panose="00000800000000000000" pitchFamily="2" charset="-127"/>
+              </a:rPr>
+              <a:t>//</a:t>
+            </a:r>
+            <a:r>
+              <a:rPr lang="ko-KR" altLang="en-US" sz="1230" dirty="0" smtClean="0">
+                <a:solidFill>
+                  <a:schemeClr val="tx1"/>
+                </a:solidFill>
+                <a:latin typeface="LG Smart UI Regular" panose="020B0500000101010101" pitchFamily="50" charset="-127"/>
+                <a:ea typeface="LG Smart UI Regular" panose="020B0500000101010101" pitchFamily="50" charset="-127"/>
+                <a:cs typeface="KoPubWorld바탕체 Bold" panose="00000800000000000000" pitchFamily="2" charset="-127"/>
+              </a:rPr>
+              <a:t>부모 클래스 함수 정의</a:t>
+            </a:r>
+            <a:endParaRPr lang="en-US" altLang="ko-KR" sz="1230" dirty="0" smtClean="0">
+              <a:solidFill>
+                <a:schemeClr val="tx1"/>
+              </a:solidFill>
+              <a:latin typeface="LG Smart UI Regular" panose="020B0500000101010101" pitchFamily="50" charset="-127"/>
+              <a:ea typeface="LG Smart UI Regular" panose="020B0500000101010101" pitchFamily="50" charset="-127"/>
+              <a:cs typeface="KoPubWorld바탕체 Bold" panose="00000800000000000000" pitchFamily="2" charset="-127"/>
+            </a:endParaRPr>
+          </a:p>
+          <a:p>
+            <a:r>
+              <a:rPr lang="en-US" altLang="ko-KR" sz="1230" b="0" dirty="0">
+                <a:solidFill>
+                  <a:schemeClr val="tx1"/>
+                </a:solidFill>
+                <a:latin typeface="LG Smart UI Regular" panose="020B0500000101010101" pitchFamily="50" charset="-127"/>
+                <a:ea typeface="LG Smart UI Regular" panose="020B0500000101010101" pitchFamily="50" charset="-127"/>
+                <a:cs typeface="KoPubWorld바탕체 Bold" panose="00000800000000000000" pitchFamily="2" charset="-127"/>
+              </a:rPr>
+              <a:t>	</a:t>
+            </a:r>
+            <a:r>
+              <a:rPr lang="en-US" altLang="ko-KR" sz="1230" b="0" dirty="0" smtClean="0">
+                <a:solidFill>
+                  <a:schemeClr val="tx1"/>
+                </a:solidFill>
+                <a:latin typeface="LG Smart UI Regular" panose="020B0500000101010101" pitchFamily="50" charset="-127"/>
+                <a:ea typeface="LG Smart UI Regular" panose="020B0500000101010101" pitchFamily="50" charset="-127"/>
+                <a:cs typeface="KoPubWorld바탕체 Bold" panose="00000800000000000000" pitchFamily="2" charset="-127"/>
+              </a:rPr>
+              <a:t>}</a:t>
+            </a:r>
             <a:endParaRPr lang="en-US" altLang="ko-KR" sz="1230" b="0" dirty="0">
               <a:solidFill>
                 <a:schemeClr val="tx1"/>
@@ -6640,126 +7593,10 @@
                 <a:ea typeface="LG Smart UI Regular" panose="020B0500000101010101" pitchFamily="50" charset="-127"/>
                 <a:cs typeface="KoPubWorld바탕체 Bold" panose="00000800000000000000" pitchFamily="2" charset="-127"/>
               </a:rPr>
-              <a:t>	void Set(</a:t>
-            </a:r>
-            <a:r>
-              <a:rPr lang="en-US" altLang="ko-KR" sz="1230" b="0" dirty="0" err="1" smtClean="0">
-                <a:solidFill>
-                  <a:schemeClr val="tx1"/>
-                </a:solidFill>
-                <a:latin typeface="LG Smart UI Regular" panose="020B0500000101010101" pitchFamily="50" charset="-127"/>
-                <a:ea typeface="LG Smart UI Regular" panose="020B0500000101010101" pitchFamily="50" charset="-127"/>
-                <a:cs typeface="KoPubWorld바탕체 Bold" panose="00000800000000000000" pitchFamily="2" charset="-127"/>
-              </a:rPr>
-              <a:t>int</a:t>
-            </a:r>
-            <a:r>
-              <a:rPr lang="en-US" altLang="ko-KR" sz="1230" b="0" dirty="0" smtClean="0">
-                <a:solidFill>
-                  <a:schemeClr val="tx1"/>
-                </a:solidFill>
-                <a:latin typeface="LG Smart UI Regular" panose="020B0500000101010101" pitchFamily="50" charset="-127"/>
-                <a:ea typeface="LG Smart UI Regular" panose="020B0500000101010101" pitchFamily="50" charset="-127"/>
-                <a:cs typeface="KoPubWorld바탕체 Bold" panose="00000800000000000000" pitchFamily="2" charset="-127"/>
-              </a:rPr>
-              <a:t> n){</a:t>
-            </a:r>
-          </a:p>
-          <a:p>
-            <a:r>
-              <a:rPr lang="en-US" altLang="ko-KR" sz="1230" b="0" dirty="0">
-                <a:solidFill>
-                  <a:schemeClr val="tx1"/>
-                </a:solidFill>
-                <a:latin typeface="LG Smart UI Regular" panose="020B0500000101010101" pitchFamily="50" charset="-127"/>
-                <a:ea typeface="LG Smart UI Regular" panose="020B0500000101010101" pitchFamily="50" charset="-127"/>
-                <a:cs typeface="KoPubWorld바탕체 Bold" panose="00000800000000000000" pitchFamily="2" charset="-127"/>
-              </a:rPr>
-              <a:t>	</a:t>
-            </a:r>
-            <a:r>
-              <a:rPr lang="en-US" altLang="ko-KR" sz="1230" b="0" dirty="0" smtClean="0">
-                <a:solidFill>
-                  <a:schemeClr val="tx1"/>
-                </a:solidFill>
-                <a:latin typeface="LG Smart UI Regular" panose="020B0500000101010101" pitchFamily="50" charset="-127"/>
-                <a:ea typeface="LG Smart UI Regular" panose="020B0500000101010101" pitchFamily="50" charset="-127"/>
-                <a:cs typeface="KoPubWorld바탕체 Bold" panose="00000800000000000000" pitchFamily="2" charset="-127"/>
-              </a:rPr>
-              <a:t>	a = n;</a:t>
-            </a:r>
-          </a:p>
-          <a:p>
-            <a:r>
-              <a:rPr lang="en-US" altLang="ko-KR" sz="1230" b="0" dirty="0">
-                <a:solidFill>
-                  <a:schemeClr val="tx1"/>
-                </a:solidFill>
-                <a:latin typeface="LG Smart UI Regular" panose="020B0500000101010101" pitchFamily="50" charset="-127"/>
-                <a:ea typeface="LG Smart UI Regular" panose="020B0500000101010101" pitchFamily="50" charset="-127"/>
-                <a:cs typeface="KoPubWorld바탕체 Bold" panose="00000800000000000000" pitchFamily="2" charset="-127"/>
-              </a:rPr>
-              <a:t>	</a:t>
-            </a:r>
-            <a:r>
-              <a:rPr lang="en-US" altLang="ko-KR" sz="1230" b="0" dirty="0" smtClean="0">
-                <a:solidFill>
-                  <a:schemeClr val="tx1"/>
-                </a:solidFill>
-                <a:latin typeface="LG Smart UI Regular" panose="020B0500000101010101" pitchFamily="50" charset="-127"/>
-                <a:ea typeface="LG Smart UI Regular" panose="020B0500000101010101" pitchFamily="50" charset="-127"/>
-                <a:cs typeface="KoPubWorld바탕체 Bold" panose="00000800000000000000" pitchFamily="2" charset="-127"/>
-              </a:rPr>
-              <a:t>}</a:t>
-            </a:r>
-          </a:p>
-          <a:p>
-            <a:r>
-              <a:rPr lang="en-US" altLang="ko-KR" sz="1230" b="0" dirty="0" smtClean="0">
-                <a:solidFill>
-                  <a:schemeClr val="tx1"/>
-                </a:solidFill>
-                <a:latin typeface="LG Smart UI Regular" panose="020B0500000101010101" pitchFamily="50" charset="-127"/>
-                <a:ea typeface="LG Smart UI Regular" panose="020B0500000101010101" pitchFamily="50" charset="-127"/>
-                <a:cs typeface="KoPubWorld바탕체 Bold" panose="00000800000000000000" pitchFamily="2" charset="-127"/>
-              </a:rPr>
-              <a:t>private:</a:t>
-            </a:r>
-          </a:p>
-          <a:p>
-            <a:r>
-              <a:rPr lang="en-US" altLang="ko-KR" sz="1230" b="0" dirty="0">
-                <a:solidFill>
-                  <a:schemeClr val="tx1"/>
-                </a:solidFill>
-                <a:latin typeface="LG Smart UI Regular" panose="020B0500000101010101" pitchFamily="50" charset="-127"/>
-                <a:ea typeface="LG Smart UI Regular" panose="020B0500000101010101" pitchFamily="50" charset="-127"/>
-                <a:cs typeface="KoPubWorld바탕체 Bold" panose="00000800000000000000" pitchFamily="2" charset="-127"/>
-              </a:rPr>
-              <a:t>	</a:t>
-            </a:r>
-            <a:r>
-              <a:rPr lang="en-US" altLang="ko-KR" sz="1230" b="0" dirty="0" err="1" smtClean="0">
-                <a:solidFill>
-                  <a:schemeClr val="tx1"/>
-                </a:solidFill>
-                <a:latin typeface="LG Smart UI Regular" panose="020B0500000101010101" pitchFamily="50" charset="-127"/>
-                <a:ea typeface="LG Smart UI Regular" panose="020B0500000101010101" pitchFamily="50" charset="-127"/>
-                <a:cs typeface="KoPubWorld바탕체 Bold" panose="00000800000000000000" pitchFamily="2" charset="-127"/>
-              </a:rPr>
-              <a:t>int</a:t>
-            </a:r>
-            <a:r>
-              <a:rPr lang="en-US" altLang="ko-KR" sz="1230" b="0" dirty="0" smtClean="0">
-                <a:solidFill>
-                  <a:schemeClr val="tx1"/>
-                </a:solidFill>
-                <a:latin typeface="LG Smart UI Regular" panose="020B0500000101010101" pitchFamily="50" charset="-127"/>
-                <a:ea typeface="LG Smart UI Regular" panose="020B0500000101010101" pitchFamily="50" charset="-127"/>
-                <a:cs typeface="KoPubWorld바탕체 Bold" panose="00000800000000000000" pitchFamily="2" charset="-127"/>
-              </a:rPr>
-              <a:t> a;</a:t>
-            </a:r>
+              <a:t>};</a:t>
+            </a:r>
+          </a:p>
+          <a:p>
             <a:endParaRPr lang="en-US" altLang="ko-KR" sz="1230" b="0" dirty="0">
               <a:solidFill>
                 <a:schemeClr val="tx1"/>
@@ -6779,10 +7616,110 @@
                 <a:ea typeface="LG Smart UI Regular" panose="020B0500000101010101" pitchFamily="50" charset="-127"/>
                 <a:cs typeface="KoPubWorld바탕체 Bold" panose="00000800000000000000" pitchFamily="2" charset="-127"/>
               </a:rPr>
-              <a:t>};</a:t>
-            </a:r>
-          </a:p>
-          <a:p>
+              <a:t>class Class2 : public Class1{</a:t>
+            </a:r>
+          </a:p>
+          <a:p>
+            <a:r>
+              <a:rPr lang="en-US" altLang="ko-KR" sz="1230" b="0" dirty="0" smtClean="0">
+                <a:solidFill>
+                  <a:schemeClr val="tx1"/>
+                </a:solidFill>
+                <a:latin typeface="LG Smart UI Regular" panose="020B0500000101010101" pitchFamily="50" charset="-127"/>
+                <a:ea typeface="LG Smart UI Regular" panose="020B0500000101010101" pitchFamily="50" charset="-127"/>
+                <a:cs typeface="KoPubWorld바탕체 Bold" panose="00000800000000000000" pitchFamily="2" charset="-127"/>
+              </a:rPr>
+              <a:t>	</a:t>
+            </a:r>
+            <a:r>
+              <a:rPr lang="en-US" altLang="ko-KR" sz="1230" b="0" dirty="0" err="1" smtClean="0">
+                <a:solidFill>
+                  <a:schemeClr val="tx1"/>
+                </a:solidFill>
+                <a:latin typeface="LG Smart UI Regular" panose="020B0500000101010101" pitchFamily="50" charset="-127"/>
+                <a:ea typeface="LG Smart UI Regular" panose="020B0500000101010101" pitchFamily="50" charset="-127"/>
+                <a:cs typeface="KoPubWorld바탕체 Bold" panose="00000800000000000000" pitchFamily="2" charset="-127"/>
+              </a:rPr>
+              <a:t>func</a:t>
+            </a:r>
+            <a:r>
+              <a:rPr lang="en-US" altLang="ko-KR" sz="1230" b="0" dirty="0" smtClean="0">
+                <a:solidFill>
+                  <a:schemeClr val="tx1"/>
+                </a:solidFill>
+                <a:latin typeface="LG Smart UI Regular" panose="020B0500000101010101" pitchFamily="50" charset="-127"/>
+                <a:ea typeface="LG Smart UI Regular" panose="020B0500000101010101" pitchFamily="50" charset="-127"/>
+                <a:cs typeface="KoPubWorld바탕체 Bold" panose="00000800000000000000" pitchFamily="2" charset="-127"/>
+              </a:rPr>
+              <a:t>(){</a:t>
+            </a:r>
+          </a:p>
+          <a:p>
+            <a:r>
+              <a:rPr lang="en-US" altLang="ko-KR" sz="1230" b="0" dirty="0">
+                <a:solidFill>
+                  <a:schemeClr val="tx1"/>
+                </a:solidFill>
+                <a:latin typeface="LG Smart UI Regular" panose="020B0500000101010101" pitchFamily="50" charset="-127"/>
+                <a:ea typeface="LG Smart UI Regular" panose="020B0500000101010101" pitchFamily="50" charset="-127"/>
+                <a:cs typeface="KoPubWorld바탕체 Bold" panose="00000800000000000000" pitchFamily="2" charset="-127"/>
+              </a:rPr>
+              <a:t>	</a:t>
+            </a:r>
+            <a:r>
+              <a:rPr lang="en-US" altLang="ko-KR" sz="1230" b="0" dirty="0" smtClean="0">
+                <a:solidFill>
+                  <a:schemeClr val="tx1"/>
+                </a:solidFill>
+                <a:latin typeface="LG Smart UI Regular" panose="020B0500000101010101" pitchFamily="50" charset="-127"/>
+                <a:ea typeface="LG Smart UI Regular" panose="020B0500000101010101" pitchFamily="50" charset="-127"/>
+                <a:cs typeface="KoPubWorld바탕체 Bold" panose="00000800000000000000" pitchFamily="2" charset="-127"/>
+              </a:rPr>
+              <a:t>	</a:t>
+            </a:r>
+            <a:r>
+              <a:rPr lang="en-US" altLang="ko-KR" sz="1230" dirty="0" smtClean="0">
+                <a:solidFill>
+                  <a:schemeClr val="tx1"/>
+                </a:solidFill>
+                <a:latin typeface="LG Smart UI Regular" panose="020B0500000101010101" pitchFamily="50" charset="-127"/>
+                <a:ea typeface="LG Smart UI Regular" panose="020B0500000101010101" pitchFamily="50" charset="-127"/>
+                <a:cs typeface="KoPubWorld바탕체 Bold" panose="00000800000000000000" pitchFamily="2" charset="-127"/>
+              </a:rPr>
+              <a:t>// </a:t>
+            </a:r>
+            <a:r>
+              <a:rPr lang="ko-KR" altLang="en-US" sz="1230" dirty="0" smtClean="0">
+                <a:solidFill>
+                  <a:schemeClr val="tx1"/>
+                </a:solidFill>
+                <a:latin typeface="LG Smart UI Regular" panose="020B0500000101010101" pitchFamily="50" charset="-127"/>
+                <a:ea typeface="LG Smart UI Regular" panose="020B0500000101010101" pitchFamily="50" charset="-127"/>
+                <a:cs typeface="KoPubWorld바탕체 Bold" panose="00000800000000000000" pitchFamily="2" charset="-127"/>
+              </a:rPr>
+              <a:t>자식 클래스에서 함수 재정의</a:t>
+            </a:r>
+            <a:endParaRPr lang="en-US" altLang="ko-KR" sz="1230" dirty="0" smtClean="0">
+              <a:solidFill>
+                <a:schemeClr val="tx1"/>
+              </a:solidFill>
+              <a:latin typeface="LG Smart UI Regular" panose="020B0500000101010101" pitchFamily="50" charset="-127"/>
+              <a:ea typeface="LG Smart UI Regular" panose="020B0500000101010101" pitchFamily="50" charset="-127"/>
+              <a:cs typeface="KoPubWorld바탕체 Bold" panose="00000800000000000000" pitchFamily="2" charset="-127"/>
+            </a:endParaRPr>
+          </a:p>
+          <a:p>
+            <a:r>
+              <a:rPr lang="en-US" altLang="ko-KR" sz="1230" b="0" dirty="0" smtClean="0">
+                <a:solidFill>
+                  <a:schemeClr val="tx1"/>
+                </a:solidFill>
+                <a:latin typeface="LG Smart UI Regular" panose="020B0500000101010101" pitchFamily="50" charset="-127"/>
+                <a:ea typeface="LG Smart UI Regular" panose="020B0500000101010101" pitchFamily="50" charset="-127"/>
+                <a:cs typeface="KoPubWorld바탕체 Bold" panose="00000800000000000000" pitchFamily="2" charset="-127"/>
+              </a:rPr>
+              <a:t>	}</a:t>
+            </a:r>
             <a:endParaRPr lang="en-US" altLang="ko-KR" sz="1230" b="0" dirty="0">
               <a:solidFill>
                 <a:schemeClr val="tx1"/>
@@ -6802,141 +7739,31 @@
                 <a:ea typeface="LG Smart UI Regular" panose="020B0500000101010101" pitchFamily="50" charset="-127"/>
                 <a:cs typeface="KoPubWorld바탕체 Bold" panose="00000800000000000000" pitchFamily="2" charset="-127"/>
               </a:rPr>
-              <a:t>class Class2 : public Class1{ </a:t>
-            </a:r>
-            <a:r>
-              <a:rPr lang="en-US" altLang="ko-KR" sz="1230" dirty="0" smtClean="0">
-                <a:solidFill>
-                  <a:schemeClr val="tx1"/>
-                </a:solidFill>
-                <a:latin typeface="LG Smart UI Regular" panose="020B0500000101010101" pitchFamily="50" charset="-127"/>
-                <a:ea typeface="LG Smart UI Regular" panose="020B0500000101010101" pitchFamily="50" charset="-127"/>
-                <a:cs typeface="KoPubWorld바탕체 Bold" panose="00000800000000000000" pitchFamily="2" charset="-127"/>
-              </a:rPr>
-              <a:t>// Class1</a:t>
-            </a:r>
-            <a:r>
-              <a:rPr lang="ko-KR" altLang="en-US" sz="1230" dirty="0" smtClean="0">
-                <a:solidFill>
-                  <a:schemeClr val="tx1"/>
-                </a:solidFill>
-                <a:latin typeface="LG Smart UI Regular" panose="020B0500000101010101" pitchFamily="50" charset="-127"/>
-                <a:ea typeface="LG Smart UI Regular" panose="020B0500000101010101" pitchFamily="50" charset="-127"/>
-                <a:cs typeface="KoPubWorld바탕체 Bold" panose="00000800000000000000" pitchFamily="2" charset="-127"/>
-              </a:rPr>
-              <a:t>에 대한 상속을 받음</a:t>
-            </a:r>
-            <a:r>
-              <a:rPr lang="en-US" altLang="ko-KR" sz="1230" dirty="0" smtClean="0">
-                <a:solidFill>
-                  <a:schemeClr val="tx1"/>
-                </a:solidFill>
-                <a:latin typeface="LG Smart UI Regular" panose="020B0500000101010101" pitchFamily="50" charset="-127"/>
-                <a:ea typeface="LG Smart UI Regular" panose="020B0500000101010101" pitchFamily="50" charset="-127"/>
-                <a:cs typeface="KoPubWorld바탕체 Bold" panose="00000800000000000000" pitchFamily="2" charset="-127"/>
-              </a:rPr>
-              <a:t>. </a:t>
-            </a:r>
-            <a:r>
-              <a:rPr lang="ko-KR" altLang="en-US" sz="1230" dirty="0" smtClean="0">
-                <a:solidFill>
-                  <a:schemeClr val="tx1"/>
-                </a:solidFill>
-                <a:latin typeface="LG Smart UI Regular" panose="020B0500000101010101" pitchFamily="50" charset="-127"/>
-                <a:ea typeface="LG Smart UI Regular" panose="020B0500000101010101" pitchFamily="50" charset="-127"/>
-                <a:cs typeface="KoPubWorld바탕체 Bold" panose="00000800000000000000" pitchFamily="2" charset="-127"/>
-              </a:rPr>
-              <a:t>원래라면 </a:t>
-            </a:r>
-            <a:r>
-              <a:rPr lang="en-US" altLang="ko-KR" sz="1230" dirty="0" smtClean="0">
-                <a:solidFill>
-                  <a:schemeClr val="tx1"/>
-                </a:solidFill>
-                <a:latin typeface="LG Smart UI Regular" panose="020B0500000101010101" pitchFamily="50" charset="-127"/>
-                <a:ea typeface="LG Smart UI Regular" panose="020B0500000101010101" pitchFamily="50" charset="-127"/>
-                <a:cs typeface="KoPubWorld바탕체 Bold" panose="00000800000000000000" pitchFamily="2" charset="-127"/>
-              </a:rPr>
-              <a:t>private</a:t>
-            </a:r>
-            <a:r>
-              <a:rPr lang="ko-KR" altLang="en-US" sz="1230" dirty="0" smtClean="0">
-                <a:solidFill>
-                  <a:schemeClr val="tx1"/>
-                </a:solidFill>
-                <a:latin typeface="LG Smart UI Regular" panose="020B0500000101010101" pitchFamily="50" charset="-127"/>
-                <a:ea typeface="LG Smart UI Regular" panose="020B0500000101010101" pitchFamily="50" charset="-127"/>
-                <a:cs typeface="KoPubWorld바탕체 Bold" panose="00000800000000000000" pitchFamily="2" charset="-127"/>
-              </a:rPr>
-              <a:t>에는 직접 접근이 불가능하지만</a:t>
-            </a:r>
-            <a:r>
-              <a:rPr lang="en-US" altLang="ko-KR" sz="1230" dirty="0" smtClean="0">
-                <a:solidFill>
-                  <a:schemeClr val="tx1"/>
-                </a:solidFill>
-                <a:latin typeface="LG Smart UI Regular" panose="020B0500000101010101" pitchFamily="50" charset="-127"/>
-                <a:ea typeface="LG Smart UI Regular" panose="020B0500000101010101" pitchFamily="50" charset="-127"/>
-                <a:cs typeface="KoPubWorld바탕체 Bold" panose="00000800000000000000" pitchFamily="2" charset="-127"/>
-              </a:rPr>
-              <a:t>, Class1</a:t>
-            </a:r>
-            <a:r>
-              <a:rPr lang="ko-KR" altLang="en-US" sz="1230" dirty="0" smtClean="0">
-                <a:solidFill>
-                  <a:schemeClr val="tx1"/>
-                </a:solidFill>
-                <a:latin typeface="LG Smart UI Regular" panose="020B0500000101010101" pitchFamily="50" charset="-127"/>
-                <a:ea typeface="LG Smart UI Regular" panose="020B0500000101010101" pitchFamily="50" charset="-127"/>
-                <a:cs typeface="KoPubWorld바탕체 Bold" panose="00000800000000000000" pitchFamily="2" charset="-127"/>
-              </a:rPr>
-              <a:t>에서 </a:t>
-            </a:r>
-            <a:r>
-              <a:rPr lang="en-US" altLang="ko-KR" sz="1230" dirty="0" smtClean="0">
-                <a:solidFill>
-                  <a:schemeClr val="tx1"/>
-                </a:solidFill>
-                <a:latin typeface="LG Smart UI Regular" panose="020B0500000101010101" pitchFamily="50" charset="-127"/>
-                <a:ea typeface="LG Smart UI Regular" panose="020B0500000101010101" pitchFamily="50" charset="-127"/>
-                <a:cs typeface="KoPubWorld바탕체 Bold" panose="00000800000000000000" pitchFamily="2" charset="-127"/>
-              </a:rPr>
-              <a:t>Class2</a:t>
-            </a:r>
-            <a:r>
-              <a:rPr lang="ko-KR" altLang="en-US" sz="1230" dirty="0" smtClean="0">
-                <a:solidFill>
-                  <a:schemeClr val="tx1"/>
-                </a:solidFill>
-                <a:latin typeface="LG Smart UI Regular" panose="020B0500000101010101" pitchFamily="50" charset="-127"/>
-                <a:ea typeface="LG Smart UI Regular" panose="020B0500000101010101" pitchFamily="50" charset="-127"/>
-                <a:cs typeface="KoPubWorld바탕체 Bold" panose="00000800000000000000" pitchFamily="2" charset="-127"/>
-              </a:rPr>
-              <a:t>를 </a:t>
-            </a:r>
-            <a:r>
-              <a:rPr lang="en-US" altLang="ko-KR" sz="1230" dirty="0" smtClean="0">
-                <a:solidFill>
-                  <a:schemeClr val="tx1"/>
-                </a:solidFill>
-                <a:latin typeface="LG Smart UI Regular" panose="020B0500000101010101" pitchFamily="50" charset="-127"/>
-                <a:ea typeface="LG Smart UI Regular" panose="020B0500000101010101" pitchFamily="50" charset="-127"/>
-                <a:cs typeface="KoPubWorld바탕체 Bold" panose="00000800000000000000" pitchFamily="2" charset="-127"/>
-              </a:rPr>
-              <a:t>friend class</a:t>
-            </a:r>
-            <a:r>
-              <a:rPr lang="ko-KR" altLang="en-US" sz="1230" dirty="0" smtClean="0">
-                <a:solidFill>
-                  <a:schemeClr val="tx1"/>
-                </a:solidFill>
-                <a:latin typeface="LG Smart UI Regular" panose="020B0500000101010101" pitchFamily="50" charset="-127"/>
-                <a:ea typeface="LG Smart UI Regular" panose="020B0500000101010101" pitchFamily="50" charset="-127"/>
-                <a:cs typeface="KoPubWorld바탕체 Bold" panose="00000800000000000000" pitchFamily="2" charset="-127"/>
-              </a:rPr>
-              <a:t>로 선언을 했기 때문에 직접 접근이 가능</a:t>
-            </a:r>
-            <a:endParaRPr lang="en-US" altLang="ko-KR" sz="1230" dirty="0" smtClean="0">
+              <a:t>}; // </a:t>
+            </a:r>
+            <a:r>
+              <a:rPr lang="ko-KR" altLang="en-US" sz="1230" b="0" dirty="0" smtClean="0">
+                <a:solidFill>
+                  <a:schemeClr val="tx1"/>
+                </a:solidFill>
+                <a:latin typeface="LG Smart UI Regular" panose="020B0500000101010101" pitchFamily="50" charset="-127"/>
+                <a:ea typeface="LG Smart UI Regular" panose="020B0500000101010101" pitchFamily="50" charset="-127"/>
+                <a:cs typeface="KoPubWorld바탕체 Bold" panose="00000800000000000000" pitchFamily="2" charset="-127"/>
+              </a:rPr>
+              <a:t>함수 오버 </a:t>
+            </a:r>
+            <a:r>
+              <a:rPr lang="ko-KR" altLang="en-US" sz="1230" b="0" dirty="0" err="1" smtClean="0">
+                <a:solidFill>
+                  <a:schemeClr val="tx1"/>
+                </a:solidFill>
+                <a:latin typeface="LG Smart UI Regular" panose="020B0500000101010101" pitchFamily="50" charset="-127"/>
+                <a:ea typeface="LG Smart UI Regular" panose="020B0500000101010101" pitchFamily="50" charset="-127"/>
+                <a:cs typeface="KoPubWorld바탕체 Bold" panose="00000800000000000000" pitchFamily="2" charset="-127"/>
+              </a:rPr>
+              <a:t>라이딩</a:t>
+            </a:r>
+            <a:endParaRPr lang="en-US" altLang="ko-KR" sz="1230" b="0" dirty="0">
               <a:solidFill>
                 <a:schemeClr val="tx1"/>
               </a:solidFill>
@@ -6945,20 +7772,387 @@
               <a:cs typeface="KoPubWorld바탕체 Bold" panose="00000800000000000000" pitchFamily="2" charset="-127"/>
             </a:endParaRPr>
           </a:p>
-          <a:p>
-            <a:r>
-              <a:rPr lang="en-US" altLang="ko-KR" sz="1230" b="0" dirty="0" smtClean="0">
-                <a:solidFill>
-                  <a:schemeClr val="tx1"/>
-                </a:solidFill>
-                <a:latin typeface="LG Smart UI Regular" panose="020B0500000101010101" pitchFamily="50" charset="-127"/>
-                <a:ea typeface="LG Smart UI Regular" panose="020B0500000101010101" pitchFamily="50" charset="-127"/>
-                <a:cs typeface="KoPubWorld바탕체 Bold" panose="00000800000000000000" pitchFamily="2" charset="-127"/>
-              </a:rPr>
-              <a:t>public:</a:t>
-            </a:r>
-          </a:p>
-          <a:p>
+        </p:txBody>
+      </p:sp>
+      <p:sp>
+        <p:nvSpPr>
+          <p:cNvPr id="6" name="제목 1"/>
+          <p:cNvSpPr txBox="1">
+            <a:spLocks/>
+          </p:cNvSpPr>
+          <p:nvPr/>
+        </p:nvSpPr>
+        <p:spPr>
+          <a:xfrm>
+            <a:off x="1120345" y="1845276"/>
+            <a:ext cx="3926821" cy="3739979"/>
+          </a:xfrm>
+          <a:prstGeom prst="rect">
+            <a:avLst/>
+          </a:prstGeom>
+        </p:spPr>
+        <p:txBody>
+          <a:bodyPr rtlCol="0" anchor="ctr"/>
+          <a:lstStyle>
+            <a:lvl1pPr algn="l" defTabSz="914400" rtl="0" eaLnBrk="1" latinLnBrk="1" hangingPunct="1">
+              <a:spcBef>
+                <a:spcPct val="0"/>
+              </a:spcBef>
+              <a:buNone/>
+              <a:defRPr sz="2400" b="1" kern="1200">
+                <a:solidFill>
+                  <a:schemeClr val="bg1"/>
+                </a:solidFill>
+                <a:latin typeface="Calibri" pitchFamily="34" charset="0"/>
+                <a:ea typeface="LG스마트체 Bold" panose="020B0600000101010101" pitchFamily="50" charset="-127"/>
+                <a:cs typeface="+mj-cs"/>
+              </a:defRPr>
+            </a:lvl1pPr>
+          </a:lstStyle>
+          <a:p>
+            <a:r>
+              <a:rPr lang="en-US" altLang="ko-KR" sz="1230" b="0" dirty="0" smtClean="0">
+                <a:solidFill>
+                  <a:schemeClr val="tx1"/>
+                </a:solidFill>
+                <a:latin typeface="LG Smart UI Regular" panose="020B0500000101010101" pitchFamily="50" charset="-127"/>
+                <a:ea typeface="LG Smart UI Regular" panose="020B0500000101010101" pitchFamily="50" charset="-127"/>
+                <a:cs typeface="KoPubWorld바탕체 Bold" panose="00000800000000000000" pitchFamily="2" charset="-127"/>
+              </a:rPr>
+              <a:t>void </a:t>
+            </a:r>
+            <a:r>
+              <a:rPr lang="en-US" altLang="ko-KR" sz="1230" b="0" dirty="0" err="1" smtClean="0">
+                <a:solidFill>
+                  <a:schemeClr val="tx1"/>
+                </a:solidFill>
+                <a:latin typeface="LG Smart UI Regular" panose="020B0500000101010101" pitchFamily="50" charset="-127"/>
+                <a:ea typeface="LG Smart UI Regular" panose="020B0500000101010101" pitchFamily="50" charset="-127"/>
+                <a:cs typeface="KoPubWorld바탕체 Bold" panose="00000800000000000000" pitchFamily="2" charset="-127"/>
+              </a:rPr>
+              <a:t>func</a:t>
+            </a:r>
+            <a:r>
+              <a:rPr lang="en-US" altLang="ko-KR" sz="1230" b="0" dirty="0" smtClean="0">
+                <a:solidFill>
+                  <a:schemeClr val="tx1"/>
+                </a:solidFill>
+                <a:latin typeface="LG Smart UI Regular" panose="020B0500000101010101" pitchFamily="50" charset="-127"/>
+                <a:ea typeface="LG Smart UI Regular" panose="020B0500000101010101" pitchFamily="50" charset="-127"/>
+                <a:cs typeface="KoPubWorld바탕체 Bold" panose="00000800000000000000" pitchFamily="2" charset="-127"/>
+              </a:rPr>
+              <a:t>(</a:t>
+            </a:r>
+            <a:r>
+              <a:rPr lang="en-US" altLang="ko-KR" sz="1230" b="0" dirty="0" err="1" smtClean="0">
+                <a:solidFill>
+                  <a:schemeClr val="tx1"/>
+                </a:solidFill>
+                <a:latin typeface="LG Smart UI Regular" panose="020B0500000101010101" pitchFamily="50" charset="-127"/>
+                <a:ea typeface="LG Smart UI Regular" panose="020B0500000101010101" pitchFamily="50" charset="-127"/>
+                <a:cs typeface="KoPubWorld바탕체 Bold" panose="00000800000000000000" pitchFamily="2" charset="-127"/>
+              </a:rPr>
+              <a:t>int</a:t>
+            </a:r>
+            <a:r>
+              <a:rPr lang="en-US" altLang="ko-KR" sz="1230" b="0" dirty="0" smtClean="0">
+                <a:solidFill>
+                  <a:schemeClr val="tx1"/>
+                </a:solidFill>
+                <a:latin typeface="LG Smart UI Regular" panose="020B0500000101010101" pitchFamily="50" charset="-127"/>
+                <a:ea typeface="LG Smart UI Regular" panose="020B0500000101010101" pitchFamily="50" charset="-127"/>
+                <a:cs typeface="KoPubWorld바탕체 Bold" panose="00000800000000000000" pitchFamily="2" charset="-127"/>
+              </a:rPr>
+              <a:t> a){ // </a:t>
+            </a:r>
+            <a:r>
+              <a:rPr lang="ko-KR" altLang="en-US" sz="1230" b="0" dirty="0" smtClean="0">
+                <a:solidFill>
+                  <a:schemeClr val="tx1"/>
+                </a:solidFill>
+                <a:latin typeface="LG Smart UI Regular" panose="020B0500000101010101" pitchFamily="50" charset="-127"/>
+                <a:ea typeface="LG Smart UI Regular" panose="020B0500000101010101" pitchFamily="50" charset="-127"/>
+                <a:cs typeface="KoPubWorld바탕체 Bold" panose="00000800000000000000" pitchFamily="2" charset="-127"/>
+              </a:rPr>
+              <a:t>매개변수로 </a:t>
+            </a:r>
+            <a:r>
+              <a:rPr lang="en-US" altLang="ko-KR" sz="1230" b="0" dirty="0" err="1" smtClean="0">
+                <a:solidFill>
+                  <a:schemeClr val="tx1"/>
+                </a:solidFill>
+                <a:latin typeface="LG Smart UI Regular" panose="020B0500000101010101" pitchFamily="50" charset="-127"/>
+                <a:ea typeface="LG Smart UI Regular" panose="020B0500000101010101" pitchFamily="50" charset="-127"/>
+                <a:cs typeface="KoPubWorld바탕체 Bold" panose="00000800000000000000" pitchFamily="2" charset="-127"/>
+              </a:rPr>
+              <a:t>int</a:t>
+            </a:r>
+            <a:r>
+              <a:rPr lang="ko-KR" altLang="en-US" sz="1230" b="0" dirty="0" smtClean="0">
+                <a:solidFill>
+                  <a:schemeClr val="tx1"/>
+                </a:solidFill>
+                <a:latin typeface="LG Smart UI Regular" panose="020B0500000101010101" pitchFamily="50" charset="-127"/>
+                <a:ea typeface="LG Smart UI Regular" panose="020B0500000101010101" pitchFamily="50" charset="-127"/>
+                <a:cs typeface="KoPubWorld바탕체 Bold" panose="00000800000000000000" pitchFamily="2" charset="-127"/>
+              </a:rPr>
+              <a:t>형을 받는다</a:t>
+            </a:r>
+            <a:r>
+              <a:rPr lang="en-US" altLang="ko-KR" sz="1230" b="0" dirty="0" smtClean="0">
+                <a:solidFill>
+                  <a:schemeClr val="tx1"/>
+                </a:solidFill>
+                <a:latin typeface="LG Smart UI Regular" panose="020B0500000101010101" pitchFamily="50" charset="-127"/>
+                <a:ea typeface="LG Smart UI Regular" panose="020B0500000101010101" pitchFamily="50" charset="-127"/>
+                <a:cs typeface="KoPubWorld바탕체 Bold" panose="00000800000000000000" pitchFamily="2" charset="-127"/>
+              </a:rPr>
+              <a:t>.</a:t>
+            </a:r>
+          </a:p>
+          <a:p>
+            <a:r>
+              <a:rPr lang="en-US" altLang="ko-KR" sz="1230" b="0" dirty="0" smtClean="0">
+                <a:solidFill>
+                  <a:schemeClr val="tx1"/>
+                </a:solidFill>
+                <a:latin typeface="LG Smart UI Regular" panose="020B0500000101010101" pitchFamily="50" charset="-127"/>
+                <a:ea typeface="LG Smart UI Regular" panose="020B0500000101010101" pitchFamily="50" charset="-127"/>
+                <a:cs typeface="KoPubWorld바탕체 Bold" panose="00000800000000000000" pitchFamily="2" charset="-127"/>
+              </a:rPr>
+              <a:t>	//</a:t>
+            </a:r>
+            <a:r>
+              <a:rPr lang="ko-KR" altLang="en-US" sz="1230" b="0" dirty="0" smtClean="0">
+                <a:solidFill>
+                  <a:schemeClr val="tx1"/>
+                </a:solidFill>
+                <a:latin typeface="LG Smart UI Regular" panose="020B0500000101010101" pitchFamily="50" charset="-127"/>
+                <a:ea typeface="LG Smart UI Regular" panose="020B0500000101010101" pitchFamily="50" charset="-127"/>
+                <a:cs typeface="KoPubWorld바탕체 Bold" panose="00000800000000000000" pitchFamily="2" charset="-127"/>
+              </a:rPr>
+              <a:t>기능 </a:t>
+            </a:r>
+            <a:r>
+              <a:rPr lang="en-US" altLang="ko-KR" sz="1230" b="0" dirty="0" smtClean="0">
+                <a:solidFill>
+                  <a:schemeClr val="tx1"/>
+                </a:solidFill>
+                <a:latin typeface="LG Smart UI Regular" panose="020B0500000101010101" pitchFamily="50" charset="-127"/>
+                <a:ea typeface="LG Smart UI Regular" panose="020B0500000101010101" pitchFamily="50" charset="-127"/>
+                <a:cs typeface="KoPubWorld바탕체 Bold" panose="00000800000000000000" pitchFamily="2" charset="-127"/>
+              </a:rPr>
+              <a:t>1</a:t>
+            </a:r>
+            <a:endParaRPr lang="en-US" altLang="ko-KR" sz="1230" b="0" dirty="0">
+              <a:solidFill>
+                <a:schemeClr val="tx1"/>
+              </a:solidFill>
+              <a:latin typeface="LG Smart UI Regular" panose="020B0500000101010101" pitchFamily="50" charset="-127"/>
+              <a:ea typeface="LG Smart UI Regular" panose="020B0500000101010101" pitchFamily="50" charset="-127"/>
+              <a:cs typeface="KoPubWorld바탕체 Bold" panose="00000800000000000000" pitchFamily="2" charset="-127"/>
+            </a:endParaRPr>
+          </a:p>
+          <a:p>
+            <a:r>
+              <a:rPr lang="en-US" altLang="ko-KR" sz="1230" b="0" dirty="0" smtClean="0">
+                <a:solidFill>
+                  <a:schemeClr val="tx1"/>
+                </a:solidFill>
+                <a:latin typeface="LG Smart UI Regular" panose="020B0500000101010101" pitchFamily="50" charset="-127"/>
+                <a:ea typeface="LG Smart UI Regular" panose="020B0500000101010101" pitchFamily="50" charset="-127"/>
+                <a:cs typeface="KoPubWorld바탕체 Bold" panose="00000800000000000000" pitchFamily="2" charset="-127"/>
+              </a:rPr>
+              <a:t>}</a:t>
+            </a:r>
+          </a:p>
+          <a:p>
+            <a:endParaRPr lang="en-US" altLang="ko-KR" sz="1230" b="0" dirty="0">
+              <a:solidFill>
+                <a:schemeClr val="tx1"/>
+              </a:solidFill>
+              <a:latin typeface="LG Smart UI Regular" panose="020B0500000101010101" pitchFamily="50" charset="-127"/>
+              <a:ea typeface="LG Smart UI Regular" panose="020B0500000101010101" pitchFamily="50" charset="-127"/>
+              <a:cs typeface="KoPubWorld바탕체 Bold" panose="00000800000000000000" pitchFamily="2" charset="-127"/>
+            </a:endParaRPr>
+          </a:p>
+          <a:p>
+            <a:r>
+              <a:rPr lang="en-US" altLang="ko-KR" sz="1230" b="0" dirty="0" smtClean="0">
+                <a:solidFill>
+                  <a:schemeClr val="tx1"/>
+                </a:solidFill>
+                <a:latin typeface="LG Smart UI Regular" panose="020B0500000101010101" pitchFamily="50" charset="-127"/>
+                <a:ea typeface="LG Smart UI Regular" panose="020B0500000101010101" pitchFamily="50" charset="-127"/>
+                <a:cs typeface="KoPubWorld바탕체 Bold" panose="00000800000000000000" pitchFamily="2" charset="-127"/>
+              </a:rPr>
+              <a:t>void </a:t>
+            </a:r>
+            <a:r>
+              <a:rPr lang="en-US" altLang="ko-KR" sz="1230" b="0" dirty="0" err="1" smtClean="0">
+                <a:solidFill>
+                  <a:schemeClr val="tx1"/>
+                </a:solidFill>
+                <a:latin typeface="LG Smart UI Regular" panose="020B0500000101010101" pitchFamily="50" charset="-127"/>
+                <a:ea typeface="LG Smart UI Regular" panose="020B0500000101010101" pitchFamily="50" charset="-127"/>
+                <a:cs typeface="KoPubWorld바탕체 Bold" panose="00000800000000000000" pitchFamily="2" charset="-127"/>
+              </a:rPr>
+              <a:t>func</a:t>
+            </a:r>
+            <a:r>
+              <a:rPr lang="en-US" altLang="ko-KR" sz="1230" b="0" dirty="0" smtClean="0">
+                <a:solidFill>
+                  <a:schemeClr val="tx1"/>
+                </a:solidFill>
+                <a:latin typeface="LG Smart UI Regular" panose="020B0500000101010101" pitchFamily="50" charset="-127"/>
+                <a:ea typeface="LG Smart UI Regular" panose="020B0500000101010101" pitchFamily="50" charset="-127"/>
+                <a:cs typeface="KoPubWorld바탕체 Bold" panose="00000800000000000000" pitchFamily="2" charset="-127"/>
+              </a:rPr>
+              <a:t>(double a){ // </a:t>
+            </a:r>
+            <a:r>
+              <a:rPr lang="ko-KR" altLang="en-US" sz="1230" b="0" dirty="0" smtClean="0">
+                <a:solidFill>
+                  <a:schemeClr val="tx1"/>
+                </a:solidFill>
+                <a:latin typeface="LG Smart UI Regular" panose="020B0500000101010101" pitchFamily="50" charset="-127"/>
+                <a:ea typeface="LG Smart UI Regular" panose="020B0500000101010101" pitchFamily="50" charset="-127"/>
+                <a:cs typeface="KoPubWorld바탕체 Bold" panose="00000800000000000000" pitchFamily="2" charset="-127"/>
+              </a:rPr>
+              <a:t>매개변수로 </a:t>
+            </a:r>
+            <a:r>
+              <a:rPr lang="en-US" altLang="ko-KR" sz="1230" b="0" dirty="0" err="1" smtClean="0">
+                <a:solidFill>
+                  <a:schemeClr val="tx1"/>
+                </a:solidFill>
+                <a:latin typeface="LG Smart UI Regular" panose="020B0500000101010101" pitchFamily="50" charset="-127"/>
+                <a:ea typeface="LG Smart UI Regular" panose="020B0500000101010101" pitchFamily="50" charset="-127"/>
+                <a:cs typeface="KoPubWorld바탕체 Bold" panose="00000800000000000000" pitchFamily="2" charset="-127"/>
+              </a:rPr>
+              <a:t>doubl</a:t>
+            </a:r>
+            <a:r>
+              <a:rPr lang="ko-KR" altLang="en-US" sz="1230" b="0" dirty="0" smtClean="0">
+                <a:solidFill>
+                  <a:schemeClr val="tx1"/>
+                </a:solidFill>
+                <a:latin typeface="LG Smart UI Regular" panose="020B0500000101010101" pitchFamily="50" charset="-127"/>
+                <a:ea typeface="LG Smart UI Regular" panose="020B0500000101010101" pitchFamily="50" charset="-127"/>
+                <a:cs typeface="KoPubWorld바탕체 Bold" panose="00000800000000000000" pitchFamily="2" charset="-127"/>
+              </a:rPr>
+              <a:t>형을 받는다</a:t>
+            </a:r>
+            <a:r>
+              <a:rPr lang="en-US" altLang="ko-KR" sz="1230" b="0" dirty="0" smtClean="0">
+                <a:solidFill>
+                  <a:schemeClr val="tx1"/>
+                </a:solidFill>
+                <a:latin typeface="LG Smart UI Regular" panose="020B0500000101010101" pitchFamily="50" charset="-127"/>
+                <a:ea typeface="LG Smart UI Regular" panose="020B0500000101010101" pitchFamily="50" charset="-127"/>
+                <a:cs typeface="KoPubWorld바탕체 Bold" panose="00000800000000000000" pitchFamily="2" charset="-127"/>
+              </a:rPr>
+              <a:t>.</a:t>
+            </a:r>
+          </a:p>
+          <a:p>
+            <a:r>
+              <a:rPr lang="en-US" altLang="ko-KR" sz="1230" b="0" dirty="0" smtClean="0">
+                <a:solidFill>
+                  <a:schemeClr val="tx1"/>
+                </a:solidFill>
+                <a:latin typeface="LG Smart UI Regular" panose="020B0500000101010101" pitchFamily="50" charset="-127"/>
+                <a:ea typeface="LG Smart UI Regular" panose="020B0500000101010101" pitchFamily="50" charset="-127"/>
+                <a:cs typeface="KoPubWorld바탕체 Bold" panose="00000800000000000000" pitchFamily="2" charset="-127"/>
+              </a:rPr>
+              <a:t>	//</a:t>
+            </a:r>
+            <a:r>
+              <a:rPr lang="ko-KR" altLang="en-US" sz="1230" b="0" dirty="0" smtClean="0">
+                <a:solidFill>
+                  <a:schemeClr val="tx1"/>
+                </a:solidFill>
+                <a:latin typeface="LG Smart UI Regular" panose="020B0500000101010101" pitchFamily="50" charset="-127"/>
+                <a:ea typeface="LG Smart UI Regular" panose="020B0500000101010101" pitchFamily="50" charset="-127"/>
+                <a:cs typeface="KoPubWorld바탕체 Bold" panose="00000800000000000000" pitchFamily="2" charset="-127"/>
+              </a:rPr>
+              <a:t>기능 </a:t>
+            </a:r>
+            <a:r>
+              <a:rPr lang="en-US" altLang="ko-KR" sz="1230" b="0" dirty="0" smtClean="0">
+                <a:solidFill>
+                  <a:schemeClr val="tx1"/>
+                </a:solidFill>
+                <a:latin typeface="LG Smart UI Regular" panose="020B0500000101010101" pitchFamily="50" charset="-127"/>
+                <a:ea typeface="LG Smart UI Regular" panose="020B0500000101010101" pitchFamily="50" charset="-127"/>
+                <a:cs typeface="KoPubWorld바탕체 Bold" panose="00000800000000000000" pitchFamily="2" charset="-127"/>
+              </a:rPr>
+              <a:t>2</a:t>
+            </a:r>
+            <a:endParaRPr lang="en-US" altLang="ko-KR" sz="1230" b="0" dirty="0">
+              <a:solidFill>
+                <a:schemeClr val="tx1"/>
+              </a:solidFill>
+              <a:latin typeface="LG Smart UI Regular" panose="020B0500000101010101" pitchFamily="50" charset="-127"/>
+              <a:ea typeface="LG Smart UI Regular" panose="020B0500000101010101" pitchFamily="50" charset="-127"/>
+              <a:cs typeface="KoPubWorld바탕체 Bold" panose="00000800000000000000" pitchFamily="2" charset="-127"/>
+            </a:endParaRPr>
+          </a:p>
+          <a:p>
+            <a:endParaRPr lang="en-US" altLang="ko-KR" sz="1230" b="0" dirty="0" smtClean="0">
+              <a:solidFill>
+                <a:schemeClr val="tx1"/>
+              </a:solidFill>
+              <a:latin typeface="LG Smart UI Regular" panose="020B0500000101010101" pitchFamily="50" charset="-127"/>
+              <a:ea typeface="LG Smart UI Regular" panose="020B0500000101010101" pitchFamily="50" charset="-127"/>
+              <a:cs typeface="KoPubWorld바탕체 Bold" panose="00000800000000000000" pitchFamily="2" charset="-127"/>
+            </a:endParaRPr>
+          </a:p>
+          <a:p>
+            <a:r>
+              <a:rPr lang="en-US" altLang="ko-KR" sz="1230" b="0" dirty="0" smtClean="0">
+                <a:solidFill>
+                  <a:schemeClr val="tx1"/>
+                </a:solidFill>
+                <a:latin typeface="LG Smart UI Regular" panose="020B0500000101010101" pitchFamily="50" charset="-127"/>
+                <a:ea typeface="LG Smart UI Regular" panose="020B0500000101010101" pitchFamily="50" charset="-127"/>
+                <a:cs typeface="KoPubWorld바탕체 Bold" panose="00000800000000000000" pitchFamily="2" charset="-127"/>
+              </a:rPr>
+              <a:t>	// </a:t>
+            </a:r>
+            <a:r>
+              <a:rPr lang="ko-KR" altLang="en-US" sz="1230" b="0" dirty="0" smtClean="0">
+                <a:solidFill>
+                  <a:schemeClr val="tx1"/>
+                </a:solidFill>
+                <a:latin typeface="LG Smart UI Regular" panose="020B0500000101010101" pitchFamily="50" charset="-127"/>
+                <a:ea typeface="LG Smart UI Regular" panose="020B0500000101010101" pitchFamily="50" charset="-127"/>
+                <a:cs typeface="KoPubWorld바탕체 Bold" panose="00000800000000000000" pitchFamily="2" charset="-127"/>
+              </a:rPr>
+              <a:t>함수 오버로딩을 통해 함수이름은 같지만 매개</a:t>
+            </a:r>
+            <a:r>
+              <a:rPr lang="en-US" altLang="ko-KR" sz="1230" b="0" dirty="0" smtClean="0">
+                <a:solidFill>
+                  <a:schemeClr val="tx1"/>
+                </a:solidFill>
+                <a:latin typeface="LG Smart UI Regular" panose="020B0500000101010101" pitchFamily="50" charset="-127"/>
+                <a:ea typeface="LG Smart UI Regular" panose="020B0500000101010101" pitchFamily="50" charset="-127"/>
+                <a:cs typeface="KoPubWorld바탕체 Bold" panose="00000800000000000000" pitchFamily="2" charset="-127"/>
+              </a:rPr>
+              <a:t>	//</a:t>
+            </a:r>
+            <a:r>
+              <a:rPr lang="ko-KR" altLang="en-US" sz="1230" b="0" dirty="0" smtClean="0">
+                <a:solidFill>
+                  <a:schemeClr val="tx1"/>
+                </a:solidFill>
+                <a:latin typeface="LG Smart UI Regular" panose="020B0500000101010101" pitchFamily="50" charset="-127"/>
+                <a:ea typeface="LG Smart UI Regular" panose="020B0500000101010101" pitchFamily="50" charset="-127"/>
+                <a:cs typeface="KoPubWorld바탕체 Bold" panose="00000800000000000000" pitchFamily="2" charset="-127"/>
+              </a:rPr>
+              <a:t>변수로 오는 인자가 다르기 때문에 각각 함수는 </a:t>
+            </a:r>
             <a:r>
               <a:rPr lang="en-US" altLang="ko-KR" sz="1230" b="0" dirty="0">
                 <a:solidFill>
@@ -6971,59 +8165,1391 @@
               <a:t>	</a:t>
             </a:r>
             <a:r>
-              <a:rPr lang="en-US" altLang="ko-KR" sz="1230" dirty="0" smtClean="0">
-                <a:solidFill>
-                  <a:schemeClr val="tx1"/>
-                </a:solidFill>
-                <a:latin typeface="LG Smart UI Regular" panose="020B0500000101010101" pitchFamily="50" charset="-127"/>
-                <a:ea typeface="LG Smart UI Regular" panose="020B0500000101010101" pitchFamily="50" charset="-127"/>
-                <a:cs typeface="KoPubWorld바탕체 Bold" panose="00000800000000000000" pitchFamily="2" charset="-127"/>
-              </a:rPr>
-              <a:t>//Class1</a:t>
-            </a:r>
-            <a:r>
-              <a:rPr lang="ko-KR" altLang="en-US" sz="1230" dirty="0" smtClean="0">
-                <a:solidFill>
-                  <a:schemeClr val="tx1"/>
-                </a:solidFill>
-                <a:latin typeface="LG Smart UI Regular" panose="020B0500000101010101" pitchFamily="50" charset="-127"/>
-                <a:ea typeface="LG Smart UI Regular" panose="020B0500000101010101" pitchFamily="50" charset="-127"/>
-                <a:cs typeface="KoPubWorld바탕체 Bold" panose="00000800000000000000" pitchFamily="2" charset="-127"/>
-              </a:rPr>
-              <a:t>의 </a:t>
-            </a:r>
-            <a:r>
-              <a:rPr lang="en-US" altLang="ko-KR" sz="1230" dirty="0" smtClean="0">
-                <a:solidFill>
-                  <a:schemeClr val="tx1"/>
-                </a:solidFill>
-                <a:latin typeface="LG Smart UI Regular" panose="020B0500000101010101" pitchFamily="50" charset="-127"/>
-                <a:ea typeface="LG Smart UI Regular" panose="020B0500000101010101" pitchFamily="50" charset="-127"/>
-                <a:cs typeface="KoPubWorld바탕체 Bold" panose="00000800000000000000" pitchFamily="2" charset="-127"/>
-              </a:rPr>
-              <a:t>private </a:t>
-            </a:r>
-            <a:r>
-              <a:rPr lang="ko-KR" altLang="en-US" sz="1230" dirty="0" err="1" smtClean="0">
-                <a:solidFill>
-                  <a:schemeClr val="tx1"/>
-                </a:solidFill>
-                <a:latin typeface="LG Smart UI Regular" panose="020B0500000101010101" pitchFamily="50" charset="-127"/>
-                <a:ea typeface="LG Smart UI Regular" panose="020B0500000101010101" pitchFamily="50" charset="-127"/>
-                <a:cs typeface="KoPubWorld바탕체 Bold" panose="00000800000000000000" pitchFamily="2" charset="-127"/>
-              </a:rPr>
-              <a:t>접근제한자</a:t>
-            </a:r>
-            <a:r>
-              <a:rPr lang="ko-KR" altLang="en-US" sz="1230" dirty="0" smtClean="0">
-                <a:solidFill>
-                  <a:schemeClr val="tx1"/>
-                </a:solidFill>
-                <a:latin typeface="LG Smart UI Regular" panose="020B0500000101010101" pitchFamily="50" charset="-127"/>
-                <a:ea typeface="LG Smart UI Regular" panose="020B0500000101010101" pitchFamily="50" charset="-127"/>
-                <a:cs typeface="KoPubWorld바탕체 Bold" panose="00000800000000000000" pitchFamily="2" charset="-127"/>
-              </a:rPr>
-              <a:t> 에 접근이 가능</a:t>
+              <a:rPr lang="en-US" altLang="ko-KR" sz="1230" b="0" dirty="0" smtClean="0">
+                <a:solidFill>
+                  <a:schemeClr val="tx1"/>
+                </a:solidFill>
+                <a:latin typeface="LG Smart UI Regular" panose="020B0500000101010101" pitchFamily="50" charset="-127"/>
+                <a:ea typeface="LG Smart UI Regular" panose="020B0500000101010101" pitchFamily="50" charset="-127"/>
+                <a:cs typeface="KoPubWorld바탕체 Bold" panose="00000800000000000000" pitchFamily="2" charset="-127"/>
+              </a:rPr>
+              <a:t>//</a:t>
+            </a:r>
+            <a:r>
+              <a:rPr lang="ko-KR" altLang="en-US" sz="1230" b="0" dirty="0" smtClean="0">
+                <a:solidFill>
+                  <a:schemeClr val="tx1"/>
+                </a:solidFill>
+                <a:latin typeface="LG Smart UI Regular" panose="020B0500000101010101" pitchFamily="50" charset="-127"/>
+                <a:ea typeface="LG Smart UI Regular" panose="020B0500000101010101" pitchFamily="50" charset="-127"/>
+                <a:cs typeface="KoPubWorld바탕체 Bold" panose="00000800000000000000" pitchFamily="2" charset="-127"/>
+              </a:rPr>
+              <a:t>매개변수를 어떤 형태로 받느냐에 따라 함수의 </a:t>
+            </a:r>
+            <a:r>
+              <a:rPr lang="en-US" altLang="ko-KR" sz="1230" b="0" dirty="0" smtClean="0">
+                <a:solidFill>
+                  <a:schemeClr val="tx1"/>
+                </a:solidFill>
+                <a:latin typeface="LG Smart UI Regular" panose="020B0500000101010101" pitchFamily="50" charset="-127"/>
+                <a:ea typeface="LG Smart UI Regular" panose="020B0500000101010101" pitchFamily="50" charset="-127"/>
+                <a:cs typeface="KoPubWorld바탕체 Bold" panose="00000800000000000000" pitchFamily="2" charset="-127"/>
+              </a:rPr>
+              <a:t>	//</a:t>
+            </a:r>
+            <a:r>
+              <a:rPr lang="ko-KR" altLang="en-US" sz="1230" b="0" dirty="0" smtClean="0">
+                <a:solidFill>
+                  <a:schemeClr val="tx1"/>
+                </a:solidFill>
+                <a:latin typeface="LG Smart UI Regular" panose="020B0500000101010101" pitchFamily="50" charset="-127"/>
+                <a:ea typeface="LG Smart UI Regular" panose="020B0500000101010101" pitchFamily="50" charset="-127"/>
+                <a:cs typeface="KoPubWorld바탕체 Bold" panose="00000800000000000000" pitchFamily="2" charset="-127"/>
+              </a:rPr>
+              <a:t>역할이 달라진다</a:t>
+            </a:r>
+            <a:r>
+              <a:rPr lang="en-US" altLang="ko-KR" sz="1230" b="0" dirty="0" smtClean="0">
+                <a:solidFill>
+                  <a:schemeClr val="tx1"/>
+                </a:solidFill>
+                <a:latin typeface="LG Smart UI Regular" panose="020B0500000101010101" pitchFamily="50" charset="-127"/>
+                <a:ea typeface="LG Smart UI Regular" panose="020B0500000101010101" pitchFamily="50" charset="-127"/>
+                <a:cs typeface="KoPubWorld바탕체 Bold" panose="00000800000000000000" pitchFamily="2" charset="-127"/>
+              </a:rPr>
+              <a:t>.</a:t>
+            </a:r>
+            <a:endParaRPr lang="en-US" altLang="ko-KR" sz="1230" b="0" dirty="0">
+              <a:solidFill>
+                <a:schemeClr val="tx1"/>
+              </a:solidFill>
+              <a:latin typeface="LG Smart UI Regular" panose="020B0500000101010101" pitchFamily="50" charset="-127"/>
+              <a:ea typeface="LG Smart UI Regular" panose="020B0500000101010101" pitchFamily="50" charset="-127"/>
+              <a:cs typeface="KoPubWorld바탕체 Bold" panose="00000800000000000000" pitchFamily="2" charset="-127"/>
+            </a:endParaRPr>
+          </a:p>
+          <a:p>
+            <a:r>
+              <a:rPr lang="en-US" altLang="ko-KR" sz="1230" b="0" dirty="0" smtClean="0">
+                <a:solidFill>
+                  <a:schemeClr val="tx1"/>
+                </a:solidFill>
+                <a:latin typeface="LG Smart UI Regular" panose="020B0500000101010101" pitchFamily="50" charset="-127"/>
+                <a:ea typeface="LG Smart UI Regular" panose="020B0500000101010101" pitchFamily="50" charset="-127"/>
+                <a:cs typeface="KoPubWorld바탕체 Bold" panose="00000800000000000000" pitchFamily="2" charset="-127"/>
+              </a:rPr>
+              <a:t>}</a:t>
+            </a:r>
+          </a:p>
+          <a:p>
+            <a:endParaRPr lang="en-US" altLang="ko-KR" sz="1230" b="0" dirty="0">
+              <a:solidFill>
+                <a:schemeClr val="tx1"/>
+              </a:solidFill>
+              <a:latin typeface="LG Smart UI Regular" panose="020B0500000101010101" pitchFamily="50" charset="-127"/>
+              <a:ea typeface="LG Smart UI Regular" panose="020B0500000101010101" pitchFamily="50" charset="-127"/>
+              <a:cs typeface="KoPubWorld바탕체 Bold" panose="00000800000000000000" pitchFamily="2" charset="-127"/>
+            </a:endParaRPr>
+          </a:p>
+          <a:p>
+            <a:r>
+              <a:rPr lang="en-US" altLang="ko-KR" sz="1230" b="0" dirty="0" err="1" smtClean="0">
+                <a:solidFill>
+                  <a:schemeClr val="tx1"/>
+                </a:solidFill>
+                <a:latin typeface="LG Smart UI Regular" panose="020B0500000101010101" pitchFamily="50" charset="-127"/>
+                <a:ea typeface="LG Smart UI Regular" panose="020B0500000101010101" pitchFamily="50" charset="-127"/>
+                <a:cs typeface="KoPubWorld바탕체 Bold" panose="00000800000000000000" pitchFamily="2" charset="-127"/>
+              </a:rPr>
+              <a:t>Int</a:t>
+            </a:r>
+            <a:r>
+              <a:rPr lang="en-US" altLang="ko-KR" sz="1230" b="0" dirty="0" smtClean="0">
+                <a:solidFill>
+                  <a:schemeClr val="tx1"/>
+                </a:solidFill>
+                <a:latin typeface="LG Smart UI Regular" panose="020B0500000101010101" pitchFamily="50" charset="-127"/>
+                <a:ea typeface="LG Smart UI Regular" panose="020B0500000101010101" pitchFamily="50" charset="-127"/>
+                <a:cs typeface="KoPubWorld바탕체 Bold" panose="00000800000000000000" pitchFamily="2" charset="-127"/>
+              </a:rPr>
+              <a:t> main(){</a:t>
+            </a:r>
+          </a:p>
+          <a:p>
+            <a:r>
+              <a:rPr lang="en-US" altLang="ko-KR" sz="1230" b="0" dirty="0" smtClean="0">
+                <a:solidFill>
+                  <a:schemeClr val="tx1"/>
+                </a:solidFill>
+                <a:latin typeface="LG Smart UI Regular" panose="020B0500000101010101" pitchFamily="50" charset="-127"/>
+                <a:ea typeface="LG Smart UI Regular" panose="020B0500000101010101" pitchFamily="50" charset="-127"/>
+                <a:cs typeface="KoPubWorld바탕체 Bold" panose="00000800000000000000" pitchFamily="2" charset="-127"/>
+              </a:rPr>
+              <a:t>	</a:t>
+            </a:r>
+            <a:r>
+              <a:rPr lang="en-US" altLang="ko-KR" sz="1230" b="0" dirty="0" err="1" smtClean="0">
+                <a:solidFill>
+                  <a:schemeClr val="tx1"/>
+                </a:solidFill>
+                <a:latin typeface="LG Smart UI Regular" panose="020B0500000101010101" pitchFamily="50" charset="-127"/>
+                <a:ea typeface="LG Smart UI Regular" panose="020B0500000101010101" pitchFamily="50" charset="-127"/>
+                <a:cs typeface="KoPubWorld바탕체 Bold" panose="00000800000000000000" pitchFamily="2" charset="-127"/>
+              </a:rPr>
+              <a:t>func</a:t>
+            </a:r>
+            <a:r>
+              <a:rPr lang="en-US" altLang="ko-KR" sz="1230" b="0" dirty="0" smtClean="0">
+                <a:solidFill>
+                  <a:schemeClr val="tx1"/>
+                </a:solidFill>
+                <a:latin typeface="LG Smart UI Regular" panose="020B0500000101010101" pitchFamily="50" charset="-127"/>
+                <a:ea typeface="LG Smart UI Regular" panose="020B0500000101010101" pitchFamily="50" charset="-127"/>
+                <a:cs typeface="KoPubWorld바탕체 Bold" panose="00000800000000000000" pitchFamily="2" charset="-127"/>
+              </a:rPr>
+              <a:t>(1); // </a:t>
+            </a:r>
+            <a:r>
+              <a:rPr lang="ko-KR" altLang="en-US" sz="1230" b="0" dirty="0" smtClean="0">
+                <a:solidFill>
+                  <a:schemeClr val="tx1"/>
+                </a:solidFill>
+                <a:latin typeface="LG Smart UI Regular" panose="020B0500000101010101" pitchFamily="50" charset="-127"/>
+                <a:ea typeface="LG Smart UI Regular" panose="020B0500000101010101" pitchFamily="50" charset="-127"/>
+                <a:cs typeface="KoPubWorld바탕체 Bold" panose="00000800000000000000" pitchFamily="2" charset="-127"/>
+              </a:rPr>
+              <a:t>기능</a:t>
+            </a:r>
+            <a:r>
+              <a:rPr lang="en-US" altLang="ko-KR" sz="1230" b="0" dirty="0" smtClean="0">
+                <a:solidFill>
+                  <a:schemeClr val="tx1"/>
+                </a:solidFill>
+                <a:latin typeface="LG Smart UI Regular" panose="020B0500000101010101" pitchFamily="50" charset="-127"/>
+                <a:ea typeface="LG Smart UI Regular" panose="020B0500000101010101" pitchFamily="50" charset="-127"/>
+                <a:cs typeface="KoPubWorld바탕체 Bold" panose="00000800000000000000" pitchFamily="2" charset="-127"/>
+              </a:rPr>
+              <a:t>1</a:t>
+            </a:r>
+            <a:r>
+              <a:rPr lang="ko-KR" altLang="en-US" sz="1230" b="0" dirty="0" smtClean="0">
+                <a:solidFill>
+                  <a:schemeClr val="tx1"/>
+                </a:solidFill>
+                <a:latin typeface="LG Smart UI Regular" panose="020B0500000101010101" pitchFamily="50" charset="-127"/>
+                <a:ea typeface="LG Smart UI Regular" panose="020B0500000101010101" pitchFamily="50" charset="-127"/>
+                <a:cs typeface="KoPubWorld바탕체 Bold" panose="00000800000000000000" pitchFamily="2" charset="-127"/>
+              </a:rPr>
+              <a:t>에 대한 내용 실행</a:t>
+            </a:r>
+            <a:endParaRPr lang="en-US" altLang="ko-KR" sz="1230" b="0" dirty="0" smtClean="0">
+              <a:solidFill>
+                <a:schemeClr val="tx1"/>
+              </a:solidFill>
+              <a:latin typeface="LG Smart UI Regular" panose="020B0500000101010101" pitchFamily="50" charset="-127"/>
+              <a:ea typeface="LG Smart UI Regular" panose="020B0500000101010101" pitchFamily="50" charset="-127"/>
+              <a:cs typeface="KoPubWorld바탕체 Bold" panose="00000800000000000000" pitchFamily="2" charset="-127"/>
+            </a:endParaRPr>
+          </a:p>
+          <a:p>
+            <a:r>
+              <a:rPr lang="en-US" altLang="ko-KR" sz="1230" b="0" dirty="0">
+                <a:solidFill>
+                  <a:schemeClr val="tx1"/>
+                </a:solidFill>
+                <a:latin typeface="LG Smart UI Regular" panose="020B0500000101010101" pitchFamily="50" charset="-127"/>
+                <a:ea typeface="LG Smart UI Regular" panose="020B0500000101010101" pitchFamily="50" charset="-127"/>
+                <a:cs typeface="KoPubWorld바탕체 Bold" panose="00000800000000000000" pitchFamily="2" charset="-127"/>
+              </a:rPr>
+              <a:t>	</a:t>
+            </a:r>
+            <a:r>
+              <a:rPr lang="en-US" altLang="ko-KR" sz="1230" b="0" dirty="0" err="1" smtClean="0">
+                <a:solidFill>
+                  <a:schemeClr val="tx1"/>
+                </a:solidFill>
+                <a:latin typeface="LG Smart UI Regular" panose="020B0500000101010101" pitchFamily="50" charset="-127"/>
+                <a:ea typeface="LG Smart UI Regular" panose="020B0500000101010101" pitchFamily="50" charset="-127"/>
+                <a:cs typeface="KoPubWorld바탕체 Bold" panose="00000800000000000000" pitchFamily="2" charset="-127"/>
+              </a:rPr>
+              <a:t>func</a:t>
+            </a:r>
+            <a:r>
+              <a:rPr lang="en-US" altLang="ko-KR" sz="1230" b="0" dirty="0" smtClean="0">
+                <a:solidFill>
+                  <a:schemeClr val="tx1"/>
+                </a:solidFill>
+                <a:latin typeface="LG Smart UI Regular" panose="020B0500000101010101" pitchFamily="50" charset="-127"/>
+                <a:ea typeface="LG Smart UI Regular" panose="020B0500000101010101" pitchFamily="50" charset="-127"/>
+                <a:cs typeface="KoPubWorld바탕체 Bold" panose="00000800000000000000" pitchFamily="2" charset="-127"/>
+              </a:rPr>
+              <a:t>(21.7); // </a:t>
+            </a:r>
+            <a:r>
+              <a:rPr lang="ko-KR" altLang="en-US" sz="1230" b="0" dirty="0" smtClean="0">
+                <a:solidFill>
+                  <a:schemeClr val="tx1"/>
+                </a:solidFill>
+                <a:latin typeface="LG Smart UI Regular" panose="020B0500000101010101" pitchFamily="50" charset="-127"/>
+                <a:ea typeface="LG Smart UI Regular" panose="020B0500000101010101" pitchFamily="50" charset="-127"/>
+                <a:cs typeface="KoPubWorld바탕체 Bold" panose="00000800000000000000" pitchFamily="2" charset="-127"/>
+              </a:rPr>
+              <a:t>기능</a:t>
+            </a:r>
+            <a:r>
+              <a:rPr lang="en-US" altLang="ko-KR" sz="1230" b="0" dirty="0" smtClean="0">
+                <a:solidFill>
+                  <a:schemeClr val="tx1"/>
+                </a:solidFill>
+                <a:latin typeface="LG Smart UI Regular" panose="020B0500000101010101" pitchFamily="50" charset="-127"/>
+                <a:ea typeface="LG Smart UI Regular" panose="020B0500000101010101" pitchFamily="50" charset="-127"/>
+                <a:cs typeface="KoPubWorld바탕체 Bold" panose="00000800000000000000" pitchFamily="2" charset="-127"/>
+              </a:rPr>
+              <a:t>2</a:t>
+            </a:r>
+            <a:r>
+              <a:rPr lang="ko-KR" altLang="en-US" sz="1230" b="0" dirty="0" smtClean="0">
+                <a:solidFill>
+                  <a:schemeClr val="tx1"/>
+                </a:solidFill>
+                <a:latin typeface="LG Smart UI Regular" panose="020B0500000101010101" pitchFamily="50" charset="-127"/>
+                <a:ea typeface="LG Smart UI Regular" panose="020B0500000101010101" pitchFamily="50" charset="-127"/>
+                <a:cs typeface="KoPubWorld바탕체 Bold" panose="00000800000000000000" pitchFamily="2" charset="-127"/>
+              </a:rPr>
+              <a:t>에 대한 내용 실행</a:t>
+            </a:r>
+            <a:endParaRPr lang="en-US" altLang="ko-KR" sz="1230" b="0" dirty="0">
+              <a:solidFill>
+                <a:schemeClr val="tx1"/>
+              </a:solidFill>
+              <a:latin typeface="LG Smart UI Regular" panose="020B0500000101010101" pitchFamily="50" charset="-127"/>
+              <a:ea typeface="LG Smart UI Regular" panose="020B0500000101010101" pitchFamily="50" charset="-127"/>
+              <a:cs typeface="KoPubWorld바탕체 Bold" panose="00000800000000000000" pitchFamily="2" charset="-127"/>
+            </a:endParaRPr>
+          </a:p>
+          <a:p>
+            <a:r>
+              <a:rPr lang="en-US" altLang="ko-KR" sz="1230" b="0" dirty="0" smtClean="0">
+                <a:solidFill>
+                  <a:schemeClr val="tx1"/>
+                </a:solidFill>
+                <a:latin typeface="LG Smart UI Regular" panose="020B0500000101010101" pitchFamily="50" charset="-127"/>
+                <a:ea typeface="LG Smart UI Regular" panose="020B0500000101010101" pitchFamily="50" charset="-127"/>
+                <a:cs typeface="KoPubWorld바탕체 Bold" panose="00000800000000000000" pitchFamily="2" charset="-127"/>
+              </a:rPr>
+              <a:t>}</a:t>
+            </a:r>
+            <a:endParaRPr lang="en-US" altLang="ko-KR" sz="1230" b="0" dirty="0">
+              <a:solidFill>
+                <a:schemeClr val="tx1"/>
+              </a:solidFill>
+              <a:latin typeface="LG Smart UI Regular" panose="020B0500000101010101" pitchFamily="50" charset="-127"/>
+              <a:ea typeface="LG Smart UI Regular" panose="020B0500000101010101" pitchFamily="50" charset="-127"/>
+              <a:cs typeface="KoPubWorld바탕체 Bold" panose="00000800000000000000" pitchFamily="2" charset="-127"/>
+            </a:endParaRPr>
+          </a:p>
+        </p:txBody>
+      </p:sp>
+    </p:spTree>
+    <p:extLst>
+      <p:ext uri="{BB962C8B-B14F-4D97-AF65-F5344CB8AC3E}">
+        <p14:creationId xmlns:p14="http://schemas.microsoft.com/office/powerpoint/2010/main" val="3741035743"/>
+      </p:ext>
+    </p:extLst>
+  </p:cSld>
+  <p:clrMapOvr>
+    <a:masterClrMapping/>
+  </p:clrMapOvr>
+  <p:timing>
+    <p:tnLst>
+      <p:par>
+        <p:cTn id="1" dur="indefinite" restart="never" nodeType="tmRoot"/>
+      </p:par>
+    </p:tnLst>
+  </p:timing>
+</p:sld>
+</file>
+
+<file path=ppt/slides/slide12.xml><?xml version="1.0" encoding="utf-8"?>
+<p:sld xmlns:a="http://schemas.openxmlformats.org/drawingml/2006/main" xmlns:r="http://schemas.openxmlformats.org/officeDocument/2006/relationships" xmlns:p="http://schemas.openxmlformats.org/presentationml/2006/main">
+  <p:cSld>
+    <p:spTree>
+      <p:nvGrpSpPr>
+        <p:cNvPr id="1" name=""/>
+        <p:cNvGrpSpPr/>
+        <p:nvPr/>
+      </p:nvGrpSpPr>
+      <p:grpSpPr>
+        <a:xfrm>
+          <a:off x="0" y="0"/>
+          <a:ext cx="0" cy="0"/>
+          <a:chOff x="0" y="0"/>
+          <a:chExt cx="0" cy="0"/>
+        </a:xfrm>
+      </p:grpSpPr>
+      <p:sp>
+        <p:nvSpPr>
+          <p:cNvPr id="3" name="제목 1"/>
+          <p:cNvSpPr txBox="1">
+            <a:spLocks/>
+          </p:cNvSpPr>
+          <p:nvPr/>
+        </p:nvSpPr>
+        <p:spPr>
+          <a:xfrm>
+            <a:off x="941370" y="150454"/>
+            <a:ext cx="4446175" cy="656854"/>
+          </a:xfrm>
+          <a:prstGeom prst="rect">
+            <a:avLst/>
+          </a:prstGeom>
+        </p:spPr>
+        <p:txBody>
+          <a:bodyPr rtlCol="0" anchor="ctr"/>
+          <a:lstStyle>
+            <a:lvl1pPr algn="l" defTabSz="914400" rtl="0" eaLnBrk="1" latinLnBrk="1" hangingPunct="1">
+              <a:spcBef>
+                <a:spcPct val="0"/>
+              </a:spcBef>
+              <a:buNone/>
+              <a:defRPr sz="2400" b="1" kern="1200">
+                <a:solidFill>
+                  <a:schemeClr val="bg1"/>
+                </a:solidFill>
+                <a:latin typeface="Calibri" pitchFamily="34" charset="0"/>
+                <a:ea typeface="LG스마트체 Bold" panose="020B0600000101010101" pitchFamily="50" charset="-127"/>
+                <a:cs typeface="+mj-cs"/>
+              </a:defRPr>
+            </a:lvl1pPr>
+          </a:lstStyle>
+          <a:p>
+            <a:r>
+              <a:rPr lang="en-US" altLang="ko-KR" sz="2200" dirty="0" smtClean="0">
+                <a:solidFill>
+                  <a:schemeClr val="tx1"/>
+                </a:solidFill>
+                <a:latin typeface="LG Smart UI Regular" panose="020B0500000101010101" pitchFamily="50" charset="-127"/>
+                <a:ea typeface="LG Smart UI Regular" panose="020B0500000101010101" pitchFamily="50" charset="-127"/>
+                <a:cs typeface="KoPubWorld바탕체 Bold" panose="00000800000000000000" pitchFamily="2" charset="-127"/>
+              </a:rPr>
+              <a:t>122. </a:t>
+            </a:r>
+            <a:r>
+              <a:rPr lang="ko-KR" altLang="en-US" sz="2200" dirty="0" smtClean="0">
+                <a:solidFill>
+                  <a:schemeClr val="tx1"/>
+                </a:solidFill>
+                <a:latin typeface="LG Smart UI Regular" panose="020B0500000101010101" pitchFamily="50" charset="-127"/>
+                <a:ea typeface="LG Smart UI Regular" panose="020B0500000101010101" pitchFamily="50" charset="-127"/>
+                <a:cs typeface="KoPubWorld바탕체 Bold" panose="00000800000000000000" pitchFamily="2" charset="-127"/>
+              </a:rPr>
+              <a:t>디폴트 매개변수</a:t>
+            </a:r>
+            <a:endParaRPr lang="en-US" altLang="ko-KR" sz="2200" dirty="0" smtClean="0">
+              <a:solidFill>
+                <a:schemeClr val="tx1"/>
+              </a:solidFill>
+              <a:latin typeface="LG Smart UI Regular" panose="020B0500000101010101" pitchFamily="50" charset="-127"/>
+              <a:ea typeface="LG Smart UI Regular" panose="020B0500000101010101" pitchFamily="50" charset="-127"/>
+              <a:cs typeface="KoPubWorld바탕체 Bold" panose="00000800000000000000" pitchFamily="2" charset="-127"/>
+            </a:endParaRPr>
+          </a:p>
+        </p:txBody>
+      </p:sp>
+      <p:sp>
+        <p:nvSpPr>
+          <p:cNvPr id="6" name="제목 1"/>
+          <p:cNvSpPr txBox="1">
+            <a:spLocks/>
+          </p:cNvSpPr>
+          <p:nvPr/>
+        </p:nvSpPr>
+        <p:spPr>
+          <a:xfrm>
+            <a:off x="2019398" y="1647569"/>
+            <a:ext cx="6127824" cy="3739979"/>
+          </a:xfrm>
+          <a:prstGeom prst="rect">
+            <a:avLst/>
+          </a:prstGeom>
+        </p:spPr>
+        <p:txBody>
+          <a:bodyPr rtlCol="0" anchor="ctr"/>
+          <a:lstStyle>
+            <a:lvl1pPr algn="l" defTabSz="914400" rtl="0" eaLnBrk="1" latinLnBrk="1" hangingPunct="1">
+              <a:spcBef>
+                <a:spcPct val="0"/>
+              </a:spcBef>
+              <a:buNone/>
+              <a:defRPr sz="2400" b="1" kern="1200">
+                <a:solidFill>
+                  <a:schemeClr val="bg1"/>
+                </a:solidFill>
+                <a:latin typeface="Calibri" pitchFamily="34" charset="0"/>
+                <a:ea typeface="LG스마트체 Bold" panose="020B0600000101010101" pitchFamily="50" charset="-127"/>
+                <a:cs typeface="+mj-cs"/>
+              </a:defRPr>
+            </a:lvl1pPr>
+          </a:lstStyle>
+          <a:p>
+            <a:r>
+              <a:rPr lang="en-US" altLang="ko-KR" sz="1230" b="0" dirty="0" err="1" smtClean="0">
+                <a:solidFill>
+                  <a:schemeClr val="tx1"/>
+                </a:solidFill>
+                <a:latin typeface="LG Smart UI Regular" panose="020B0500000101010101" pitchFamily="50" charset="-127"/>
+                <a:ea typeface="LG Smart UI Regular" panose="020B0500000101010101" pitchFamily="50" charset="-127"/>
+                <a:cs typeface="KoPubWorld바탕체 Bold" panose="00000800000000000000" pitchFamily="2" charset="-127"/>
+              </a:rPr>
+              <a:t>Int</a:t>
+            </a:r>
+            <a:r>
+              <a:rPr lang="en-US" altLang="ko-KR" sz="1230" b="0" dirty="0" smtClean="0">
+                <a:solidFill>
+                  <a:schemeClr val="tx1"/>
+                </a:solidFill>
+                <a:latin typeface="LG Smart UI Regular" panose="020B0500000101010101" pitchFamily="50" charset="-127"/>
+                <a:ea typeface="LG Smart UI Regular" panose="020B0500000101010101" pitchFamily="50" charset="-127"/>
+                <a:cs typeface="KoPubWorld바탕체 Bold" panose="00000800000000000000" pitchFamily="2" charset="-127"/>
+              </a:rPr>
+              <a:t> func1(){</a:t>
+            </a:r>
+          </a:p>
+          <a:p>
+            <a:r>
+              <a:rPr lang="en-US" altLang="ko-KR" sz="1230" b="0" dirty="0" smtClean="0">
+                <a:solidFill>
+                  <a:schemeClr val="tx1"/>
+                </a:solidFill>
+                <a:latin typeface="LG Smart UI Regular" panose="020B0500000101010101" pitchFamily="50" charset="-127"/>
+                <a:ea typeface="LG Smart UI Regular" panose="020B0500000101010101" pitchFamily="50" charset="-127"/>
+                <a:cs typeface="KoPubWorld바탕체 Bold" panose="00000800000000000000" pitchFamily="2" charset="-127"/>
+              </a:rPr>
+              <a:t>	return 1;</a:t>
+            </a:r>
+            <a:endParaRPr lang="en-US" altLang="ko-KR" sz="1230" b="0" dirty="0">
+              <a:solidFill>
+                <a:schemeClr val="tx1"/>
+              </a:solidFill>
+              <a:latin typeface="LG Smart UI Regular" panose="020B0500000101010101" pitchFamily="50" charset="-127"/>
+              <a:ea typeface="LG Smart UI Regular" panose="020B0500000101010101" pitchFamily="50" charset="-127"/>
+              <a:cs typeface="KoPubWorld바탕체 Bold" panose="00000800000000000000" pitchFamily="2" charset="-127"/>
+            </a:endParaRPr>
+          </a:p>
+          <a:p>
+            <a:r>
+              <a:rPr lang="en-US" altLang="ko-KR" sz="1230" b="0" dirty="0" smtClean="0">
+                <a:solidFill>
+                  <a:schemeClr val="tx1"/>
+                </a:solidFill>
+                <a:latin typeface="LG Smart UI Regular" panose="020B0500000101010101" pitchFamily="50" charset="-127"/>
+                <a:ea typeface="LG Smart UI Regular" panose="020B0500000101010101" pitchFamily="50" charset="-127"/>
+                <a:cs typeface="KoPubWorld바탕체 Bold" panose="00000800000000000000" pitchFamily="2" charset="-127"/>
+              </a:rPr>
+              <a:t>}</a:t>
+            </a:r>
+          </a:p>
+          <a:p>
+            <a:r>
+              <a:rPr lang="en-US" altLang="ko-KR" sz="1230" b="0" dirty="0" err="1" smtClean="0">
+                <a:solidFill>
+                  <a:schemeClr val="tx1"/>
+                </a:solidFill>
+                <a:latin typeface="LG Smart UI Regular" panose="020B0500000101010101" pitchFamily="50" charset="-127"/>
+                <a:ea typeface="LG Smart UI Regular" panose="020B0500000101010101" pitchFamily="50" charset="-127"/>
+                <a:cs typeface="KoPubWorld바탕체 Bold" panose="00000800000000000000" pitchFamily="2" charset="-127"/>
+              </a:rPr>
+              <a:t>Int</a:t>
+            </a:r>
+            <a:r>
+              <a:rPr lang="en-US" altLang="ko-KR" sz="1230" b="0" dirty="0" smtClean="0">
+                <a:solidFill>
+                  <a:schemeClr val="tx1"/>
+                </a:solidFill>
+                <a:latin typeface="LG Smart UI Regular" panose="020B0500000101010101" pitchFamily="50" charset="-127"/>
+                <a:ea typeface="LG Smart UI Regular" panose="020B0500000101010101" pitchFamily="50" charset="-127"/>
+                <a:cs typeface="KoPubWorld바탕체 Bold" panose="00000800000000000000" pitchFamily="2" charset="-127"/>
+              </a:rPr>
+              <a:t> func2(</a:t>
+            </a:r>
+            <a:r>
+              <a:rPr lang="en-US" altLang="ko-KR" sz="1230" b="0" dirty="0" err="1" smtClean="0">
+                <a:solidFill>
+                  <a:schemeClr val="tx1"/>
+                </a:solidFill>
+                <a:latin typeface="LG Smart UI Regular" panose="020B0500000101010101" pitchFamily="50" charset="-127"/>
+                <a:ea typeface="LG Smart UI Regular" panose="020B0500000101010101" pitchFamily="50" charset="-127"/>
+                <a:cs typeface="KoPubWorld바탕체 Bold" panose="00000800000000000000" pitchFamily="2" charset="-127"/>
+              </a:rPr>
+              <a:t>int</a:t>
+            </a:r>
+            <a:r>
+              <a:rPr lang="en-US" altLang="ko-KR" sz="1230" b="0" dirty="0" smtClean="0">
+                <a:solidFill>
+                  <a:schemeClr val="tx1"/>
+                </a:solidFill>
+                <a:latin typeface="LG Smart UI Regular" panose="020B0500000101010101" pitchFamily="50" charset="-127"/>
+                <a:ea typeface="LG Smart UI Regular" panose="020B0500000101010101" pitchFamily="50" charset="-127"/>
+                <a:cs typeface="KoPubWorld바탕체 Bold" panose="00000800000000000000" pitchFamily="2" charset="-127"/>
+              </a:rPr>
+              <a:t> x, </a:t>
+            </a:r>
+            <a:r>
+              <a:rPr lang="en-US" altLang="ko-KR" sz="1230" b="0" dirty="0" err="1" smtClean="0">
+                <a:solidFill>
+                  <a:schemeClr val="tx1"/>
+                </a:solidFill>
+                <a:latin typeface="LG Smart UI Regular" panose="020B0500000101010101" pitchFamily="50" charset="-127"/>
+                <a:ea typeface="LG Smart UI Regular" panose="020B0500000101010101" pitchFamily="50" charset="-127"/>
+                <a:cs typeface="KoPubWorld바탕체 Bold" panose="00000800000000000000" pitchFamily="2" charset="-127"/>
+              </a:rPr>
+              <a:t>int</a:t>
+            </a:r>
+            <a:r>
+              <a:rPr lang="en-US" altLang="ko-KR" sz="1230" b="0" dirty="0" smtClean="0">
+                <a:solidFill>
+                  <a:schemeClr val="tx1"/>
+                </a:solidFill>
+                <a:latin typeface="LG Smart UI Regular" panose="020B0500000101010101" pitchFamily="50" charset="-127"/>
+                <a:ea typeface="LG Smart UI Regular" panose="020B0500000101010101" pitchFamily="50" charset="-127"/>
+                <a:cs typeface="KoPubWorld바탕체 Bold" panose="00000800000000000000" pitchFamily="2" charset="-127"/>
+              </a:rPr>
+              <a:t> y = func1(), z = 1){</a:t>
+            </a:r>
+          </a:p>
+          <a:p>
+            <a:r>
+              <a:rPr lang="en-US" altLang="ko-KR" sz="1230" b="0" dirty="0" smtClean="0">
+                <a:solidFill>
+                  <a:schemeClr val="tx1"/>
+                </a:solidFill>
+                <a:latin typeface="LG Smart UI Regular" panose="020B0500000101010101" pitchFamily="50" charset="-127"/>
+                <a:ea typeface="LG Smart UI Regular" panose="020B0500000101010101" pitchFamily="50" charset="-127"/>
+                <a:cs typeface="KoPubWorld바탕체 Bold" panose="00000800000000000000" pitchFamily="2" charset="-127"/>
+              </a:rPr>
+              <a:t>	return x + y + z;</a:t>
+            </a:r>
+            <a:endParaRPr lang="en-US" altLang="ko-KR" sz="1230" b="0" dirty="0">
+              <a:solidFill>
+                <a:schemeClr val="tx1"/>
+              </a:solidFill>
+              <a:latin typeface="LG Smart UI Regular" panose="020B0500000101010101" pitchFamily="50" charset="-127"/>
+              <a:ea typeface="LG Smart UI Regular" panose="020B0500000101010101" pitchFamily="50" charset="-127"/>
+              <a:cs typeface="KoPubWorld바탕체 Bold" panose="00000800000000000000" pitchFamily="2" charset="-127"/>
+            </a:endParaRPr>
+          </a:p>
+          <a:p>
+            <a:r>
+              <a:rPr lang="en-US" altLang="ko-KR" sz="1230" b="0" dirty="0" smtClean="0">
+                <a:solidFill>
+                  <a:schemeClr val="tx1"/>
+                </a:solidFill>
+                <a:latin typeface="LG Smart UI Regular" panose="020B0500000101010101" pitchFamily="50" charset="-127"/>
+                <a:ea typeface="LG Smart UI Regular" panose="020B0500000101010101" pitchFamily="50" charset="-127"/>
+                <a:cs typeface="KoPubWorld바탕체 Bold" panose="00000800000000000000" pitchFamily="2" charset="-127"/>
+              </a:rPr>
+              <a:t>}</a:t>
+            </a:r>
+          </a:p>
+          <a:p>
+            <a:endParaRPr lang="en-US" altLang="ko-KR" sz="1230" b="0" dirty="0">
+              <a:solidFill>
+                <a:schemeClr val="tx1"/>
+              </a:solidFill>
+              <a:latin typeface="LG Smart UI Regular" panose="020B0500000101010101" pitchFamily="50" charset="-127"/>
+              <a:ea typeface="LG Smart UI Regular" panose="020B0500000101010101" pitchFamily="50" charset="-127"/>
+              <a:cs typeface="KoPubWorld바탕체 Bold" panose="00000800000000000000" pitchFamily="2" charset="-127"/>
+            </a:endParaRPr>
+          </a:p>
+          <a:p>
+            <a:r>
+              <a:rPr lang="en-US" altLang="ko-KR" sz="1230" b="0" dirty="0" err="1" smtClean="0">
+                <a:solidFill>
+                  <a:schemeClr val="tx1"/>
+                </a:solidFill>
+                <a:latin typeface="LG Smart UI Regular" panose="020B0500000101010101" pitchFamily="50" charset="-127"/>
+                <a:ea typeface="LG Smart UI Regular" panose="020B0500000101010101" pitchFamily="50" charset="-127"/>
+                <a:cs typeface="KoPubWorld바탕체 Bold" panose="00000800000000000000" pitchFamily="2" charset="-127"/>
+              </a:rPr>
+              <a:t>Int</a:t>
+            </a:r>
+            <a:r>
+              <a:rPr lang="en-US" altLang="ko-KR" sz="1230" b="0" dirty="0" smtClean="0">
+                <a:solidFill>
+                  <a:schemeClr val="tx1"/>
+                </a:solidFill>
+                <a:latin typeface="LG Smart UI Regular" panose="020B0500000101010101" pitchFamily="50" charset="-127"/>
+                <a:ea typeface="LG Smart UI Regular" panose="020B0500000101010101" pitchFamily="50" charset="-127"/>
+                <a:cs typeface="KoPubWorld바탕체 Bold" panose="00000800000000000000" pitchFamily="2" charset="-127"/>
+              </a:rPr>
+              <a:t> main(){</a:t>
+            </a:r>
+          </a:p>
+          <a:p>
+            <a:r>
+              <a:rPr lang="en-US" altLang="ko-KR" sz="1230" b="0" dirty="0" smtClean="0">
+                <a:solidFill>
+                  <a:schemeClr val="tx1"/>
+                </a:solidFill>
+                <a:latin typeface="LG Smart UI Regular" panose="020B0500000101010101" pitchFamily="50" charset="-127"/>
+                <a:ea typeface="LG Smart UI Regular" panose="020B0500000101010101" pitchFamily="50" charset="-127"/>
+                <a:cs typeface="KoPubWorld바탕체 Bold" panose="00000800000000000000" pitchFamily="2" charset="-127"/>
+              </a:rPr>
+              <a:t>	func2(1); // </a:t>
+            </a:r>
+            <a:r>
+              <a:rPr lang="ko-KR" altLang="en-US" sz="1230" b="0" dirty="0" smtClean="0">
+                <a:solidFill>
+                  <a:schemeClr val="tx1"/>
+                </a:solidFill>
+                <a:latin typeface="LG Smart UI Regular" panose="020B0500000101010101" pitchFamily="50" charset="-127"/>
+                <a:ea typeface="LG Smart UI Regular" panose="020B0500000101010101" pitchFamily="50" charset="-127"/>
+                <a:cs typeface="KoPubWorld바탕체 Bold" panose="00000800000000000000" pitchFamily="2" charset="-127"/>
+              </a:rPr>
+              <a:t>첫 번째 인자에 </a:t>
+            </a:r>
+            <a:r>
+              <a:rPr lang="en-US" altLang="ko-KR" sz="1230" b="0" dirty="0" smtClean="0">
+                <a:solidFill>
+                  <a:schemeClr val="tx1"/>
+                </a:solidFill>
+                <a:latin typeface="LG Smart UI Regular" panose="020B0500000101010101" pitchFamily="50" charset="-127"/>
+                <a:ea typeface="LG Smart UI Regular" panose="020B0500000101010101" pitchFamily="50" charset="-127"/>
+                <a:cs typeface="KoPubWorld바탕체 Bold" panose="00000800000000000000" pitchFamily="2" charset="-127"/>
+              </a:rPr>
+              <a:t>x</a:t>
+            </a:r>
+          </a:p>
+          <a:p>
+            <a:r>
+              <a:rPr lang="en-US" altLang="ko-KR" sz="1230" b="0" dirty="0">
+                <a:solidFill>
+                  <a:schemeClr val="tx1"/>
+                </a:solidFill>
+                <a:latin typeface="LG Smart UI Regular" panose="020B0500000101010101" pitchFamily="50" charset="-127"/>
+                <a:ea typeface="LG Smart UI Regular" panose="020B0500000101010101" pitchFamily="50" charset="-127"/>
+                <a:cs typeface="KoPubWorld바탕체 Bold" panose="00000800000000000000" pitchFamily="2" charset="-127"/>
+              </a:rPr>
+              <a:t>	</a:t>
+            </a:r>
+            <a:r>
+              <a:rPr lang="en-US" altLang="ko-KR" sz="1230" b="0" dirty="0" smtClean="0">
+                <a:solidFill>
+                  <a:schemeClr val="tx1"/>
+                </a:solidFill>
+                <a:latin typeface="LG Smart UI Regular" panose="020B0500000101010101" pitchFamily="50" charset="-127"/>
+                <a:ea typeface="LG Smart UI Regular" panose="020B0500000101010101" pitchFamily="50" charset="-127"/>
+                <a:cs typeface="KoPubWorld바탕체 Bold" panose="00000800000000000000" pitchFamily="2" charset="-127"/>
+              </a:rPr>
+              <a:t>func2(1,2); // </a:t>
+            </a:r>
+            <a:r>
+              <a:rPr lang="ko-KR" altLang="en-US" sz="1230" b="0" dirty="0" smtClean="0">
+                <a:solidFill>
+                  <a:schemeClr val="tx1"/>
+                </a:solidFill>
+                <a:latin typeface="LG Smart UI Regular" panose="020B0500000101010101" pitchFamily="50" charset="-127"/>
+                <a:ea typeface="LG Smart UI Regular" panose="020B0500000101010101" pitchFamily="50" charset="-127"/>
+                <a:cs typeface="KoPubWorld바탕체 Bold" panose="00000800000000000000" pitchFamily="2" charset="-127"/>
+              </a:rPr>
+              <a:t>첫 번째와 두 번째 인자에 대입</a:t>
+            </a:r>
+            <a:endParaRPr lang="en-US" altLang="ko-KR" sz="1230" b="0" dirty="0" smtClean="0">
+              <a:solidFill>
+                <a:schemeClr val="tx1"/>
+              </a:solidFill>
+              <a:latin typeface="LG Smart UI Regular" panose="020B0500000101010101" pitchFamily="50" charset="-127"/>
+              <a:ea typeface="LG Smart UI Regular" panose="020B0500000101010101" pitchFamily="50" charset="-127"/>
+              <a:cs typeface="KoPubWorld바탕체 Bold" panose="00000800000000000000" pitchFamily="2" charset="-127"/>
+            </a:endParaRPr>
+          </a:p>
+          <a:p>
+            <a:r>
+              <a:rPr lang="en-US" altLang="ko-KR" sz="1230" b="0" dirty="0">
+                <a:solidFill>
+                  <a:schemeClr val="tx1"/>
+                </a:solidFill>
+                <a:latin typeface="LG Smart UI Regular" panose="020B0500000101010101" pitchFamily="50" charset="-127"/>
+                <a:ea typeface="LG Smart UI Regular" panose="020B0500000101010101" pitchFamily="50" charset="-127"/>
+                <a:cs typeface="KoPubWorld바탕체 Bold" panose="00000800000000000000" pitchFamily="2" charset="-127"/>
+              </a:rPr>
+              <a:t>	</a:t>
+            </a:r>
+            <a:r>
+              <a:rPr lang="en-US" altLang="ko-KR" sz="1230" b="0" dirty="0" smtClean="0">
+                <a:solidFill>
+                  <a:schemeClr val="tx1"/>
+                </a:solidFill>
+                <a:latin typeface="LG Smart UI Regular" panose="020B0500000101010101" pitchFamily="50" charset="-127"/>
+                <a:ea typeface="LG Smart UI Regular" panose="020B0500000101010101" pitchFamily="50" charset="-127"/>
+                <a:cs typeface="KoPubWorld바탕체 Bold" panose="00000800000000000000" pitchFamily="2" charset="-127"/>
+              </a:rPr>
+              <a:t>func2(1,2,3);</a:t>
+            </a:r>
+            <a:endParaRPr lang="en-US" altLang="ko-KR" sz="1230" b="0" dirty="0">
+              <a:solidFill>
+                <a:schemeClr val="tx1"/>
+              </a:solidFill>
+              <a:latin typeface="LG Smart UI Regular" panose="020B0500000101010101" pitchFamily="50" charset="-127"/>
+              <a:ea typeface="LG Smart UI Regular" panose="020B0500000101010101" pitchFamily="50" charset="-127"/>
+              <a:cs typeface="KoPubWorld바탕체 Bold" panose="00000800000000000000" pitchFamily="2" charset="-127"/>
+            </a:endParaRPr>
+          </a:p>
+          <a:p>
+            <a:r>
+              <a:rPr lang="en-US" altLang="ko-KR" sz="1230" b="0" dirty="0" smtClean="0">
+                <a:solidFill>
+                  <a:schemeClr val="tx1"/>
+                </a:solidFill>
+                <a:latin typeface="LG Smart UI Regular" panose="020B0500000101010101" pitchFamily="50" charset="-127"/>
+                <a:ea typeface="LG Smart UI Regular" panose="020B0500000101010101" pitchFamily="50" charset="-127"/>
+                <a:cs typeface="KoPubWorld바탕체 Bold" panose="00000800000000000000" pitchFamily="2" charset="-127"/>
+              </a:rPr>
+              <a:t>}</a:t>
+            </a:r>
+            <a:endParaRPr lang="en-US" altLang="ko-KR" sz="1230" b="0" dirty="0">
+              <a:solidFill>
+                <a:schemeClr val="tx1"/>
+              </a:solidFill>
+              <a:latin typeface="LG Smart UI Regular" panose="020B0500000101010101" pitchFamily="50" charset="-127"/>
+              <a:ea typeface="LG Smart UI Regular" panose="020B0500000101010101" pitchFamily="50" charset="-127"/>
+              <a:cs typeface="KoPubWorld바탕체 Bold" panose="00000800000000000000" pitchFamily="2" charset="-127"/>
+            </a:endParaRPr>
+          </a:p>
+        </p:txBody>
+      </p:sp>
+    </p:spTree>
+    <p:extLst>
+      <p:ext uri="{BB962C8B-B14F-4D97-AF65-F5344CB8AC3E}">
+        <p14:creationId xmlns:p14="http://schemas.microsoft.com/office/powerpoint/2010/main" val="2836955475"/>
+      </p:ext>
+    </p:extLst>
+  </p:cSld>
+  <p:clrMapOvr>
+    <a:masterClrMapping/>
+  </p:clrMapOvr>
+  <p:timing>
+    <p:tnLst>
+      <p:par>
+        <p:cTn id="1" dur="indefinite" restart="never" nodeType="tmRoot"/>
+      </p:par>
+    </p:tnLst>
+  </p:timing>
+</p:sld>
+</file>
+
+<file path=ppt/slides/slide13.xml><?xml version="1.0" encoding="utf-8"?>
+<p:sld xmlns:a="http://schemas.openxmlformats.org/drawingml/2006/main" xmlns:r="http://schemas.openxmlformats.org/officeDocument/2006/relationships" xmlns:p="http://schemas.openxmlformats.org/presentationml/2006/main">
+  <p:cSld>
+    <p:spTree>
+      <p:nvGrpSpPr>
+        <p:cNvPr id="1" name=""/>
+        <p:cNvGrpSpPr/>
+        <p:nvPr/>
+      </p:nvGrpSpPr>
+      <p:grpSpPr>
+        <a:xfrm>
+          <a:off x="0" y="0"/>
+          <a:ext cx="0" cy="0"/>
+          <a:chOff x="0" y="0"/>
+          <a:chExt cx="0" cy="0"/>
+        </a:xfrm>
+      </p:grpSpPr>
+      <p:sp>
+        <p:nvSpPr>
+          <p:cNvPr id="3" name="제목 1"/>
+          <p:cNvSpPr txBox="1">
+            <a:spLocks/>
+          </p:cNvSpPr>
+          <p:nvPr/>
+        </p:nvSpPr>
+        <p:spPr>
+          <a:xfrm>
+            <a:off x="941370" y="150454"/>
+            <a:ext cx="2971603" cy="656854"/>
+          </a:xfrm>
+          <a:prstGeom prst="rect">
+            <a:avLst/>
+          </a:prstGeom>
+        </p:spPr>
+        <p:txBody>
+          <a:bodyPr rtlCol="0" anchor="ctr"/>
+          <a:lstStyle>
+            <a:lvl1pPr algn="l" defTabSz="914400" rtl="0" eaLnBrk="1" latinLnBrk="1" hangingPunct="1">
+              <a:spcBef>
+                <a:spcPct val="0"/>
+              </a:spcBef>
+              <a:buNone/>
+              <a:defRPr sz="2400" b="1" kern="1200">
+                <a:solidFill>
+                  <a:schemeClr val="bg1"/>
+                </a:solidFill>
+                <a:latin typeface="Calibri" pitchFamily="34" charset="0"/>
+                <a:ea typeface="LG스마트체 Bold" panose="020B0600000101010101" pitchFamily="50" charset="-127"/>
+                <a:cs typeface="+mj-cs"/>
+              </a:defRPr>
+            </a:lvl1pPr>
+          </a:lstStyle>
+          <a:p>
+            <a:r>
+              <a:rPr lang="en-US" altLang="ko-KR" sz="2200" dirty="0" smtClean="0">
+                <a:solidFill>
+                  <a:schemeClr val="tx1"/>
+                </a:solidFill>
+                <a:latin typeface="LG Smart UI Regular" panose="020B0500000101010101" pitchFamily="50" charset="-127"/>
+                <a:ea typeface="LG Smart UI Regular" panose="020B0500000101010101" pitchFamily="50" charset="-127"/>
+                <a:cs typeface="KoPubWorld바탕체 Bold" panose="00000800000000000000" pitchFamily="2" charset="-127"/>
+              </a:rPr>
+              <a:t>123 ~ 125 </a:t>
+            </a:r>
+            <a:r>
+              <a:rPr lang="ko-KR" altLang="en-US" sz="2200" dirty="0" smtClean="0">
+                <a:solidFill>
+                  <a:schemeClr val="tx1"/>
+                </a:solidFill>
+                <a:latin typeface="LG Smart UI Regular" panose="020B0500000101010101" pitchFamily="50" charset="-127"/>
+                <a:ea typeface="LG Smart UI Regular" panose="020B0500000101010101" pitchFamily="50" charset="-127"/>
+                <a:cs typeface="KoPubWorld바탕체 Bold" panose="00000800000000000000" pitchFamily="2" charset="-127"/>
+              </a:rPr>
+              <a:t>타입 </a:t>
+            </a:r>
+            <a:r>
+              <a:rPr lang="ko-KR" altLang="en-US" sz="2200" dirty="0" err="1" smtClean="0">
+                <a:solidFill>
+                  <a:schemeClr val="tx1"/>
+                </a:solidFill>
+                <a:latin typeface="LG Smart UI Regular" panose="020B0500000101010101" pitchFamily="50" charset="-127"/>
+                <a:ea typeface="LG Smart UI Regular" panose="020B0500000101010101" pitchFamily="50" charset="-127"/>
+                <a:cs typeface="KoPubWorld바탕체 Bold" panose="00000800000000000000" pitchFamily="2" charset="-127"/>
+              </a:rPr>
+              <a:t>트레이츠</a:t>
+            </a:r>
+            <a:endParaRPr lang="en-US" altLang="ko-KR" sz="2200" dirty="0" smtClean="0">
+              <a:solidFill>
+                <a:schemeClr val="tx1"/>
+              </a:solidFill>
+              <a:latin typeface="LG Smart UI Regular" panose="020B0500000101010101" pitchFamily="50" charset="-127"/>
+              <a:ea typeface="LG Smart UI Regular" panose="020B0500000101010101" pitchFamily="50" charset="-127"/>
+              <a:cs typeface="KoPubWorld바탕체 Bold" panose="00000800000000000000" pitchFamily="2" charset="-127"/>
+            </a:endParaRPr>
+          </a:p>
+        </p:txBody>
+      </p:sp>
+      <p:sp>
+        <p:nvSpPr>
+          <p:cNvPr id="5" name="제목 1"/>
+          <p:cNvSpPr txBox="1">
+            <a:spLocks/>
+          </p:cNvSpPr>
+          <p:nvPr/>
+        </p:nvSpPr>
+        <p:spPr>
+          <a:xfrm>
+            <a:off x="1714597" y="1210963"/>
+            <a:ext cx="7231695" cy="3739979"/>
+          </a:xfrm>
+          <a:prstGeom prst="rect">
+            <a:avLst/>
+          </a:prstGeom>
+        </p:spPr>
+        <p:txBody>
+          <a:bodyPr rtlCol="0" anchor="ctr"/>
+          <a:lstStyle>
+            <a:lvl1pPr algn="l" defTabSz="914400" rtl="0" eaLnBrk="1" latinLnBrk="1" hangingPunct="1">
+              <a:spcBef>
+                <a:spcPct val="0"/>
+              </a:spcBef>
+              <a:buNone/>
+              <a:defRPr sz="2400" b="1" kern="1200">
+                <a:solidFill>
+                  <a:schemeClr val="bg1"/>
+                </a:solidFill>
+                <a:latin typeface="Calibri" pitchFamily="34" charset="0"/>
+                <a:ea typeface="LG스마트체 Bold" panose="020B0600000101010101" pitchFamily="50" charset="-127"/>
+                <a:cs typeface="+mj-cs"/>
+              </a:defRPr>
+            </a:lvl1pPr>
+          </a:lstStyle>
+          <a:p>
+            <a:r>
+              <a:rPr lang="en-US" altLang="ko-KR" sz="1230" b="0" dirty="0">
+                <a:solidFill>
+                  <a:schemeClr val="tx1"/>
+                </a:solidFill>
+                <a:latin typeface="LG Smart UI Regular" panose="020B0500000101010101" pitchFamily="50" charset="-127"/>
+                <a:ea typeface="LG Smart UI Regular" panose="020B0500000101010101" pitchFamily="50" charset="-127"/>
+                <a:cs typeface="KoPubWorld바탕체 Bold" panose="00000800000000000000" pitchFamily="2" charset="-127"/>
+              </a:rPr>
+              <a:t>class </a:t>
+            </a:r>
+            <a:r>
+              <a:rPr lang="en-US" altLang="ko-KR" sz="1230" b="0" dirty="0" smtClean="0">
+                <a:solidFill>
+                  <a:schemeClr val="tx1"/>
+                </a:solidFill>
+                <a:latin typeface="LG Smart UI Regular" panose="020B0500000101010101" pitchFamily="50" charset="-127"/>
+                <a:ea typeface="LG Smart UI Regular" panose="020B0500000101010101" pitchFamily="50" charset="-127"/>
+                <a:cs typeface="KoPubWorld바탕체 Bold" panose="00000800000000000000" pitchFamily="2" charset="-127"/>
+              </a:rPr>
+              <a:t>tmpClass1{</a:t>
+            </a:r>
+            <a:endParaRPr lang="en-US" altLang="ko-KR" sz="1230" b="0" dirty="0">
+              <a:solidFill>
+                <a:schemeClr val="tx1"/>
+              </a:solidFill>
+              <a:latin typeface="LG Smart UI Regular" panose="020B0500000101010101" pitchFamily="50" charset="-127"/>
+              <a:ea typeface="LG Smart UI Regular" panose="020B0500000101010101" pitchFamily="50" charset="-127"/>
+              <a:cs typeface="KoPubWorld바탕체 Bold" panose="00000800000000000000" pitchFamily="2" charset="-127"/>
+            </a:endParaRPr>
+          </a:p>
+          <a:p>
+            <a:endParaRPr lang="en-US" altLang="ko-KR" sz="1230" b="0" dirty="0">
+              <a:solidFill>
+                <a:schemeClr val="tx1"/>
+              </a:solidFill>
+              <a:latin typeface="LG Smart UI Regular" panose="020B0500000101010101" pitchFamily="50" charset="-127"/>
+              <a:ea typeface="LG Smart UI Regular" panose="020B0500000101010101" pitchFamily="50" charset="-127"/>
+              <a:cs typeface="KoPubWorld바탕체 Bold" panose="00000800000000000000" pitchFamily="2" charset="-127"/>
+            </a:endParaRPr>
+          </a:p>
+          <a:p>
+            <a:r>
+              <a:rPr lang="en-US" altLang="ko-KR" sz="1230" b="0" dirty="0">
+                <a:solidFill>
+                  <a:schemeClr val="tx1"/>
+                </a:solidFill>
+                <a:latin typeface="LG Smart UI Regular" panose="020B0500000101010101" pitchFamily="50" charset="-127"/>
+                <a:ea typeface="LG Smart UI Regular" panose="020B0500000101010101" pitchFamily="50" charset="-127"/>
+                <a:cs typeface="KoPubWorld바탕체 Bold" panose="00000800000000000000" pitchFamily="2" charset="-127"/>
+              </a:rPr>
+              <a:t>};</a:t>
+            </a:r>
+          </a:p>
+          <a:p>
+            <a:endParaRPr lang="en-US" altLang="ko-KR" sz="1230" b="0" dirty="0">
+              <a:solidFill>
+                <a:schemeClr val="tx1"/>
+              </a:solidFill>
+              <a:latin typeface="LG Smart UI Regular" panose="020B0500000101010101" pitchFamily="50" charset="-127"/>
+              <a:ea typeface="LG Smart UI Regular" panose="020B0500000101010101" pitchFamily="50" charset="-127"/>
+              <a:cs typeface="KoPubWorld바탕체 Bold" panose="00000800000000000000" pitchFamily="2" charset="-127"/>
+            </a:endParaRPr>
+          </a:p>
+          <a:p>
+            <a:r>
+              <a:rPr lang="en-US" altLang="ko-KR" sz="1230" b="0" dirty="0">
+                <a:solidFill>
+                  <a:schemeClr val="tx1"/>
+                </a:solidFill>
+                <a:latin typeface="LG Smart UI Regular" panose="020B0500000101010101" pitchFamily="50" charset="-127"/>
+                <a:ea typeface="LG Smart UI Regular" panose="020B0500000101010101" pitchFamily="50" charset="-127"/>
+                <a:cs typeface="KoPubWorld바탕체 Bold" panose="00000800000000000000" pitchFamily="2" charset="-127"/>
+              </a:rPr>
+              <a:t>class </a:t>
+            </a:r>
+            <a:r>
+              <a:rPr lang="en-US" altLang="ko-KR" sz="1230" b="0" dirty="0" smtClean="0">
+                <a:solidFill>
+                  <a:schemeClr val="tx1"/>
+                </a:solidFill>
+                <a:latin typeface="LG Smart UI Regular" panose="020B0500000101010101" pitchFamily="50" charset="-127"/>
+                <a:ea typeface="LG Smart UI Regular" panose="020B0500000101010101" pitchFamily="50" charset="-127"/>
+                <a:cs typeface="KoPubWorld바탕체 Bold" panose="00000800000000000000" pitchFamily="2" charset="-127"/>
+              </a:rPr>
+              <a:t>tmpClass2{</a:t>
+            </a:r>
+            <a:endParaRPr lang="en-US" altLang="ko-KR" sz="1230" b="0" dirty="0">
+              <a:solidFill>
+                <a:schemeClr val="tx1"/>
+              </a:solidFill>
+              <a:latin typeface="LG Smart UI Regular" panose="020B0500000101010101" pitchFamily="50" charset="-127"/>
+              <a:ea typeface="LG Smart UI Regular" panose="020B0500000101010101" pitchFamily="50" charset="-127"/>
+              <a:cs typeface="KoPubWorld바탕체 Bold" panose="00000800000000000000" pitchFamily="2" charset="-127"/>
+            </a:endParaRPr>
+          </a:p>
+          <a:p>
+            <a:r>
+              <a:rPr lang="en-US" altLang="ko-KR" sz="1230" b="0" dirty="0">
+                <a:solidFill>
+                  <a:schemeClr val="tx1"/>
+                </a:solidFill>
+                <a:latin typeface="LG Smart UI Regular" panose="020B0500000101010101" pitchFamily="50" charset="-127"/>
+                <a:ea typeface="LG Smart UI Regular" panose="020B0500000101010101" pitchFamily="50" charset="-127"/>
+                <a:cs typeface="KoPubWorld바탕체 Bold" panose="00000800000000000000" pitchFamily="2" charset="-127"/>
+              </a:rPr>
+              <a:t>	</a:t>
+            </a:r>
+            <a:r>
+              <a:rPr lang="en-US" altLang="ko-KR" sz="1230" b="0" dirty="0" err="1">
+                <a:solidFill>
+                  <a:schemeClr val="tx1"/>
+                </a:solidFill>
+                <a:latin typeface="LG Smart UI Regular" panose="020B0500000101010101" pitchFamily="50" charset="-127"/>
+                <a:ea typeface="LG Smart UI Regular" panose="020B0500000101010101" pitchFamily="50" charset="-127"/>
+                <a:cs typeface="KoPubWorld바탕체 Bold" panose="00000800000000000000" pitchFamily="2" charset="-127"/>
+              </a:rPr>
+              <a:t>int</a:t>
+            </a:r>
+            <a:r>
+              <a:rPr lang="en-US" altLang="ko-KR" sz="1230" b="0" dirty="0">
+                <a:solidFill>
+                  <a:schemeClr val="tx1"/>
+                </a:solidFill>
+                <a:latin typeface="LG Smart UI Regular" panose="020B0500000101010101" pitchFamily="50" charset="-127"/>
+                <a:ea typeface="LG Smart UI Regular" panose="020B0500000101010101" pitchFamily="50" charset="-127"/>
+                <a:cs typeface="KoPubWorld바탕체 Bold" panose="00000800000000000000" pitchFamily="2" charset="-127"/>
+              </a:rPr>
+              <a:t> x = 0;</a:t>
+            </a:r>
+          </a:p>
+          <a:p>
+            <a:r>
+              <a:rPr lang="en-US" altLang="ko-KR" sz="1230" b="0" dirty="0">
+                <a:solidFill>
+                  <a:schemeClr val="tx1"/>
+                </a:solidFill>
+                <a:latin typeface="LG Smart UI Regular" panose="020B0500000101010101" pitchFamily="50" charset="-127"/>
+                <a:ea typeface="LG Smart UI Regular" panose="020B0500000101010101" pitchFamily="50" charset="-127"/>
+                <a:cs typeface="KoPubWorld바탕체 Bold" panose="00000800000000000000" pitchFamily="2" charset="-127"/>
+              </a:rPr>
+              <a:t>};</a:t>
+            </a:r>
+          </a:p>
+          <a:p>
+            <a:endParaRPr lang="en-US" altLang="ko-KR" sz="1230" b="0" dirty="0" smtClean="0">
+              <a:solidFill>
+                <a:schemeClr val="tx1"/>
+              </a:solidFill>
+              <a:latin typeface="LG Smart UI Regular" panose="020B0500000101010101" pitchFamily="50" charset="-127"/>
+              <a:ea typeface="LG Smart UI Regular" panose="020B0500000101010101" pitchFamily="50" charset="-127"/>
+              <a:cs typeface="KoPubWorld바탕체 Bold" panose="00000800000000000000" pitchFamily="2" charset="-127"/>
+            </a:endParaRPr>
+          </a:p>
+          <a:p>
+            <a:r>
+              <a:rPr lang="en-US" altLang="ko-KR" sz="1230" b="0" dirty="0" smtClean="0">
+                <a:solidFill>
+                  <a:schemeClr val="tx1"/>
+                </a:solidFill>
+                <a:latin typeface="LG Smart UI Regular" panose="020B0500000101010101" pitchFamily="50" charset="-127"/>
+                <a:ea typeface="LG Smart UI Regular" panose="020B0500000101010101" pitchFamily="50" charset="-127"/>
+                <a:cs typeface="KoPubWorld바탕체 Bold" panose="00000800000000000000" pitchFamily="2" charset="-127"/>
+              </a:rPr>
+              <a:t>template&lt;</a:t>
+            </a:r>
+            <a:r>
+              <a:rPr lang="en-US" altLang="ko-KR" sz="1230" b="0" dirty="0" err="1" smtClean="0">
+                <a:solidFill>
+                  <a:schemeClr val="tx1"/>
+                </a:solidFill>
+                <a:latin typeface="LG Smart UI Regular" panose="020B0500000101010101" pitchFamily="50" charset="-127"/>
+                <a:ea typeface="LG Smart UI Regular" panose="020B0500000101010101" pitchFamily="50" charset="-127"/>
+                <a:cs typeface="KoPubWorld바탕체 Bold" panose="00000800000000000000" pitchFamily="2" charset="-127"/>
+              </a:rPr>
+              <a:t>typename</a:t>
+            </a:r>
+            <a:r>
+              <a:rPr lang="en-US" altLang="ko-KR" sz="1230" b="0" dirty="0" smtClean="0">
+                <a:solidFill>
+                  <a:schemeClr val="tx1"/>
+                </a:solidFill>
+                <a:latin typeface="LG Smart UI Regular" panose="020B0500000101010101" pitchFamily="50" charset="-127"/>
+                <a:ea typeface="LG Smart UI Regular" panose="020B0500000101010101" pitchFamily="50" charset="-127"/>
+                <a:cs typeface="KoPubWorld바탕체 Bold" panose="00000800000000000000" pitchFamily="2" charset="-127"/>
+              </a:rPr>
+              <a:t> t1, </a:t>
+            </a:r>
+            <a:r>
+              <a:rPr lang="en-US" altLang="ko-KR" sz="1230" b="0" dirty="0" err="1" smtClean="0">
+                <a:solidFill>
+                  <a:schemeClr val="tx1"/>
+                </a:solidFill>
+                <a:latin typeface="LG Smart UI Regular" panose="020B0500000101010101" pitchFamily="50" charset="-127"/>
+                <a:ea typeface="LG Smart UI Regular" panose="020B0500000101010101" pitchFamily="50" charset="-127"/>
+                <a:cs typeface="KoPubWorld바탕체 Bold" panose="00000800000000000000" pitchFamily="2" charset="-127"/>
+              </a:rPr>
+              <a:t>typename</a:t>
+            </a:r>
+            <a:r>
+              <a:rPr lang="en-US" altLang="ko-KR" sz="1230" b="0" dirty="0" smtClean="0">
+                <a:solidFill>
+                  <a:schemeClr val="tx1"/>
+                </a:solidFill>
+                <a:latin typeface="LG Smart UI Regular" panose="020B0500000101010101" pitchFamily="50" charset="-127"/>
+                <a:ea typeface="LG Smart UI Regular" panose="020B0500000101010101" pitchFamily="50" charset="-127"/>
+                <a:cs typeface="KoPubWorld바탕체 Bold" panose="00000800000000000000" pitchFamily="2" charset="-127"/>
+              </a:rPr>
+              <a:t> t2&gt;</a:t>
+            </a:r>
+          </a:p>
+          <a:p>
+            <a:r>
+              <a:rPr lang="en-US" altLang="ko-KR" sz="1230" b="0" dirty="0" smtClean="0">
+                <a:solidFill>
+                  <a:schemeClr val="tx1"/>
+                </a:solidFill>
+                <a:latin typeface="LG Smart UI Regular" panose="020B0500000101010101" pitchFamily="50" charset="-127"/>
+                <a:ea typeface="LG Smart UI Regular" panose="020B0500000101010101" pitchFamily="50" charset="-127"/>
+                <a:cs typeface="KoPubWorld바탕체 Bold" panose="00000800000000000000" pitchFamily="2" charset="-127"/>
+              </a:rPr>
+              <a:t>v</a:t>
+            </a:r>
+            <a:r>
+              <a:rPr lang="en-US" altLang="ko-KR" sz="1230" b="0" dirty="0" smtClean="0">
+                <a:solidFill>
+                  <a:schemeClr val="tx1"/>
+                </a:solidFill>
+                <a:latin typeface="LG Smart UI Regular" panose="020B0500000101010101" pitchFamily="50" charset="-127"/>
+                <a:ea typeface="LG Smart UI Regular" panose="020B0500000101010101" pitchFamily="50" charset="-127"/>
+                <a:cs typeface="KoPubWorld바탕체 Bold" panose="00000800000000000000" pitchFamily="2" charset="-127"/>
+              </a:rPr>
+              <a:t>oid </a:t>
+            </a:r>
+            <a:r>
+              <a:rPr lang="en-US" altLang="ko-KR" sz="1230" b="0" dirty="0" err="1" smtClean="0">
+                <a:solidFill>
+                  <a:schemeClr val="tx1"/>
+                </a:solidFill>
+                <a:latin typeface="LG Smart UI Regular" panose="020B0500000101010101" pitchFamily="50" charset="-127"/>
+                <a:ea typeface="LG Smart UI Regular" panose="020B0500000101010101" pitchFamily="50" charset="-127"/>
+                <a:cs typeface="KoPubWorld바탕체 Bold" panose="00000800000000000000" pitchFamily="2" charset="-127"/>
+              </a:rPr>
+              <a:t>Func</a:t>
+            </a:r>
+            <a:r>
+              <a:rPr lang="en-US" altLang="ko-KR" sz="1230" b="0" dirty="0" smtClean="0">
+                <a:solidFill>
+                  <a:schemeClr val="tx1"/>
+                </a:solidFill>
+                <a:latin typeface="LG Smart UI Regular" panose="020B0500000101010101" pitchFamily="50" charset="-127"/>
+                <a:ea typeface="LG Smart UI Regular" panose="020B0500000101010101" pitchFamily="50" charset="-127"/>
+                <a:cs typeface="KoPubWorld바탕체 Bold" panose="00000800000000000000" pitchFamily="2" charset="-127"/>
+              </a:rPr>
+              <a:t>(</a:t>
+            </a:r>
+            <a:r>
+              <a:rPr lang="ko-KR" altLang="en-US" sz="1230" b="0" dirty="0" smtClean="0">
+                <a:solidFill>
+                  <a:schemeClr val="tx1"/>
+                </a:solidFill>
+                <a:latin typeface="LG Smart UI Regular" panose="020B0500000101010101" pitchFamily="50" charset="-127"/>
+                <a:ea typeface="LG Smart UI Regular" panose="020B0500000101010101" pitchFamily="50" charset="-127"/>
+                <a:cs typeface="KoPubWorld바탕체 Bold" panose="00000800000000000000" pitchFamily="2" charset="-127"/>
+              </a:rPr>
+              <a:t>매개변수</a:t>
+            </a:r>
+            <a:r>
+              <a:rPr lang="en-US" altLang="ko-KR" sz="1230" b="0" dirty="0" smtClean="0">
+                <a:solidFill>
+                  <a:schemeClr val="tx1"/>
+                </a:solidFill>
+                <a:latin typeface="LG Smart UI Regular" panose="020B0500000101010101" pitchFamily="50" charset="-127"/>
+                <a:ea typeface="LG Smart UI Regular" panose="020B0500000101010101" pitchFamily="50" charset="-127"/>
+                <a:cs typeface="KoPubWorld바탕체 Bold" panose="00000800000000000000" pitchFamily="2" charset="-127"/>
+              </a:rPr>
+              <a:t>1, </a:t>
+            </a:r>
+            <a:r>
+              <a:rPr lang="ko-KR" altLang="en-US" sz="1230" b="0" dirty="0" smtClean="0">
+                <a:solidFill>
+                  <a:schemeClr val="tx1"/>
+                </a:solidFill>
+                <a:latin typeface="LG Smart UI Regular" panose="020B0500000101010101" pitchFamily="50" charset="-127"/>
+                <a:ea typeface="LG Smart UI Regular" panose="020B0500000101010101" pitchFamily="50" charset="-127"/>
+                <a:cs typeface="KoPubWorld바탕체 Bold" panose="00000800000000000000" pitchFamily="2" charset="-127"/>
+              </a:rPr>
+              <a:t>매개변수</a:t>
+            </a:r>
+            <a:r>
+              <a:rPr lang="en-US" altLang="ko-KR" sz="1230" b="0" dirty="0" smtClean="0">
+                <a:solidFill>
+                  <a:schemeClr val="tx1"/>
+                </a:solidFill>
+                <a:latin typeface="LG Smart UI Regular" panose="020B0500000101010101" pitchFamily="50" charset="-127"/>
+                <a:ea typeface="LG Smart UI Regular" panose="020B0500000101010101" pitchFamily="50" charset="-127"/>
+                <a:cs typeface="KoPubWorld바탕체 Bold" panose="00000800000000000000" pitchFamily="2" charset="-127"/>
+              </a:rPr>
+              <a:t>2){</a:t>
+            </a:r>
+          </a:p>
+          <a:p>
+            <a:r>
+              <a:rPr lang="en-US" altLang="ko-KR" sz="1230" b="0" dirty="0" smtClean="0">
+                <a:solidFill>
+                  <a:schemeClr val="tx1"/>
+                </a:solidFill>
+                <a:latin typeface="LG Smart UI Regular" panose="020B0500000101010101" pitchFamily="50" charset="-127"/>
+                <a:ea typeface="LG Smart UI Regular" panose="020B0500000101010101" pitchFamily="50" charset="-127"/>
+                <a:cs typeface="KoPubWorld바탕체 Bold" panose="00000800000000000000" pitchFamily="2" charset="-127"/>
+              </a:rPr>
+              <a:t>	</a:t>
+            </a:r>
+            <a:r>
+              <a:rPr lang="en-US" altLang="ko-KR" sz="1230" b="0" dirty="0" err="1" smtClean="0">
+                <a:solidFill>
+                  <a:schemeClr val="tx1"/>
+                </a:solidFill>
+                <a:latin typeface="LG Smart UI Regular" panose="020B0500000101010101" pitchFamily="50" charset="-127"/>
+                <a:ea typeface="LG Smart UI Regular" panose="020B0500000101010101" pitchFamily="50" charset="-127"/>
+                <a:cs typeface="KoPubWorld바탕체 Bold" panose="00000800000000000000" pitchFamily="2" charset="-127"/>
+              </a:rPr>
+              <a:t>typename</a:t>
+            </a:r>
+            <a:r>
+              <a:rPr lang="en-US" altLang="ko-KR" sz="1230" b="0" dirty="0" smtClean="0">
+                <a:solidFill>
+                  <a:schemeClr val="tx1"/>
+                </a:solidFill>
+                <a:latin typeface="LG Smart UI Regular" panose="020B0500000101010101" pitchFamily="50" charset="-127"/>
+                <a:ea typeface="LG Smart UI Regular" panose="020B0500000101010101" pitchFamily="50" charset="-127"/>
+                <a:cs typeface="KoPubWorld바탕체 Bold" panose="00000800000000000000" pitchFamily="2" charset="-127"/>
+              </a:rPr>
+              <a:t> conditional&lt;</a:t>
+            </a:r>
+            <a:r>
+              <a:rPr lang="en-US" altLang="ko-KR" sz="1230" b="0" dirty="0" err="1" smtClean="0">
+                <a:solidFill>
+                  <a:schemeClr val="tx1"/>
+                </a:solidFill>
+                <a:latin typeface="LG Smart UI Regular" panose="020B0500000101010101" pitchFamily="50" charset="-127"/>
+                <a:ea typeface="LG Smart UI Regular" panose="020B0500000101010101" pitchFamily="50" charset="-127"/>
+                <a:cs typeface="KoPubWorld바탕체 Bold" panose="00000800000000000000" pitchFamily="2" charset="-127"/>
+              </a:rPr>
+              <a:t>is_same</a:t>
+            </a:r>
+            <a:r>
+              <a:rPr lang="en-US" altLang="ko-KR" sz="1230" b="0" dirty="0" smtClean="0">
+                <a:solidFill>
+                  <a:schemeClr val="tx1"/>
+                </a:solidFill>
+                <a:latin typeface="LG Smart UI Regular" panose="020B0500000101010101" pitchFamily="50" charset="-127"/>
+                <a:ea typeface="LG Smart UI Regular" panose="020B0500000101010101" pitchFamily="50" charset="-127"/>
+                <a:cs typeface="KoPubWorld바탕체 Bold" panose="00000800000000000000" pitchFamily="2" charset="-127"/>
+              </a:rPr>
+              <a:t>&lt;</a:t>
+            </a:r>
+            <a:r>
+              <a:rPr lang="ko-KR" altLang="en-US" sz="1230" b="0" dirty="0" smtClean="0">
+                <a:solidFill>
+                  <a:schemeClr val="tx1"/>
+                </a:solidFill>
+                <a:latin typeface="LG Smart UI Regular" panose="020B0500000101010101" pitchFamily="50" charset="-127"/>
+                <a:ea typeface="LG Smart UI Regular" panose="020B0500000101010101" pitchFamily="50" charset="-127"/>
+                <a:cs typeface="KoPubWorld바탕체 Bold" panose="00000800000000000000" pitchFamily="2" charset="-127"/>
+              </a:rPr>
+              <a:t>매개변수</a:t>
+            </a:r>
+            <a:r>
+              <a:rPr lang="en-US" altLang="ko-KR" sz="1230" b="0" dirty="0" smtClean="0">
+                <a:solidFill>
+                  <a:schemeClr val="tx1"/>
+                </a:solidFill>
+                <a:latin typeface="LG Smart UI Regular" panose="020B0500000101010101" pitchFamily="50" charset="-127"/>
+                <a:ea typeface="LG Smart UI Regular" panose="020B0500000101010101" pitchFamily="50" charset="-127"/>
+                <a:cs typeface="KoPubWorld바탕체 Bold" panose="00000800000000000000" pitchFamily="2" charset="-127"/>
+              </a:rPr>
+              <a:t>1, </a:t>
+            </a:r>
+            <a:r>
+              <a:rPr lang="ko-KR" altLang="en-US" sz="1230" b="0" dirty="0" smtClean="0">
+                <a:solidFill>
+                  <a:schemeClr val="tx1"/>
+                </a:solidFill>
+                <a:latin typeface="LG Smart UI Regular" panose="020B0500000101010101" pitchFamily="50" charset="-127"/>
+                <a:ea typeface="LG Smart UI Regular" panose="020B0500000101010101" pitchFamily="50" charset="-127"/>
+                <a:cs typeface="KoPubWorld바탕체 Bold" panose="00000800000000000000" pitchFamily="2" charset="-127"/>
+              </a:rPr>
+              <a:t>매개변수</a:t>
+            </a:r>
+            <a:r>
+              <a:rPr lang="en-US" altLang="ko-KR" sz="1230" b="0" dirty="0" smtClean="0">
+                <a:solidFill>
+                  <a:schemeClr val="tx1"/>
+                </a:solidFill>
+                <a:latin typeface="LG Smart UI Regular" panose="020B0500000101010101" pitchFamily="50" charset="-127"/>
+                <a:ea typeface="LG Smart UI Regular" panose="020B0500000101010101" pitchFamily="50" charset="-127"/>
+                <a:cs typeface="KoPubWorld바탕체 Bold" panose="00000800000000000000" pitchFamily="2" charset="-127"/>
+              </a:rPr>
+              <a:t>2&gt;::</a:t>
+            </a:r>
+            <a:r>
+              <a:rPr lang="en-US" altLang="ko-KR" sz="1230" b="0" dirty="0" err="1" smtClean="0">
+                <a:solidFill>
+                  <a:schemeClr val="tx1"/>
+                </a:solidFill>
+                <a:latin typeface="LG Smart UI Regular" panose="020B0500000101010101" pitchFamily="50" charset="-127"/>
+                <a:ea typeface="LG Smart UI Regular" panose="020B0500000101010101" pitchFamily="50" charset="-127"/>
+                <a:cs typeface="KoPubWorld바탕체 Bold" panose="00000800000000000000" pitchFamily="2" charset="-127"/>
+              </a:rPr>
+              <a:t>value,int</a:t>
+            </a:r>
+            <a:r>
+              <a:rPr lang="en-US" altLang="ko-KR" sz="1230" b="0" dirty="0" smtClean="0">
+                <a:solidFill>
+                  <a:schemeClr val="tx1"/>
+                </a:solidFill>
+                <a:latin typeface="LG Smart UI Regular" panose="020B0500000101010101" pitchFamily="50" charset="-127"/>
+                <a:ea typeface="LG Smart UI Regular" panose="020B0500000101010101" pitchFamily="50" charset="-127"/>
+                <a:cs typeface="KoPubWorld바탕체 Bold" panose="00000800000000000000" pitchFamily="2" charset="-127"/>
+              </a:rPr>
+              <a:t>, double&gt;::type type1;</a:t>
+            </a:r>
+          </a:p>
+          <a:p>
+            <a:r>
+              <a:rPr lang="en-US" altLang="ko-KR" sz="1230" dirty="0">
+                <a:solidFill>
+                  <a:schemeClr val="tx1"/>
+                </a:solidFill>
+                <a:latin typeface="LG Smart UI Regular" panose="020B0500000101010101" pitchFamily="50" charset="-127"/>
+                <a:ea typeface="LG Smart UI Regular" panose="020B0500000101010101" pitchFamily="50" charset="-127"/>
+                <a:cs typeface="KoPubWorld바탕체 Bold" panose="00000800000000000000" pitchFamily="2" charset="-127"/>
+              </a:rPr>
+              <a:t>	</a:t>
+            </a:r>
+            <a:r>
+              <a:rPr lang="en-US" altLang="ko-KR" sz="1230" b="0" dirty="0" err="1" smtClean="0">
+                <a:solidFill>
+                  <a:schemeClr val="tx1"/>
+                </a:solidFill>
+                <a:latin typeface="LG Smart UI Regular" panose="020B0500000101010101" pitchFamily="50" charset="-127"/>
+                <a:ea typeface="LG Smart UI Regular" panose="020B0500000101010101" pitchFamily="50" charset="-127"/>
+                <a:cs typeface="KoPubWorld바탕체 Bold" panose="00000800000000000000" pitchFamily="2" charset="-127"/>
+              </a:rPr>
+              <a:t>is.same</a:t>
+            </a:r>
+            <a:r>
+              <a:rPr lang="en-US" altLang="ko-KR" sz="1230" b="0" dirty="0" smtClean="0">
+                <a:solidFill>
+                  <a:schemeClr val="tx1"/>
+                </a:solidFill>
+                <a:latin typeface="LG Smart UI Regular" panose="020B0500000101010101" pitchFamily="50" charset="-127"/>
+                <a:ea typeface="LG Smart UI Regular" panose="020B0500000101010101" pitchFamily="50" charset="-127"/>
+                <a:cs typeface="KoPubWorld바탕체 Bold" panose="00000800000000000000" pitchFamily="2" charset="-127"/>
+              </a:rPr>
+              <a:t>&lt;</a:t>
+            </a:r>
+            <a:r>
+              <a:rPr lang="en-US" altLang="ko-KR" sz="1230" b="0" dirty="0" err="1" smtClean="0">
+                <a:solidFill>
+                  <a:schemeClr val="tx1"/>
+                </a:solidFill>
+                <a:latin typeface="LG Smart UI Regular" panose="020B0500000101010101" pitchFamily="50" charset="-127"/>
+                <a:ea typeface="LG Smart UI Regular" panose="020B0500000101010101" pitchFamily="50" charset="-127"/>
+                <a:cs typeface="KoPubWorld바탕체 Bold" panose="00000800000000000000" pitchFamily="2" charset="-127"/>
+              </a:rPr>
+              <a:t>decltype</a:t>
+            </a:r>
+            <a:r>
+              <a:rPr lang="en-US" altLang="ko-KR" sz="1230" b="0" dirty="0" smtClean="0">
+                <a:solidFill>
+                  <a:schemeClr val="tx1"/>
+                </a:solidFill>
+                <a:latin typeface="LG Smart UI Regular" panose="020B0500000101010101" pitchFamily="50" charset="-127"/>
+                <a:ea typeface="LG Smart UI Regular" panose="020B0500000101010101" pitchFamily="50" charset="-127"/>
+                <a:cs typeface="KoPubWorld바탕체 Bold" panose="00000800000000000000" pitchFamily="2" charset="-127"/>
+              </a:rPr>
+              <a:t>(type1), double&gt;::value;</a:t>
             </a:r>
             <a:endParaRPr lang="en-US" altLang="ko-KR" sz="1230" dirty="0">
               <a:solidFill>
@@ -7044,7 +9570,7 @@
                 <a:ea typeface="LG Smart UI Regular" panose="020B0500000101010101" pitchFamily="50" charset="-127"/>
                 <a:cs typeface="KoPubWorld바탕체 Bold" panose="00000800000000000000" pitchFamily="2" charset="-127"/>
               </a:rPr>
-              <a:t>};</a:t>
+              <a:t>}</a:t>
             </a:r>
           </a:p>
           <a:p>
@@ -7091,84 +9617,107 @@
                 <a:ea typeface="LG Smart UI Regular" panose="020B0500000101010101" pitchFamily="50" charset="-127"/>
                 <a:cs typeface="KoPubWorld바탕체 Bold" panose="00000800000000000000" pitchFamily="2" charset="-127"/>
               </a:rPr>
-              <a:t>	Class c1(50); </a:t>
-            </a:r>
-            <a:r>
-              <a:rPr lang="en-US" altLang="ko-KR" sz="1230" dirty="0" smtClean="0">
-                <a:solidFill>
-                  <a:schemeClr val="tx1"/>
-                </a:solidFill>
-                <a:latin typeface="LG Smart UI Regular" panose="020B0500000101010101" pitchFamily="50" charset="-127"/>
-                <a:ea typeface="LG Smart UI Regular" panose="020B0500000101010101" pitchFamily="50" charset="-127"/>
-                <a:cs typeface="KoPubWorld바탕체 Bold" panose="00000800000000000000" pitchFamily="2" charset="-127"/>
-              </a:rPr>
-              <a:t>// Class1</a:t>
-            </a:r>
-            <a:r>
-              <a:rPr lang="ko-KR" altLang="en-US" sz="1230" dirty="0" smtClean="0">
-                <a:solidFill>
-                  <a:schemeClr val="tx1"/>
-                </a:solidFill>
-                <a:latin typeface="LG Smart UI Regular" panose="020B0500000101010101" pitchFamily="50" charset="-127"/>
-                <a:ea typeface="LG Smart UI Regular" panose="020B0500000101010101" pitchFamily="50" charset="-127"/>
-                <a:cs typeface="KoPubWorld바탕체 Bold" panose="00000800000000000000" pitchFamily="2" charset="-127"/>
-              </a:rPr>
-              <a:t>에 대한 </a:t>
-            </a:r>
-            <a:r>
-              <a:rPr lang="en-US" altLang="ko-KR" sz="1230" dirty="0" smtClean="0">
-                <a:solidFill>
-                  <a:schemeClr val="tx1"/>
-                </a:solidFill>
-                <a:latin typeface="LG Smart UI Regular" panose="020B0500000101010101" pitchFamily="50" charset="-127"/>
-                <a:ea typeface="LG Smart UI Regular" panose="020B0500000101010101" pitchFamily="50" charset="-127"/>
-                <a:cs typeface="KoPubWorld바탕체 Bold" panose="00000800000000000000" pitchFamily="2" charset="-127"/>
-              </a:rPr>
-              <a:t>private </a:t>
-            </a:r>
-            <a:r>
-              <a:rPr lang="ko-KR" altLang="en-US" sz="1230" dirty="0" smtClean="0">
-                <a:solidFill>
-                  <a:schemeClr val="tx1"/>
-                </a:solidFill>
-                <a:latin typeface="LG Smart UI Regular" panose="020B0500000101010101" pitchFamily="50" charset="-127"/>
-                <a:ea typeface="LG Smart UI Regular" panose="020B0500000101010101" pitchFamily="50" charset="-127"/>
-                <a:cs typeface="KoPubWorld바탕체 Bold" panose="00000800000000000000" pitchFamily="2" charset="-127"/>
-              </a:rPr>
-              <a:t>변수 </a:t>
-            </a:r>
-            <a:r>
-              <a:rPr lang="en-US" altLang="ko-KR" sz="1230" dirty="0" smtClean="0">
-                <a:solidFill>
-                  <a:schemeClr val="tx1"/>
-                </a:solidFill>
-                <a:latin typeface="LG Smart UI Regular" panose="020B0500000101010101" pitchFamily="50" charset="-127"/>
-                <a:ea typeface="LG Smart UI Regular" panose="020B0500000101010101" pitchFamily="50" charset="-127"/>
-                <a:cs typeface="KoPubWorld바탕체 Bold" panose="00000800000000000000" pitchFamily="2" charset="-127"/>
-              </a:rPr>
-              <a:t>a</a:t>
-            </a:r>
-            <a:r>
-              <a:rPr lang="ko-KR" altLang="en-US" sz="1230" dirty="0" smtClean="0">
-                <a:solidFill>
-                  <a:schemeClr val="tx1"/>
-                </a:solidFill>
-                <a:latin typeface="LG Smart UI Regular" panose="020B0500000101010101" pitchFamily="50" charset="-127"/>
-                <a:ea typeface="LG Smart UI Regular" panose="020B0500000101010101" pitchFamily="50" charset="-127"/>
-                <a:cs typeface="KoPubWorld바탕체 Bold" panose="00000800000000000000" pitchFamily="2" charset="-127"/>
-              </a:rPr>
-              <a:t>에 대해 직접 접근</a:t>
-            </a:r>
-            <a:endParaRPr lang="en-US" altLang="ko-KR" sz="1230" dirty="0" smtClean="0">
-              <a:solidFill>
-                <a:schemeClr val="tx1"/>
-              </a:solidFill>
-              <a:latin typeface="LG Smart UI Regular" panose="020B0500000101010101" pitchFamily="50" charset="-127"/>
-              <a:ea typeface="LG Smart UI Regular" panose="020B0500000101010101" pitchFamily="50" charset="-127"/>
-              <a:cs typeface="KoPubWorld바탕체 Bold" panose="00000800000000000000" pitchFamily="2" charset="-127"/>
-            </a:endParaRPr>
-          </a:p>
-          <a:p>
+              <a:t>	</a:t>
+            </a:r>
+            <a:r>
+              <a:rPr lang="en-US" altLang="ko-KR" sz="1230" b="0" dirty="0" err="1" smtClean="0">
+                <a:solidFill>
+                  <a:schemeClr val="tx1"/>
+                </a:solidFill>
+                <a:latin typeface="LG Smart UI Regular" panose="020B0500000101010101" pitchFamily="50" charset="-127"/>
+                <a:ea typeface="LG Smart UI Regular" panose="020B0500000101010101" pitchFamily="50" charset="-127"/>
+                <a:cs typeface="KoPubWorld바탕체 Bold" panose="00000800000000000000" pitchFamily="2" charset="-127"/>
+              </a:rPr>
+              <a:t>is_empty</a:t>
+            </a:r>
+            <a:r>
+              <a:rPr lang="en-US" altLang="ko-KR" sz="1230" b="0" dirty="0" smtClean="0">
+                <a:solidFill>
+                  <a:schemeClr val="tx1"/>
+                </a:solidFill>
+                <a:latin typeface="LG Smart UI Regular" panose="020B0500000101010101" pitchFamily="50" charset="-127"/>
+                <a:ea typeface="LG Smart UI Regular" panose="020B0500000101010101" pitchFamily="50" charset="-127"/>
+                <a:cs typeface="KoPubWorld바탕체 Bold" panose="00000800000000000000" pitchFamily="2" charset="-127"/>
+              </a:rPr>
+              <a:t>&lt;</a:t>
+            </a:r>
+            <a:r>
+              <a:rPr lang="en-US" altLang="ko-KR" sz="1230" b="0" dirty="0" err="1" smtClean="0">
+                <a:solidFill>
+                  <a:schemeClr val="tx1"/>
+                </a:solidFill>
+                <a:latin typeface="LG Smart UI Regular" panose="020B0500000101010101" pitchFamily="50" charset="-127"/>
+                <a:ea typeface="LG Smart UI Regular" panose="020B0500000101010101" pitchFamily="50" charset="-127"/>
+                <a:cs typeface="KoPubWorld바탕체 Bold" panose="00000800000000000000" pitchFamily="2" charset="-127"/>
+              </a:rPr>
+              <a:t>tmpClass</a:t>
+            </a:r>
+            <a:r>
+              <a:rPr lang="en-US" altLang="ko-KR" sz="1230" b="0" dirty="0" smtClean="0">
+                <a:solidFill>
+                  <a:schemeClr val="tx1"/>
+                </a:solidFill>
+                <a:latin typeface="LG Smart UI Regular" panose="020B0500000101010101" pitchFamily="50" charset="-127"/>
+                <a:ea typeface="LG Smart UI Regular" panose="020B0500000101010101" pitchFamily="50" charset="-127"/>
+                <a:cs typeface="KoPubWorld바탕체 Bold" panose="00000800000000000000" pitchFamily="2" charset="-127"/>
+              </a:rPr>
+              <a:t>&gt;::value // true </a:t>
+            </a:r>
+            <a:r>
+              <a:rPr lang="ko-KR" altLang="en-US" sz="1230" b="0" dirty="0" smtClean="0">
+                <a:solidFill>
+                  <a:schemeClr val="tx1"/>
+                </a:solidFill>
+                <a:latin typeface="LG Smart UI Regular" panose="020B0500000101010101" pitchFamily="50" charset="-127"/>
+                <a:ea typeface="LG Smart UI Regular" panose="020B0500000101010101" pitchFamily="50" charset="-127"/>
+                <a:cs typeface="KoPubWorld바탕체 Bold" panose="00000800000000000000" pitchFamily="2" charset="-127"/>
+              </a:rPr>
+              <a:t>면 </a:t>
+            </a:r>
+            <a:r>
+              <a:rPr lang="en-US" altLang="ko-KR" sz="1230" b="0" dirty="0" smtClean="0">
+                <a:solidFill>
+                  <a:schemeClr val="tx1"/>
+                </a:solidFill>
+                <a:latin typeface="LG Smart UI Regular" panose="020B0500000101010101" pitchFamily="50" charset="-127"/>
+                <a:ea typeface="LG Smart UI Regular" panose="020B0500000101010101" pitchFamily="50" charset="-127"/>
+                <a:cs typeface="KoPubWorld바탕체 Bold" panose="00000800000000000000" pitchFamily="2" charset="-127"/>
+              </a:rPr>
+              <a:t>1, false</a:t>
+            </a:r>
+            <a:r>
+              <a:rPr lang="ko-KR" altLang="en-US" sz="1230" b="0" dirty="0" smtClean="0">
+                <a:solidFill>
+                  <a:schemeClr val="tx1"/>
+                </a:solidFill>
+                <a:latin typeface="LG Smart UI Regular" panose="020B0500000101010101" pitchFamily="50" charset="-127"/>
+                <a:ea typeface="LG Smart UI Regular" panose="020B0500000101010101" pitchFamily="50" charset="-127"/>
+                <a:cs typeface="KoPubWorld바탕체 Bold" panose="00000800000000000000" pitchFamily="2" charset="-127"/>
+              </a:rPr>
+              <a:t>면 </a:t>
+            </a:r>
+            <a:r>
+              <a:rPr lang="en-US" altLang="ko-KR" sz="1230" b="0" dirty="0" smtClean="0">
+                <a:solidFill>
+                  <a:schemeClr val="tx1"/>
+                </a:solidFill>
+                <a:latin typeface="LG Smart UI Regular" panose="020B0500000101010101" pitchFamily="50" charset="-127"/>
+                <a:ea typeface="LG Smart UI Regular" panose="020B0500000101010101" pitchFamily="50" charset="-127"/>
+                <a:cs typeface="KoPubWorld바탕체 Bold" panose="00000800000000000000" pitchFamily="2" charset="-127"/>
+              </a:rPr>
+              <a:t>0 </a:t>
+            </a:r>
+            <a:r>
+              <a:rPr lang="ko-KR" altLang="en-US" sz="1230" b="0" dirty="0" smtClean="0">
+                <a:solidFill>
+                  <a:schemeClr val="tx1"/>
+                </a:solidFill>
+                <a:latin typeface="LG Smart UI Regular" panose="020B0500000101010101" pitchFamily="50" charset="-127"/>
+                <a:ea typeface="LG Smart UI Regular" panose="020B0500000101010101" pitchFamily="50" charset="-127"/>
+                <a:cs typeface="KoPubWorld바탕체 Bold" panose="00000800000000000000" pitchFamily="2" charset="-127"/>
+              </a:rPr>
+              <a:t>반환</a:t>
+            </a:r>
             <a:endParaRPr lang="en-US" altLang="ko-KR" sz="1230" b="0" dirty="0" smtClean="0">
               <a:solidFill>
                 <a:schemeClr val="tx1"/>
@@ -7188,7 +9737,105 @@
                 <a:ea typeface="LG Smart UI Regular" panose="020B0500000101010101" pitchFamily="50" charset="-127"/>
                 <a:cs typeface="KoPubWorld바탕체 Bold" panose="00000800000000000000" pitchFamily="2" charset="-127"/>
               </a:rPr>
-              <a:t>	return 0;</a:t>
+              <a:t>	</a:t>
+            </a:r>
+            <a:r>
+              <a:rPr lang="en-US" altLang="ko-KR" sz="1230" b="0" dirty="0" err="1" smtClean="0">
+                <a:solidFill>
+                  <a:schemeClr val="tx1"/>
+                </a:solidFill>
+                <a:latin typeface="LG Smart UI Regular" panose="020B0500000101010101" pitchFamily="50" charset="-127"/>
+                <a:ea typeface="LG Smart UI Regular" panose="020B0500000101010101" pitchFamily="50" charset="-127"/>
+                <a:cs typeface="KoPubWorld바탕체 Bold" panose="00000800000000000000" pitchFamily="2" charset="-127"/>
+              </a:rPr>
+              <a:t>is_same</a:t>
+            </a:r>
+            <a:r>
+              <a:rPr lang="en-US" altLang="ko-KR" sz="1230" b="0" dirty="0" smtClean="0">
+                <a:solidFill>
+                  <a:schemeClr val="tx1"/>
+                </a:solidFill>
+                <a:latin typeface="LG Smart UI Regular" panose="020B0500000101010101" pitchFamily="50" charset="-127"/>
+                <a:ea typeface="LG Smart UI Regular" panose="020B0500000101010101" pitchFamily="50" charset="-127"/>
+                <a:cs typeface="KoPubWorld바탕체 Bold" panose="00000800000000000000" pitchFamily="2" charset="-127"/>
+              </a:rPr>
+              <a:t>&lt;tmpClass1, tmpClass2&gt;::value // </a:t>
+            </a:r>
+            <a:r>
+              <a:rPr lang="ko-KR" altLang="en-US" sz="1230" b="0" dirty="0" smtClean="0">
+                <a:solidFill>
+                  <a:schemeClr val="tx1"/>
+                </a:solidFill>
+                <a:latin typeface="LG Smart UI Regular" panose="020B0500000101010101" pitchFamily="50" charset="-127"/>
+                <a:ea typeface="LG Smart UI Regular" panose="020B0500000101010101" pitchFamily="50" charset="-127"/>
+                <a:cs typeface="KoPubWorld바탕체 Bold" panose="00000800000000000000" pitchFamily="2" charset="-127"/>
+              </a:rPr>
+              <a:t>형식이 다르기 때문에 </a:t>
+            </a:r>
+            <a:r>
+              <a:rPr lang="en-US" altLang="ko-KR" sz="1230" b="0" dirty="0" smtClean="0">
+                <a:solidFill>
+                  <a:schemeClr val="tx1"/>
+                </a:solidFill>
+                <a:latin typeface="LG Smart UI Regular" panose="020B0500000101010101" pitchFamily="50" charset="-127"/>
+                <a:ea typeface="LG Smart UI Regular" panose="020B0500000101010101" pitchFamily="50" charset="-127"/>
+                <a:cs typeface="KoPubWorld바탕체 Bold" panose="00000800000000000000" pitchFamily="2" charset="-127"/>
+              </a:rPr>
+              <a:t>0 </a:t>
+            </a:r>
+            <a:r>
+              <a:rPr lang="ko-KR" altLang="en-US" sz="1230" b="0" dirty="0" smtClean="0">
+                <a:solidFill>
+                  <a:schemeClr val="tx1"/>
+                </a:solidFill>
+                <a:latin typeface="LG Smart UI Regular" panose="020B0500000101010101" pitchFamily="50" charset="-127"/>
+                <a:ea typeface="LG Smart UI Regular" panose="020B0500000101010101" pitchFamily="50" charset="-127"/>
+                <a:cs typeface="KoPubWorld바탕체 Bold" panose="00000800000000000000" pitchFamily="2" charset="-127"/>
+              </a:rPr>
+              <a:t>반환</a:t>
+            </a:r>
+            <a:endParaRPr lang="en-US" altLang="ko-KR" sz="1230" b="0" dirty="0" smtClean="0">
+              <a:solidFill>
+                <a:schemeClr val="tx1"/>
+              </a:solidFill>
+              <a:latin typeface="LG Smart UI Regular" panose="020B0500000101010101" pitchFamily="50" charset="-127"/>
+              <a:ea typeface="LG Smart UI Regular" panose="020B0500000101010101" pitchFamily="50" charset="-127"/>
+              <a:cs typeface="KoPubWorld바탕체 Bold" panose="00000800000000000000" pitchFamily="2" charset="-127"/>
+            </a:endParaRPr>
+          </a:p>
+          <a:p>
+            <a:r>
+              <a:rPr lang="en-US" altLang="ko-KR" sz="1230" b="0" dirty="0">
+                <a:solidFill>
+                  <a:schemeClr val="tx1"/>
+                </a:solidFill>
+                <a:latin typeface="LG Smart UI Regular" panose="020B0500000101010101" pitchFamily="50" charset="-127"/>
+                <a:ea typeface="LG Smart UI Regular" panose="020B0500000101010101" pitchFamily="50" charset="-127"/>
+                <a:cs typeface="KoPubWorld바탕체 Bold" panose="00000800000000000000" pitchFamily="2" charset="-127"/>
+              </a:rPr>
+              <a:t>	</a:t>
+            </a:r>
+            <a:r>
+              <a:rPr lang="en-US" altLang="ko-KR" sz="1230" b="0" dirty="0" err="1" smtClean="0">
+                <a:solidFill>
+                  <a:schemeClr val="tx1"/>
+                </a:solidFill>
+                <a:latin typeface="LG Smart UI Regular" panose="020B0500000101010101" pitchFamily="50" charset="-127"/>
+                <a:ea typeface="LG Smart UI Regular" panose="020B0500000101010101" pitchFamily="50" charset="-127"/>
+                <a:cs typeface="KoPubWorld바탕체 Bold" panose="00000800000000000000" pitchFamily="2" charset="-127"/>
+              </a:rPr>
+              <a:t>Func</a:t>
+            </a:r>
+            <a:r>
+              <a:rPr lang="en-US" altLang="ko-KR" sz="1230" b="0" dirty="0" smtClean="0">
+                <a:solidFill>
+                  <a:schemeClr val="tx1"/>
+                </a:solidFill>
+                <a:latin typeface="LG Smart UI Regular" panose="020B0500000101010101" pitchFamily="50" charset="-127"/>
+                <a:ea typeface="LG Smart UI Regular" panose="020B0500000101010101" pitchFamily="50" charset="-127"/>
+                <a:cs typeface="KoPubWorld바탕체 Bold" panose="00000800000000000000" pitchFamily="2" charset="-127"/>
+              </a:rPr>
+              <a:t>(1, 21.7);</a:t>
             </a:r>
             <a:endParaRPr lang="en-US" altLang="ko-KR" sz="1230" b="0" dirty="0">
               <a:solidFill>
@@ -7211,8 +9858,6 @@
               </a:rPr>
               <a:t>}</a:t>
             </a:r>
-          </a:p>
-          <a:p>
             <a:endParaRPr lang="en-US" altLang="ko-KR" sz="1230" b="0" dirty="0">
               <a:solidFill>
                 <a:schemeClr val="tx1"/>
@@ -7222,77 +9867,12 @@
               <a:cs typeface="KoPubWorld바탕체 Bold" panose="00000800000000000000" pitchFamily="2" charset="-127"/>
             </a:endParaRPr>
           </a:p>
-          <a:p>
-            <a:r>
-              <a:rPr lang="en-US" altLang="ko-KR" sz="1230" dirty="0" smtClean="0">
-                <a:solidFill>
-                  <a:schemeClr val="tx1"/>
-                </a:solidFill>
-                <a:latin typeface="LG Smart UI Regular" panose="020B0500000101010101" pitchFamily="50" charset="-127"/>
-                <a:ea typeface="LG Smart UI Regular" panose="020B0500000101010101" pitchFamily="50" charset="-127"/>
-                <a:cs typeface="KoPubWorld바탕체 Bold" panose="00000800000000000000" pitchFamily="2" charset="-127"/>
-              </a:rPr>
-              <a:t>friend </a:t>
-            </a:r>
-            <a:r>
-              <a:rPr lang="ko-KR" altLang="en-US" sz="1230" dirty="0" smtClean="0">
-                <a:solidFill>
-                  <a:schemeClr val="tx1"/>
-                </a:solidFill>
-                <a:latin typeface="LG Smart UI Regular" panose="020B0500000101010101" pitchFamily="50" charset="-127"/>
-                <a:ea typeface="LG Smart UI Regular" panose="020B0500000101010101" pitchFamily="50" charset="-127"/>
-                <a:cs typeface="KoPubWorld바탕체 Bold" panose="00000800000000000000" pitchFamily="2" charset="-127"/>
-              </a:rPr>
-              <a:t>함수는 </a:t>
-            </a:r>
-            <a:r>
-              <a:rPr lang="en-US" altLang="ko-KR" sz="1230" dirty="0" smtClean="0">
-                <a:solidFill>
-                  <a:schemeClr val="tx1"/>
-                </a:solidFill>
-                <a:latin typeface="LG Smart UI Regular" panose="020B0500000101010101" pitchFamily="50" charset="-127"/>
-                <a:ea typeface="LG Smart UI Regular" panose="020B0500000101010101" pitchFamily="50" charset="-127"/>
-                <a:cs typeface="KoPubWorld바탕체 Bold" panose="00000800000000000000" pitchFamily="2" charset="-127"/>
-              </a:rPr>
-              <a:t>private </a:t>
-            </a:r>
-            <a:r>
-              <a:rPr lang="ko-KR" altLang="en-US" sz="1230" dirty="0" smtClean="0">
-                <a:solidFill>
-                  <a:schemeClr val="tx1"/>
-                </a:solidFill>
-                <a:latin typeface="LG Smart UI Regular" panose="020B0500000101010101" pitchFamily="50" charset="-127"/>
-                <a:ea typeface="LG Smart UI Regular" panose="020B0500000101010101" pitchFamily="50" charset="-127"/>
-                <a:cs typeface="KoPubWorld바탕체 Bold" panose="00000800000000000000" pitchFamily="2" charset="-127"/>
-              </a:rPr>
-              <a:t>변수에 대해 직접 접근하는 방식이기 때문에 정보 은닉을 깨트리기 때문에 가급적이면 사용을 하지 않는다</a:t>
-            </a:r>
-            <a:r>
-              <a:rPr lang="en-US" altLang="ko-KR" sz="1230" dirty="0" smtClean="0">
-                <a:solidFill>
-                  <a:schemeClr val="tx1"/>
-                </a:solidFill>
-                <a:latin typeface="LG Smart UI Regular" panose="020B0500000101010101" pitchFamily="50" charset="-127"/>
-                <a:ea typeface="LG Smart UI Regular" panose="020B0500000101010101" pitchFamily="50" charset="-127"/>
-                <a:cs typeface="KoPubWorld바탕체 Bold" panose="00000800000000000000" pitchFamily="2" charset="-127"/>
-              </a:rPr>
-              <a:t>.</a:t>
-            </a:r>
-            <a:endParaRPr lang="en-US" altLang="ko-KR" sz="1230" dirty="0">
-              <a:solidFill>
-                <a:schemeClr val="tx1"/>
-              </a:solidFill>
-              <a:latin typeface="LG Smart UI Regular" panose="020B0500000101010101" pitchFamily="50" charset="-127"/>
-              <a:ea typeface="LG Smart UI Regular" panose="020B0500000101010101" pitchFamily="50" charset="-127"/>
-              <a:cs typeface="KoPubWorld바탕체 Bold" panose="00000800000000000000" pitchFamily="2" charset="-127"/>
-            </a:endParaRPr>
-          </a:p>
         </p:txBody>
       </p:sp>
     </p:spTree>
     <p:extLst>
       <p:ext uri="{BB962C8B-B14F-4D97-AF65-F5344CB8AC3E}">
-        <p14:creationId xmlns:p14="http://schemas.microsoft.com/office/powerpoint/2010/main" val="2295963897"/>
+        <p14:creationId xmlns:p14="http://schemas.microsoft.com/office/powerpoint/2010/main" val="2887545094"/>
       </p:ext>
     </p:extLst>
   </p:cSld>
@@ -13171,18 +15751,7 @@
                 <a:ea typeface="LG Smart UI Regular" panose="020B0500000101010101" pitchFamily="50" charset="-127"/>
                 <a:cs typeface="KoPubWorld바탕체 Bold" panose="00000800000000000000" pitchFamily="2" charset="-127"/>
               </a:rPr>
-              <a:t> 에는 </a:t>
-            </a:r>
-            <a:r>
-              <a:rPr lang="ko-KR" altLang="en-US" sz="1230" b="0" dirty="0" smtClean="0">
-                <a:solidFill>
-                  <a:schemeClr val="tx1"/>
-                </a:solidFill>
-                <a:latin typeface="LG Smart UI Regular" panose="020B0500000101010101" pitchFamily="50" charset="-127"/>
-                <a:ea typeface="LG Smart UI Regular" panose="020B0500000101010101" pitchFamily="50" charset="-127"/>
-                <a:cs typeface="KoPubWorld바탕체 Bold" panose="00000800000000000000" pitchFamily="2" charset="-127"/>
-              </a:rPr>
-              <a:t>해제 할 수 있도록 하는 유연한 메모리 관리 방식이다</a:t>
+              <a:t> 에는 해제 할 수 있도록 하는 유연한 메모리 관리 방식이다</a:t>
             </a:r>
             <a:r>
               <a:rPr lang="en-US" altLang="ko-KR" sz="1230" b="0" dirty="0" smtClean="0">
@@ -14003,14 +16572,6 @@
               </a:rPr>
               <a:t>2;</a:t>
             </a:r>
-            <a:endParaRPr lang="en-US" altLang="ko-KR" sz="1230" b="0" dirty="0" smtClean="0">
-              <a:solidFill>
-                <a:schemeClr val="tx1"/>
-              </a:solidFill>
-              <a:latin typeface="LG Smart UI Regular" panose="020B0500000101010101" pitchFamily="50" charset="-127"/>
-              <a:ea typeface="LG Smart UI Regular" panose="020B0500000101010101" pitchFamily="50" charset="-127"/>
-              <a:cs typeface="KoPubWorld바탕체 Bold" panose="00000800000000000000" pitchFamily="2" charset="-127"/>
-            </a:endParaRPr>
           </a:p>
           <a:p>
             <a:r>
@@ -14554,14 +17115,6 @@
               </a:rPr>
               <a:t>.</a:t>
             </a:r>
-            <a:endParaRPr lang="en-US" altLang="ko-KR" sz="1230" b="0" dirty="0" smtClean="0">
-              <a:solidFill>
-                <a:schemeClr val="tx1"/>
-              </a:solidFill>
-              <a:latin typeface="LG Smart UI Regular" panose="020B0500000101010101" pitchFamily="50" charset="-127"/>
-              <a:ea typeface="LG Smart UI Regular" panose="020B0500000101010101" pitchFamily="50" charset="-127"/>
-              <a:cs typeface="KoPubWorld바탕체 Bold" panose="00000800000000000000" pitchFamily="2" charset="-127"/>
-            </a:endParaRPr>
           </a:p>
         </p:txBody>
       </p:sp>
@@ -15303,18 +17856,7 @@
                 <a:ea typeface="LG Smart UI Regular" panose="020B0500000101010101" pitchFamily="50" charset="-127"/>
                 <a:cs typeface="KoPubWorld바탕체 Bold" panose="00000800000000000000" pitchFamily="2" charset="-127"/>
               </a:rPr>
-              <a:t>class </a:t>
-            </a:r>
-            <a:r>
-              <a:rPr lang="en-US" altLang="ko-KR" sz="1230" b="0" dirty="0" smtClean="0">
-                <a:solidFill>
-                  <a:schemeClr val="tx1"/>
-                </a:solidFill>
-                <a:latin typeface="LG Smart UI Regular" panose="020B0500000101010101" pitchFamily="50" charset="-127"/>
-                <a:ea typeface="LG Smart UI Regular" panose="020B0500000101010101" pitchFamily="50" charset="-127"/>
-                <a:cs typeface="KoPubWorld바탕체 Bold" panose="00000800000000000000" pitchFamily="2" charset="-127"/>
-              </a:rPr>
-              <a:t>Class2{</a:t>
+              <a:t>class Class2{</a:t>
             </a:r>
           </a:p>
           <a:p>
@@ -15448,27 +17990,8 @@
                 <a:ea typeface="LG Smart UI Regular" panose="020B0500000101010101" pitchFamily="50" charset="-127"/>
                 <a:cs typeface="KoPubWorld바탕체 Bold" panose="00000800000000000000" pitchFamily="2" charset="-127"/>
               </a:rPr>
-              <a:t>111 . </a:t>
-            </a:r>
-            <a:r>
-              <a:rPr lang="en-US" altLang="ko-KR" sz="2200" dirty="0" smtClean="0">
-                <a:solidFill>
-                  <a:schemeClr val="tx1"/>
-                </a:solidFill>
-                <a:latin typeface="LG Smart UI Regular" panose="020B0500000101010101" pitchFamily="50" charset="-127"/>
-                <a:ea typeface="LG Smart UI Regular" panose="020B0500000101010101" pitchFamily="50" charset="-127"/>
-                <a:cs typeface="KoPubWorld바탕체 Bold" panose="00000800000000000000" pitchFamily="2" charset="-127"/>
-              </a:rPr>
-              <a:t>Has - A</a:t>
-            </a:r>
-            <a:endParaRPr lang="en-US" altLang="ko-KR" sz="2200" dirty="0" smtClean="0">
-              <a:solidFill>
-                <a:schemeClr val="tx1"/>
-              </a:solidFill>
-              <a:latin typeface="LG Smart UI Regular" panose="020B0500000101010101" pitchFamily="50" charset="-127"/>
-              <a:ea typeface="LG Smart UI Regular" panose="020B0500000101010101" pitchFamily="50" charset="-127"/>
-              <a:cs typeface="KoPubWorld바탕체 Bold" panose="00000800000000000000" pitchFamily="2" charset="-127"/>
-            </a:endParaRPr>
+              <a:t>111 . Has - A</a:t>
+            </a:r>
           </a:p>
         </p:txBody>
       </p:sp>
@@ -15541,14 +18064,6 @@
               </a:rPr>
               <a:t>s - A</a:t>
             </a:r>
-            <a:endParaRPr lang="en-US" altLang="ko-KR" sz="2200" dirty="0" smtClean="0">
-              <a:solidFill>
-                <a:schemeClr val="tx1"/>
-              </a:solidFill>
-              <a:latin typeface="LG Smart UI Regular" panose="020B0500000101010101" pitchFamily="50" charset="-127"/>
-              <a:ea typeface="LG Smart UI Regular" panose="020B0500000101010101" pitchFamily="50" charset="-127"/>
-              <a:cs typeface="KoPubWorld바탕체 Bold" panose="00000800000000000000" pitchFamily="2" charset="-127"/>
-            </a:endParaRPr>
           </a:p>
         </p:txBody>
       </p:sp>
@@ -15597,38 +18112,8 @@
                 <a:ea typeface="LG Smart UI Regular" panose="020B0500000101010101" pitchFamily="50" charset="-127"/>
                 <a:cs typeface="KoPubWorld바탕체 Bold" panose="00000800000000000000" pitchFamily="2" charset="-127"/>
               </a:rPr>
-              <a:t>111 . </a:t>
-            </a:r>
-            <a:r>
-              <a:rPr lang="en-US" altLang="ko-KR" sz="2200" dirty="0" smtClean="0">
-                <a:solidFill>
-                  <a:schemeClr val="tx1"/>
-                </a:solidFill>
-                <a:latin typeface="LG Smart UI Regular" panose="020B0500000101010101" pitchFamily="50" charset="-127"/>
-                <a:ea typeface="LG Smart UI Regular" panose="020B0500000101010101" pitchFamily="50" charset="-127"/>
-                <a:cs typeface="KoPubWorld바탕체 Bold" panose="00000800000000000000" pitchFamily="2" charset="-127"/>
-              </a:rPr>
-              <a:t>Not</a:t>
-            </a:r>
-            <a:r>
-              <a:rPr lang="en-US" altLang="ko-KR" sz="2200" dirty="0" smtClean="0">
-                <a:solidFill>
-                  <a:schemeClr val="tx1"/>
-                </a:solidFill>
-                <a:latin typeface="LG Smart UI Regular" panose="020B0500000101010101" pitchFamily="50" charset="-127"/>
-                <a:ea typeface="LG Smart UI Regular" panose="020B0500000101010101" pitchFamily="50" charset="-127"/>
-                <a:cs typeface="KoPubWorld바탕체 Bold" panose="00000800000000000000" pitchFamily="2" charset="-127"/>
-              </a:rPr>
-              <a:t> - A</a:t>
-            </a:r>
-            <a:endParaRPr lang="en-US" altLang="ko-KR" sz="2200" dirty="0" smtClean="0">
-              <a:solidFill>
-                <a:schemeClr val="tx1"/>
-              </a:solidFill>
-              <a:latin typeface="LG Smart UI Regular" panose="020B0500000101010101" pitchFamily="50" charset="-127"/>
-              <a:ea typeface="LG Smart UI Regular" panose="020B0500000101010101" pitchFamily="50" charset="-127"/>
-              <a:cs typeface="KoPubWorld바탕체 Bold" panose="00000800000000000000" pitchFamily="2" charset="-127"/>
-            </a:endParaRPr>
+              <a:t>111 . Not - A</a:t>
+            </a:r>
           </a:p>
         </p:txBody>
       </p:sp>

--- a/세미나 자료/C++ 세미나 세 번째.pptx
+++ b/세미나 자료/C++ 세미나 세 번째.pptx
@@ -209,7 +209,7 @@
           <a:p>
             <a:fld id="{C5FD5ABF-119A-4B9A-A3F7-B2F31820663F}" type="datetimeFigureOut">
               <a:rPr lang="ko-KR" altLang="en-US" smtClean="0"/>
-              <a:t>2024-06-20</a:t>
+              <a:t>2024-06-21</a:t>
             </a:fld>
             <a:endParaRPr lang="ko-KR" altLang="en-US"/>
           </a:p>
@@ -1223,7 +1223,7 @@
             <a:fld id="{B61BEF0D-F0BB-DE4B-95CE-6DB70DBA9567}" type="datetimeFigureOut">
               <a:rPr lang="en-US" dirty="0"/>
               <a:pPr/>
-              <a:t>6/20/2024</a:t>
+              <a:t>6/21/2024</a:t>
             </a:fld>
             <a:endParaRPr lang="en-US" dirty="0"/>
           </a:p>
@@ -1471,7 +1471,7 @@
             <a:fld id="{B61BEF0D-F0BB-DE4B-95CE-6DB70DBA9567}" type="datetimeFigureOut">
               <a:rPr lang="en-US" dirty="0"/>
               <a:pPr/>
-              <a:t>6/20/2024</a:t>
+              <a:t>6/21/2024</a:t>
             </a:fld>
             <a:endParaRPr lang="en-US" dirty="0"/>
           </a:p>
@@ -1782,7 +1782,7 @@
             <a:fld id="{B61BEF0D-F0BB-DE4B-95CE-6DB70DBA9567}" type="datetimeFigureOut">
               <a:rPr lang="en-US" dirty="0"/>
               <a:pPr/>
-              <a:t>6/20/2024</a:t>
+              <a:t>6/21/2024</a:t>
             </a:fld>
             <a:endParaRPr lang="en-US" dirty="0"/>
           </a:p>
@@ -2112,7 +2112,7 @@
             <a:fld id="{B61BEF0D-F0BB-DE4B-95CE-6DB70DBA9567}" type="datetimeFigureOut">
               <a:rPr lang="en-US" dirty="0"/>
               <a:pPr/>
-              <a:t>6/20/2024</a:t>
+              <a:t>6/21/2024</a:t>
             </a:fld>
             <a:endParaRPr lang="en-US" dirty="0"/>
           </a:p>
@@ -2423,7 +2423,7 @@
             <a:fld id="{B61BEF0D-F0BB-DE4B-95CE-6DB70DBA9567}" type="datetimeFigureOut">
               <a:rPr lang="en-US" dirty="0"/>
               <a:pPr/>
-              <a:t>6/20/2024</a:t>
+              <a:t>6/21/2024</a:t>
             </a:fld>
             <a:endParaRPr lang="en-US" dirty="0"/>
           </a:p>
@@ -2813,7 +2813,7 @@
             <a:fld id="{B61BEF0D-F0BB-DE4B-95CE-6DB70DBA9567}" type="datetimeFigureOut">
               <a:rPr lang="en-US" dirty="0"/>
               <a:pPr/>
-              <a:t>6/20/2024</a:t>
+              <a:t>6/21/2024</a:t>
             </a:fld>
             <a:endParaRPr lang="en-US" dirty="0"/>
           </a:p>
@@ -2979,7 +2979,7 @@
           <a:p>
             <a:fld id="{55C6B4A9-1611-4792-9094-5F34BCA07E0B}" type="datetimeFigureOut">
               <a:rPr lang="en-US" dirty="0"/>
-              <a:t>6/20/2024</a:t>
+              <a:t>6/21/2024</a:t>
             </a:fld>
             <a:endParaRPr lang="en-US" dirty="0"/>
           </a:p>
@@ -3155,7 +3155,7 @@
             <a:fld id="{B61BEF0D-F0BB-DE4B-95CE-6DB70DBA9567}" type="datetimeFigureOut">
               <a:rPr lang="en-US" dirty="0"/>
               <a:pPr/>
-              <a:t>6/20/2024</a:t>
+              <a:t>6/21/2024</a:t>
             </a:fld>
             <a:endParaRPr lang="en-US" dirty="0"/>
           </a:p>
@@ -3321,7 +3321,7 @@
           <a:p>
             <a:fld id="{42A54C80-263E-416B-A8E0-580EDEADCBDC}" type="datetimeFigureOut">
               <a:rPr lang="en-US" dirty="0"/>
-              <a:t>6/20/2024</a:t>
+              <a:t>6/21/2024</a:t>
             </a:fld>
             <a:endParaRPr lang="en-US" dirty="0"/>
           </a:p>
@@ -3564,7 +3564,7 @@
             <a:fld id="{B61BEF0D-F0BB-DE4B-95CE-6DB70DBA9567}" type="datetimeFigureOut">
               <a:rPr lang="en-US" dirty="0"/>
               <a:pPr/>
-              <a:t>6/20/2024</a:t>
+              <a:t>6/21/2024</a:t>
             </a:fld>
             <a:endParaRPr lang="en-US" dirty="0"/>
           </a:p>
@@ -3792,7 +3792,7 @@
           <a:p>
             <a:fld id="{42A54C80-263E-416B-A8E0-580EDEADCBDC}" type="datetimeFigureOut">
               <a:rPr lang="en-US" dirty="0"/>
-              <a:t>6/20/2024</a:t>
+              <a:t>6/21/2024</a:t>
             </a:fld>
             <a:endParaRPr lang="en-US" dirty="0"/>
           </a:p>
@@ -4162,7 +4162,7 @@
             <a:fld id="{B61BEF0D-F0BB-DE4B-95CE-6DB70DBA9567}" type="datetimeFigureOut">
               <a:rPr lang="en-US" dirty="0"/>
               <a:pPr/>
-              <a:t>6/20/2024</a:t>
+              <a:t>6/21/2024</a:t>
             </a:fld>
             <a:endParaRPr lang="en-US" dirty="0"/>
           </a:p>
@@ -4282,7 +4282,7 @@
             <a:fld id="{B61BEF0D-F0BB-DE4B-95CE-6DB70DBA9567}" type="datetimeFigureOut">
               <a:rPr lang="en-US" dirty="0"/>
               <a:pPr/>
-              <a:t>6/20/2024</a:t>
+              <a:t>6/21/2024</a:t>
             </a:fld>
             <a:endParaRPr lang="en-US" dirty="0"/>
           </a:p>
@@ -4374,7 +4374,7 @@
             <a:fld id="{B61BEF0D-F0BB-DE4B-95CE-6DB70DBA9567}" type="datetimeFigureOut">
               <a:rPr lang="en-US" dirty="0"/>
               <a:pPr/>
-              <a:t>6/20/2024</a:t>
+              <a:t>6/21/2024</a:t>
             </a:fld>
             <a:endParaRPr lang="en-US" dirty="0"/>
           </a:p>
@@ -4625,7 +4625,7 @@
           <a:p>
             <a:fld id="{42A54C80-263E-416B-A8E0-580EDEADCBDC}" type="datetimeFigureOut">
               <a:rPr lang="en-US" dirty="0"/>
-              <a:t>6/20/2024</a:t>
+              <a:t>6/21/2024</a:t>
             </a:fld>
             <a:endParaRPr lang="en-US" dirty="0"/>
           </a:p>
@@ -4927,7 +4927,7 @@
             <a:fld id="{B61BEF0D-F0BB-DE4B-95CE-6DB70DBA9567}" type="datetimeFigureOut">
               <a:rPr lang="en-US" dirty="0"/>
               <a:pPr/>
-              <a:t>6/20/2024</a:t>
+              <a:t>6/21/2024</a:t>
             </a:fld>
             <a:endParaRPr lang="en-US" dirty="0"/>
           </a:p>
@@ -5625,7 +5625,7 @@
             <a:fld id="{B61BEF0D-F0BB-DE4B-95CE-6DB70DBA9567}" type="datetimeFigureOut">
               <a:rPr lang="en-US" dirty="0"/>
               <a:pPr/>
-              <a:t>6/20/2024</a:t>
+              <a:t>6/21/2024</a:t>
             </a:fld>
             <a:endParaRPr lang="en-US" dirty="0"/>
           </a:p>
@@ -6312,8 +6312,8 @@
         </p:nvSpPr>
         <p:spPr>
           <a:xfrm>
-            <a:off x="1584293" y="1214846"/>
-            <a:ext cx="6207700" cy="4898571"/>
+            <a:off x="1593720" y="807308"/>
+            <a:ext cx="6207700" cy="5481821"/>
           </a:xfrm>
           <a:prstGeom prst="rect">
             <a:avLst/>
@@ -6373,7 +6373,18 @@
                 <a:ea typeface="LG Smart UI Regular" panose="020B0500000101010101" pitchFamily="50" charset="-127"/>
                 <a:cs typeface="KoPubWorld바탕체 Bold" panose="00000800000000000000" pitchFamily="2" charset="-127"/>
               </a:rPr>
-              <a:t>	friend class Class1; </a:t>
+              <a:t>	friend class </a:t>
+            </a:r>
+            <a:r>
+              <a:rPr lang="en-US" altLang="ko-KR" sz="1230" b="0" dirty="0" smtClean="0">
+                <a:solidFill>
+                  <a:schemeClr val="tx1"/>
+                </a:solidFill>
+                <a:latin typeface="LG Smart UI Regular" panose="020B0500000101010101" pitchFamily="50" charset="-127"/>
+                <a:ea typeface="LG Smart UI Regular" panose="020B0500000101010101" pitchFamily="50" charset="-127"/>
+                <a:cs typeface="KoPubWorld바탕체 Bold" panose="00000800000000000000" pitchFamily="2" charset="-127"/>
+              </a:rPr>
+              <a:t>Class2; </a:t>
             </a:r>
             <a:r>
               <a:rPr lang="en-US" altLang="ko-KR" sz="1230" dirty="0" smtClean="0">
@@ -6580,7 +6591,51 @@
                 <a:ea typeface="LG Smart UI Regular" panose="020B0500000101010101" pitchFamily="50" charset="-127"/>
                 <a:cs typeface="KoPubWorld바탕체 Bold" panose="00000800000000000000" pitchFamily="2" charset="-127"/>
               </a:rPr>
-              <a:t>멤버에 직접 접근이 가능하게 된다</a:t>
+              <a:t>멤버에 </a:t>
+            </a:r>
+            <a:r>
+              <a:rPr lang="ko-KR" altLang="en-US" sz="1230" dirty="0" smtClean="0">
+                <a:solidFill>
+                  <a:schemeClr val="tx1"/>
+                </a:solidFill>
+                <a:latin typeface="LG Smart UI Regular" panose="020B0500000101010101" pitchFamily="50" charset="-127"/>
+                <a:ea typeface="LG Smart UI Regular" panose="020B0500000101010101" pitchFamily="50" charset="-127"/>
+                <a:cs typeface="KoPubWorld바탕체 Bold" panose="00000800000000000000" pitchFamily="2" charset="-127"/>
+              </a:rPr>
+              <a:t>직</a:t>
+            </a:r>
+            <a:r>
+              <a:rPr lang="en-US" altLang="ko-KR" sz="1230" dirty="0" smtClean="0">
+                <a:solidFill>
+                  <a:schemeClr val="tx1"/>
+                </a:solidFill>
+                <a:latin typeface="LG Smart UI Regular" panose="020B0500000101010101" pitchFamily="50" charset="-127"/>
+                <a:ea typeface="LG Smart UI Regular" panose="020B0500000101010101" pitchFamily="50" charset="-127"/>
+                <a:cs typeface="KoPubWorld바탕체 Bold" panose="00000800000000000000" pitchFamily="2" charset="-127"/>
+              </a:rPr>
+              <a:t>			// </a:t>
+            </a:r>
+            <a:r>
+              <a:rPr lang="ko-KR" altLang="en-US" sz="1230" dirty="0" smtClean="0">
+                <a:solidFill>
+                  <a:schemeClr val="tx1"/>
+                </a:solidFill>
+                <a:latin typeface="LG Smart UI Regular" panose="020B0500000101010101" pitchFamily="50" charset="-127"/>
+                <a:ea typeface="LG Smart UI Regular" panose="020B0500000101010101" pitchFamily="50" charset="-127"/>
+                <a:cs typeface="KoPubWorld바탕체 Bold" panose="00000800000000000000" pitchFamily="2" charset="-127"/>
+              </a:rPr>
+              <a:t>접 </a:t>
+            </a:r>
+            <a:r>
+              <a:rPr lang="ko-KR" altLang="en-US" sz="1230" dirty="0" smtClean="0">
+                <a:solidFill>
+                  <a:schemeClr val="tx1"/>
+                </a:solidFill>
+                <a:latin typeface="LG Smart UI Regular" panose="020B0500000101010101" pitchFamily="50" charset="-127"/>
+                <a:ea typeface="LG Smart UI Regular" panose="020B0500000101010101" pitchFamily="50" charset="-127"/>
+                <a:cs typeface="KoPubWorld바탕체 Bold" panose="00000800000000000000" pitchFamily="2" charset="-127"/>
+              </a:rPr>
+              <a:t>접근이 가능하게 된다</a:t>
             </a:r>
             <a:r>
               <a:rPr lang="en-US" altLang="ko-KR" sz="1230" dirty="0" smtClean="0">
@@ -7086,10 +7141,69 @@
                 <a:ea typeface="LG Smart UI Regular" panose="020B0500000101010101" pitchFamily="50" charset="-127"/>
                 <a:cs typeface="KoPubWorld바탕체 Bold" panose="00000800000000000000" pitchFamily="2" charset="-127"/>
               </a:rPr>
-              <a:t>	Class c1(50); </a:t>
-            </a:r>
-            <a:r>
-              <a:rPr lang="en-US" altLang="ko-KR" sz="1230" dirty="0" smtClean="0">
+              <a:t>	Class </a:t>
+            </a:r>
+            <a:r>
+              <a:rPr lang="en-US" altLang="ko-KR" sz="1230" b="0" dirty="0" smtClean="0">
+                <a:solidFill>
+                  <a:schemeClr val="tx1"/>
+                </a:solidFill>
+                <a:latin typeface="LG Smart UI Regular" panose="020B0500000101010101" pitchFamily="50" charset="-127"/>
+                <a:ea typeface="LG Smart UI Regular" panose="020B0500000101010101" pitchFamily="50" charset="-127"/>
+                <a:cs typeface="KoPubWorld바탕체 Bold" panose="00000800000000000000" pitchFamily="2" charset="-127"/>
+              </a:rPr>
+              <a:t>c1; </a:t>
+            </a:r>
+          </a:p>
+          <a:p>
+            <a:r>
+              <a:rPr lang="en-US" altLang="ko-KR" sz="1230" b="0" dirty="0" smtClean="0">
+                <a:solidFill>
+                  <a:schemeClr val="tx1"/>
+                </a:solidFill>
+                <a:latin typeface="LG Smart UI Regular" panose="020B0500000101010101" pitchFamily="50" charset="-127"/>
+                <a:ea typeface="LG Smart UI Regular" panose="020B0500000101010101" pitchFamily="50" charset="-127"/>
+                <a:cs typeface="KoPubWorld바탕체 Bold" panose="00000800000000000000" pitchFamily="2" charset="-127"/>
+              </a:rPr>
+              <a:t>	</a:t>
+            </a:r>
+            <a:r>
+              <a:rPr lang="en-US" altLang="ko-KR" sz="1230" b="0" dirty="0" smtClean="0">
+                <a:solidFill>
+                  <a:schemeClr val="tx1"/>
+                </a:solidFill>
+                <a:latin typeface="LG Smart UI Regular" panose="020B0500000101010101" pitchFamily="50" charset="-127"/>
+                <a:ea typeface="LG Smart UI Regular" panose="020B0500000101010101" pitchFamily="50" charset="-127"/>
+                <a:cs typeface="KoPubWorld바탕체 Bold" panose="00000800000000000000" pitchFamily="2" charset="-127"/>
+              </a:rPr>
+              <a:t>c1.Set(50);</a:t>
+            </a:r>
+            <a:r>
+              <a:rPr lang="en-US" altLang="ko-KR" sz="1230" b="0" dirty="0" smtClean="0">
+                <a:solidFill>
+                  <a:schemeClr val="tx1"/>
+                </a:solidFill>
+                <a:latin typeface="LG Smart UI Regular" panose="020B0500000101010101" pitchFamily="50" charset="-127"/>
+                <a:ea typeface="LG Smart UI Regular" panose="020B0500000101010101" pitchFamily="50" charset="-127"/>
+                <a:cs typeface="KoPubWorld바탕체 Bold" panose="00000800000000000000" pitchFamily="2" charset="-127"/>
+              </a:rPr>
+              <a:t>	</a:t>
+            </a:r>
+          </a:p>
+          <a:p>
+            <a:r>
+              <a:rPr lang="en-US" altLang="ko-KR" sz="1230" b="0" dirty="0" smtClean="0">
+                <a:solidFill>
+                  <a:schemeClr val="tx1"/>
+                </a:solidFill>
+                <a:latin typeface="LG Smart UI Regular" panose="020B0500000101010101" pitchFamily="50" charset="-127"/>
+                <a:ea typeface="LG Smart UI Regular" panose="020B0500000101010101" pitchFamily="50" charset="-127"/>
+                <a:cs typeface="KoPubWorld바탕체 Bold" panose="00000800000000000000" pitchFamily="2" charset="-127"/>
+              </a:rPr>
+              <a:t>	Get(c1);	</a:t>
+            </a:r>
+            <a:r>
+              <a:rPr lang="en-US" altLang="ko-KR" sz="1230" dirty="0">
                 <a:solidFill>
                   <a:schemeClr val="tx1"/>
                 </a:solidFill>
@@ -7100,6 +7214,61 @@
               <a:t>// Class1</a:t>
             </a:r>
             <a:r>
+              <a:rPr lang="ko-KR" altLang="en-US" sz="1230" dirty="0">
+                <a:solidFill>
+                  <a:schemeClr val="tx1"/>
+                </a:solidFill>
+                <a:latin typeface="LG Smart UI Regular" panose="020B0500000101010101" pitchFamily="50" charset="-127"/>
+                <a:ea typeface="LG Smart UI Regular" panose="020B0500000101010101" pitchFamily="50" charset="-127"/>
+                <a:cs typeface="KoPubWorld바탕체 Bold" panose="00000800000000000000" pitchFamily="2" charset="-127"/>
+              </a:rPr>
+              <a:t>에 대한 </a:t>
+            </a:r>
+            <a:r>
+              <a:rPr lang="en-US" altLang="ko-KR" sz="1230" dirty="0">
+                <a:solidFill>
+                  <a:schemeClr val="tx1"/>
+                </a:solidFill>
+                <a:latin typeface="LG Smart UI Regular" panose="020B0500000101010101" pitchFamily="50" charset="-127"/>
+                <a:ea typeface="LG Smart UI Regular" panose="020B0500000101010101" pitchFamily="50" charset="-127"/>
+                <a:cs typeface="KoPubWorld바탕체 Bold" panose="00000800000000000000" pitchFamily="2" charset="-127"/>
+              </a:rPr>
+              <a:t>private </a:t>
+            </a:r>
+            <a:r>
+              <a:rPr lang="ko-KR" altLang="en-US" sz="1230" dirty="0">
+                <a:solidFill>
+                  <a:schemeClr val="tx1"/>
+                </a:solidFill>
+                <a:latin typeface="LG Smart UI Regular" panose="020B0500000101010101" pitchFamily="50" charset="-127"/>
+                <a:ea typeface="LG Smart UI Regular" panose="020B0500000101010101" pitchFamily="50" charset="-127"/>
+                <a:cs typeface="KoPubWorld바탕체 Bold" panose="00000800000000000000" pitchFamily="2" charset="-127"/>
+              </a:rPr>
+              <a:t>변수 </a:t>
+            </a:r>
+            <a:r>
+              <a:rPr lang="en-US" altLang="ko-KR" sz="1230" dirty="0">
+                <a:solidFill>
+                  <a:schemeClr val="tx1"/>
+                </a:solidFill>
+                <a:latin typeface="LG Smart UI Regular" panose="020B0500000101010101" pitchFamily="50" charset="-127"/>
+                <a:ea typeface="LG Smart UI Regular" panose="020B0500000101010101" pitchFamily="50" charset="-127"/>
+                <a:cs typeface="KoPubWorld바탕체 Bold" panose="00000800000000000000" pitchFamily="2" charset="-127"/>
+              </a:rPr>
+              <a:t>a</a:t>
+            </a:r>
+            <a:r>
+              <a:rPr lang="ko-KR" altLang="en-US" sz="1230" dirty="0">
+                <a:solidFill>
+                  <a:schemeClr val="tx1"/>
+                </a:solidFill>
+                <a:latin typeface="LG Smart UI Regular" panose="020B0500000101010101" pitchFamily="50" charset="-127"/>
+                <a:ea typeface="LG Smart UI Regular" panose="020B0500000101010101" pitchFamily="50" charset="-127"/>
+                <a:cs typeface="KoPubWorld바탕체 Bold" panose="00000800000000000000" pitchFamily="2" charset="-127"/>
+              </a:rPr>
+              <a:t>에 대해 직접 </a:t>
+            </a:r>
+            <a:r>
               <a:rPr lang="ko-KR" altLang="en-US" sz="1230" dirty="0" smtClean="0">
                 <a:solidFill>
                   <a:schemeClr val="tx1"/>
@@ -7108,62 +7277,8 @@
                 <a:ea typeface="LG Smart UI Regular" panose="020B0500000101010101" pitchFamily="50" charset="-127"/>
                 <a:cs typeface="KoPubWorld바탕체 Bold" panose="00000800000000000000" pitchFamily="2" charset="-127"/>
               </a:rPr>
-              <a:t>에 대한 </a:t>
-            </a:r>
-            <a:r>
-              <a:rPr lang="en-US" altLang="ko-KR" sz="1230" dirty="0" smtClean="0">
-                <a:solidFill>
-                  <a:schemeClr val="tx1"/>
-                </a:solidFill>
-                <a:latin typeface="LG Smart UI Regular" panose="020B0500000101010101" pitchFamily="50" charset="-127"/>
-                <a:ea typeface="LG Smart UI Regular" panose="020B0500000101010101" pitchFamily="50" charset="-127"/>
-                <a:cs typeface="KoPubWorld바탕체 Bold" panose="00000800000000000000" pitchFamily="2" charset="-127"/>
-              </a:rPr>
-              <a:t>private </a:t>
-            </a:r>
-            <a:r>
-              <a:rPr lang="ko-KR" altLang="en-US" sz="1230" dirty="0" smtClean="0">
-                <a:solidFill>
-                  <a:schemeClr val="tx1"/>
-                </a:solidFill>
-                <a:latin typeface="LG Smart UI Regular" panose="020B0500000101010101" pitchFamily="50" charset="-127"/>
-                <a:ea typeface="LG Smart UI Regular" panose="020B0500000101010101" pitchFamily="50" charset="-127"/>
-                <a:cs typeface="KoPubWorld바탕체 Bold" panose="00000800000000000000" pitchFamily="2" charset="-127"/>
-              </a:rPr>
-              <a:t>변수 </a:t>
-            </a:r>
-            <a:r>
-              <a:rPr lang="en-US" altLang="ko-KR" sz="1230" dirty="0" smtClean="0">
-                <a:solidFill>
-                  <a:schemeClr val="tx1"/>
-                </a:solidFill>
-                <a:latin typeface="LG Smart UI Regular" panose="020B0500000101010101" pitchFamily="50" charset="-127"/>
-                <a:ea typeface="LG Smart UI Regular" panose="020B0500000101010101" pitchFamily="50" charset="-127"/>
-                <a:cs typeface="KoPubWorld바탕체 Bold" panose="00000800000000000000" pitchFamily="2" charset="-127"/>
-              </a:rPr>
-              <a:t>a</a:t>
-            </a:r>
-            <a:r>
-              <a:rPr lang="ko-KR" altLang="en-US" sz="1230" dirty="0" smtClean="0">
-                <a:solidFill>
-                  <a:schemeClr val="tx1"/>
-                </a:solidFill>
-                <a:latin typeface="LG Smart UI Regular" panose="020B0500000101010101" pitchFamily="50" charset="-127"/>
-                <a:ea typeface="LG Smart UI Regular" panose="020B0500000101010101" pitchFamily="50" charset="-127"/>
-                <a:cs typeface="KoPubWorld바탕체 Bold" panose="00000800000000000000" pitchFamily="2" charset="-127"/>
-              </a:rPr>
-              <a:t>에 대해 직접 접근</a:t>
-            </a:r>
-            <a:endParaRPr lang="en-US" altLang="ko-KR" sz="1230" dirty="0" smtClean="0">
-              <a:solidFill>
-                <a:schemeClr val="tx1"/>
-              </a:solidFill>
-              <a:latin typeface="LG Smart UI Regular" panose="020B0500000101010101" pitchFamily="50" charset="-127"/>
-              <a:ea typeface="LG Smart UI Regular" panose="020B0500000101010101" pitchFamily="50" charset="-127"/>
-              <a:cs typeface="KoPubWorld바탕체 Bold" panose="00000800000000000000" pitchFamily="2" charset="-127"/>
-            </a:endParaRPr>
-          </a:p>
-          <a:p>
+              <a:t>접근</a:t>
+            </a:r>
             <a:endParaRPr lang="en-US" altLang="ko-KR" sz="1230" b="0" dirty="0" smtClean="0">
               <a:solidFill>
                 <a:schemeClr val="tx1"/>
@@ -7174,6 +7289,16 @@
             </a:endParaRPr>
           </a:p>
           <a:p>
+            <a:endParaRPr lang="en-US" altLang="ko-KR" sz="1230" b="0" dirty="0" smtClean="0">
+              <a:solidFill>
+                <a:schemeClr val="tx1"/>
+              </a:solidFill>
+              <a:latin typeface="LG Smart UI Regular" panose="020B0500000101010101" pitchFamily="50" charset="-127"/>
+              <a:ea typeface="LG Smart UI Regular" panose="020B0500000101010101" pitchFamily="50" charset="-127"/>
+              <a:cs typeface="KoPubWorld바탕체 Bold" panose="00000800000000000000" pitchFamily="2" charset="-127"/>
+            </a:endParaRPr>
+          </a:p>
+          <a:p>
             <a:r>
               <a:rPr lang="en-US" altLang="ko-KR" sz="1230" b="0" dirty="0" smtClean="0">
                 <a:solidFill>
@@ -7238,7 +7363,7 @@
                 <a:ea typeface="LG Smart UI Regular" panose="020B0500000101010101" pitchFamily="50" charset="-127"/>
                 <a:cs typeface="KoPubWorld바탕체 Bold" panose="00000800000000000000" pitchFamily="2" charset="-127"/>
               </a:rPr>
-              <a:t>함수는 </a:t>
+              <a:t>는 </a:t>
             </a:r>
             <a:r>
               <a:rPr lang="en-US" altLang="ko-KR" sz="1230" dirty="0" smtClean="0">
@@ -7863,10 +7988,21 @@
                 <a:ea typeface="LG Smart UI Regular" panose="020B0500000101010101" pitchFamily="50" charset="-127"/>
                 <a:cs typeface="KoPubWorld바탕체 Bold" panose="00000800000000000000" pitchFamily="2" charset="-127"/>
               </a:rPr>
-              <a:t> a){ // </a:t>
-            </a:r>
-            <a:r>
-              <a:rPr lang="ko-KR" altLang="en-US" sz="1230" b="0" dirty="0" smtClean="0">
+              <a:t> a){ </a:t>
+            </a:r>
+            <a:r>
+              <a:rPr lang="en-US" altLang="ko-KR" sz="1230" dirty="0" smtClean="0">
+                <a:solidFill>
+                  <a:schemeClr val="tx1"/>
+                </a:solidFill>
+                <a:latin typeface="LG Smart UI Regular" panose="020B0500000101010101" pitchFamily="50" charset="-127"/>
+                <a:ea typeface="LG Smart UI Regular" panose="020B0500000101010101" pitchFamily="50" charset="-127"/>
+                <a:cs typeface="KoPubWorld바탕체 Bold" panose="00000800000000000000" pitchFamily="2" charset="-127"/>
+              </a:rPr>
+              <a:t>// </a:t>
+            </a:r>
+            <a:r>
+              <a:rPr lang="ko-KR" altLang="en-US" sz="1230" dirty="0" smtClean="0">
                 <a:solidFill>
                   <a:schemeClr val="tx1"/>
                 </a:solidFill>
@@ -7877,7 +8013,7 @@
               <a:t>매개변수로 </a:t>
             </a:r>
             <a:r>
-              <a:rPr lang="en-US" altLang="ko-KR" sz="1230" b="0" dirty="0" err="1" smtClean="0">
+              <a:rPr lang="en-US" altLang="ko-KR" sz="1230" dirty="0" err="1" smtClean="0">
                 <a:solidFill>
                   <a:schemeClr val="tx1"/>
                 </a:solidFill>
@@ -7888,7 +8024,7 @@
               <a:t>int</a:t>
             </a:r>
             <a:r>
-              <a:rPr lang="ko-KR" altLang="en-US" sz="1230" b="0" dirty="0" smtClean="0">
+              <a:rPr lang="ko-KR" altLang="en-US" sz="1230" dirty="0" smtClean="0">
                 <a:solidFill>
                   <a:schemeClr val="tx1"/>
                 </a:solidFill>
@@ -7920,10 +8056,21 @@
                 <a:ea typeface="LG Smart UI Regular" panose="020B0500000101010101" pitchFamily="50" charset="-127"/>
                 <a:cs typeface="KoPubWorld바탕체 Bold" panose="00000800000000000000" pitchFamily="2" charset="-127"/>
               </a:rPr>
-              <a:t>	//</a:t>
-            </a:r>
-            <a:r>
-              <a:rPr lang="ko-KR" altLang="en-US" sz="1230" b="0" dirty="0" smtClean="0">
+              <a:t>	</a:t>
+            </a:r>
+            <a:r>
+              <a:rPr lang="en-US" altLang="ko-KR" sz="1230" dirty="0" smtClean="0">
+                <a:solidFill>
+                  <a:schemeClr val="tx1"/>
+                </a:solidFill>
+                <a:latin typeface="LG Smart UI Regular" panose="020B0500000101010101" pitchFamily="50" charset="-127"/>
+                <a:ea typeface="LG Smart UI Regular" panose="020B0500000101010101" pitchFamily="50" charset="-127"/>
+                <a:cs typeface="KoPubWorld바탕체 Bold" panose="00000800000000000000" pitchFamily="2" charset="-127"/>
+              </a:rPr>
+              <a:t>//</a:t>
+            </a:r>
+            <a:r>
+              <a:rPr lang="ko-KR" altLang="en-US" sz="1230" dirty="0" smtClean="0">
                 <a:solidFill>
                   <a:schemeClr val="tx1"/>
                 </a:solidFill>
@@ -7934,7 +8081,7 @@
               <a:t>기능 </a:t>
             </a:r>
             <a:r>
-              <a:rPr lang="en-US" altLang="ko-KR" sz="1230" b="0" dirty="0" smtClean="0">
+              <a:rPr lang="en-US" altLang="ko-KR" sz="1230" dirty="0" smtClean="0">
                 <a:solidFill>
                   <a:schemeClr val="tx1"/>
                 </a:solidFill>
@@ -7944,6 +8091,29 @@
               </a:rPr>
               <a:t>1</a:t>
             </a:r>
+            <a:endParaRPr lang="en-US" altLang="ko-KR" sz="1230" dirty="0">
+              <a:solidFill>
+                <a:schemeClr val="tx1"/>
+              </a:solidFill>
+              <a:latin typeface="LG Smart UI Regular" panose="020B0500000101010101" pitchFamily="50" charset="-127"/>
+              <a:ea typeface="LG Smart UI Regular" panose="020B0500000101010101" pitchFamily="50" charset="-127"/>
+              <a:cs typeface="KoPubWorld바탕체 Bold" panose="00000800000000000000" pitchFamily="2" charset="-127"/>
+            </a:endParaRPr>
+          </a:p>
+          <a:p>
+            <a:r>
+              <a:rPr lang="en-US" altLang="ko-KR" sz="1230" b="0" dirty="0" smtClean="0">
+                <a:solidFill>
+                  <a:schemeClr val="tx1"/>
+                </a:solidFill>
+                <a:latin typeface="LG Smart UI Regular" panose="020B0500000101010101" pitchFamily="50" charset="-127"/>
+                <a:ea typeface="LG Smart UI Regular" panose="020B0500000101010101" pitchFamily="50" charset="-127"/>
+                <a:cs typeface="KoPubWorld바탕체 Bold" panose="00000800000000000000" pitchFamily="2" charset="-127"/>
+              </a:rPr>
+              <a:t>}</a:t>
+            </a:r>
+          </a:p>
+          <a:p>
             <a:endParaRPr lang="en-US" altLang="ko-KR" sz="1230" b="0" dirty="0">
               <a:solidFill>
                 <a:schemeClr val="tx1"/>
@@ -7963,6 +8133,291 @@
                 <a:ea typeface="LG Smart UI Regular" panose="020B0500000101010101" pitchFamily="50" charset="-127"/>
                 <a:cs typeface="KoPubWorld바탕체 Bold" panose="00000800000000000000" pitchFamily="2" charset="-127"/>
               </a:rPr>
+              <a:t>void </a:t>
+            </a:r>
+            <a:r>
+              <a:rPr lang="en-US" altLang="ko-KR" sz="1230" b="0" dirty="0" err="1" smtClean="0">
+                <a:solidFill>
+                  <a:schemeClr val="tx1"/>
+                </a:solidFill>
+                <a:latin typeface="LG Smart UI Regular" panose="020B0500000101010101" pitchFamily="50" charset="-127"/>
+                <a:ea typeface="LG Smart UI Regular" panose="020B0500000101010101" pitchFamily="50" charset="-127"/>
+                <a:cs typeface="KoPubWorld바탕체 Bold" panose="00000800000000000000" pitchFamily="2" charset="-127"/>
+              </a:rPr>
+              <a:t>func</a:t>
+            </a:r>
+            <a:r>
+              <a:rPr lang="en-US" altLang="ko-KR" sz="1230" b="0" dirty="0" smtClean="0">
+                <a:solidFill>
+                  <a:schemeClr val="tx1"/>
+                </a:solidFill>
+                <a:latin typeface="LG Smart UI Regular" panose="020B0500000101010101" pitchFamily="50" charset="-127"/>
+                <a:ea typeface="LG Smart UI Regular" panose="020B0500000101010101" pitchFamily="50" charset="-127"/>
+                <a:cs typeface="KoPubWorld바탕체 Bold" panose="00000800000000000000" pitchFamily="2" charset="-127"/>
+              </a:rPr>
+              <a:t>(double a){ </a:t>
+            </a:r>
+            <a:r>
+              <a:rPr lang="en-US" altLang="ko-KR" sz="1230" dirty="0" smtClean="0">
+                <a:solidFill>
+                  <a:schemeClr val="tx1"/>
+                </a:solidFill>
+                <a:latin typeface="LG Smart UI Regular" panose="020B0500000101010101" pitchFamily="50" charset="-127"/>
+                <a:ea typeface="LG Smart UI Regular" panose="020B0500000101010101" pitchFamily="50" charset="-127"/>
+                <a:cs typeface="KoPubWorld바탕체 Bold" panose="00000800000000000000" pitchFamily="2" charset="-127"/>
+              </a:rPr>
+              <a:t>// </a:t>
+            </a:r>
+            <a:r>
+              <a:rPr lang="ko-KR" altLang="en-US" sz="1230" dirty="0" smtClean="0">
+                <a:solidFill>
+                  <a:schemeClr val="tx1"/>
+                </a:solidFill>
+                <a:latin typeface="LG Smart UI Regular" panose="020B0500000101010101" pitchFamily="50" charset="-127"/>
+                <a:ea typeface="LG Smart UI Regular" panose="020B0500000101010101" pitchFamily="50" charset="-127"/>
+                <a:cs typeface="KoPubWorld바탕체 Bold" panose="00000800000000000000" pitchFamily="2" charset="-127"/>
+              </a:rPr>
+              <a:t>매개변수로 </a:t>
+            </a:r>
+            <a:r>
+              <a:rPr lang="en-US" altLang="ko-KR" sz="1230" dirty="0" err="1" smtClean="0">
+                <a:solidFill>
+                  <a:schemeClr val="tx1"/>
+                </a:solidFill>
+                <a:latin typeface="LG Smart UI Regular" panose="020B0500000101010101" pitchFamily="50" charset="-127"/>
+                <a:ea typeface="LG Smart UI Regular" panose="020B0500000101010101" pitchFamily="50" charset="-127"/>
+                <a:cs typeface="KoPubWorld바탕체 Bold" panose="00000800000000000000" pitchFamily="2" charset="-127"/>
+              </a:rPr>
+              <a:t>doubl</a:t>
+            </a:r>
+            <a:r>
+              <a:rPr lang="ko-KR" altLang="en-US" sz="1230" dirty="0" smtClean="0">
+                <a:solidFill>
+                  <a:schemeClr val="tx1"/>
+                </a:solidFill>
+                <a:latin typeface="LG Smart UI Regular" panose="020B0500000101010101" pitchFamily="50" charset="-127"/>
+                <a:ea typeface="LG Smart UI Regular" panose="020B0500000101010101" pitchFamily="50" charset="-127"/>
+                <a:cs typeface="KoPubWorld바탕체 Bold" panose="00000800000000000000" pitchFamily="2" charset="-127"/>
+              </a:rPr>
+              <a:t>형을 받는다</a:t>
+            </a:r>
+            <a:r>
+              <a:rPr lang="en-US" altLang="ko-KR" sz="1230" dirty="0" smtClean="0">
+                <a:solidFill>
+                  <a:schemeClr val="tx1"/>
+                </a:solidFill>
+                <a:latin typeface="LG Smart UI Regular" panose="020B0500000101010101" pitchFamily="50" charset="-127"/>
+                <a:ea typeface="LG Smart UI Regular" panose="020B0500000101010101" pitchFamily="50" charset="-127"/>
+                <a:cs typeface="KoPubWorld바탕체 Bold" panose="00000800000000000000" pitchFamily="2" charset="-127"/>
+              </a:rPr>
+              <a:t>.</a:t>
+            </a:r>
+          </a:p>
+          <a:p>
+            <a:r>
+              <a:rPr lang="en-US" altLang="ko-KR" sz="1230" b="0" dirty="0" smtClean="0">
+                <a:solidFill>
+                  <a:schemeClr val="tx1"/>
+                </a:solidFill>
+                <a:latin typeface="LG Smart UI Regular" panose="020B0500000101010101" pitchFamily="50" charset="-127"/>
+                <a:ea typeface="LG Smart UI Regular" panose="020B0500000101010101" pitchFamily="50" charset="-127"/>
+                <a:cs typeface="KoPubWorld바탕체 Bold" panose="00000800000000000000" pitchFamily="2" charset="-127"/>
+              </a:rPr>
+              <a:t>	</a:t>
+            </a:r>
+            <a:r>
+              <a:rPr lang="en-US" altLang="ko-KR" sz="1230" dirty="0" smtClean="0">
+                <a:solidFill>
+                  <a:schemeClr val="tx1"/>
+                </a:solidFill>
+                <a:latin typeface="LG Smart UI Regular" panose="020B0500000101010101" pitchFamily="50" charset="-127"/>
+                <a:ea typeface="LG Smart UI Regular" panose="020B0500000101010101" pitchFamily="50" charset="-127"/>
+                <a:cs typeface="KoPubWorld바탕체 Bold" panose="00000800000000000000" pitchFamily="2" charset="-127"/>
+              </a:rPr>
+              <a:t>//</a:t>
+            </a:r>
+            <a:r>
+              <a:rPr lang="ko-KR" altLang="en-US" sz="1230" dirty="0" smtClean="0">
+                <a:solidFill>
+                  <a:schemeClr val="tx1"/>
+                </a:solidFill>
+                <a:latin typeface="LG Smart UI Regular" panose="020B0500000101010101" pitchFamily="50" charset="-127"/>
+                <a:ea typeface="LG Smart UI Regular" panose="020B0500000101010101" pitchFamily="50" charset="-127"/>
+                <a:cs typeface="KoPubWorld바탕체 Bold" panose="00000800000000000000" pitchFamily="2" charset="-127"/>
+              </a:rPr>
+              <a:t>기능 </a:t>
+            </a:r>
+            <a:r>
+              <a:rPr lang="en-US" altLang="ko-KR" sz="1230" dirty="0" smtClean="0">
+                <a:solidFill>
+                  <a:schemeClr val="tx1"/>
+                </a:solidFill>
+                <a:latin typeface="LG Smart UI Regular" panose="020B0500000101010101" pitchFamily="50" charset="-127"/>
+                <a:ea typeface="LG Smart UI Regular" panose="020B0500000101010101" pitchFamily="50" charset="-127"/>
+                <a:cs typeface="KoPubWorld바탕체 Bold" panose="00000800000000000000" pitchFamily="2" charset="-127"/>
+              </a:rPr>
+              <a:t>2</a:t>
+            </a:r>
+            <a:endParaRPr lang="en-US" altLang="ko-KR" sz="1230" dirty="0">
+              <a:solidFill>
+                <a:schemeClr val="tx1"/>
+              </a:solidFill>
+              <a:latin typeface="LG Smart UI Regular" panose="020B0500000101010101" pitchFamily="50" charset="-127"/>
+              <a:ea typeface="LG Smart UI Regular" panose="020B0500000101010101" pitchFamily="50" charset="-127"/>
+              <a:cs typeface="KoPubWorld바탕체 Bold" panose="00000800000000000000" pitchFamily="2" charset="-127"/>
+            </a:endParaRPr>
+          </a:p>
+          <a:p>
+            <a:endParaRPr lang="en-US" altLang="ko-KR" sz="1230" b="0" dirty="0" smtClean="0">
+              <a:solidFill>
+                <a:schemeClr val="tx1"/>
+              </a:solidFill>
+              <a:latin typeface="LG Smart UI Regular" panose="020B0500000101010101" pitchFamily="50" charset="-127"/>
+              <a:ea typeface="LG Smart UI Regular" panose="020B0500000101010101" pitchFamily="50" charset="-127"/>
+              <a:cs typeface="KoPubWorld바탕체 Bold" panose="00000800000000000000" pitchFamily="2" charset="-127"/>
+            </a:endParaRPr>
+          </a:p>
+          <a:p>
+            <a:r>
+              <a:rPr lang="en-US" altLang="ko-KR" sz="1230" b="0" dirty="0" smtClean="0">
+                <a:solidFill>
+                  <a:schemeClr val="tx1"/>
+                </a:solidFill>
+                <a:latin typeface="LG Smart UI Regular" panose="020B0500000101010101" pitchFamily="50" charset="-127"/>
+                <a:ea typeface="LG Smart UI Regular" panose="020B0500000101010101" pitchFamily="50" charset="-127"/>
+                <a:cs typeface="KoPubWorld바탕체 Bold" panose="00000800000000000000" pitchFamily="2" charset="-127"/>
+              </a:rPr>
+              <a:t>	</a:t>
+            </a:r>
+            <a:r>
+              <a:rPr lang="en-US" altLang="ko-KR" sz="1230" dirty="0" smtClean="0">
+                <a:solidFill>
+                  <a:schemeClr val="tx1"/>
+                </a:solidFill>
+                <a:latin typeface="LG Smart UI Regular" panose="020B0500000101010101" pitchFamily="50" charset="-127"/>
+                <a:ea typeface="LG Smart UI Regular" panose="020B0500000101010101" pitchFamily="50" charset="-127"/>
+                <a:cs typeface="KoPubWorld바탕체 Bold" panose="00000800000000000000" pitchFamily="2" charset="-127"/>
+              </a:rPr>
+              <a:t>// </a:t>
+            </a:r>
+            <a:r>
+              <a:rPr lang="ko-KR" altLang="en-US" sz="1230" dirty="0" smtClean="0">
+                <a:solidFill>
+                  <a:schemeClr val="tx1"/>
+                </a:solidFill>
+                <a:latin typeface="LG Smart UI Regular" panose="020B0500000101010101" pitchFamily="50" charset="-127"/>
+                <a:ea typeface="LG Smart UI Regular" panose="020B0500000101010101" pitchFamily="50" charset="-127"/>
+                <a:cs typeface="KoPubWorld바탕체 Bold" panose="00000800000000000000" pitchFamily="2" charset="-127"/>
+              </a:rPr>
+              <a:t>함수 오버로딩을 통해 함수이름은 같지만 매개</a:t>
+            </a:r>
+            <a:r>
+              <a:rPr lang="en-US" altLang="ko-KR" sz="1230" dirty="0" smtClean="0">
+                <a:solidFill>
+                  <a:schemeClr val="tx1"/>
+                </a:solidFill>
+                <a:latin typeface="LG Smart UI Regular" panose="020B0500000101010101" pitchFamily="50" charset="-127"/>
+                <a:ea typeface="LG Smart UI Regular" panose="020B0500000101010101" pitchFamily="50" charset="-127"/>
+                <a:cs typeface="KoPubWorld바탕체 Bold" panose="00000800000000000000" pitchFamily="2" charset="-127"/>
+              </a:rPr>
+              <a:t>	//</a:t>
+            </a:r>
+            <a:r>
+              <a:rPr lang="ko-KR" altLang="en-US" sz="1230" dirty="0" smtClean="0">
+                <a:solidFill>
+                  <a:schemeClr val="tx1"/>
+                </a:solidFill>
+                <a:latin typeface="LG Smart UI Regular" panose="020B0500000101010101" pitchFamily="50" charset="-127"/>
+                <a:ea typeface="LG Smart UI Regular" panose="020B0500000101010101" pitchFamily="50" charset="-127"/>
+                <a:cs typeface="KoPubWorld바탕체 Bold" panose="00000800000000000000" pitchFamily="2" charset="-127"/>
+              </a:rPr>
+              <a:t>변수로 오는 인자가 다르기 때문에 각각 함수는 </a:t>
+            </a:r>
+            <a:r>
+              <a:rPr lang="en-US" altLang="ko-KR" sz="1230" dirty="0">
+                <a:solidFill>
+                  <a:schemeClr val="tx1"/>
+                </a:solidFill>
+                <a:latin typeface="LG Smart UI Regular" panose="020B0500000101010101" pitchFamily="50" charset="-127"/>
+                <a:ea typeface="LG Smart UI Regular" panose="020B0500000101010101" pitchFamily="50" charset="-127"/>
+                <a:cs typeface="KoPubWorld바탕체 Bold" panose="00000800000000000000" pitchFamily="2" charset="-127"/>
+              </a:rPr>
+              <a:t>	</a:t>
+            </a:r>
+            <a:r>
+              <a:rPr lang="en-US" altLang="ko-KR" sz="1230" dirty="0" smtClean="0">
+                <a:solidFill>
+                  <a:schemeClr val="tx1"/>
+                </a:solidFill>
+                <a:latin typeface="LG Smart UI Regular" panose="020B0500000101010101" pitchFamily="50" charset="-127"/>
+                <a:ea typeface="LG Smart UI Regular" panose="020B0500000101010101" pitchFamily="50" charset="-127"/>
+                <a:cs typeface="KoPubWorld바탕체 Bold" panose="00000800000000000000" pitchFamily="2" charset="-127"/>
+              </a:rPr>
+              <a:t>//</a:t>
+            </a:r>
+            <a:r>
+              <a:rPr lang="ko-KR" altLang="en-US" sz="1230" dirty="0" smtClean="0">
+                <a:solidFill>
+                  <a:schemeClr val="tx1"/>
+                </a:solidFill>
+                <a:latin typeface="LG Smart UI Regular" panose="020B0500000101010101" pitchFamily="50" charset="-127"/>
+                <a:ea typeface="LG Smart UI Regular" panose="020B0500000101010101" pitchFamily="50" charset="-127"/>
+                <a:cs typeface="KoPubWorld바탕체 Bold" panose="00000800000000000000" pitchFamily="2" charset="-127"/>
+              </a:rPr>
+              <a:t>매개변수를 어떤 형태로 받느냐에 따라 함수의 </a:t>
+            </a:r>
+            <a:r>
+              <a:rPr lang="en-US" altLang="ko-KR" sz="1230" dirty="0" smtClean="0">
+                <a:solidFill>
+                  <a:schemeClr val="tx1"/>
+                </a:solidFill>
+                <a:latin typeface="LG Smart UI Regular" panose="020B0500000101010101" pitchFamily="50" charset="-127"/>
+                <a:ea typeface="LG Smart UI Regular" panose="020B0500000101010101" pitchFamily="50" charset="-127"/>
+                <a:cs typeface="KoPubWorld바탕체 Bold" panose="00000800000000000000" pitchFamily="2" charset="-127"/>
+              </a:rPr>
+              <a:t>	//</a:t>
+            </a:r>
+            <a:r>
+              <a:rPr lang="ko-KR" altLang="en-US" sz="1230" dirty="0" smtClean="0">
+                <a:solidFill>
+                  <a:schemeClr val="tx1"/>
+                </a:solidFill>
+                <a:latin typeface="LG Smart UI Regular" panose="020B0500000101010101" pitchFamily="50" charset="-127"/>
+                <a:ea typeface="LG Smart UI Regular" panose="020B0500000101010101" pitchFamily="50" charset="-127"/>
+                <a:cs typeface="KoPubWorld바탕체 Bold" panose="00000800000000000000" pitchFamily="2" charset="-127"/>
+              </a:rPr>
+              <a:t>역할이 달라진다</a:t>
+            </a:r>
+            <a:r>
+              <a:rPr lang="en-US" altLang="ko-KR" sz="1230" dirty="0" smtClean="0">
+                <a:solidFill>
+                  <a:schemeClr val="tx1"/>
+                </a:solidFill>
+                <a:latin typeface="LG Smart UI Regular" panose="020B0500000101010101" pitchFamily="50" charset="-127"/>
+                <a:ea typeface="LG Smart UI Regular" panose="020B0500000101010101" pitchFamily="50" charset="-127"/>
+                <a:cs typeface="KoPubWorld바탕체 Bold" panose="00000800000000000000" pitchFamily="2" charset="-127"/>
+              </a:rPr>
+              <a:t>.</a:t>
+            </a:r>
+            <a:endParaRPr lang="en-US" altLang="ko-KR" sz="1230" dirty="0">
+              <a:solidFill>
+                <a:schemeClr val="tx1"/>
+              </a:solidFill>
+              <a:latin typeface="LG Smart UI Regular" panose="020B0500000101010101" pitchFamily="50" charset="-127"/>
+              <a:ea typeface="LG Smart UI Regular" panose="020B0500000101010101" pitchFamily="50" charset="-127"/>
+              <a:cs typeface="KoPubWorld바탕체 Bold" panose="00000800000000000000" pitchFamily="2" charset="-127"/>
+            </a:endParaRPr>
+          </a:p>
+          <a:p>
+            <a:r>
+              <a:rPr lang="en-US" altLang="ko-KR" sz="1230" b="0" dirty="0" smtClean="0">
+                <a:solidFill>
+                  <a:schemeClr val="tx1"/>
+                </a:solidFill>
+                <a:latin typeface="LG Smart UI Regular" panose="020B0500000101010101" pitchFamily="50" charset="-127"/>
+                <a:ea typeface="LG Smart UI Regular" panose="020B0500000101010101" pitchFamily="50" charset="-127"/>
+                <a:cs typeface="KoPubWorld바탕체 Bold" panose="00000800000000000000" pitchFamily="2" charset="-127"/>
+              </a:rPr>
               <a:t>}</a:t>
             </a:r>
           </a:p>
@@ -7978,17 +8433,6 @@
           </a:p>
           <a:p>
             <a:r>
-              <a:rPr lang="en-US" altLang="ko-KR" sz="1230" b="0" dirty="0" smtClean="0">
-                <a:solidFill>
-                  <a:schemeClr val="tx1"/>
-                </a:solidFill>
-                <a:latin typeface="LG Smart UI Regular" panose="020B0500000101010101" pitchFamily="50" charset="-127"/>
-                <a:ea typeface="LG Smart UI Regular" panose="020B0500000101010101" pitchFamily="50" charset="-127"/>
-                <a:cs typeface="KoPubWorld바탕체 Bold" panose="00000800000000000000" pitchFamily="2" charset="-127"/>
-              </a:rPr>
-              <a:t>void </a:t>
-            </a:r>
-            <a:r>
               <a:rPr lang="en-US" altLang="ko-KR" sz="1230" b="0" dirty="0" err="1" smtClean="0">
                 <a:solidFill>
                   <a:schemeClr val="tx1"/>
@@ -7997,6 +8441,41 @@
                 <a:ea typeface="LG Smart UI Regular" panose="020B0500000101010101" pitchFamily="50" charset="-127"/>
                 <a:cs typeface="KoPubWorld바탕체 Bold" panose="00000800000000000000" pitchFamily="2" charset="-127"/>
               </a:rPr>
+              <a:t>Int</a:t>
+            </a:r>
+            <a:r>
+              <a:rPr lang="en-US" altLang="ko-KR" sz="1230" b="0" dirty="0" smtClean="0">
+                <a:solidFill>
+                  <a:schemeClr val="tx1"/>
+                </a:solidFill>
+                <a:latin typeface="LG Smart UI Regular" panose="020B0500000101010101" pitchFamily="50" charset="-127"/>
+                <a:ea typeface="LG Smart UI Regular" panose="020B0500000101010101" pitchFamily="50" charset="-127"/>
+                <a:cs typeface="KoPubWorld바탕체 Bold" panose="00000800000000000000" pitchFamily="2" charset="-127"/>
+              </a:rPr>
+              <a:t> main(){</a:t>
+            </a:r>
+          </a:p>
+          <a:p>
+            <a:r>
+              <a:rPr lang="en-US" altLang="ko-KR" sz="1230" b="0" dirty="0" smtClean="0">
+                <a:solidFill>
+                  <a:schemeClr val="tx1"/>
+                </a:solidFill>
+                <a:latin typeface="LG Smart UI Regular" panose="020B0500000101010101" pitchFamily="50" charset="-127"/>
+                <a:ea typeface="LG Smart UI Regular" panose="020B0500000101010101" pitchFamily="50" charset="-127"/>
+                <a:cs typeface="KoPubWorld바탕체 Bold" panose="00000800000000000000" pitchFamily="2" charset="-127"/>
+              </a:rPr>
+              <a:t>	</a:t>
+            </a:r>
+            <a:r>
+              <a:rPr lang="en-US" altLang="ko-KR" sz="1230" b="0" dirty="0" err="1" smtClean="0">
+                <a:solidFill>
+                  <a:schemeClr val="tx1"/>
+                </a:solidFill>
+                <a:latin typeface="LG Smart UI Regular" panose="020B0500000101010101" pitchFamily="50" charset="-127"/>
+                <a:ea typeface="LG Smart UI Regular" panose="020B0500000101010101" pitchFamily="50" charset="-127"/>
+                <a:cs typeface="KoPubWorld바탕체 Bold" panose="00000800000000000000" pitchFamily="2" charset="-127"/>
+              </a:rPr>
               <a:t>func</a:t>
             </a:r>
             <a:r>
@@ -8008,88 +8487,53 @@
                 <a:ea typeface="LG Smart UI Regular" panose="020B0500000101010101" pitchFamily="50" charset="-127"/>
                 <a:cs typeface="KoPubWorld바탕체 Bold" panose="00000800000000000000" pitchFamily="2" charset="-127"/>
               </a:rPr>
-              <a:t>(double a){ // </a:t>
-            </a:r>
-            <a:r>
-              <a:rPr lang="ko-KR" altLang="en-US" sz="1230" b="0" dirty="0" smtClean="0">
-                <a:solidFill>
-                  <a:schemeClr val="tx1"/>
-                </a:solidFill>
-                <a:latin typeface="LG Smart UI Regular" panose="020B0500000101010101" pitchFamily="50" charset="-127"/>
-                <a:ea typeface="LG Smart UI Regular" panose="020B0500000101010101" pitchFamily="50" charset="-127"/>
-                <a:cs typeface="KoPubWorld바탕체 Bold" panose="00000800000000000000" pitchFamily="2" charset="-127"/>
-              </a:rPr>
-              <a:t>매개변수로 </a:t>
-            </a:r>
-            <a:r>
-              <a:rPr lang="en-US" altLang="ko-KR" sz="1230" b="0" dirty="0" err="1" smtClean="0">
-                <a:solidFill>
-                  <a:schemeClr val="tx1"/>
-                </a:solidFill>
-                <a:latin typeface="LG Smart UI Regular" panose="020B0500000101010101" pitchFamily="50" charset="-127"/>
-                <a:ea typeface="LG Smart UI Regular" panose="020B0500000101010101" pitchFamily="50" charset="-127"/>
-                <a:cs typeface="KoPubWorld바탕체 Bold" panose="00000800000000000000" pitchFamily="2" charset="-127"/>
-              </a:rPr>
-              <a:t>doubl</a:t>
-            </a:r>
-            <a:r>
-              <a:rPr lang="ko-KR" altLang="en-US" sz="1230" b="0" dirty="0" smtClean="0">
-                <a:solidFill>
-                  <a:schemeClr val="tx1"/>
-                </a:solidFill>
-                <a:latin typeface="LG Smart UI Regular" panose="020B0500000101010101" pitchFamily="50" charset="-127"/>
-                <a:ea typeface="LG Smart UI Regular" panose="020B0500000101010101" pitchFamily="50" charset="-127"/>
-                <a:cs typeface="KoPubWorld바탕체 Bold" panose="00000800000000000000" pitchFamily="2" charset="-127"/>
-              </a:rPr>
-              <a:t>형을 받는다</a:t>
-            </a:r>
-            <a:r>
-              <a:rPr lang="en-US" altLang="ko-KR" sz="1230" b="0" dirty="0" smtClean="0">
-                <a:solidFill>
-                  <a:schemeClr val="tx1"/>
-                </a:solidFill>
-                <a:latin typeface="LG Smart UI Regular" panose="020B0500000101010101" pitchFamily="50" charset="-127"/>
-                <a:ea typeface="LG Smart UI Regular" panose="020B0500000101010101" pitchFamily="50" charset="-127"/>
-                <a:cs typeface="KoPubWorld바탕체 Bold" panose="00000800000000000000" pitchFamily="2" charset="-127"/>
-              </a:rPr>
-              <a:t>.</a:t>
-            </a:r>
-          </a:p>
-          <a:p>
-            <a:r>
-              <a:rPr lang="en-US" altLang="ko-KR" sz="1230" b="0" dirty="0" smtClean="0">
-                <a:solidFill>
-                  <a:schemeClr val="tx1"/>
-                </a:solidFill>
-                <a:latin typeface="LG Smart UI Regular" panose="020B0500000101010101" pitchFamily="50" charset="-127"/>
-                <a:ea typeface="LG Smart UI Regular" panose="020B0500000101010101" pitchFamily="50" charset="-127"/>
-                <a:cs typeface="KoPubWorld바탕체 Bold" panose="00000800000000000000" pitchFamily="2" charset="-127"/>
-              </a:rPr>
-              <a:t>	//</a:t>
-            </a:r>
-            <a:r>
-              <a:rPr lang="ko-KR" altLang="en-US" sz="1230" b="0" dirty="0" smtClean="0">
-                <a:solidFill>
-                  <a:schemeClr val="tx1"/>
-                </a:solidFill>
-                <a:latin typeface="LG Smart UI Regular" panose="020B0500000101010101" pitchFamily="50" charset="-127"/>
-                <a:ea typeface="LG Smart UI Regular" panose="020B0500000101010101" pitchFamily="50" charset="-127"/>
-                <a:cs typeface="KoPubWorld바탕체 Bold" panose="00000800000000000000" pitchFamily="2" charset="-127"/>
-              </a:rPr>
-              <a:t>기능 </a:t>
-            </a:r>
-            <a:r>
-              <a:rPr lang="en-US" altLang="ko-KR" sz="1230" b="0" dirty="0" smtClean="0">
-                <a:solidFill>
-                  <a:schemeClr val="tx1"/>
-                </a:solidFill>
-                <a:latin typeface="LG Smart UI Regular" panose="020B0500000101010101" pitchFamily="50" charset="-127"/>
-                <a:ea typeface="LG Smart UI Regular" panose="020B0500000101010101" pitchFamily="50" charset="-127"/>
-                <a:cs typeface="KoPubWorld바탕체 Bold" panose="00000800000000000000" pitchFamily="2" charset="-127"/>
-              </a:rPr>
-              <a:t>2</a:t>
-            </a:r>
-            <a:endParaRPr lang="en-US" altLang="ko-KR" sz="1230" b="0" dirty="0">
+              <a:t>(1); </a:t>
+            </a:r>
+            <a:r>
+              <a:rPr lang="en-US" altLang="ko-KR" sz="1230" dirty="0" smtClean="0">
+                <a:solidFill>
+                  <a:schemeClr val="tx1"/>
+                </a:solidFill>
+                <a:latin typeface="LG Smart UI Regular" panose="020B0500000101010101" pitchFamily="50" charset="-127"/>
+                <a:ea typeface="LG Smart UI Regular" panose="020B0500000101010101" pitchFamily="50" charset="-127"/>
+                <a:cs typeface="KoPubWorld바탕체 Bold" panose="00000800000000000000" pitchFamily="2" charset="-127"/>
+              </a:rPr>
+              <a:t>// </a:t>
+            </a:r>
+            <a:r>
+              <a:rPr lang="ko-KR" altLang="en-US" sz="1230" dirty="0" smtClean="0">
+                <a:solidFill>
+                  <a:schemeClr val="tx1"/>
+                </a:solidFill>
+                <a:latin typeface="LG Smart UI Regular" panose="020B0500000101010101" pitchFamily="50" charset="-127"/>
+                <a:ea typeface="LG Smart UI Regular" panose="020B0500000101010101" pitchFamily="50" charset="-127"/>
+                <a:cs typeface="KoPubWorld바탕체 Bold" panose="00000800000000000000" pitchFamily="2" charset="-127"/>
+              </a:rPr>
+              <a:t>기능</a:t>
+            </a:r>
+            <a:r>
+              <a:rPr lang="en-US" altLang="ko-KR" sz="1230" dirty="0" smtClean="0">
+                <a:solidFill>
+                  <a:schemeClr val="tx1"/>
+                </a:solidFill>
+                <a:latin typeface="LG Smart UI Regular" panose="020B0500000101010101" pitchFamily="50" charset="-127"/>
+                <a:ea typeface="LG Smart UI Regular" panose="020B0500000101010101" pitchFamily="50" charset="-127"/>
+                <a:cs typeface="KoPubWorld바탕체 Bold" panose="00000800000000000000" pitchFamily="2" charset="-127"/>
+              </a:rPr>
+              <a:t>1</a:t>
+            </a:r>
+            <a:r>
+              <a:rPr lang="ko-KR" altLang="en-US" sz="1230" dirty="0" smtClean="0">
+                <a:solidFill>
+                  <a:schemeClr val="tx1"/>
+                </a:solidFill>
+                <a:latin typeface="LG Smart UI Regular" panose="020B0500000101010101" pitchFamily="50" charset="-127"/>
+                <a:ea typeface="LG Smart UI Regular" panose="020B0500000101010101" pitchFamily="50" charset="-127"/>
+                <a:cs typeface="KoPubWorld바탕체 Bold" panose="00000800000000000000" pitchFamily="2" charset="-127"/>
+              </a:rPr>
+              <a:t>에 대한 내용 실행</a:t>
+            </a:r>
+            <a:endParaRPr lang="en-US" altLang="ko-KR" sz="1230" dirty="0" smtClean="0">
               <a:solidFill>
                 <a:schemeClr val="tx1"/>
               </a:solidFill>
@@ -8099,60 +8543,6 @@
             </a:endParaRPr>
           </a:p>
           <a:p>
-            <a:endParaRPr lang="en-US" altLang="ko-KR" sz="1230" b="0" dirty="0" smtClean="0">
-              <a:solidFill>
-                <a:schemeClr val="tx1"/>
-              </a:solidFill>
-              <a:latin typeface="LG Smart UI Regular" panose="020B0500000101010101" pitchFamily="50" charset="-127"/>
-              <a:ea typeface="LG Smart UI Regular" panose="020B0500000101010101" pitchFamily="50" charset="-127"/>
-              <a:cs typeface="KoPubWorld바탕체 Bold" panose="00000800000000000000" pitchFamily="2" charset="-127"/>
-            </a:endParaRPr>
-          </a:p>
-          <a:p>
-            <a:r>
-              <a:rPr lang="en-US" altLang="ko-KR" sz="1230" b="0" dirty="0" smtClean="0">
-                <a:solidFill>
-                  <a:schemeClr val="tx1"/>
-                </a:solidFill>
-                <a:latin typeface="LG Smart UI Regular" panose="020B0500000101010101" pitchFamily="50" charset="-127"/>
-                <a:ea typeface="LG Smart UI Regular" panose="020B0500000101010101" pitchFamily="50" charset="-127"/>
-                <a:cs typeface="KoPubWorld바탕체 Bold" panose="00000800000000000000" pitchFamily="2" charset="-127"/>
-              </a:rPr>
-              <a:t>	// </a:t>
-            </a:r>
-            <a:r>
-              <a:rPr lang="ko-KR" altLang="en-US" sz="1230" b="0" dirty="0" smtClean="0">
-                <a:solidFill>
-                  <a:schemeClr val="tx1"/>
-                </a:solidFill>
-                <a:latin typeface="LG Smart UI Regular" panose="020B0500000101010101" pitchFamily="50" charset="-127"/>
-                <a:ea typeface="LG Smart UI Regular" panose="020B0500000101010101" pitchFamily="50" charset="-127"/>
-                <a:cs typeface="KoPubWorld바탕체 Bold" panose="00000800000000000000" pitchFamily="2" charset="-127"/>
-              </a:rPr>
-              <a:t>함수 오버로딩을 통해 함수이름은 같지만 매개</a:t>
-            </a:r>
-            <a:r>
-              <a:rPr lang="en-US" altLang="ko-KR" sz="1230" b="0" dirty="0" smtClean="0">
-                <a:solidFill>
-                  <a:schemeClr val="tx1"/>
-                </a:solidFill>
-                <a:latin typeface="LG Smart UI Regular" panose="020B0500000101010101" pitchFamily="50" charset="-127"/>
-                <a:ea typeface="LG Smart UI Regular" panose="020B0500000101010101" pitchFamily="50" charset="-127"/>
-                <a:cs typeface="KoPubWorld바탕체 Bold" panose="00000800000000000000" pitchFamily="2" charset="-127"/>
-              </a:rPr>
-              <a:t>	//</a:t>
-            </a:r>
-            <a:r>
-              <a:rPr lang="ko-KR" altLang="en-US" sz="1230" b="0" dirty="0" smtClean="0">
-                <a:solidFill>
-                  <a:schemeClr val="tx1"/>
-                </a:solidFill>
-                <a:latin typeface="LG Smart UI Regular" panose="020B0500000101010101" pitchFamily="50" charset="-127"/>
-                <a:ea typeface="LG Smart UI Regular" panose="020B0500000101010101" pitchFamily="50" charset="-127"/>
-                <a:cs typeface="KoPubWorld바탕체 Bold" panose="00000800000000000000" pitchFamily="2" charset="-127"/>
-              </a:rPr>
-              <a:t>변수로 오는 인자가 다르기 때문에 각각 함수는 </a:t>
-            </a:r>
             <a:r>
               <a:rPr lang="en-US" altLang="ko-KR" sz="1230" b="0" dirty="0">
                 <a:solidFill>
@@ -8165,94 +8555,6 @@
               <a:t>	</a:t>
             </a:r>
             <a:r>
-              <a:rPr lang="en-US" altLang="ko-KR" sz="1230" b="0" dirty="0" smtClean="0">
-                <a:solidFill>
-                  <a:schemeClr val="tx1"/>
-                </a:solidFill>
-                <a:latin typeface="LG Smart UI Regular" panose="020B0500000101010101" pitchFamily="50" charset="-127"/>
-                <a:ea typeface="LG Smart UI Regular" panose="020B0500000101010101" pitchFamily="50" charset="-127"/>
-                <a:cs typeface="KoPubWorld바탕체 Bold" panose="00000800000000000000" pitchFamily="2" charset="-127"/>
-              </a:rPr>
-              <a:t>//</a:t>
-            </a:r>
-            <a:r>
-              <a:rPr lang="ko-KR" altLang="en-US" sz="1230" b="0" dirty="0" smtClean="0">
-                <a:solidFill>
-                  <a:schemeClr val="tx1"/>
-                </a:solidFill>
-                <a:latin typeface="LG Smart UI Regular" panose="020B0500000101010101" pitchFamily="50" charset="-127"/>
-                <a:ea typeface="LG Smart UI Regular" panose="020B0500000101010101" pitchFamily="50" charset="-127"/>
-                <a:cs typeface="KoPubWorld바탕체 Bold" panose="00000800000000000000" pitchFamily="2" charset="-127"/>
-              </a:rPr>
-              <a:t>매개변수를 어떤 형태로 받느냐에 따라 함수의 </a:t>
-            </a:r>
-            <a:r>
-              <a:rPr lang="en-US" altLang="ko-KR" sz="1230" b="0" dirty="0" smtClean="0">
-                <a:solidFill>
-                  <a:schemeClr val="tx1"/>
-                </a:solidFill>
-                <a:latin typeface="LG Smart UI Regular" panose="020B0500000101010101" pitchFamily="50" charset="-127"/>
-                <a:ea typeface="LG Smart UI Regular" panose="020B0500000101010101" pitchFamily="50" charset="-127"/>
-                <a:cs typeface="KoPubWorld바탕체 Bold" panose="00000800000000000000" pitchFamily="2" charset="-127"/>
-              </a:rPr>
-              <a:t>	//</a:t>
-            </a:r>
-            <a:r>
-              <a:rPr lang="ko-KR" altLang="en-US" sz="1230" b="0" dirty="0" smtClean="0">
-                <a:solidFill>
-                  <a:schemeClr val="tx1"/>
-                </a:solidFill>
-                <a:latin typeface="LG Smart UI Regular" panose="020B0500000101010101" pitchFamily="50" charset="-127"/>
-                <a:ea typeface="LG Smart UI Regular" panose="020B0500000101010101" pitchFamily="50" charset="-127"/>
-                <a:cs typeface="KoPubWorld바탕체 Bold" panose="00000800000000000000" pitchFamily="2" charset="-127"/>
-              </a:rPr>
-              <a:t>역할이 달라진다</a:t>
-            </a:r>
-            <a:r>
-              <a:rPr lang="en-US" altLang="ko-KR" sz="1230" b="0" dirty="0" smtClean="0">
-                <a:solidFill>
-                  <a:schemeClr val="tx1"/>
-                </a:solidFill>
-                <a:latin typeface="LG Smart UI Regular" panose="020B0500000101010101" pitchFamily="50" charset="-127"/>
-                <a:ea typeface="LG Smart UI Regular" panose="020B0500000101010101" pitchFamily="50" charset="-127"/>
-                <a:cs typeface="KoPubWorld바탕체 Bold" panose="00000800000000000000" pitchFamily="2" charset="-127"/>
-              </a:rPr>
-              <a:t>.</a:t>
-            </a:r>
-            <a:endParaRPr lang="en-US" altLang="ko-KR" sz="1230" b="0" dirty="0">
-              <a:solidFill>
-                <a:schemeClr val="tx1"/>
-              </a:solidFill>
-              <a:latin typeface="LG Smart UI Regular" panose="020B0500000101010101" pitchFamily="50" charset="-127"/>
-              <a:ea typeface="LG Smart UI Regular" panose="020B0500000101010101" pitchFamily="50" charset="-127"/>
-              <a:cs typeface="KoPubWorld바탕체 Bold" panose="00000800000000000000" pitchFamily="2" charset="-127"/>
-            </a:endParaRPr>
-          </a:p>
-          <a:p>
-            <a:r>
-              <a:rPr lang="en-US" altLang="ko-KR" sz="1230" b="0" dirty="0" smtClean="0">
-                <a:solidFill>
-                  <a:schemeClr val="tx1"/>
-                </a:solidFill>
-                <a:latin typeface="LG Smart UI Regular" panose="020B0500000101010101" pitchFamily="50" charset="-127"/>
-                <a:ea typeface="LG Smart UI Regular" panose="020B0500000101010101" pitchFamily="50" charset="-127"/>
-                <a:cs typeface="KoPubWorld바탕체 Bold" panose="00000800000000000000" pitchFamily="2" charset="-127"/>
-              </a:rPr>
-              <a:t>}</a:t>
-            </a:r>
-          </a:p>
-          <a:p>
-            <a:endParaRPr lang="en-US" altLang="ko-KR" sz="1230" b="0" dirty="0">
-              <a:solidFill>
-                <a:schemeClr val="tx1"/>
-              </a:solidFill>
-              <a:latin typeface="LG Smart UI Regular" panose="020B0500000101010101" pitchFamily="50" charset="-127"/>
-              <a:ea typeface="LG Smart UI Regular" panose="020B0500000101010101" pitchFamily="50" charset="-127"/>
-              <a:cs typeface="KoPubWorld바탕체 Bold" panose="00000800000000000000" pitchFamily="2" charset="-127"/>
-            </a:endParaRPr>
-          </a:p>
-          <a:p>
-            <a:r>
               <a:rPr lang="en-US" altLang="ko-KR" sz="1230" b="0" dirty="0" err="1" smtClean="0">
                 <a:solidFill>
                   <a:schemeClr val="tx1"/>
@@ -8261,41 +8563,6 @@
                 <a:ea typeface="LG Smart UI Regular" panose="020B0500000101010101" pitchFamily="50" charset="-127"/>
                 <a:cs typeface="KoPubWorld바탕체 Bold" panose="00000800000000000000" pitchFamily="2" charset="-127"/>
               </a:rPr>
-              <a:t>Int</a:t>
-            </a:r>
-            <a:r>
-              <a:rPr lang="en-US" altLang="ko-KR" sz="1230" b="0" dirty="0" smtClean="0">
-                <a:solidFill>
-                  <a:schemeClr val="tx1"/>
-                </a:solidFill>
-                <a:latin typeface="LG Smart UI Regular" panose="020B0500000101010101" pitchFamily="50" charset="-127"/>
-                <a:ea typeface="LG Smart UI Regular" panose="020B0500000101010101" pitchFamily="50" charset="-127"/>
-                <a:cs typeface="KoPubWorld바탕체 Bold" panose="00000800000000000000" pitchFamily="2" charset="-127"/>
-              </a:rPr>
-              <a:t> main(){</a:t>
-            </a:r>
-          </a:p>
-          <a:p>
-            <a:r>
-              <a:rPr lang="en-US" altLang="ko-KR" sz="1230" b="0" dirty="0" smtClean="0">
-                <a:solidFill>
-                  <a:schemeClr val="tx1"/>
-                </a:solidFill>
-                <a:latin typeface="LG Smart UI Regular" panose="020B0500000101010101" pitchFamily="50" charset="-127"/>
-                <a:ea typeface="LG Smart UI Regular" panose="020B0500000101010101" pitchFamily="50" charset="-127"/>
-                <a:cs typeface="KoPubWorld바탕체 Bold" panose="00000800000000000000" pitchFamily="2" charset="-127"/>
-              </a:rPr>
-              <a:t>	</a:t>
-            </a:r>
-            <a:r>
-              <a:rPr lang="en-US" altLang="ko-KR" sz="1230" b="0" dirty="0" err="1" smtClean="0">
-                <a:solidFill>
-                  <a:schemeClr val="tx1"/>
-                </a:solidFill>
-                <a:latin typeface="LG Smart UI Regular" panose="020B0500000101010101" pitchFamily="50" charset="-127"/>
-                <a:ea typeface="LG Smart UI Regular" panose="020B0500000101010101" pitchFamily="50" charset="-127"/>
-                <a:cs typeface="KoPubWorld바탕체 Bold" panose="00000800000000000000" pitchFamily="2" charset="-127"/>
-              </a:rPr>
               <a:t>func</a:t>
             </a:r>
             <a:r>
@@ -8307,10 +8574,21 @@
                 <a:ea typeface="LG Smart UI Regular" panose="020B0500000101010101" pitchFamily="50" charset="-127"/>
                 <a:cs typeface="KoPubWorld바탕체 Bold" panose="00000800000000000000" pitchFamily="2" charset="-127"/>
               </a:rPr>
-              <a:t>(1); // </a:t>
-            </a:r>
-            <a:r>
-              <a:rPr lang="ko-KR" altLang="en-US" sz="1230" b="0" dirty="0" smtClean="0">
+              <a:t>(21.7); </a:t>
+            </a:r>
+            <a:r>
+              <a:rPr lang="en-US" altLang="ko-KR" sz="1230" dirty="0" smtClean="0">
+                <a:solidFill>
+                  <a:schemeClr val="tx1"/>
+                </a:solidFill>
+                <a:latin typeface="LG Smart UI Regular" panose="020B0500000101010101" pitchFamily="50" charset="-127"/>
+                <a:ea typeface="LG Smart UI Regular" panose="020B0500000101010101" pitchFamily="50" charset="-127"/>
+                <a:cs typeface="KoPubWorld바탕체 Bold" panose="00000800000000000000" pitchFamily="2" charset="-127"/>
+              </a:rPr>
+              <a:t>// </a:t>
+            </a:r>
+            <a:r>
+              <a:rPr lang="ko-KR" altLang="en-US" sz="1230" dirty="0" smtClean="0">
                 <a:solidFill>
                   <a:schemeClr val="tx1"/>
                 </a:solidFill>
@@ -8321,18 +8599,18 @@
               <a:t>기능</a:t>
             </a:r>
             <a:r>
-              <a:rPr lang="en-US" altLang="ko-KR" sz="1230" b="0" dirty="0" smtClean="0">
-                <a:solidFill>
-                  <a:schemeClr val="tx1"/>
-                </a:solidFill>
-                <a:latin typeface="LG Smart UI Regular" panose="020B0500000101010101" pitchFamily="50" charset="-127"/>
-                <a:ea typeface="LG Smart UI Regular" panose="020B0500000101010101" pitchFamily="50" charset="-127"/>
-                <a:cs typeface="KoPubWorld바탕체 Bold" panose="00000800000000000000" pitchFamily="2" charset="-127"/>
-              </a:rPr>
-              <a:t>1</a:t>
-            </a:r>
-            <a:r>
-              <a:rPr lang="ko-KR" altLang="en-US" sz="1230" b="0" dirty="0" smtClean="0">
+              <a:rPr lang="en-US" altLang="ko-KR" sz="1230" dirty="0" smtClean="0">
+                <a:solidFill>
+                  <a:schemeClr val="tx1"/>
+                </a:solidFill>
+                <a:latin typeface="LG Smart UI Regular" panose="020B0500000101010101" pitchFamily="50" charset="-127"/>
+                <a:ea typeface="LG Smart UI Regular" panose="020B0500000101010101" pitchFamily="50" charset="-127"/>
+                <a:cs typeface="KoPubWorld바탕체 Bold" panose="00000800000000000000" pitchFamily="2" charset="-127"/>
+              </a:rPr>
+              <a:t>2</a:t>
+            </a:r>
+            <a:r>
+              <a:rPr lang="ko-KR" altLang="en-US" sz="1230" dirty="0" smtClean="0">
                 <a:solidFill>
                   <a:schemeClr val="tx1"/>
                 </a:solidFill>
@@ -8342,83 +8620,7 @@
               </a:rPr>
               <a:t>에 대한 내용 실행</a:t>
             </a:r>
-            <a:endParaRPr lang="en-US" altLang="ko-KR" sz="1230" b="0" dirty="0" smtClean="0">
-              <a:solidFill>
-                <a:schemeClr val="tx1"/>
-              </a:solidFill>
-              <a:latin typeface="LG Smart UI Regular" panose="020B0500000101010101" pitchFamily="50" charset="-127"/>
-              <a:ea typeface="LG Smart UI Regular" panose="020B0500000101010101" pitchFamily="50" charset="-127"/>
-              <a:cs typeface="KoPubWorld바탕체 Bold" panose="00000800000000000000" pitchFamily="2" charset="-127"/>
-            </a:endParaRPr>
-          </a:p>
-          <a:p>
-            <a:r>
-              <a:rPr lang="en-US" altLang="ko-KR" sz="1230" b="0" dirty="0">
-                <a:solidFill>
-                  <a:schemeClr val="tx1"/>
-                </a:solidFill>
-                <a:latin typeface="LG Smart UI Regular" panose="020B0500000101010101" pitchFamily="50" charset="-127"/>
-                <a:ea typeface="LG Smart UI Regular" panose="020B0500000101010101" pitchFamily="50" charset="-127"/>
-                <a:cs typeface="KoPubWorld바탕체 Bold" panose="00000800000000000000" pitchFamily="2" charset="-127"/>
-              </a:rPr>
-              <a:t>	</a:t>
-            </a:r>
-            <a:r>
-              <a:rPr lang="en-US" altLang="ko-KR" sz="1230" b="0" dirty="0" err="1" smtClean="0">
-                <a:solidFill>
-                  <a:schemeClr val="tx1"/>
-                </a:solidFill>
-                <a:latin typeface="LG Smart UI Regular" panose="020B0500000101010101" pitchFamily="50" charset="-127"/>
-                <a:ea typeface="LG Smart UI Regular" panose="020B0500000101010101" pitchFamily="50" charset="-127"/>
-                <a:cs typeface="KoPubWorld바탕체 Bold" panose="00000800000000000000" pitchFamily="2" charset="-127"/>
-              </a:rPr>
-              <a:t>func</a:t>
-            </a:r>
-            <a:r>
-              <a:rPr lang="en-US" altLang="ko-KR" sz="1230" b="0" dirty="0" smtClean="0">
-                <a:solidFill>
-                  <a:schemeClr val="tx1"/>
-                </a:solidFill>
-                <a:latin typeface="LG Smart UI Regular" panose="020B0500000101010101" pitchFamily="50" charset="-127"/>
-                <a:ea typeface="LG Smart UI Regular" panose="020B0500000101010101" pitchFamily="50" charset="-127"/>
-                <a:cs typeface="KoPubWorld바탕체 Bold" panose="00000800000000000000" pitchFamily="2" charset="-127"/>
-              </a:rPr>
-              <a:t>(21.7); // </a:t>
-            </a:r>
-            <a:r>
-              <a:rPr lang="ko-KR" altLang="en-US" sz="1230" b="0" dirty="0" smtClean="0">
-                <a:solidFill>
-                  <a:schemeClr val="tx1"/>
-                </a:solidFill>
-                <a:latin typeface="LG Smart UI Regular" panose="020B0500000101010101" pitchFamily="50" charset="-127"/>
-                <a:ea typeface="LG Smart UI Regular" panose="020B0500000101010101" pitchFamily="50" charset="-127"/>
-                <a:cs typeface="KoPubWorld바탕체 Bold" panose="00000800000000000000" pitchFamily="2" charset="-127"/>
-              </a:rPr>
-              <a:t>기능</a:t>
-            </a:r>
-            <a:r>
-              <a:rPr lang="en-US" altLang="ko-KR" sz="1230" b="0" dirty="0" smtClean="0">
-                <a:solidFill>
-                  <a:schemeClr val="tx1"/>
-                </a:solidFill>
-                <a:latin typeface="LG Smart UI Regular" panose="020B0500000101010101" pitchFamily="50" charset="-127"/>
-                <a:ea typeface="LG Smart UI Regular" panose="020B0500000101010101" pitchFamily="50" charset="-127"/>
-                <a:cs typeface="KoPubWorld바탕체 Bold" panose="00000800000000000000" pitchFamily="2" charset="-127"/>
-              </a:rPr>
-              <a:t>2</a:t>
-            </a:r>
-            <a:r>
-              <a:rPr lang="ko-KR" altLang="en-US" sz="1230" b="0" dirty="0" smtClean="0">
-                <a:solidFill>
-                  <a:schemeClr val="tx1"/>
-                </a:solidFill>
-                <a:latin typeface="LG Smart UI Regular" panose="020B0500000101010101" pitchFamily="50" charset="-127"/>
-                <a:ea typeface="LG Smart UI Regular" panose="020B0500000101010101" pitchFamily="50" charset="-127"/>
-                <a:cs typeface="KoPubWorld바탕체 Bold" panose="00000800000000000000" pitchFamily="2" charset="-127"/>
-              </a:rPr>
-              <a:t>에 대한 내용 실행</a:t>
-            </a:r>
-            <a:endParaRPr lang="en-US" altLang="ko-KR" sz="1230" b="0" dirty="0">
+            <a:endParaRPr lang="en-US" altLang="ko-KR" sz="1230" dirty="0">
               <a:solidFill>
                 <a:schemeClr val="tx1"/>
               </a:solidFill>
@@ -8566,8 +8768,8 @@
         </p:nvSpPr>
         <p:spPr>
           <a:xfrm>
-            <a:off x="2019398" y="1647569"/>
-            <a:ext cx="6127824" cy="3739979"/>
+            <a:off x="1738746" y="996779"/>
+            <a:ext cx="5123373" cy="4431955"/>
           </a:xfrm>
           <a:prstGeom prst="rect">
             <a:avLst/>
@@ -8593,6 +8795,17 @@
           </a:lstStyle>
           <a:p>
             <a:r>
+              <a:rPr lang="en-US" altLang="ko-KR" sz="1230" b="0" dirty="0" err="1">
+                <a:solidFill>
+                  <a:schemeClr val="tx1"/>
+                </a:solidFill>
+                <a:latin typeface="LG Smart UI Regular" panose="020B0500000101010101" pitchFamily="50" charset="-127"/>
+                <a:ea typeface="LG Smart UI Regular" panose="020B0500000101010101" pitchFamily="50" charset="-127"/>
+                <a:cs typeface="KoPubWorld바탕체 Bold" panose="00000800000000000000" pitchFamily="2" charset="-127"/>
+              </a:rPr>
+              <a:t>i</a:t>
+            </a:r>
+            <a:r>
               <a:rPr lang="en-US" altLang="ko-KR" sz="1230" b="0" dirty="0" err="1" smtClean="0">
                 <a:solidFill>
                   <a:schemeClr val="tx1"/>
@@ -8601,18 +8814,29 @@
                 <a:ea typeface="LG Smart UI Regular" panose="020B0500000101010101" pitchFamily="50" charset="-127"/>
                 <a:cs typeface="KoPubWorld바탕체 Bold" panose="00000800000000000000" pitchFamily="2" charset="-127"/>
               </a:rPr>
-              <a:t>Int</a:t>
-            </a:r>
-            <a:r>
-              <a:rPr lang="en-US" altLang="ko-KR" sz="1230" b="0" dirty="0" smtClean="0">
-                <a:solidFill>
-                  <a:schemeClr val="tx1"/>
-                </a:solidFill>
-                <a:latin typeface="LG Smart UI Regular" panose="020B0500000101010101" pitchFamily="50" charset="-127"/>
-                <a:ea typeface="LG Smart UI Regular" panose="020B0500000101010101" pitchFamily="50" charset="-127"/>
-                <a:cs typeface="KoPubWorld바탕체 Bold" panose="00000800000000000000" pitchFamily="2" charset="-127"/>
-              </a:rPr>
-              <a:t> func1(){</a:t>
+              <a:t>nt</a:t>
+            </a:r>
+            <a:r>
+              <a:rPr lang="en-US" altLang="ko-KR" sz="1230" b="0" dirty="0" smtClean="0">
+                <a:solidFill>
+                  <a:schemeClr val="tx1"/>
+                </a:solidFill>
+                <a:latin typeface="LG Smart UI Regular" panose="020B0500000101010101" pitchFamily="50" charset="-127"/>
+                <a:ea typeface="LG Smart UI Regular" panose="020B0500000101010101" pitchFamily="50" charset="-127"/>
+                <a:cs typeface="KoPubWorld바탕체 Bold" panose="00000800000000000000" pitchFamily="2" charset="-127"/>
+              </a:rPr>
+              <a:t> </a:t>
+            </a:r>
+            <a:r>
+              <a:rPr lang="en-US" altLang="ko-KR" sz="1230" b="0" dirty="0" smtClean="0">
+                <a:solidFill>
+                  <a:schemeClr val="tx1"/>
+                </a:solidFill>
+                <a:latin typeface="LG Smart UI Regular" panose="020B0500000101010101" pitchFamily="50" charset="-127"/>
+                <a:ea typeface="LG Smart UI Regular" panose="020B0500000101010101" pitchFamily="50" charset="-127"/>
+                <a:cs typeface="KoPubWorld바탕체 Bold" panose="00000800000000000000" pitchFamily="2" charset="-127"/>
+              </a:rPr>
+              <a:t>func1(){</a:t>
             </a:r>
           </a:p>
           <a:p>
@@ -8651,6 +8875,17 @@
           </a:p>
           <a:p>
             <a:r>
+              <a:rPr lang="en-US" altLang="ko-KR" sz="1230" b="0" dirty="0" err="1">
+                <a:solidFill>
+                  <a:schemeClr val="tx1"/>
+                </a:solidFill>
+                <a:latin typeface="LG Smart UI Regular" panose="020B0500000101010101" pitchFamily="50" charset="-127"/>
+                <a:ea typeface="LG Smart UI Regular" panose="020B0500000101010101" pitchFamily="50" charset="-127"/>
+                <a:cs typeface="KoPubWorld바탕체 Bold" panose="00000800000000000000" pitchFamily="2" charset="-127"/>
+              </a:rPr>
+              <a:t>i</a:t>
+            </a:r>
+            <a:r>
               <a:rPr lang="en-US" altLang="ko-KR" sz="1230" b="0" dirty="0" err="1" smtClean="0">
                 <a:solidFill>
                   <a:schemeClr val="tx1"/>
@@ -8659,18 +8894,29 @@
                 <a:ea typeface="LG Smart UI Regular" panose="020B0500000101010101" pitchFamily="50" charset="-127"/>
                 <a:cs typeface="KoPubWorld바탕체 Bold" panose="00000800000000000000" pitchFamily="2" charset="-127"/>
               </a:rPr>
-              <a:t>Int</a:t>
-            </a:r>
-            <a:r>
-              <a:rPr lang="en-US" altLang="ko-KR" sz="1230" b="0" dirty="0" smtClean="0">
-                <a:solidFill>
-                  <a:schemeClr val="tx1"/>
-                </a:solidFill>
-                <a:latin typeface="LG Smart UI Regular" panose="020B0500000101010101" pitchFamily="50" charset="-127"/>
-                <a:ea typeface="LG Smart UI Regular" panose="020B0500000101010101" pitchFamily="50" charset="-127"/>
-                <a:cs typeface="KoPubWorld바탕체 Bold" panose="00000800000000000000" pitchFamily="2" charset="-127"/>
-              </a:rPr>
-              <a:t> func2(</a:t>
+              <a:t>nt</a:t>
+            </a:r>
+            <a:r>
+              <a:rPr lang="en-US" altLang="ko-KR" sz="1230" b="0" dirty="0" smtClean="0">
+                <a:solidFill>
+                  <a:schemeClr val="tx1"/>
+                </a:solidFill>
+                <a:latin typeface="LG Smart UI Regular" panose="020B0500000101010101" pitchFamily="50" charset="-127"/>
+                <a:ea typeface="LG Smart UI Regular" panose="020B0500000101010101" pitchFamily="50" charset="-127"/>
+                <a:cs typeface="KoPubWorld바탕체 Bold" panose="00000800000000000000" pitchFamily="2" charset="-127"/>
+              </a:rPr>
+              <a:t> </a:t>
+            </a:r>
+            <a:r>
+              <a:rPr lang="en-US" altLang="ko-KR" sz="1230" b="0" dirty="0" smtClean="0">
+                <a:solidFill>
+                  <a:schemeClr val="tx1"/>
+                </a:solidFill>
+                <a:latin typeface="LG Smart UI Regular" panose="020B0500000101010101" pitchFamily="50" charset="-127"/>
+                <a:ea typeface="LG Smart UI Regular" panose="020B0500000101010101" pitchFamily="50" charset="-127"/>
+                <a:cs typeface="KoPubWorld바탕체 Bold" panose="00000800000000000000" pitchFamily="2" charset="-127"/>
+              </a:rPr>
+              <a:t>func2(</a:t>
             </a:r>
             <a:r>
               <a:rPr lang="en-US" altLang="ko-KR" sz="1230" b="0" dirty="0" err="1" smtClean="0">
@@ -8763,6 +9009,17 @@
           </a:p>
           <a:p>
             <a:r>
+              <a:rPr lang="en-US" altLang="ko-KR" sz="1230" b="0" dirty="0" err="1">
+                <a:solidFill>
+                  <a:schemeClr val="tx1"/>
+                </a:solidFill>
+                <a:latin typeface="LG Smart UI Regular" panose="020B0500000101010101" pitchFamily="50" charset="-127"/>
+                <a:ea typeface="LG Smart UI Regular" panose="020B0500000101010101" pitchFamily="50" charset="-127"/>
+                <a:cs typeface="KoPubWorld바탕체 Bold" panose="00000800000000000000" pitchFamily="2" charset="-127"/>
+              </a:rPr>
+              <a:t>i</a:t>
+            </a:r>
+            <a:r>
               <a:rPr lang="en-US" altLang="ko-KR" sz="1230" b="0" dirty="0" err="1" smtClean="0">
                 <a:solidFill>
                   <a:schemeClr val="tx1"/>
@@ -8771,34 +9028,56 @@
                 <a:ea typeface="LG Smart UI Regular" panose="020B0500000101010101" pitchFamily="50" charset="-127"/>
                 <a:cs typeface="KoPubWorld바탕체 Bold" panose="00000800000000000000" pitchFamily="2" charset="-127"/>
               </a:rPr>
-              <a:t>Int</a:t>
-            </a:r>
-            <a:r>
-              <a:rPr lang="en-US" altLang="ko-KR" sz="1230" b="0" dirty="0" smtClean="0">
-                <a:solidFill>
-                  <a:schemeClr val="tx1"/>
-                </a:solidFill>
-                <a:latin typeface="LG Smart UI Regular" panose="020B0500000101010101" pitchFamily="50" charset="-127"/>
-                <a:ea typeface="LG Smart UI Regular" panose="020B0500000101010101" pitchFamily="50" charset="-127"/>
-                <a:cs typeface="KoPubWorld바탕체 Bold" panose="00000800000000000000" pitchFamily="2" charset="-127"/>
-              </a:rPr>
-              <a:t> main(){</a:t>
-            </a:r>
-          </a:p>
-          <a:p>
-            <a:r>
-              <a:rPr lang="en-US" altLang="ko-KR" sz="1230" b="0" dirty="0" smtClean="0">
-                <a:solidFill>
-                  <a:schemeClr val="tx1"/>
-                </a:solidFill>
-                <a:latin typeface="LG Smart UI Regular" panose="020B0500000101010101" pitchFamily="50" charset="-127"/>
-                <a:ea typeface="LG Smart UI Regular" panose="020B0500000101010101" pitchFamily="50" charset="-127"/>
-                <a:cs typeface="KoPubWorld바탕체 Bold" panose="00000800000000000000" pitchFamily="2" charset="-127"/>
-              </a:rPr>
-              <a:t>	func2(1); // </a:t>
-            </a:r>
-            <a:r>
-              <a:rPr lang="ko-KR" altLang="en-US" sz="1230" b="0" dirty="0" smtClean="0">
+              <a:t>nt</a:t>
+            </a:r>
+            <a:r>
+              <a:rPr lang="en-US" altLang="ko-KR" sz="1230" b="0" dirty="0" smtClean="0">
+                <a:solidFill>
+                  <a:schemeClr val="tx1"/>
+                </a:solidFill>
+                <a:latin typeface="LG Smart UI Regular" panose="020B0500000101010101" pitchFamily="50" charset="-127"/>
+                <a:ea typeface="LG Smart UI Regular" panose="020B0500000101010101" pitchFamily="50" charset="-127"/>
+                <a:cs typeface="KoPubWorld바탕체 Bold" panose="00000800000000000000" pitchFamily="2" charset="-127"/>
+              </a:rPr>
+              <a:t> </a:t>
+            </a:r>
+            <a:r>
+              <a:rPr lang="en-US" altLang="ko-KR" sz="1230" b="0" dirty="0" smtClean="0">
+                <a:solidFill>
+                  <a:schemeClr val="tx1"/>
+                </a:solidFill>
+                <a:latin typeface="LG Smart UI Regular" panose="020B0500000101010101" pitchFamily="50" charset="-127"/>
+                <a:ea typeface="LG Smart UI Regular" panose="020B0500000101010101" pitchFamily="50" charset="-127"/>
+                <a:cs typeface="KoPubWorld바탕체 Bold" panose="00000800000000000000" pitchFamily="2" charset="-127"/>
+              </a:rPr>
+              <a:t>main(){</a:t>
+            </a:r>
+          </a:p>
+          <a:p>
+            <a:r>
+              <a:rPr lang="en-US" altLang="ko-KR" sz="1230" b="0" dirty="0" smtClean="0">
+                <a:solidFill>
+                  <a:schemeClr val="tx1"/>
+                </a:solidFill>
+                <a:latin typeface="LG Smart UI Regular" panose="020B0500000101010101" pitchFamily="50" charset="-127"/>
+                <a:ea typeface="LG Smart UI Regular" panose="020B0500000101010101" pitchFamily="50" charset="-127"/>
+                <a:cs typeface="KoPubWorld바탕체 Bold" panose="00000800000000000000" pitchFamily="2" charset="-127"/>
+              </a:rPr>
+              <a:t>	func2(1); </a:t>
+            </a:r>
+            <a:r>
+              <a:rPr lang="en-US" altLang="ko-KR" sz="1230" dirty="0" smtClean="0">
+                <a:solidFill>
+                  <a:schemeClr val="tx1"/>
+                </a:solidFill>
+                <a:latin typeface="LG Smart UI Regular" panose="020B0500000101010101" pitchFamily="50" charset="-127"/>
+                <a:ea typeface="LG Smart UI Regular" panose="020B0500000101010101" pitchFamily="50" charset="-127"/>
+                <a:cs typeface="KoPubWorld바탕체 Bold" panose="00000800000000000000" pitchFamily="2" charset="-127"/>
+              </a:rPr>
+              <a:t>// </a:t>
+            </a:r>
+            <a:r>
+              <a:rPr lang="ko-KR" altLang="en-US" sz="1230" dirty="0" smtClean="0">
                 <a:solidFill>
                   <a:schemeClr val="tx1"/>
                 </a:solidFill>
@@ -8809,16 +9088,35 @@
               <a:t>첫 번째 인자에 </a:t>
             </a:r>
             <a:r>
-              <a:rPr lang="en-US" altLang="ko-KR" sz="1230" b="0" dirty="0" smtClean="0">
-                <a:solidFill>
-                  <a:schemeClr val="tx1"/>
-                </a:solidFill>
-                <a:latin typeface="LG Smart UI Regular" panose="020B0500000101010101" pitchFamily="50" charset="-127"/>
-                <a:ea typeface="LG Smart UI Regular" panose="020B0500000101010101" pitchFamily="50" charset="-127"/>
-                <a:cs typeface="KoPubWorld바탕체 Bold" panose="00000800000000000000" pitchFamily="2" charset="-127"/>
-              </a:rPr>
-              <a:t>x</a:t>
-            </a:r>
+              <a:rPr lang="en-US" altLang="ko-KR" sz="1230" dirty="0" smtClean="0">
+                <a:solidFill>
+                  <a:schemeClr val="tx1"/>
+                </a:solidFill>
+                <a:latin typeface="LG Smart UI Regular" panose="020B0500000101010101" pitchFamily="50" charset="-127"/>
+                <a:ea typeface="LG Smart UI Regular" panose="020B0500000101010101" pitchFamily="50" charset="-127"/>
+                <a:cs typeface="KoPubWorld바탕체 Bold" panose="00000800000000000000" pitchFamily="2" charset="-127"/>
+              </a:rPr>
+              <a:t>x </a:t>
+            </a:r>
+            <a:r>
+              <a:rPr lang="ko-KR" altLang="en-US" sz="1230" dirty="0" smtClean="0">
+                <a:solidFill>
+                  <a:schemeClr val="tx1"/>
+                </a:solidFill>
+                <a:latin typeface="LG Smart UI Regular" panose="020B0500000101010101" pitchFamily="50" charset="-127"/>
+                <a:ea typeface="LG Smart UI Regular" panose="020B0500000101010101" pitchFamily="50" charset="-127"/>
+                <a:cs typeface="KoPubWorld바탕체 Bold" panose="00000800000000000000" pitchFamily="2" charset="-127"/>
+              </a:rPr>
+              <a:t>대입</a:t>
+            </a:r>
+            <a:endParaRPr lang="en-US" altLang="ko-KR" sz="1230" dirty="0" smtClean="0">
+              <a:solidFill>
+                <a:schemeClr val="tx1"/>
+              </a:solidFill>
+              <a:latin typeface="LG Smart UI Regular" panose="020B0500000101010101" pitchFamily="50" charset="-127"/>
+              <a:ea typeface="LG Smart UI Regular" panose="020B0500000101010101" pitchFamily="50" charset="-127"/>
+              <a:cs typeface="KoPubWorld바탕체 Bold" panose="00000800000000000000" pitchFamily="2" charset="-127"/>
+            </a:endParaRPr>
           </a:p>
           <a:p>
             <a:r>
@@ -8841,10 +9139,21 @@
                 <a:ea typeface="LG Smart UI Regular" panose="020B0500000101010101" pitchFamily="50" charset="-127"/>
                 <a:cs typeface="KoPubWorld바탕체 Bold" panose="00000800000000000000" pitchFamily="2" charset="-127"/>
               </a:rPr>
-              <a:t>func2(1,2); // </a:t>
-            </a:r>
-            <a:r>
-              <a:rPr lang="ko-KR" altLang="en-US" sz="1230" b="0" dirty="0" smtClean="0">
+              <a:t>func2(1,2); </a:t>
+            </a:r>
+            <a:r>
+              <a:rPr lang="en-US" altLang="ko-KR" sz="1230" dirty="0" smtClean="0">
+                <a:solidFill>
+                  <a:schemeClr val="tx1"/>
+                </a:solidFill>
+                <a:latin typeface="LG Smart UI Regular" panose="020B0500000101010101" pitchFamily="50" charset="-127"/>
+                <a:ea typeface="LG Smart UI Regular" panose="020B0500000101010101" pitchFamily="50" charset="-127"/>
+                <a:cs typeface="KoPubWorld바탕체 Bold" panose="00000800000000000000" pitchFamily="2" charset="-127"/>
+              </a:rPr>
+              <a:t>// </a:t>
+            </a:r>
+            <a:r>
+              <a:rPr lang="ko-KR" altLang="en-US" sz="1230" dirty="0" smtClean="0">
                 <a:solidFill>
                   <a:schemeClr val="tx1"/>
                 </a:solidFill>
@@ -8854,7 +9163,7 @@
               </a:rPr>
               <a:t>첫 번째와 두 번째 인자에 대입</a:t>
             </a:r>
-            <a:endParaRPr lang="en-US" altLang="ko-KR" sz="1230" b="0" dirty="0" smtClean="0">
+            <a:endParaRPr lang="en-US" altLang="ko-KR" sz="1230" dirty="0" smtClean="0">
               <a:solidFill>
                 <a:schemeClr val="tx1"/>
               </a:solidFill>
@@ -8907,14 +9216,6 @@
               </a:rPr>
               <a:t>}</a:t>
             </a:r>
-            <a:endParaRPr lang="en-US" altLang="ko-KR" sz="1230" b="0" dirty="0">
-              <a:solidFill>
-                <a:schemeClr val="tx1"/>
-              </a:solidFill>
-              <a:latin typeface="LG Smart UI Regular" panose="020B0500000101010101" pitchFamily="50" charset="-127"/>
-              <a:ea typeface="LG Smart UI Regular" panose="020B0500000101010101" pitchFamily="50" charset="-127"/>
-              <a:cs typeface="KoPubWorld바탕체 Bold" panose="00000800000000000000" pitchFamily="2" charset="-127"/>
-            </a:endParaRPr>
           </a:p>
         </p:txBody>
       </p:sp>
@@ -9292,18 +9593,7 @@
                 <a:ea typeface="LG Smart UI Regular" panose="020B0500000101010101" pitchFamily="50" charset="-127"/>
                 <a:cs typeface="KoPubWorld바탕체 Bold" panose="00000800000000000000" pitchFamily="2" charset="-127"/>
               </a:rPr>
-              <a:t>v</a:t>
-            </a:r>
-            <a:r>
-              <a:rPr lang="en-US" altLang="ko-KR" sz="1230" b="0" dirty="0" smtClean="0">
-                <a:solidFill>
-                  <a:schemeClr val="tx1"/>
-                </a:solidFill>
-                <a:latin typeface="LG Smart UI Regular" panose="020B0500000101010101" pitchFamily="50" charset="-127"/>
-                <a:ea typeface="LG Smart UI Regular" panose="020B0500000101010101" pitchFamily="50" charset="-127"/>
-                <a:cs typeface="KoPubWorld바탕체 Bold" panose="00000800000000000000" pitchFamily="2" charset="-127"/>
-              </a:rPr>
-              <a:t>oid </a:t>
+              <a:t>void </a:t>
             </a:r>
             <a:r>
               <a:rPr lang="en-US" altLang="ko-KR" sz="1230" b="0" dirty="0" err="1" smtClean="0">
@@ -9570,8 +9860,16 @@
                 <a:ea typeface="LG Smart UI Regular" panose="020B0500000101010101" pitchFamily="50" charset="-127"/>
                 <a:cs typeface="KoPubWorld바탕체 Bold" panose="00000800000000000000" pitchFamily="2" charset="-127"/>
               </a:rPr>
-              <a:t>}</a:t>
-            </a:r>
+              <a:t>};</a:t>
+            </a:r>
+            <a:endParaRPr lang="en-US" altLang="ko-KR" sz="1230" b="0" dirty="0" smtClean="0">
+              <a:solidFill>
+                <a:schemeClr val="tx1"/>
+              </a:solidFill>
+              <a:latin typeface="LG Smart UI Regular" panose="020B0500000101010101" pitchFamily="50" charset="-127"/>
+              <a:ea typeface="LG Smart UI Regular" panose="020B0500000101010101" pitchFamily="50" charset="-127"/>
+              <a:cs typeface="KoPubWorld바탕체 Bold" panose="00000800000000000000" pitchFamily="2" charset="-127"/>
+            </a:endParaRPr>
           </a:p>
           <a:p>
             <a:endParaRPr lang="en-US" altLang="ko-KR" sz="1230" b="0" dirty="0">
@@ -17390,10 +17688,21 @@
                 <a:ea typeface="LG Smart UI Regular" panose="020B0500000101010101" pitchFamily="50" charset="-127"/>
                 <a:cs typeface="KoPubWorld바탕체 Bold" panose="00000800000000000000" pitchFamily="2" charset="-127"/>
               </a:rPr>
-              <a:t>class Class2 : public Class1{ // Class2</a:t>
-            </a:r>
-            <a:r>
-              <a:rPr lang="ko-KR" altLang="en-US" sz="1230" b="0" dirty="0" smtClean="0">
+              <a:t>class Class2 : public Class1</a:t>
+            </a:r>
+            <a:r>
+              <a:rPr lang="en-US" altLang="ko-KR" sz="1230" dirty="0" smtClean="0">
+                <a:solidFill>
+                  <a:schemeClr val="tx1"/>
+                </a:solidFill>
+                <a:latin typeface="LG Smart UI Regular" panose="020B0500000101010101" pitchFamily="50" charset="-127"/>
+                <a:ea typeface="LG Smart UI Regular" panose="020B0500000101010101" pitchFamily="50" charset="-127"/>
+                <a:cs typeface="KoPubWorld바탕체 Bold" panose="00000800000000000000" pitchFamily="2" charset="-127"/>
+              </a:rPr>
+              <a:t>{ // Class2</a:t>
+            </a:r>
+            <a:r>
+              <a:rPr lang="ko-KR" altLang="en-US" sz="1230" dirty="0" smtClean="0">
                 <a:solidFill>
                   <a:schemeClr val="tx1"/>
                 </a:solidFill>
@@ -17404,7 +17713,7 @@
               <a:t>는 </a:t>
             </a:r>
             <a:r>
-              <a:rPr lang="en-US" altLang="ko-KR" sz="1230" b="0" dirty="0" smtClean="0">
+              <a:rPr lang="en-US" altLang="ko-KR" sz="1230" dirty="0" smtClean="0">
                 <a:solidFill>
                   <a:schemeClr val="tx1"/>
                 </a:solidFill>
@@ -17415,7 +17724,7 @@
               <a:t>Class1</a:t>
             </a:r>
             <a:r>
-              <a:rPr lang="ko-KR" altLang="en-US" sz="1230" b="0" dirty="0" smtClean="0">
+              <a:rPr lang="ko-KR" altLang="en-US" sz="1230" dirty="0" smtClean="0">
                 <a:solidFill>
                   <a:schemeClr val="tx1"/>
                 </a:solidFill>
@@ -17426,7 +17735,7 @@
               <a:t>을 </a:t>
             </a:r>
             <a:r>
-              <a:rPr lang="ko-KR" altLang="en-US" sz="1230" b="0" dirty="0" err="1" smtClean="0">
+              <a:rPr lang="ko-KR" altLang="en-US" sz="1230" dirty="0" err="1" smtClean="0">
                 <a:solidFill>
                   <a:schemeClr val="tx1"/>
                 </a:solidFill>
@@ -17437,7 +17746,7 @@
               <a:t>갖고있다</a:t>
             </a:r>
             <a:r>
-              <a:rPr lang="en-US" altLang="ko-KR" sz="1230" b="0" dirty="0" smtClean="0">
+              <a:rPr lang="en-US" altLang="ko-KR" sz="1230" dirty="0" smtClean="0">
                 <a:solidFill>
                   <a:schemeClr val="tx1"/>
                 </a:solidFill>
@@ -17447,7 +17756,7 @@
               </a:rPr>
               <a:t>. Has-A</a:t>
             </a:r>
-            <a:endParaRPr lang="en-US" altLang="ko-KR" sz="1230" b="0" dirty="0">
+            <a:endParaRPr lang="en-US" altLang="ko-KR" sz="1230" dirty="0">
               <a:solidFill>
                 <a:schemeClr val="tx1"/>
               </a:solidFill>
@@ -17623,10 +17932,21 @@
                 <a:ea typeface="LG Smart UI Regular" panose="020B0500000101010101" pitchFamily="50" charset="-127"/>
                 <a:cs typeface="KoPubWorld바탕체 Bold" panose="00000800000000000000" pitchFamily="2" charset="-127"/>
               </a:rPr>
-              <a:t>class Class2 : protected Class1{ // Class2</a:t>
-            </a:r>
-            <a:r>
-              <a:rPr lang="ko-KR" altLang="en-US" sz="1230" b="0" dirty="0" smtClean="0">
+              <a:t>class Class2 : protected Class1{ </a:t>
+            </a:r>
+            <a:r>
+              <a:rPr lang="en-US" altLang="ko-KR" sz="1230" dirty="0" smtClean="0">
+                <a:solidFill>
+                  <a:schemeClr val="tx1"/>
+                </a:solidFill>
+                <a:latin typeface="LG Smart UI Regular" panose="020B0500000101010101" pitchFamily="50" charset="-127"/>
+                <a:ea typeface="LG Smart UI Regular" panose="020B0500000101010101" pitchFamily="50" charset="-127"/>
+                <a:cs typeface="KoPubWorld바탕체 Bold" panose="00000800000000000000" pitchFamily="2" charset="-127"/>
+              </a:rPr>
+              <a:t>// Class2</a:t>
+            </a:r>
+            <a:r>
+              <a:rPr lang="ko-KR" altLang="en-US" sz="1230" dirty="0" smtClean="0">
                 <a:solidFill>
                   <a:schemeClr val="tx1"/>
                 </a:solidFill>
@@ -17637,7 +17957,7 @@
               <a:t>는 </a:t>
             </a:r>
             <a:r>
-              <a:rPr lang="en-US" altLang="ko-KR" sz="1230" b="0" dirty="0" smtClean="0">
+              <a:rPr lang="en-US" altLang="ko-KR" sz="1230" dirty="0" smtClean="0">
                 <a:solidFill>
                   <a:schemeClr val="tx1"/>
                 </a:solidFill>
@@ -17648,7 +17968,7 @@
               <a:t>Class1</a:t>
             </a:r>
             <a:r>
-              <a:rPr lang="ko-KR" altLang="en-US" sz="1230" b="0" dirty="0" smtClean="0">
+              <a:rPr lang="ko-KR" altLang="en-US" sz="1230" dirty="0" smtClean="0">
                 <a:solidFill>
                   <a:schemeClr val="tx1"/>
                 </a:solidFill>
@@ -17659,7 +17979,7 @@
               <a:t>을</a:t>
             </a:r>
             <a:r>
-              <a:rPr lang="en-US" altLang="ko-KR" sz="1230" b="0" dirty="0" smtClean="0">
+              <a:rPr lang="en-US" altLang="ko-KR" sz="1230" dirty="0" smtClean="0">
                 <a:solidFill>
                   <a:schemeClr val="tx1"/>
                 </a:solidFill>
@@ -17670,17 +17990,39 @@
               <a:t> </a:t>
             </a:r>
             <a:r>
-              <a:rPr lang="ko-KR" altLang="en-US" sz="1230" b="0" dirty="0" smtClean="0">
-                <a:solidFill>
-                  <a:schemeClr val="tx1"/>
-                </a:solidFill>
-                <a:latin typeface="LG Smart UI Regular" panose="020B0500000101010101" pitchFamily="50" charset="-127"/>
-                <a:ea typeface="LG Smart UI Regular" panose="020B0500000101010101" pitchFamily="50" charset="-127"/>
-                <a:cs typeface="KoPubWorld바탕체 Bold" panose="00000800000000000000" pitchFamily="2" charset="-127"/>
-              </a:rPr>
-              <a:t>상속 받아 그 클래스의 특성을 확장시켜 사용 하는 것</a:t>
-            </a:r>
-            <a:endParaRPr lang="en-US" altLang="ko-KR" sz="1230" b="0" dirty="0" smtClean="0">
+              <a:rPr lang="ko-KR" altLang="en-US" sz="1230" dirty="0" smtClean="0">
+                <a:solidFill>
+                  <a:schemeClr val="tx1"/>
+                </a:solidFill>
+                <a:latin typeface="LG Smart UI Regular" panose="020B0500000101010101" pitchFamily="50" charset="-127"/>
+                <a:ea typeface="LG Smart UI Regular" panose="020B0500000101010101" pitchFamily="50" charset="-127"/>
+                <a:cs typeface="KoPubWorld바탕체 Bold" panose="00000800000000000000" pitchFamily="2" charset="-127"/>
+              </a:rPr>
+              <a:t>상속 받아 그 클래스의 특성을 확장시켜 </a:t>
+            </a:r>
+            <a:r>
+              <a:rPr lang="ko-KR" altLang="en-US" sz="1230" dirty="0" smtClean="0">
+                <a:solidFill>
+                  <a:schemeClr val="tx1"/>
+                </a:solidFill>
+                <a:latin typeface="LG Smart UI Regular" panose="020B0500000101010101" pitchFamily="50" charset="-127"/>
+                <a:ea typeface="LG Smart UI Regular" panose="020B0500000101010101" pitchFamily="50" charset="-127"/>
+                <a:cs typeface="KoPubWorld바탕체 Bold" panose="00000800000000000000" pitchFamily="2" charset="-127"/>
+              </a:rPr>
+              <a:t>사</a:t>
+            </a:r>
+            <a:r>
+              <a:rPr lang="ko-KR" altLang="en-US" sz="1230" dirty="0">
+                <a:solidFill>
+                  <a:schemeClr val="tx1"/>
+                </a:solidFill>
+                <a:latin typeface="LG Smart UI Regular" panose="020B0500000101010101" pitchFamily="50" charset="-127"/>
+                <a:ea typeface="LG Smart UI Regular" panose="020B0500000101010101" pitchFamily="50" charset="-127"/>
+                <a:cs typeface="KoPubWorld바탕체 Bold" panose="00000800000000000000" pitchFamily="2" charset="-127"/>
+              </a:rPr>
+              <a:t>용</a:t>
+            </a:r>
+            <a:endParaRPr lang="en-US" altLang="ko-KR" sz="1230" dirty="0" smtClean="0">
               <a:solidFill>
                 <a:schemeClr val="tx1"/>
               </a:solidFill>
@@ -17699,7 +18041,18 @@
                 <a:ea typeface="LG Smart UI Regular" panose="020B0500000101010101" pitchFamily="50" charset="-127"/>
                 <a:cs typeface="KoPubWorld바탕체 Bold" panose="00000800000000000000" pitchFamily="2" charset="-127"/>
               </a:rPr>
-              <a:t>}; // Is - A</a:t>
+              <a:t>}; </a:t>
+            </a:r>
+            <a:r>
+              <a:rPr lang="en-US" altLang="ko-KR" sz="1230" b="0" dirty="0" smtClean="0">
+                <a:solidFill>
+                  <a:schemeClr val="tx1"/>
+                </a:solidFill>
+                <a:latin typeface="LG Smart UI Regular" panose="020B0500000101010101" pitchFamily="50" charset="-127"/>
+                <a:ea typeface="LG Smart UI Regular" panose="020B0500000101010101" pitchFamily="50" charset="-127"/>
+                <a:cs typeface="KoPubWorld바탕체 Bold" panose="00000800000000000000" pitchFamily="2" charset="-127"/>
+              </a:rPr>
+              <a:t>// Is - A</a:t>
             </a:r>
             <a:endParaRPr lang="en-US" altLang="ko-KR" sz="1230" b="0" dirty="0">
               <a:solidFill>
